--- a/DatasetsOverview.pptx
+++ b/DatasetsOverview.pptx
@@ -6,11 +6,14 @@
   </p:sldMasterIdLst>
   <p:sldIdLst>
     <p:sldId id="261" r:id="rId2"/>
-    <p:sldId id="258" r:id="rId3"/>
-    <p:sldId id="259" r:id="rId4"/>
-    <p:sldId id="257" r:id="rId5"/>
-    <p:sldId id="260" r:id="rId6"/>
-    <p:sldId id="262" r:id="rId7"/>
+    <p:sldId id="263" r:id="rId3"/>
+    <p:sldId id="264" r:id="rId4"/>
+    <p:sldId id="265" r:id="rId5"/>
+    <p:sldId id="266" r:id="rId6"/>
+    <p:sldId id="259" r:id="rId7"/>
+    <p:sldId id="257" r:id="rId8"/>
+    <p:sldId id="260" r:id="rId9"/>
+    <p:sldId id="262" r:id="rId10"/>
   </p:sldIdLst>
   <p:sldSz cx="12192000" cy="6858000"/>
   <p:notesSz cx="6858000" cy="9144000"/>
@@ -109,6 +112,11 @@
       </a:defRPr>
     </a:lvl9pPr>
   </p:defaultTextStyle>
+  <p:extLst>
+    <p:ext uri="{EFAFB233-063F-42B5-8137-9DF3F51BA10A}">
+      <p15:sldGuideLst xmlns:p15="http://schemas.microsoft.com/office/powerpoint/2012/main"/>
+    </p:ext>
+  </p:extLst>
 </p:presentation>
 </file>
 
@@ -259,7 +267,7 @@
           <a:p>
             <a:fld id="{2A532FE2-2DA6-4190-B206-F5BB49DF417A}" type="datetimeFigureOut">
               <a:rPr lang="en-US" smtClean="0"/>
-              <a:t>7/27/2021</a:t>
+              <a:t>7/28/2021</a:t>
             </a:fld>
             <a:endParaRPr lang="en-US"/>
           </a:p>
@@ -457,7 +465,7 @@
           <a:p>
             <a:fld id="{2A532FE2-2DA6-4190-B206-F5BB49DF417A}" type="datetimeFigureOut">
               <a:rPr lang="en-US" smtClean="0"/>
-              <a:t>7/27/2021</a:t>
+              <a:t>7/28/2021</a:t>
             </a:fld>
             <a:endParaRPr lang="en-US"/>
           </a:p>
@@ -665,7 +673,7 @@
           <a:p>
             <a:fld id="{2A532FE2-2DA6-4190-B206-F5BB49DF417A}" type="datetimeFigureOut">
               <a:rPr lang="en-US" smtClean="0"/>
-              <a:t>7/27/2021</a:t>
+              <a:t>7/28/2021</a:t>
             </a:fld>
             <a:endParaRPr lang="en-US"/>
           </a:p>
@@ -863,7 +871,7 @@
           <a:p>
             <a:fld id="{2A532FE2-2DA6-4190-B206-F5BB49DF417A}" type="datetimeFigureOut">
               <a:rPr lang="en-US" smtClean="0"/>
-              <a:t>7/27/2021</a:t>
+              <a:t>7/28/2021</a:t>
             </a:fld>
             <a:endParaRPr lang="en-US"/>
           </a:p>
@@ -1138,7 +1146,7 @@
           <a:p>
             <a:fld id="{2A532FE2-2DA6-4190-B206-F5BB49DF417A}" type="datetimeFigureOut">
               <a:rPr lang="en-US" smtClean="0"/>
-              <a:t>7/27/2021</a:t>
+              <a:t>7/28/2021</a:t>
             </a:fld>
             <a:endParaRPr lang="en-US"/>
           </a:p>
@@ -1403,7 +1411,7 @@
           <a:p>
             <a:fld id="{2A532FE2-2DA6-4190-B206-F5BB49DF417A}" type="datetimeFigureOut">
               <a:rPr lang="en-US" smtClean="0"/>
-              <a:t>7/27/2021</a:t>
+              <a:t>7/28/2021</a:t>
             </a:fld>
             <a:endParaRPr lang="en-US"/>
           </a:p>
@@ -1815,7 +1823,7 @@
           <a:p>
             <a:fld id="{2A532FE2-2DA6-4190-B206-F5BB49DF417A}" type="datetimeFigureOut">
               <a:rPr lang="en-US" smtClean="0"/>
-              <a:t>7/27/2021</a:t>
+              <a:t>7/28/2021</a:t>
             </a:fld>
             <a:endParaRPr lang="en-US"/>
           </a:p>
@@ -1956,7 +1964,7 @@
           <a:p>
             <a:fld id="{2A532FE2-2DA6-4190-B206-F5BB49DF417A}" type="datetimeFigureOut">
               <a:rPr lang="en-US" smtClean="0"/>
-              <a:t>7/27/2021</a:t>
+              <a:t>7/28/2021</a:t>
             </a:fld>
             <a:endParaRPr lang="en-US"/>
           </a:p>
@@ -2069,7 +2077,7 @@
           <a:p>
             <a:fld id="{2A532FE2-2DA6-4190-B206-F5BB49DF417A}" type="datetimeFigureOut">
               <a:rPr lang="en-US" smtClean="0"/>
-              <a:t>7/27/2021</a:t>
+              <a:t>7/28/2021</a:t>
             </a:fld>
             <a:endParaRPr lang="en-US"/>
           </a:p>
@@ -2380,7 +2388,7 @@
           <a:p>
             <a:fld id="{2A532FE2-2DA6-4190-B206-F5BB49DF417A}" type="datetimeFigureOut">
               <a:rPr lang="en-US" smtClean="0"/>
-              <a:t>7/27/2021</a:t>
+              <a:t>7/28/2021</a:t>
             </a:fld>
             <a:endParaRPr lang="en-US"/>
           </a:p>
@@ -2668,7 +2676,7 @@
           <a:p>
             <a:fld id="{2A532FE2-2DA6-4190-B206-F5BB49DF417A}" type="datetimeFigureOut">
               <a:rPr lang="en-US" smtClean="0"/>
-              <a:t>7/27/2021</a:t>
+              <a:t>7/28/2021</a:t>
             </a:fld>
             <a:endParaRPr lang="en-US"/>
           </a:p>
@@ -2909,7 +2917,7 @@
           <a:p>
             <a:fld id="{2A532FE2-2DA6-4190-B206-F5BB49DF417A}" type="datetimeFigureOut">
               <a:rPr lang="en-US" smtClean="0"/>
-              <a:t>7/27/2021</a:t>
+              <a:t>7/28/2021</a:t>
             </a:fld>
             <a:endParaRPr lang="en-US"/>
           </a:p>
@@ -3418,7 +3426,7 @@
           <p:cNvPr id="2" name="Title 1">
             <a:extLst>
               <a:ext uri="{FF2B5EF4-FFF2-40B4-BE49-F238E27FC236}">
-                <a16:creationId xmlns:a16="http://schemas.microsoft.com/office/drawing/2014/main" id="{80FEC49E-9CD9-4EDB-A0A3-8C2D0C1A820E}"/>
+                <a16:creationId xmlns:a16="http://schemas.microsoft.com/office/drawing/2014/main" id="{9DEAB20F-EF36-4E29-BDC5-3B9A9F8EF496}"/>
               </a:ext>
             </a:extLst>
           </p:cNvPr>
@@ -3436,44 +3444,91 @@
           <a:p>
             <a:r>
               <a:rPr lang="en-US" dirty="0"/>
-              <a:t>Chargemasters Per Hospital</a:t>
-            </a:r>
+              <a:t>1. Chargemaster Dataset</a:t>
+            </a:r>
+          </a:p>
+        </p:txBody>
+      </p:sp>
+      <p:sp>
+        <p:nvSpPr>
+          <p:cNvPr id="3" name="Content Placeholder 2">
+            <a:extLst>
+              <a:ext uri="{FF2B5EF4-FFF2-40B4-BE49-F238E27FC236}">
+                <a16:creationId xmlns:a16="http://schemas.microsoft.com/office/drawing/2014/main" id="{3FC68ED0-3D02-441A-861E-60A2F37645FF}"/>
+              </a:ext>
+            </a:extLst>
+          </p:cNvPr>
+          <p:cNvSpPr>
+            <a:spLocks noGrp="1"/>
+          </p:cNvSpPr>
+          <p:nvPr>
+            <p:ph idx="1"/>
+          </p:nvPr>
+        </p:nvSpPr>
+        <p:spPr>
+          <a:xfrm>
+            <a:off x="838200" y="1690688"/>
+            <a:ext cx="10515600" cy="4351338"/>
+          </a:xfrm>
+        </p:spPr>
+        <p:txBody>
+          <a:bodyPr/>
+          <a:lstStyle/>
+          <a:p>
+            <a:r>
+              <a:rPr lang="en-US" dirty="0"/>
+              <a:t>Downloaded from </a:t>
+            </a:r>
+            <a:r>
+              <a:rPr lang="en-US" dirty="0">
+                <a:hlinkClick r:id="rId2"/>
+              </a:rPr>
+              <a:t>https://data.chhs.ca.gov/dataset/chargemasters</a:t>
+            </a:r>
+            <a:endParaRPr lang="en-US" dirty="0"/>
+          </a:p>
+          <a:p>
+            <a:pPr marL="0" indent="0">
+              <a:buNone/>
+            </a:pPr>
+            <a:endParaRPr lang="en-US" dirty="0"/>
           </a:p>
         </p:txBody>
       </p:sp>
       <p:pic>
         <p:nvPicPr>
-          <p:cNvPr id="5" name="Content Placeholder 4">
-            <a:extLst>
-              <a:ext uri="{FF2B5EF4-FFF2-40B4-BE49-F238E27FC236}">
-                <a16:creationId xmlns:a16="http://schemas.microsoft.com/office/drawing/2014/main" id="{DB08FD61-5FC3-48D5-BDEA-46493696EE5E}"/>
+          <p:cNvPr id="5" name="Picture 4">
+            <a:extLst>
+              <a:ext uri="{FF2B5EF4-FFF2-40B4-BE49-F238E27FC236}">
+                <a16:creationId xmlns:a16="http://schemas.microsoft.com/office/drawing/2014/main" id="{98EB72AA-4456-4833-90A1-CF2A9F68D309}"/>
               </a:ext>
             </a:extLst>
           </p:cNvPr>
           <p:cNvPicPr>
-            <a:picLocks noGrp="1" noChangeAspect="1"/>
+            <a:picLocks noChangeAspect="1"/>
           </p:cNvPicPr>
-          <p:nvPr>
-            <p:ph idx="1"/>
-          </p:nvPr>
+          <p:nvPr/>
         </p:nvPicPr>
         <p:blipFill>
-          <a:blip r:embed="rId2"/>
+          <a:blip r:embed="rId3"/>
           <a:stretch>
             <a:fillRect/>
           </a:stretch>
         </p:blipFill>
         <p:spPr>
           <a:xfrm>
-            <a:off x="1506134" y="1825625"/>
-            <a:ext cx="9179732" cy="4351338"/>
+            <a:off x="1834624" y="2235254"/>
+            <a:ext cx="8353850" cy="4352108"/>
           </a:xfrm>
+          <a:prstGeom prst="rect">
+            <a:avLst/>
+          </a:prstGeom>
         </p:spPr>
       </p:pic>
     </p:spTree>
     <p:extLst>
       <p:ext uri="{BB962C8B-B14F-4D97-AF65-F5344CB8AC3E}">
-        <p14:creationId xmlns:p14="http://schemas.microsoft.com/office/powerpoint/2010/main" val="2264861467"/>
+        <p14:creationId xmlns:p14="http://schemas.microsoft.com/office/powerpoint/2010/main" val="191954914"/>
       </p:ext>
     </p:extLst>
   </p:cSld>
@@ -3484,6 +3539,523 @@
 </file>
 
 <file path=ppt/slides/slide3.xml><?xml version="1.0" encoding="utf-8"?>
+<p:sld xmlns:a="http://schemas.openxmlformats.org/drawingml/2006/main" xmlns:r="http://schemas.openxmlformats.org/officeDocument/2006/relationships" xmlns:p="http://schemas.openxmlformats.org/presentationml/2006/main">
+  <p:cSld>
+    <p:spTree>
+      <p:nvGrpSpPr>
+        <p:cNvPr id="1" name=""/>
+        <p:cNvGrpSpPr/>
+        <p:nvPr/>
+      </p:nvGrpSpPr>
+      <p:grpSpPr>
+        <a:xfrm>
+          <a:off x="0" y="0"/>
+          <a:ext cx="0" cy="0"/>
+          <a:chOff x="0" y="0"/>
+          <a:chExt cx="0" cy="0"/>
+        </a:xfrm>
+      </p:grpSpPr>
+      <p:sp>
+        <p:nvSpPr>
+          <p:cNvPr id="2" name="Title 1">
+            <a:extLst>
+              <a:ext uri="{FF2B5EF4-FFF2-40B4-BE49-F238E27FC236}">
+                <a16:creationId xmlns:a16="http://schemas.microsoft.com/office/drawing/2014/main" id="{761C8E5A-A7D3-4A45-B296-0295A6DF2AD8}"/>
+              </a:ext>
+            </a:extLst>
+          </p:cNvPr>
+          <p:cNvSpPr>
+            <a:spLocks noGrp="1"/>
+          </p:cNvSpPr>
+          <p:nvPr>
+            <p:ph type="title"/>
+          </p:nvPr>
+        </p:nvSpPr>
+        <p:spPr/>
+        <p:txBody>
+          <a:bodyPr/>
+          <a:lstStyle/>
+          <a:p>
+            <a:r>
+              <a:rPr lang="en-US" dirty="0"/>
+              <a:t>2. Script to extract all target sheets</a:t>
+            </a:r>
+          </a:p>
+        </p:txBody>
+      </p:sp>
+      <p:sp>
+        <p:nvSpPr>
+          <p:cNvPr id="3" name="Content Placeholder 2">
+            <a:extLst>
+              <a:ext uri="{FF2B5EF4-FFF2-40B4-BE49-F238E27FC236}">
+                <a16:creationId xmlns:a16="http://schemas.microsoft.com/office/drawing/2014/main" id="{FD94F76A-C615-4120-80B8-1EBEC98AF414}"/>
+              </a:ext>
+            </a:extLst>
+          </p:cNvPr>
+          <p:cNvSpPr>
+            <a:spLocks noGrp="1"/>
+          </p:cNvSpPr>
+          <p:nvPr>
+            <p:ph idx="1"/>
+          </p:nvPr>
+        </p:nvSpPr>
+        <p:spPr/>
+        <p:txBody>
+          <a:bodyPr/>
+          <a:lstStyle/>
+          <a:p>
+            <a:r>
+              <a:rPr lang="en-US" dirty="0"/>
+              <a:t>Problem:</a:t>
+            </a:r>
+          </a:p>
+          <a:p>
+            <a:pPr marL="914400" lvl="1" indent="-457200">
+              <a:buAutoNum type="arabicParenBoth"/>
+            </a:pPr>
+            <a:r>
+              <a:rPr lang="en-US" dirty="0"/>
+              <a:t>CA government only required for info to be submitted in excel files (no uniform format).</a:t>
+            </a:r>
+          </a:p>
+          <a:p>
+            <a:pPr marL="914400" lvl="1" indent="-457200">
+              <a:buAutoNum type="arabicParenBoth"/>
+            </a:pPr>
+            <a:r>
+              <a:rPr lang="en-US" dirty="0"/>
+              <a:t>Each hospital submitted data under different excel files, sheet names, table formats, etc. </a:t>
+            </a:r>
+          </a:p>
+          <a:p>
+            <a:pPr marL="914400" lvl="1" indent="-457200">
+              <a:buAutoNum type="arabicParenBoth"/>
+            </a:pPr>
+            <a:r>
+              <a:rPr lang="en-US" dirty="0"/>
+              <a:t>Makes it hard to find the ‘Common OP Procedures’ table. </a:t>
+            </a:r>
+          </a:p>
+          <a:p>
+            <a:r>
+              <a:rPr lang="en-US" dirty="0"/>
+              <a:t>Solution:</a:t>
+            </a:r>
+          </a:p>
+          <a:p>
+            <a:pPr marL="914400" lvl="1" indent="-457200">
+              <a:buAutoNum type="arabicParenBoth"/>
+            </a:pPr>
+            <a:r>
+              <a:rPr lang="en-US" dirty="0"/>
+              <a:t>Look through each sheet in every excel file in each hospital folder</a:t>
+            </a:r>
+          </a:p>
+          <a:p>
+            <a:pPr marL="914400" lvl="1" indent="-457200">
+              <a:buAutoNum type="arabicParenBoth"/>
+            </a:pPr>
+            <a:r>
+              <a:rPr lang="en-US" dirty="0"/>
+              <a:t>Check if known header of target form exist in the sheet</a:t>
+            </a:r>
+          </a:p>
+          <a:p>
+            <a:pPr marL="914400" lvl="1" indent="-457200">
+              <a:buAutoNum type="arabicParenBoth"/>
+            </a:pPr>
+            <a:r>
+              <a:rPr lang="en-US" dirty="0"/>
+              <a:t>Track excel file path and sheet name that meets criteria. </a:t>
+            </a:r>
+          </a:p>
+          <a:p>
+            <a:pPr marL="457200" lvl="1" indent="0">
+              <a:buNone/>
+            </a:pPr>
+            <a:endParaRPr lang="en-US" dirty="0"/>
+          </a:p>
+        </p:txBody>
+      </p:sp>
+    </p:spTree>
+    <p:extLst>
+      <p:ext uri="{BB962C8B-B14F-4D97-AF65-F5344CB8AC3E}">
+        <p14:creationId xmlns:p14="http://schemas.microsoft.com/office/powerpoint/2010/main" val="1072889137"/>
+      </p:ext>
+    </p:extLst>
+  </p:cSld>
+  <p:clrMapOvr>
+    <a:masterClrMapping/>
+  </p:clrMapOvr>
+</p:sld>
+</file>
+
+<file path=ppt/slides/slide4.xml><?xml version="1.0" encoding="utf-8"?>
+<p:sld xmlns:a="http://schemas.openxmlformats.org/drawingml/2006/main" xmlns:r="http://schemas.openxmlformats.org/officeDocument/2006/relationships" xmlns:p="http://schemas.openxmlformats.org/presentationml/2006/main">
+  <p:cSld>
+    <p:spTree>
+      <p:nvGrpSpPr>
+        <p:cNvPr id="1" name=""/>
+        <p:cNvGrpSpPr/>
+        <p:nvPr/>
+      </p:nvGrpSpPr>
+      <p:grpSpPr>
+        <a:xfrm>
+          <a:off x="0" y="0"/>
+          <a:ext cx="0" cy="0"/>
+          <a:chOff x="0" y="0"/>
+          <a:chExt cx="0" cy="0"/>
+        </a:xfrm>
+      </p:grpSpPr>
+      <p:pic>
+        <p:nvPicPr>
+          <p:cNvPr id="5" name="Picture 4">
+            <a:extLst>
+              <a:ext uri="{FF2B5EF4-FFF2-40B4-BE49-F238E27FC236}">
+                <a16:creationId xmlns:a16="http://schemas.microsoft.com/office/drawing/2014/main" id="{51A3D7E7-F8F2-4F5A-BFAC-1733AFD389A0}"/>
+              </a:ext>
+            </a:extLst>
+          </p:cNvPr>
+          <p:cNvPicPr>
+            <a:picLocks noChangeAspect="1"/>
+          </p:cNvPicPr>
+          <p:nvPr/>
+        </p:nvPicPr>
+        <p:blipFill>
+          <a:blip r:embed="rId2"/>
+          <a:stretch>
+            <a:fillRect/>
+          </a:stretch>
+        </p:blipFill>
+        <p:spPr>
+          <a:xfrm>
+            <a:off x="283906" y="1379677"/>
+            <a:ext cx="11624188" cy="4864022"/>
+          </a:xfrm>
+          <a:prstGeom prst="rect">
+            <a:avLst/>
+          </a:prstGeom>
+        </p:spPr>
+      </p:pic>
+      <p:sp>
+        <p:nvSpPr>
+          <p:cNvPr id="6" name="Title 1">
+            <a:extLst>
+              <a:ext uri="{FF2B5EF4-FFF2-40B4-BE49-F238E27FC236}">
+                <a16:creationId xmlns:a16="http://schemas.microsoft.com/office/drawing/2014/main" id="{2BD4E912-DAC7-4A65-BAEE-A33E46FB74FC}"/>
+              </a:ext>
+            </a:extLst>
+          </p:cNvPr>
+          <p:cNvSpPr>
+            <a:spLocks noGrp="1"/>
+          </p:cNvSpPr>
+          <p:nvPr>
+            <p:ph type="title"/>
+          </p:nvPr>
+        </p:nvSpPr>
+        <p:spPr>
+          <a:xfrm>
+            <a:off x="366439" y="114684"/>
+            <a:ext cx="10515600" cy="1325563"/>
+          </a:xfrm>
+        </p:spPr>
+        <p:txBody>
+          <a:bodyPr/>
+          <a:lstStyle/>
+          <a:p>
+            <a:r>
+              <a:rPr lang="en-US" dirty="0"/>
+              <a:t>2. Solution Output</a:t>
+            </a:r>
+          </a:p>
+        </p:txBody>
+      </p:sp>
+    </p:spTree>
+    <p:extLst>
+      <p:ext uri="{BB962C8B-B14F-4D97-AF65-F5344CB8AC3E}">
+        <p14:creationId xmlns:p14="http://schemas.microsoft.com/office/powerpoint/2010/main" val="4079366998"/>
+      </p:ext>
+    </p:extLst>
+  </p:cSld>
+  <p:clrMapOvr>
+    <a:masterClrMapping/>
+  </p:clrMapOvr>
+</p:sld>
+</file>
+
+<file path=ppt/slides/slide5.xml><?xml version="1.0" encoding="utf-8"?>
+<p:sld xmlns:a="http://schemas.openxmlformats.org/drawingml/2006/main" xmlns:r="http://schemas.openxmlformats.org/officeDocument/2006/relationships" xmlns:p="http://schemas.openxmlformats.org/presentationml/2006/main">
+  <p:cSld>
+    <p:spTree>
+      <p:nvGrpSpPr>
+        <p:cNvPr id="1" name=""/>
+        <p:cNvGrpSpPr/>
+        <p:nvPr/>
+      </p:nvGrpSpPr>
+      <p:grpSpPr>
+        <a:xfrm>
+          <a:off x="0" y="0"/>
+          <a:ext cx="0" cy="0"/>
+          <a:chOff x="0" y="0"/>
+          <a:chExt cx="0" cy="0"/>
+        </a:xfrm>
+      </p:grpSpPr>
+      <p:sp>
+        <p:nvSpPr>
+          <p:cNvPr id="2" name="Title 1">
+            <a:extLst>
+              <a:ext uri="{FF2B5EF4-FFF2-40B4-BE49-F238E27FC236}">
+                <a16:creationId xmlns:a16="http://schemas.microsoft.com/office/drawing/2014/main" id="{761C8E5A-A7D3-4A45-B296-0295A6DF2AD8}"/>
+              </a:ext>
+            </a:extLst>
+          </p:cNvPr>
+          <p:cNvSpPr>
+            <a:spLocks noGrp="1"/>
+          </p:cNvSpPr>
+          <p:nvPr>
+            <p:ph type="title"/>
+          </p:nvPr>
+        </p:nvSpPr>
+        <p:spPr/>
+        <p:txBody>
+          <a:bodyPr/>
+          <a:lstStyle/>
+          <a:p>
+            <a:r>
+              <a:rPr lang="en-US" dirty="0"/>
+              <a:t>3. Script to transform form table </a:t>
+            </a:r>
+          </a:p>
+        </p:txBody>
+      </p:sp>
+      <p:sp>
+        <p:nvSpPr>
+          <p:cNvPr id="8" name="Title 1">
+            <a:extLst>
+              <a:ext uri="{FF2B5EF4-FFF2-40B4-BE49-F238E27FC236}">
+                <a16:creationId xmlns:a16="http://schemas.microsoft.com/office/drawing/2014/main" id="{091AA999-B261-4F0D-AEF9-719A92918022}"/>
+              </a:ext>
+            </a:extLst>
+          </p:cNvPr>
+          <p:cNvSpPr txBox="1">
+            <a:spLocks/>
+          </p:cNvSpPr>
+          <p:nvPr/>
+        </p:nvSpPr>
+        <p:spPr>
+          <a:xfrm>
+            <a:off x="208903" y="1516364"/>
+            <a:ext cx="5014154" cy="763800"/>
+          </a:xfrm>
+          <a:prstGeom prst="rect">
+            <a:avLst/>
+          </a:prstGeom>
+        </p:spPr>
+        <p:txBody>
+          <a:bodyPr vert="horz" lIns="91440" tIns="45720" rIns="91440" bIns="45720" rtlCol="0" anchor="ctr">
+            <a:normAutofit/>
+          </a:bodyPr>
+          <a:lstStyle>
+            <a:lvl1pPr algn="l" defTabSz="914400" rtl="0" eaLnBrk="1" latinLnBrk="0" hangingPunct="1">
+              <a:lnSpc>
+                <a:spcPct val="90000"/>
+              </a:lnSpc>
+              <a:spcBef>
+                <a:spcPct val="0"/>
+              </a:spcBef>
+              <a:buNone/>
+              <a:defRPr sz="4400" kern="1200">
+                <a:solidFill>
+                  <a:schemeClr val="tx1"/>
+                </a:solidFill>
+                <a:latin typeface="+mj-lt"/>
+                <a:ea typeface="+mj-ea"/>
+                <a:cs typeface="+mj-cs"/>
+              </a:defRPr>
+            </a:lvl1pPr>
+          </a:lstStyle>
+          <a:p>
+            <a:r>
+              <a:rPr lang="en-US" sz="2800" dirty="0"/>
+              <a:t>Each hospital’s form </a:t>
+            </a:r>
+          </a:p>
+        </p:txBody>
+      </p:sp>
+      <p:sp>
+        <p:nvSpPr>
+          <p:cNvPr id="9" name="Arrow: Right 8">
+            <a:extLst>
+              <a:ext uri="{FF2B5EF4-FFF2-40B4-BE49-F238E27FC236}">
+                <a16:creationId xmlns:a16="http://schemas.microsoft.com/office/drawing/2014/main" id="{65B5A44F-B8A3-4B9D-9139-91C08CB510E8}"/>
+              </a:ext>
+            </a:extLst>
+          </p:cNvPr>
+          <p:cNvSpPr/>
+          <p:nvPr/>
+        </p:nvSpPr>
+        <p:spPr>
+          <a:xfrm>
+            <a:off x="5828362" y="4056130"/>
+            <a:ext cx="698904" cy="378573"/>
+          </a:xfrm>
+          <a:prstGeom prst="rightArrow">
+            <a:avLst/>
+          </a:prstGeom>
+        </p:spPr>
+        <p:style>
+          <a:lnRef idx="2">
+            <a:schemeClr val="accent1">
+              <a:shade val="50000"/>
+            </a:schemeClr>
+          </a:lnRef>
+          <a:fillRef idx="1">
+            <a:schemeClr val="accent1"/>
+          </a:fillRef>
+          <a:effectRef idx="0">
+            <a:schemeClr val="accent1"/>
+          </a:effectRef>
+          <a:fontRef idx="minor">
+            <a:schemeClr val="lt1"/>
+          </a:fontRef>
+        </p:style>
+        <p:txBody>
+          <a:bodyPr rtlCol="0" anchor="ctr"/>
+          <a:lstStyle/>
+          <a:p>
+            <a:pPr algn="ctr"/>
+            <a:endParaRPr lang="en-US"/>
+          </a:p>
+        </p:txBody>
+      </p:sp>
+      <p:pic>
+        <p:nvPicPr>
+          <p:cNvPr id="13" name="Picture 12">
+            <a:extLst>
+              <a:ext uri="{FF2B5EF4-FFF2-40B4-BE49-F238E27FC236}">
+                <a16:creationId xmlns:a16="http://schemas.microsoft.com/office/drawing/2014/main" id="{7DF7DD87-E708-4EA3-B732-723082A5BED3}"/>
+              </a:ext>
+            </a:extLst>
+          </p:cNvPr>
+          <p:cNvPicPr>
+            <a:picLocks noChangeAspect="1"/>
+          </p:cNvPicPr>
+          <p:nvPr/>
+        </p:nvPicPr>
+        <p:blipFill>
+          <a:blip r:embed="rId2"/>
+          <a:stretch>
+            <a:fillRect/>
+          </a:stretch>
+        </p:blipFill>
+        <p:spPr>
+          <a:xfrm>
+            <a:off x="6612460" y="2386100"/>
+            <a:ext cx="5370637" cy="3557500"/>
+          </a:xfrm>
+          <a:prstGeom prst="rect">
+            <a:avLst/>
+          </a:prstGeom>
+        </p:spPr>
+      </p:pic>
+      <p:pic>
+        <p:nvPicPr>
+          <p:cNvPr id="15" name="Picture 14">
+            <a:extLst>
+              <a:ext uri="{FF2B5EF4-FFF2-40B4-BE49-F238E27FC236}">
+                <a16:creationId xmlns:a16="http://schemas.microsoft.com/office/drawing/2014/main" id="{503B8B0E-EB3D-4B1D-BE14-E1A6BDB3CCC3}"/>
+              </a:ext>
+            </a:extLst>
+          </p:cNvPr>
+          <p:cNvPicPr>
+            <a:picLocks noChangeAspect="1"/>
+          </p:cNvPicPr>
+          <p:nvPr/>
+        </p:nvPicPr>
+        <p:blipFill>
+          <a:blip r:embed="rId3"/>
+          <a:stretch>
+            <a:fillRect/>
+          </a:stretch>
+        </p:blipFill>
+        <p:spPr>
+          <a:xfrm>
+            <a:off x="208903" y="2280164"/>
+            <a:ext cx="5455833" cy="3663436"/>
+          </a:xfrm>
+          <a:prstGeom prst="rect">
+            <a:avLst/>
+          </a:prstGeom>
+        </p:spPr>
+      </p:pic>
+      <p:sp>
+        <p:nvSpPr>
+          <p:cNvPr id="16" name="Title 1">
+            <a:extLst>
+              <a:ext uri="{FF2B5EF4-FFF2-40B4-BE49-F238E27FC236}">
+                <a16:creationId xmlns:a16="http://schemas.microsoft.com/office/drawing/2014/main" id="{0AEDC687-2091-4EAD-8A8F-26BEFE16D3EA}"/>
+              </a:ext>
+            </a:extLst>
+          </p:cNvPr>
+          <p:cNvSpPr txBox="1">
+            <a:spLocks/>
+          </p:cNvSpPr>
+          <p:nvPr/>
+        </p:nvSpPr>
+        <p:spPr>
+          <a:xfrm>
+            <a:off x="6612460" y="1644343"/>
+            <a:ext cx="4826534" cy="635821"/>
+          </a:xfrm>
+          <a:prstGeom prst="rect">
+            <a:avLst/>
+          </a:prstGeom>
+        </p:spPr>
+        <p:txBody>
+          <a:bodyPr vert="horz" lIns="91440" tIns="45720" rIns="91440" bIns="45720" rtlCol="0" anchor="ctr">
+            <a:normAutofit fontScale="85000" lnSpcReduction="20000"/>
+          </a:bodyPr>
+          <a:lstStyle>
+            <a:lvl1pPr algn="l" defTabSz="914400" rtl="0" eaLnBrk="1" latinLnBrk="0" hangingPunct="1">
+              <a:lnSpc>
+                <a:spcPct val="90000"/>
+              </a:lnSpc>
+              <a:spcBef>
+                <a:spcPct val="0"/>
+              </a:spcBef>
+              <a:buNone/>
+              <a:defRPr sz="4400" kern="1200">
+                <a:solidFill>
+                  <a:schemeClr val="tx1"/>
+                </a:solidFill>
+                <a:latin typeface="+mj-lt"/>
+                <a:ea typeface="+mj-ea"/>
+                <a:cs typeface="+mj-cs"/>
+              </a:defRPr>
+            </a:lvl1pPr>
+          </a:lstStyle>
+          <a:p>
+            <a:r>
+              <a:rPr lang="en-US" sz="2800" dirty="0"/>
+              <a:t>Compile Description, CPT, and Charge for all hospitals</a:t>
+            </a:r>
+          </a:p>
+        </p:txBody>
+      </p:sp>
+    </p:spTree>
+    <p:extLst>
+      <p:ext uri="{BB962C8B-B14F-4D97-AF65-F5344CB8AC3E}">
+        <p14:creationId xmlns:p14="http://schemas.microsoft.com/office/powerpoint/2010/main" val="629945575"/>
+      </p:ext>
+    </p:extLst>
+  </p:cSld>
+  <p:clrMapOvr>
+    <a:masterClrMapping/>
+  </p:clrMapOvr>
+</p:sld>
+</file>
+
+<file path=ppt/slides/slide6.xml><?xml version="1.0" encoding="utf-8"?>
 <p:sld xmlns:a="http://schemas.openxmlformats.org/drawingml/2006/main" xmlns:r="http://schemas.openxmlformats.org/officeDocument/2006/relationships" xmlns:p="http://schemas.openxmlformats.org/presentationml/2006/main">
   <p:cSld>
     <p:spTree>
@@ -3570,7 +4142,7 @@
 </p:sld>
 </file>
 
-<file path=ppt/slides/slide4.xml><?xml version="1.0" encoding="utf-8"?>
+<file path=ppt/slides/slide7.xml><?xml version="1.0" encoding="utf-8"?>
 <p:sld xmlns:a="http://schemas.openxmlformats.org/drawingml/2006/main" xmlns:r="http://schemas.openxmlformats.org/officeDocument/2006/relationships" xmlns:p="http://schemas.openxmlformats.org/presentationml/2006/main">
   <p:cSld>
     <p:spTree>
@@ -3657,7 +4229,7 @@
 </p:sld>
 </file>
 
-<file path=ppt/slides/slide5.xml><?xml version="1.0" encoding="utf-8"?>
+<file path=ppt/slides/slide8.xml><?xml version="1.0" encoding="utf-8"?>
 <p:sld xmlns:a="http://schemas.openxmlformats.org/drawingml/2006/main" xmlns:r="http://schemas.openxmlformats.org/officeDocument/2006/relationships" xmlns:p="http://schemas.openxmlformats.org/presentationml/2006/main">
   <p:cSld>
     <p:spTree>
@@ -3744,7 +4316,7 @@
 </p:sld>
 </file>
 
-<file path=ppt/slides/slide6.xml><?xml version="1.0" encoding="utf-8"?>
+<file path=ppt/slides/slide9.xml><?xml version="1.0" encoding="utf-8"?>
 <p:sld xmlns:a="http://schemas.openxmlformats.org/drawingml/2006/main" xmlns:r="http://schemas.openxmlformats.org/officeDocument/2006/relationships" xmlns:p="http://schemas.openxmlformats.org/presentationml/2006/main">
   <p:cSld>
     <p:spTree>

--- a/DatasetsOverview.pptx
+++ b/DatasetsOverview.pptx
@@ -2,18 +2,21 @@
 <file path=ppt/presentation.xml><?xml version="1.0" encoding="utf-8"?>
 <p:presentation xmlns:a="http://schemas.openxmlformats.org/drawingml/2006/main" xmlns:r="http://schemas.openxmlformats.org/officeDocument/2006/relationships" xmlns:p="http://schemas.openxmlformats.org/presentationml/2006/main" saveSubsetFonts="1">
   <p:sldMasterIdLst>
-    <p:sldMasterId id="2147483648" r:id="rId1"/>
+    <p:sldMasterId id="2147483894" r:id="rId1"/>
   </p:sldMasterIdLst>
   <p:sldIdLst>
     <p:sldId id="261" r:id="rId2"/>
     <p:sldId id="263" r:id="rId3"/>
     <p:sldId id="264" r:id="rId4"/>
-    <p:sldId id="265" r:id="rId5"/>
-    <p:sldId id="266" r:id="rId6"/>
-    <p:sldId id="259" r:id="rId7"/>
+    <p:sldId id="266" r:id="rId5"/>
+    <p:sldId id="267" r:id="rId6"/>
+    <p:sldId id="268" r:id="rId7"/>
     <p:sldId id="257" r:id="rId8"/>
-    <p:sldId id="260" r:id="rId9"/>
-    <p:sldId id="262" r:id="rId10"/>
+    <p:sldId id="270" r:id="rId9"/>
+    <p:sldId id="259" r:id="rId10"/>
+    <p:sldId id="269" r:id="rId11"/>
+    <p:sldId id="260" r:id="rId12"/>
+    <p:sldId id="272" r:id="rId13"/>
   </p:sldIdLst>
   <p:sldSz cx="12192000" cy="6858000"/>
   <p:notesSz cx="6858000" cy="9144000"/>
@@ -139,13 +142,7 @@
       </p:grpSpPr>
       <p:sp>
         <p:nvSpPr>
-          <p:cNvPr id="2" name="Title 1">
-            <a:extLst>
-              <a:ext uri="{FF2B5EF4-FFF2-40B4-BE49-F238E27FC236}">
-                <a16:creationId xmlns:a16="http://schemas.microsoft.com/office/drawing/2014/main" id="{7D5329B9-13AB-4D79-ABE1-D550B7FAF294}"/>
-              </a:ext>
-            </a:extLst>
-          </p:cNvPr>
+          <p:cNvPr id="2" name="Title 1"/>
           <p:cNvSpPr>
             <a:spLocks noGrp="1"/>
           </p:cNvSpPr>
@@ -155,34 +152,29 @@
         </p:nvSpPr>
         <p:spPr>
           <a:xfrm>
-            <a:off x="1524000" y="1122363"/>
-            <a:ext cx="9144000" cy="2387600"/>
+            <a:off x="1154955" y="1447800"/>
+            <a:ext cx="8825658" cy="3329581"/>
           </a:xfrm>
         </p:spPr>
         <p:txBody>
           <a:bodyPr anchor="b"/>
           <a:lstStyle>
-            <a:lvl1pPr algn="ctr">
-              <a:defRPr sz="6000"/>
+            <a:lvl1pPr>
+              <a:defRPr sz="7200"/>
             </a:lvl1pPr>
           </a:lstStyle>
           <a:p>
             <a:r>
-              <a:rPr lang="en-US"/>
+              <a:rPr lang="en-US" smtClean="0"/>
               <a:t>Click to edit Master title style</a:t>
             </a:r>
-          </a:p>
-        </p:txBody>
-      </p:sp>
-      <p:sp>
-        <p:nvSpPr>
-          <p:cNvPr id="3" name="Subtitle 2">
-            <a:extLst>
-              <a:ext uri="{FF2B5EF4-FFF2-40B4-BE49-F238E27FC236}">
-                <a16:creationId xmlns:a16="http://schemas.microsoft.com/office/drawing/2014/main" id="{6A7BAE21-50D3-457F-AAFA-AF0706D69765}"/>
-              </a:ext>
-            </a:extLst>
-          </p:cNvPr>
+            <a:endParaRPr lang="en-US" dirty="0"/>
+          </a:p>
+        </p:txBody>
+      </p:sp>
+      <p:sp>
+        <p:nvSpPr>
+          <p:cNvPr id="3" name="Subtitle 2"/>
           <p:cNvSpPr>
             <a:spLocks noGrp="1"/>
           </p:cNvSpPr>
@@ -192,67 +184,117 @@
         </p:nvSpPr>
         <p:spPr>
           <a:xfrm>
-            <a:off x="1524000" y="3602038"/>
-            <a:ext cx="9144000" cy="1655762"/>
-          </a:xfrm>
-        </p:spPr>
-        <p:txBody>
-          <a:bodyPr/>
+            <a:off x="1154955" y="4777380"/>
+            <a:ext cx="8825658" cy="861420"/>
+          </a:xfrm>
+        </p:spPr>
+        <p:txBody>
+          <a:bodyPr anchor="t"/>
           <a:lstStyle>
-            <a:lvl1pPr marL="0" indent="0" algn="ctr">
-              <a:buNone/>
-              <a:defRPr sz="2400"/>
+            <a:lvl1pPr marL="0" indent="0" algn="l">
+              <a:buNone/>
+              <a:defRPr cap="all">
+                <a:solidFill>
+                  <a:schemeClr val="bg2">
+                    <a:lumMod val="40000"/>
+                    <a:lumOff val="60000"/>
+                  </a:schemeClr>
+                </a:solidFill>
+              </a:defRPr>
             </a:lvl1pPr>
             <a:lvl2pPr marL="457200" indent="0" algn="ctr">
               <a:buNone/>
-              <a:defRPr sz="2000"/>
+              <a:defRPr>
+                <a:solidFill>
+                  <a:schemeClr val="tx1">
+                    <a:tint val="75000"/>
+                  </a:schemeClr>
+                </a:solidFill>
+              </a:defRPr>
             </a:lvl2pPr>
             <a:lvl3pPr marL="914400" indent="0" algn="ctr">
               <a:buNone/>
-              <a:defRPr sz="1800"/>
+              <a:defRPr>
+                <a:solidFill>
+                  <a:schemeClr val="tx1">
+                    <a:tint val="75000"/>
+                  </a:schemeClr>
+                </a:solidFill>
+              </a:defRPr>
             </a:lvl3pPr>
             <a:lvl4pPr marL="1371600" indent="0" algn="ctr">
               <a:buNone/>
-              <a:defRPr sz="1600"/>
+              <a:defRPr>
+                <a:solidFill>
+                  <a:schemeClr val="tx1">
+                    <a:tint val="75000"/>
+                  </a:schemeClr>
+                </a:solidFill>
+              </a:defRPr>
             </a:lvl4pPr>
             <a:lvl5pPr marL="1828800" indent="0" algn="ctr">
               <a:buNone/>
-              <a:defRPr sz="1600"/>
+              <a:defRPr>
+                <a:solidFill>
+                  <a:schemeClr val="tx1">
+                    <a:tint val="75000"/>
+                  </a:schemeClr>
+                </a:solidFill>
+              </a:defRPr>
             </a:lvl5pPr>
             <a:lvl6pPr marL="2286000" indent="0" algn="ctr">
               <a:buNone/>
-              <a:defRPr sz="1600"/>
+              <a:defRPr>
+                <a:solidFill>
+                  <a:schemeClr val="tx1">
+                    <a:tint val="75000"/>
+                  </a:schemeClr>
+                </a:solidFill>
+              </a:defRPr>
             </a:lvl6pPr>
             <a:lvl7pPr marL="2743200" indent="0" algn="ctr">
               <a:buNone/>
-              <a:defRPr sz="1600"/>
+              <a:defRPr>
+                <a:solidFill>
+                  <a:schemeClr val="tx1">
+                    <a:tint val="75000"/>
+                  </a:schemeClr>
+                </a:solidFill>
+              </a:defRPr>
             </a:lvl7pPr>
             <a:lvl8pPr marL="3200400" indent="0" algn="ctr">
               <a:buNone/>
-              <a:defRPr sz="1600"/>
+              <a:defRPr>
+                <a:solidFill>
+                  <a:schemeClr val="tx1">
+                    <a:tint val="75000"/>
+                  </a:schemeClr>
+                </a:solidFill>
+              </a:defRPr>
             </a:lvl8pPr>
             <a:lvl9pPr marL="3657600" indent="0" algn="ctr">
               <a:buNone/>
-              <a:defRPr sz="1600"/>
+              <a:defRPr>
+                <a:solidFill>
+                  <a:schemeClr val="tx1">
+                    <a:tint val="75000"/>
+                  </a:schemeClr>
+                </a:solidFill>
+              </a:defRPr>
             </a:lvl9pPr>
           </a:lstStyle>
           <a:p>
             <a:r>
-              <a:rPr lang="en-US"/>
+              <a:rPr lang="en-US" smtClean="0"/>
               <a:t>Click to edit Master subtitle style</a:t>
             </a:r>
-          </a:p>
-        </p:txBody>
-      </p:sp>
-      <p:sp>
-        <p:nvSpPr>
-          <p:cNvPr id="4" name="Date Placeholder 3">
-            <a:extLst>
-              <a:ext uri="{FF2B5EF4-FFF2-40B4-BE49-F238E27FC236}">
-                <a16:creationId xmlns:a16="http://schemas.microsoft.com/office/drawing/2014/main" id="{A61C4D77-78A1-4F58-BFA4-6ADF6EB74663}"/>
-              </a:ext>
-            </a:extLst>
-          </p:cNvPr>
+            <a:endParaRPr lang="en-US" dirty="0"/>
+          </a:p>
+        </p:txBody>
+      </p:sp>
+      <p:sp>
+        <p:nvSpPr>
+          <p:cNvPr id="4" name="Date Placeholder 3"/>
           <p:cNvSpPr>
             <a:spLocks noGrp="1"/>
           </p:cNvSpPr>
@@ -267,7 +309,7 @@
           <a:p>
             <a:fld id="{2A532FE2-2DA6-4190-B206-F5BB49DF417A}" type="datetimeFigureOut">
               <a:rPr lang="en-US" smtClean="0"/>
-              <a:t>7/28/2021</a:t>
+              <a:t>7/29/2021</a:t>
             </a:fld>
             <a:endParaRPr lang="en-US"/>
           </a:p>
@@ -275,13 +317,7 @@
       </p:sp>
       <p:sp>
         <p:nvSpPr>
-          <p:cNvPr id="5" name="Footer Placeholder 4">
-            <a:extLst>
-              <a:ext uri="{FF2B5EF4-FFF2-40B4-BE49-F238E27FC236}">
-                <a16:creationId xmlns:a16="http://schemas.microsoft.com/office/drawing/2014/main" id="{FBE46E35-31C5-4256-92E2-FFE737AFB018}"/>
-              </a:ext>
-            </a:extLst>
-          </p:cNvPr>
+          <p:cNvPr id="5" name="Footer Placeholder 4"/>
           <p:cNvSpPr>
             <a:spLocks noGrp="1"/>
           </p:cNvSpPr>
@@ -300,13 +336,7 @@
       </p:sp>
       <p:sp>
         <p:nvSpPr>
-          <p:cNvPr id="6" name="Slide Number Placeholder 5">
-            <a:extLst>
-              <a:ext uri="{FF2B5EF4-FFF2-40B4-BE49-F238E27FC236}">
-                <a16:creationId xmlns:a16="http://schemas.microsoft.com/office/drawing/2014/main" id="{CFAECDBF-139B-49DD-8D38-96A52F7F5949}"/>
-              </a:ext>
-            </a:extLst>
-          </p:cNvPr>
+          <p:cNvPr id="6" name="Slide Number Placeholder 5"/>
           <p:cNvSpPr>
             <a:spLocks noGrp="1"/>
           </p:cNvSpPr>
@@ -330,7 +360,7 @@
     </p:spTree>
     <p:extLst>
       <p:ext uri="{BB962C8B-B14F-4D97-AF65-F5344CB8AC3E}">
-        <p14:creationId xmlns:p14="http://schemas.microsoft.com/office/powerpoint/2010/main" val="3595400847"/>
+        <p14:creationId xmlns:p14="http://schemas.microsoft.com/office/powerpoint/2010/main" val="1677645572"/>
       </p:ext>
     </p:extLst>
   </p:cSld>
@@ -341,6 +371,2572 @@
 </file>
 
 <file path=ppt/slideLayouts/slideLayout10.xml><?xml version="1.0" encoding="utf-8"?>
+<p:sldLayout xmlns:a="http://schemas.openxmlformats.org/drawingml/2006/main" xmlns:r="http://schemas.openxmlformats.org/officeDocument/2006/relationships" xmlns:p="http://schemas.openxmlformats.org/presentationml/2006/main" preserve="1">
+  <p:cSld name="Panoramic Picture with Caption">
+    <p:spTree>
+      <p:nvGrpSpPr>
+        <p:cNvPr id="1" name=""/>
+        <p:cNvGrpSpPr/>
+        <p:nvPr/>
+      </p:nvGrpSpPr>
+      <p:grpSpPr>
+        <a:xfrm>
+          <a:off x="0" y="0"/>
+          <a:ext cx="0" cy="0"/>
+          <a:chOff x="0" y="0"/>
+          <a:chExt cx="0" cy="0"/>
+        </a:xfrm>
+      </p:grpSpPr>
+      <p:sp>
+        <p:nvSpPr>
+          <p:cNvPr id="2" name="Title 1"/>
+          <p:cNvSpPr>
+            <a:spLocks noGrp="1"/>
+          </p:cNvSpPr>
+          <p:nvPr>
+            <p:ph type="title"/>
+          </p:nvPr>
+        </p:nvSpPr>
+        <p:spPr>
+          <a:xfrm>
+            <a:off x="1154956" y="4800587"/>
+            <a:ext cx="8825657" cy="566738"/>
+          </a:xfrm>
+        </p:spPr>
+        <p:txBody>
+          <a:bodyPr anchor="b">
+            <a:normAutofit/>
+          </a:bodyPr>
+          <a:lstStyle>
+            <a:lvl1pPr algn="l">
+              <a:defRPr sz="2400" b="0"/>
+            </a:lvl1pPr>
+          </a:lstStyle>
+          <a:p>
+            <a:r>
+              <a:rPr lang="en-US" smtClean="0"/>
+              <a:t>Click to edit Master title style</a:t>
+            </a:r>
+            <a:endParaRPr lang="en-US" dirty="0"/>
+          </a:p>
+        </p:txBody>
+      </p:sp>
+      <p:sp>
+        <p:nvSpPr>
+          <p:cNvPr id="3" name="Picture Placeholder 2"/>
+          <p:cNvSpPr>
+            <a:spLocks noGrp="1" noChangeAspect="1"/>
+          </p:cNvSpPr>
+          <p:nvPr>
+            <p:ph type="pic" idx="1"/>
+          </p:nvPr>
+        </p:nvSpPr>
+        <p:spPr>
+          <a:xfrm>
+            <a:off x="1154955" y="685800"/>
+            <a:ext cx="8825658" cy="3640666"/>
+          </a:xfrm>
+          <a:prstGeom prst="roundRect">
+            <a:avLst>
+              <a:gd name="adj" fmla="val 1858"/>
+            </a:avLst>
+          </a:prstGeom>
+          <a:effectLst>
+            <a:outerShdw blurRad="50800" dist="50800" dir="5400000" algn="tl" rotWithShape="0">
+              <a:srgbClr val="000000">
+                <a:alpha val="43000"/>
+              </a:srgbClr>
+            </a:outerShdw>
+          </a:effectLst>
+        </p:spPr>
+        <p:txBody>
+          <a:bodyPr anchor="t">
+            <a:normAutofit/>
+          </a:bodyPr>
+          <a:lstStyle>
+            <a:lvl1pPr marL="0" indent="0" algn="ctr">
+              <a:buNone/>
+              <a:defRPr sz="1600"/>
+            </a:lvl1pPr>
+            <a:lvl2pPr marL="457200" indent="0">
+              <a:buNone/>
+              <a:defRPr sz="1600"/>
+            </a:lvl2pPr>
+            <a:lvl3pPr marL="914400" indent="0">
+              <a:buNone/>
+              <a:defRPr sz="1600"/>
+            </a:lvl3pPr>
+            <a:lvl4pPr marL="1371600" indent="0">
+              <a:buNone/>
+              <a:defRPr sz="1600"/>
+            </a:lvl4pPr>
+            <a:lvl5pPr marL="1828800" indent="0">
+              <a:buNone/>
+              <a:defRPr sz="1600"/>
+            </a:lvl5pPr>
+            <a:lvl6pPr marL="2286000" indent="0">
+              <a:buNone/>
+              <a:defRPr sz="1600"/>
+            </a:lvl6pPr>
+            <a:lvl7pPr marL="2743200" indent="0">
+              <a:buNone/>
+              <a:defRPr sz="1600"/>
+            </a:lvl7pPr>
+            <a:lvl8pPr marL="3200400" indent="0">
+              <a:buNone/>
+              <a:defRPr sz="1600"/>
+            </a:lvl8pPr>
+            <a:lvl9pPr marL="3657600" indent="0">
+              <a:buNone/>
+              <a:defRPr sz="1600"/>
+            </a:lvl9pPr>
+          </a:lstStyle>
+          <a:p>
+            <a:r>
+              <a:rPr lang="en-US" smtClean="0"/>
+              <a:t>Click icon to add picture</a:t>
+            </a:r>
+            <a:endParaRPr lang="en-US" dirty="0"/>
+          </a:p>
+        </p:txBody>
+      </p:sp>
+      <p:sp>
+        <p:nvSpPr>
+          <p:cNvPr id="4" name="Text Placeholder 3"/>
+          <p:cNvSpPr>
+            <a:spLocks noGrp="1"/>
+          </p:cNvSpPr>
+          <p:nvPr>
+            <p:ph type="body" sz="half" idx="2"/>
+          </p:nvPr>
+        </p:nvSpPr>
+        <p:spPr>
+          <a:xfrm>
+            <a:off x="1154956" y="5367325"/>
+            <a:ext cx="8825656" cy="493712"/>
+          </a:xfrm>
+        </p:spPr>
+        <p:txBody>
+          <a:bodyPr>
+            <a:normAutofit/>
+          </a:bodyPr>
+          <a:lstStyle>
+            <a:lvl1pPr marL="0" indent="0">
+              <a:buNone/>
+              <a:defRPr sz="1200"/>
+            </a:lvl1pPr>
+            <a:lvl2pPr marL="457200" indent="0">
+              <a:buNone/>
+              <a:defRPr sz="1200"/>
+            </a:lvl2pPr>
+            <a:lvl3pPr marL="914400" indent="0">
+              <a:buNone/>
+              <a:defRPr sz="1000"/>
+            </a:lvl3pPr>
+            <a:lvl4pPr marL="1371600" indent="0">
+              <a:buNone/>
+              <a:defRPr sz="900"/>
+            </a:lvl4pPr>
+            <a:lvl5pPr marL="1828800" indent="0">
+              <a:buNone/>
+              <a:defRPr sz="900"/>
+            </a:lvl5pPr>
+            <a:lvl6pPr marL="2286000" indent="0">
+              <a:buNone/>
+              <a:defRPr sz="900"/>
+            </a:lvl6pPr>
+            <a:lvl7pPr marL="2743200" indent="0">
+              <a:buNone/>
+              <a:defRPr sz="900"/>
+            </a:lvl7pPr>
+            <a:lvl8pPr marL="3200400" indent="0">
+              <a:buNone/>
+              <a:defRPr sz="900"/>
+            </a:lvl8pPr>
+            <a:lvl9pPr marL="3657600" indent="0">
+              <a:buNone/>
+              <a:defRPr sz="900"/>
+            </a:lvl9pPr>
+          </a:lstStyle>
+          <a:p>
+            <a:pPr lvl="0"/>
+            <a:r>
+              <a:rPr lang="en-US" smtClean="0"/>
+              <a:t>Edit Master text styles</a:t>
+            </a:r>
+          </a:p>
+        </p:txBody>
+      </p:sp>
+      <p:sp>
+        <p:nvSpPr>
+          <p:cNvPr id="5" name="Date Placeholder 4"/>
+          <p:cNvSpPr>
+            <a:spLocks noGrp="1"/>
+          </p:cNvSpPr>
+          <p:nvPr>
+            <p:ph type="dt" sz="half" idx="10"/>
+          </p:nvPr>
+        </p:nvSpPr>
+        <p:spPr/>
+        <p:txBody>
+          <a:bodyPr/>
+          <a:lstStyle/>
+          <a:p>
+            <a:fld id="{2A532FE2-2DA6-4190-B206-F5BB49DF417A}" type="datetimeFigureOut">
+              <a:rPr lang="en-US" smtClean="0"/>
+              <a:t>7/29/2021</a:t>
+            </a:fld>
+            <a:endParaRPr lang="en-US"/>
+          </a:p>
+        </p:txBody>
+      </p:sp>
+      <p:sp>
+        <p:nvSpPr>
+          <p:cNvPr id="6" name="Footer Placeholder 5"/>
+          <p:cNvSpPr>
+            <a:spLocks noGrp="1"/>
+          </p:cNvSpPr>
+          <p:nvPr>
+            <p:ph type="ftr" sz="quarter" idx="11"/>
+          </p:nvPr>
+        </p:nvSpPr>
+        <p:spPr/>
+        <p:txBody>
+          <a:bodyPr/>
+          <a:lstStyle/>
+          <a:p>
+            <a:endParaRPr lang="en-US"/>
+          </a:p>
+        </p:txBody>
+      </p:sp>
+      <p:sp>
+        <p:nvSpPr>
+          <p:cNvPr id="7" name="Slide Number Placeholder 6"/>
+          <p:cNvSpPr>
+            <a:spLocks noGrp="1"/>
+          </p:cNvSpPr>
+          <p:nvPr>
+            <p:ph type="sldNum" sz="quarter" idx="12"/>
+          </p:nvPr>
+        </p:nvSpPr>
+        <p:spPr/>
+        <p:txBody>
+          <a:bodyPr/>
+          <a:lstStyle/>
+          <a:p>
+            <a:fld id="{D08ECB62-5AD6-4353-9A2E-F721F884E450}" type="slidenum">
+              <a:rPr lang="en-US" smtClean="0"/>
+              <a:t>‹#›</a:t>
+            </a:fld>
+            <a:endParaRPr lang="en-US"/>
+          </a:p>
+        </p:txBody>
+      </p:sp>
+    </p:spTree>
+    <p:extLst>
+      <p:ext uri="{BB962C8B-B14F-4D97-AF65-F5344CB8AC3E}">
+        <p14:creationId xmlns:p14="http://schemas.microsoft.com/office/powerpoint/2010/main" val="1268975287"/>
+      </p:ext>
+    </p:extLst>
+  </p:cSld>
+  <p:clrMapOvr>
+    <a:masterClrMapping/>
+  </p:clrMapOvr>
+</p:sldLayout>
+</file>
+
+<file path=ppt/slideLayouts/slideLayout11.xml><?xml version="1.0" encoding="utf-8"?>
+<p:sldLayout xmlns:a="http://schemas.openxmlformats.org/drawingml/2006/main" xmlns:r="http://schemas.openxmlformats.org/officeDocument/2006/relationships" xmlns:p="http://schemas.openxmlformats.org/presentationml/2006/main" preserve="1">
+  <p:cSld name="Title and Caption">
+    <p:spTree>
+      <p:nvGrpSpPr>
+        <p:cNvPr id="1" name=""/>
+        <p:cNvGrpSpPr/>
+        <p:nvPr/>
+      </p:nvGrpSpPr>
+      <p:grpSpPr>
+        <a:xfrm>
+          <a:off x="0" y="0"/>
+          <a:ext cx="0" cy="0"/>
+          <a:chOff x="0" y="0"/>
+          <a:chExt cx="0" cy="0"/>
+        </a:xfrm>
+      </p:grpSpPr>
+      <p:sp>
+        <p:nvSpPr>
+          <p:cNvPr id="2" name="Title 1"/>
+          <p:cNvSpPr>
+            <a:spLocks noGrp="1"/>
+          </p:cNvSpPr>
+          <p:nvPr>
+            <p:ph type="title"/>
+          </p:nvPr>
+        </p:nvSpPr>
+        <p:spPr>
+          <a:xfrm>
+            <a:off x="1154954" y="1447800"/>
+            <a:ext cx="8825659" cy="1981200"/>
+          </a:xfrm>
+        </p:spPr>
+        <p:txBody>
+          <a:bodyPr/>
+          <a:lstStyle>
+            <a:lvl1pPr>
+              <a:defRPr sz="4800"/>
+            </a:lvl1pPr>
+          </a:lstStyle>
+          <a:p>
+            <a:r>
+              <a:rPr lang="en-US" smtClean="0"/>
+              <a:t>Click to edit Master title style</a:t>
+            </a:r>
+            <a:endParaRPr lang="en-US" dirty="0"/>
+          </a:p>
+        </p:txBody>
+      </p:sp>
+      <p:sp>
+        <p:nvSpPr>
+          <p:cNvPr id="8" name="Text Placeholder 3"/>
+          <p:cNvSpPr>
+            <a:spLocks noGrp="1"/>
+          </p:cNvSpPr>
+          <p:nvPr>
+            <p:ph type="body" sz="half" idx="2"/>
+          </p:nvPr>
+        </p:nvSpPr>
+        <p:spPr>
+          <a:xfrm>
+            <a:off x="1154954" y="3657600"/>
+            <a:ext cx="8825659" cy="2362200"/>
+          </a:xfrm>
+        </p:spPr>
+        <p:txBody>
+          <a:bodyPr anchor="ctr">
+            <a:normAutofit/>
+          </a:bodyPr>
+          <a:lstStyle>
+            <a:lvl1pPr marL="0" indent="0">
+              <a:buNone/>
+              <a:defRPr sz="1800"/>
+            </a:lvl1pPr>
+            <a:lvl2pPr marL="457200" indent="0">
+              <a:buNone/>
+              <a:defRPr sz="1200"/>
+            </a:lvl2pPr>
+            <a:lvl3pPr marL="914400" indent="0">
+              <a:buNone/>
+              <a:defRPr sz="1000"/>
+            </a:lvl3pPr>
+            <a:lvl4pPr marL="1371600" indent="0">
+              <a:buNone/>
+              <a:defRPr sz="900"/>
+            </a:lvl4pPr>
+            <a:lvl5pPr marL="1828800" indent="0">
+              <a:buNone/>
+              <a:defRPr sz="900"/>
+            </a:lvl5pPr>
+            <a:lvl6pPr marL="2286000" indent="0">
+              <a:buNone/>
+              <a:defRPr sz="900"/>
+            </a:lvl6pPr>
+            <a:lvl7pPr marL="2743200" indent="0">
+              <a:buNone/>
+              <a:defRPr sz="900"/>
+            </a:lvl7pPr>
+            <a:lvl8pPr marL="3200400" indent="0">
+              <a:buNone/>
+              <a:defRPr sz="900"/>
+            </a:lvl8pPr>
+            <a:lvl9pPr marL="3657600" indent="0">
+              <a:buNone/>
+              <a:defRPr sz="900"/>
+            </a:lvl9pPr>
+          </a:lstStyle>
+          <a:p>
+            <a:pPr lvl="0"/>
+            <a:r>
+              <a:rPr lang="en-US" smtClean="0"/>
+              <a:t>Edit Master text styles</a:t>
+            </a:r>
+          </a:p>
+        </p:txBody>
+      </p:sp>
+      <p:sp>
+        <p:nvSpPr>
+          <p:cNvPr id="4" name="Date Placeholder 3"/>
+          <p:cNvSpPr>
+            <a:spLocks noGrp="1"/>
+          </p:cNvSpPr>
+          <p:nvPr>
+            <p:ph type="dt" sz="half" idx="10"/>
+          </p:nvPr>
+        </p:nvSpPr>
+        <p:spPr/>
+        <p:txBody>
+          <a:bodyPr/>
+          <a:lstStyle/>
+          <a:p>
+            <a:fld id="{2A532FE2-2DA6-4190-B206-F5BB49DF417A}" type="datetimeFigureOut">
+              <a:rPr lang="en-US" smtClean="0"/>
+              <a:t>7/29/2021</a:t>
+            </a:fld>
+            <a:endParaRPr lang="en-US"/>
+          </a:p>
+        </p:txBody>
+      </p:sp>
+      <p:sp>
+        <p:nvSpPr>
+          <p:cNvPr id="5" name="Footer Placeholder 4"/>
+          <p:cNvSpPr>
+            <a:spLocks noGrp="1"/>
+          </p:cNvSpPr>
+          <p:nvPr>
+            <p:ph type="ftr" sz="quarter" idx="11"/>
+          </p:nvPr>
+        </p:nvSpPr>
+        <p:spPr/>
+        <p:txBody>
+          <a:bodyPr/>
+          <a:lstStyle/>
+          <a:p>
+            <a:endParaRPr lang="en-US"/>
+          </a:p>
+        </p:txBody>
+      </p:sp>
+      <p:sp>
+        <p:nvSpPr>
+          <p:cNvPr id="6" name="Slide Number Placeholder 5"/>
+          <p:cNvSpPr>
+            <a:spLocks noGrp="1"/>
+          </p:cNvSpPr>
+          <p:nvPr>
+            <p:ph type="sldNum" sz="quarter" idx="12"/>
+          </p:nvPr>
+        </p:nvSpPr>
+        <p:spPr/>
+        <p:txBody>
+          <a:bodyPr/>
+          <a:lstStyle/>
+          <a:p>
+            <a:fld id="{D08ECB62-5AD6-4353-9A2E-F721F884E450}" type="slidenum">
+              <a:rPr lang="en-US" smtClean="0"/>
+              <a:t>‹#›</a:t>
+            </a:fld>
+            <a:endParaRPr lang="en-US"/>
+          </a:p>
+        </p:txBody>
+      </p:sp>
+    </p:spTree>
+    <p:extLst>
+      <p:ext uri="{BB962C8B-B14F-4D97-AF65-F5344CB8AC3E}">
+        <p14:creationId xmlns:p14="http://schemas.microsoft.com/office/powerpoint/2010/main" val="624863100"/>
+      </p:ext>
+    </p:extLst>
+  </p:cSld>
+  <p:clrMapOvr>
+    <a:masterClrMapping/>
+  </p:clrMapOvr>
+</p:sldLayout>
+</file>
+
+<file path=ppt/slideLayouts/slideLayout12.xml><?xml version="1.0" encoding="utf-8"?>
+<p:sldLayout xmlns:a="http://schemas.openxmlformats.org/drawingml/2006/main" xmlns:r="http://schemas.openxmlformats.org/officeDocument/2006/relationships" xmlns:p="http://schemas.openxmlformats.org/presentationml/2006/main" preserve="1">
+  <p:cSld name="Quote with Caption">
+    <p:spTree>
+      <p:nvGrpSpPr>
+        <p:cNvPr id="1" name=""/>
+        <p:cNvGrpSpPr/>
+        <p:nvPr/>
+      </p:nvGrpSpPr>
+      <p:grpSpPr>
+        <a:xfrm>
+          <a:off x="0" y="0"/>
+          <a:ext cx="0" cy="0"/>
+          <a:chOff x="0" y="0"/>
+          <a:chExt cx="0" cy="0"/>
+        </a:xfrm>
+      </p:grpSpPr>
+      <p:sp>
+        <p:nvSpPr>
+          <p:cNvPr id="2" name="Title 1"/>
+          <p:cNvSpPr>
+            <a:spLocks noGrp="1"/>
+          </p:cNvSpPr>
+          <p:nvPr>
+            <p:ph type="title"/>
+          </p:nvPr>
+        </p:nvSpPr>
+        <p:spPr>
+          <a:xfrm>
+            <a:off x="1574801" y="1447800"/>
+            <a:ext cx="7999315" cy="2323374"/>
+          </a:xfrm>
+        </p:spPr>
+        <p:txBody>
+          <a:bodyPr/>
+          <a:lstStyle>
+            <a:lvl1pPr>
+              <a:defRPr sz="4800"/>
+            </a:lvl1pPr>
+          </a:lstStyle>
+          <a:p>
+            <a:r>
+              <a:rPr lang="en-US" smtClean="0"/>
+              <a:t>Click to edit Master title style</a:t>
+            </a:r>
+            <a:endParaRPr lang="en-US" dirty="0"/>
+          </a:p>
+        </p:txBody>
+      </p:sp>
+      <p:sp>
+        <p:nvSpPr>
+          <p:cNvPr id="11" name="Text Placeholder 3"/>
+          <p:cNvSpPr>
+            <a:spLocks noGrp="1"/>
+          </p:cNvSpPr>
+          <p:nvPr>
+            <p:ph type="body" sz="half" idx="14"/>
+          </p:nvPr>
+        </p:nvSpPr>
+        <p:spPr>
+          <a:xfrm>
+            <a:off x="1930400" y="3771174"/>
+            <a:ext cx="7279649" cy="342174"/>
+          </a:xfrm>
+        </p:spPr>
+        <p:txBody>
+          <a:bodyPr vert="horz" lIns="91440" tIns="45720" rIns="91440" bIns="45720" rtlCol="0" anchor="t">
+            <a:normAutofit/>
+          </a:bodyPr>
+          <a:lstStyle>
+            <a:lvl1pPr marL="0" indent="0">
+              <a:buNone/>
+              <a:defRPr lang="en-US" sz="1400" b="0" i="0" kern="1200" cap="small" dirty="0">
+                <a:solidFill>
+                  <a:schemeClr val="bg2">
+                    <a:lumMod val="40000"/>
+                    <a:lumOff val="60000"/>
+                  </a:schemeClr>
+                </a:solidFill>
+                <a:latin typeface="+mj-lt"/>
+                <a:ea typeface="+mj-ea"/>
+                <a:cs typeface="+mj-cs"/>
+              </a:defRPr>
+            </a:lvl1pPr>
+            <a:lvl2pPr marL="457200" indent="0">
+              <a:buNone/>
+              <a:defRPr sz="1200"/>
+            </a:lvl2pPr>
+            <a:lvl3pPr marL="914400" indent="0">
+              <a:buNone/>
+              <a:defRPr sz="1000"/>
+            </a:lvl3pPr>
+            <a:lvl4pPr marL="1371600" indent="0">
+              <a:buNone/>
+              <a:defRPr sz="900"/>
+            </a:lvl4pPr>
+            <a:lvl5pPr marL="1828800" indent="0">
+              <a:buNone/>
+              <a:defRPr sz="900"/>
+            </a:lvl5pPr>
+            <a:lvl6pPr marL="2286000" indent="0">
+              <a:buNone/>
+              <a:defRPr sz="900"/>
+            </a:lvl6pPr>
+            <a:lvl7pPr marL="2743200" indent="0">
+              <a:buNone/>
+              <a:defRPr sz="900"/>
+            </a:lvl7pPr>
+            <a:lvl8pPr marL="3200400" indent="0">
+              <a:buNone/>
+              <a:defRPr sz="900"/>
+            </a:lvl8pPr>
+            <a:lvl9pPr marL="3657600" indent="0">
+              <a:buNone/>
+              <a:defRPr sz="900"/>
+            </a:lvl9pPr>
+          </a:lstStyle>
+          <a:p>
+            <a:pPr marL="0" lvl="0" indent="0">
+              <a:buNone/>
+            </a:pPr>
+            <a:r>
+              <a:rPr lang="en-US" smtClean="0"/>
+              <a:t>Edit Master text styles</a:t>
+            </a:r>
+          </a:p>
+        </p:txBody>
+      </p:sp>
+      <p:sp>
+        <p:nvSpPr>
+          <p:cNvPr id="10" name="Text Placeholder 3"/>
+          <p:cNvSpPr>
+            <a:spLocks noGrp="1"/>
+          </p:cNvSpPr>
+          <p:nvPr>
+            <p:ph type="body" sz="half" idx="2"/>
+          </p:nvPr>
+        </p:nvSpPr>
+        <p:spPr>
+          <a:xfrm>
+            <a:off x="1154954" y="4350657"/>
+            <a:ext cx="8825659" cy="1676400"/>
+          </a:xfrm>
+        </p:spPr>
+        <p:txBody>
+          <a:bodyPr anchor="ctr">
+            <a:normAutofit/>
+          </a:bodyPr>
+          <a:lstStyle>
+            <a:lvl1pPr marL="0" indent="0">
+              <a:buNone/>
+              <a:defRPr sz="1800"/>
+            </a:lvl1pPr>
+            <a:lvl2pPr marL="457200" indent="0">
+              <a:buNone/>
+              <a:defRPr sz="1200"/>
+            </a:lvl2pPr>
+            <a:lvl3pPr marL="914400" indent="0">
+              <a:buNone/>
+              <a:defRPr sz="1000"/>
+            </a:lvl3pPr>
+            <a:lvl4pPr marL="1371600" indent="0">
+              <a:buNone/>
+              <a:defRPr sz="900"/>
+            </a:lvl4pPr>
+            <a:lvl5pPr marL="1828800" indent="0">
+              <a:buNone/>
+              <a:defRPr sz="900"/>
+            </a:lvl5pPr>
+            <a:lvl6pPr marL="2286000" indent="0">
+              <a:buNone/>
+              <a:defRPr sz="900"/>
+            </a:lvl6pPr>
+            <a:lvl7pPr marL="2743200" indent="0">
+              <a:buNone/>
+              <a:defRPr sz="900"/>
+            </a:lvl7pPr>
+            <a:lvl8pPr marL="3200400" indent="0">
+              <a:buNone/>
+              <a:defRPr sz="900"/>
+            </a:lvl8pPr>
+            <a:lvl9pPr marL="3657600" indent="0">
+              <a:buNone/>
+              <a:defRPr sz="900"/>
+            </a:lvl9pPr>
+          </a:lstStyle>
+          <a:p>
+            <a:pPr lvl="0"/>
+            <a:r>
+              <a:rPr lang="en-US" smtClean="0"/>
+              <a:t>Edit Master text styles</a:t>
+            </a:r>
+          </a:p>
+        </p:txBody>
+      </p:sp>
+      <p:sp>
+        <p:nvSpPr>
+          <p:cNvPr id="4" name="Date Placeholder 3"/>
+          <p:cNvSpPr>
+            <a:spLocks noGrp="1"/>
+          </p:cNvSpPr>
+          <p:nvPr>
+            <p:ph type="dt" sz="half" idx="10"/>
+          </p:nvPr>
+        </p:nvSpPr>
+        <p:spPr/>
+        <p:txBody>
+          <a:bodyPr/>
+          <a:lstStyle/>
+          <a:p>
+            <a:fld id="{2A532FE2-2DA6-4190-B206-F5BB49DF417A}" type="datetimeFigureOut">
+              <a:rPr lang="en-US" smtClean="0"/>
+              <a:t>7/29/2021</a:t>
+            </a:fld>
+            <a:endParaRPr lang="en-US"/>
+          </a:p>
+        </p:txBody>
+      </p:sp>
+      <p:sp>
+        <p:nvSpPr>
+          <p:cNvPr id="5" name="Footer Placeholder 4"/>
+          <p:cNvSpPr>
+            <a:spLocks noGrp="1"/>
+          </p:cNvSpPr>
+          <p:nvPr>
+            <p:ph type="ftr" sz="quarter" idx="11"/>
+          </p:nvPr>
+        </p:nvSpPr>
+        <p:spPr/>
+        <p:txBody>
+          <a:bodyPr/>
+          <a:lstStyle/>
+          <a:p>
+            <a:endParaRPr lang="en-US"/>
+          </a:p>
+        </p:txBody>
+      </p:sp>
+      <p:sp>
+        <p:nvSpPr>
+          <p:cNvPr id="6" name="Slide Number Placeholder 5"/>
+          <p:cNvSpPr>
+            <a:spLocks noGrp="1"/>
+          </p:cNvSpPr>
+          <p:nvPr>
+            <p:ph type="sldNum" sz="quarter" idx="12"/>
+          </p:nvPr>
+        </p:nvSpPr>
+        <p:spPr/>
+        <p:txBody>
+          <a:bodyPr/>
+          <a:lstStyle/>
+          <a:p>
+            <a:fld id="{D08ECB62-5AD6-4353-9A2E-F721F884E450}" type="slidenum">
+              <a:rPr lang="en-US" smtClean="0"/>
+              <a:t>‹#›</a:t>
+            </a:fld>
+            <a:endParaRPr lang="en-US"/>
+          </a:p>
+        </p:txBody>
+      </p:sp>
+      <p:sp>
+        <p:nvSpPr>
+          <p:cNvPr id="12" name="TextBox 11"/>
+          <p:cNvSpPr txBox="1"/>
+          <p:nvPr/>
+        </p:nvSpPr>
+        <p:spPr>
+          <a:xfrm>
+            <a:off x="898295" y="971253"/>
+            <a:ext cx="801912" cy="1969770"/>
+          </a:xfrm>
+          <a:prstGeom prst="rect">
+            <a:avLst/>
+          </a:prstGeom>
+          <a:noFill/>
+        </p:spPr>
+        <p:txBody>
+          <a:bodyPr wrap="square" rtlCol="0">
+            <a:spAutoFit/>
+          </a:bodyPr>
+          <a:lstStyle>
+            <a:defPPr>
+              <a:defRPr lang="en-US"/>
+            </a:defPPr>
+            <a:lvl1pPr algn="r">
+              <a:defRPr sz="12200" b="0" i="0">
+                <a:solidFill>
+                  <a:schemeClr val="bg2">
+                    <a:lumMod val="40000"/>
+                    <a:lumOff val="60000"/>
+                  </a:schemeClr>
+                </a:solidFill>
+                <a:latin typeface="Arial"/>
+                <a:ea typeface="+mj-ea"/>
+                <a:cs typeface="+mj-cs"/>
+              </a:defRPr>
+            </a:lvl1pPr>
+          </a:lstStyle>
+          <a:p>
+            <a:pPr lvl="0"/>
+            <a:r>
+              <a:rPr lang="en-US" dirty="0"/>
+              <a:t>“</a:t>
+            </a:r>
+          </a:p>
+        </p:txBody>
+      </p:sp>
+      <p:sp>
+        <p:nvSpPr>
+          <p:cNvPr id="15" name="TextBox 14"/>
+          <p:cNvSpPr txBox="1"/>
+          <p:nvPr/>
+        </p:nvSpPr>
+        <p:spPr>
+          <a:xfrm>
+            <a:off x="9330490" y="2613787"/>
+            <a:ext cx="801912" cy="1969770"/>
+          </a:xfrm>
+          <a:prstGeom prst="rect">
+            <a:avLst/>
+          </a:prstGeom>
+          <a:noFill/>
+        </p:spPr>
+        <p:txBody>
+          <a:bodyPr wrap="square" rtlCol="0">
+            <a:spAutoFit/>
+          </a:bodyPr>
+          <a:lstStyle>
+            <a:defPPr>
+              <a:defRPr lang="en-US"/>
+            </a:defPPr>
+            <a:lvl1pPr algn="r">
+              <a:defRPr sz="12200" b="0" i="0">
+                <a:solidFill>
+                  <a:schemeClr val="bg2">
+                    <a:lumMod val="40000"/>
+                    <a:lumOff val="60000"/>
+                  </a:schemeClr>
+                </a:solidFill>
+                <a:latin typeface="Arial"/>
+                <a:ea typeface="+mj-ea"/>
+                <a:cs typeface="+mj-cs"/>
+              </a:defRPr>
+            </a:lvl1pPr>
+          </a:lstStyle>
+          <a:p>
+            <a:pPr lvl="0"/>
+            <a:r>
+              <a:rPr lang="en-US" dirty="0"/>
+              <a:t>”</a:t>
+            </a:r>
+          </a:p>
+        </p:txBody>
+      </p:sp>
+    </p:spTree>
+    <p:extLst>
+      <p:ext uri="{BB962C8B-B14F-4D97-AF65-F5344CB8AC3E}">
+        <p14:creationId xmlns:p14="http://schemas.microsoft.com/office/powerpoint/2010/main" val="119087517"/>
+      </p:ext>
+    </p:extLst>
+  </p:cSld>
+  <p:clrMapOvr>
+    <a:masterClrMapping/>
+  </p:clrMapOvr>
+</p:sldLayout>
+</file>
+
+<file path=ppt/slideLayouts/slideLayout13.xml><?xml version="1.0" encoding="utf-8"?>
+<p:sldLayout xmlns:a="http://schemas.openxmlformats.org/drawingml/2006/main" xmlns:r="http://schemas.openxmlformats.org/officeDocument/2006/relationships" xmlns:p="http://schemas.openxmlformats.org/presentationml/2006/main" preserve="1">
+  <p:cSld name="Name Card">
+    <p:spTree>
+      <p:nvGrpSpPr>
+        <p:cNvPr id="1" name=""/>
+        <p:cNvGrpSpPr/>
+        <p:nvPr/>
+      </p:nvGrpSpPr>
+      <p:grpSpPr>
+        <a:xfrm>
+          <a:off x="0" y="0"/>
+          <a:ext cx="0" cy="0"/>
+          <a:chOff x="0" y="0"/>
+          <a:chExt cx="0" cy="0"/>
+        </a:xfrm>
+      </p:grpSpPr>
+      <p:sp>
+        <p:nvSpPr>
+          <p:cNvPr id="2" name="Title 1"/>
+          <p:cNvSpPr>
+            <a:spLocks noGrp="1"/>
+          </p:cNvSpPr>
+          <p:nvPr>
+            <p:ph type="title"/>
+          </p:nvPr>
+        </p:nvSpPr>
+        <p:spPr>
+          <a:xfrm>
+            <a:off x="1154954" y="3124201"/>
+            <a:ext cx="8825660" cy="1653180"/>
+          </a:xfrm>
+        </p:spPr>
+        <p:txBody>
+          <a:bodyPr anchor="b"/>
+          <a:lstStyle>
+            <a:lvl1pPr algn="l">
+              <a:defRPr sz="4000" b="0" cap="none"/>
+            </a:lvl1pPr>
+          </a:lstStyle>
+          <a:p>
+            <a:r>
+              <a:rPr lang="en-US" smtClean="0"/>
+              <a:t>Click to edit Master title style</a:t>
+            </a:r>
+            <a:endParaRPr lang="en-US" dirty="0"/>
+          </a:p>
+        </p:txBody>
+      </p:sp>
+      <p:sp>
+        <p:nvSpPr>
+          <p:cNvPr id="3" name="Text Placeholder 2"/>
+          <p:cNvSpPr>
+            <a:spLocks noGrp="1"/>
+          </p:cNvSpPr>
+          <p:nvPr>
+            <p:ph type="body" idx="1"/>
+          </p:nvPr>
+        </p:nvSpPr>
+        <p:spPr>
+          <a:xfrm>
+            <a:off x="1154954" y="4777381"/>
+            <a:ext cx="8825659" cy="860400"/>
+          </a:xfrm>
+        </p:spPr>
+        <p:txBody>
+          <a:bodyPr anchor="t"/>
+          <a:lstStyle>
+            <a:lvl1pPr marL="0" indent="0" algn="l">
+              <a:buNone/>
+              <a:defRPr sz="2000" cap="none">
+                <a:solidFill>
+                  <a:schemeClr val="bg2">
+                    <a:lumMod val="40000"/>
+                    <a:lumOff val="60000"/>
+                  </a:schemeClr>
+                </a:solidFill>
+              </a:defRPr>
+            </a:lvl1pPr>
+            <a:lvl2pPr marL="457200" indent="0">
+              <a:buNone/>
+              <a:defRPr sz="1800">
+                <a:solidFill>
+                  <a:schemeClr val="tx1">
+                    <a:tint val="75000"/>
+                  </a:schemeClr>
+                </a:solidFill>
+              </a:defRPr>
+            </a:lvl2pPr>
+            <a:lvl3pPr marL="914400" indent="0">
+              <a:buNone/>
+              <a:defRPr sz="1600">
+                <a:solidFill>
+                  <a:schemeClr val="tx1">
+                    <a:tint val="75000"/>
+                  </a:schemeClr>
+                </a:solidFill>
+              </a:defRPr>
+            </a:lvl3pPr>
+            <a:lvl4pPr marL="1371600" indent="0">
+              <a:buNone/>
+              <a:defRPr sz="1400">
+                <a:solidFill>
+                  <a:schemeClr val="tx1">
+                    <a:tint val="75000"/>
+                  </a:schemeClr>
+                </a:solidFill>
+              </a:defRPr>
+            </a:lvl4pPr>
+            <a:lvl5pPr marL="1828800" indent="0">
+              <a:buNone/>
+              <a:defRPr sz="1400">
+                <a:solidFill>
+                  <a:schemeClr val="tx1">
+                    <a:tint val="75000"/>
+                  </a:schemeClr>
+                </a:solidFill>
+              </a:defRPr>
+            </a:lvl5pPr>
+            <a:lvl6pPr marL="2286000" indent="0">
+              <a:buNone/>
+              <a:defRPr sz="1400">
+                <a:solidFill>
+                  <a:schemeClr val="tx1">
+                    <a:tint val="75000"/>
+                  </a:schemeClr>
+                </a:solidFill>
+              </a:defRPr>
+            </a:lvl6pPr>
+            <a:lvl7pPr marL="2743200" indent="0">
+              <a:buNone/>
+              <a:defRPr sz="1400">
+                <a:solidFill>
+                  <a:schemeClr val="tx1">
+                    <a:tint val="75000"/>
+                  </a:schemeClr>
+                </a:solidFill>
+              </a:defRPr>
+            </a:lvl7pPr>
+            <a:lvl8pPr marL="3200400" indent="0">
+              <a:buNone/>
+              <a:defRPr sz="1400">
+                <a:solidFill>
+                  <a:schemeClr val="tx1">
+                    <a:tint val="75000"/>
+                  </a:schemeClr>
+                </a:solidFill>
+              </a:defRPr>
+            </a:lvl8pPr>
+            <a:lvl9pPr marL="3657600" indent="0">
+              <a:buNone/>
+              <a:defRPr sz="1400">
+                <a:solidFill>
+                  <a:schemeClr val="tx1">
+                    <a:tint val="75000"/>
+                  </a:schemeClr>
+                </a:solidFill>
+              </a:defRPr>
+            </a:lvl9pPr>
+          </a:lstStyle>
+          <a:p>
+            <a:pPr lvl="0"/>
+            <a:r>
+              <a:rPr lang="en-US" smtClean="0"/>
+              <a:t>Edit Master text styles</a:t>
+            </a:r>
+          </a:p>
+        </p:txBody>
+      </p:sp>
+      <p:sp>
+        <p:nvSpPr>
+          <p:cNvPr id="4" name="Date Placeholder 3"/>
+          <p:cNvSpPr>
+            <a:spLocks noGrp="1"/>
+          </p:cNvSpPr>
+          <p:nvPr>
+            <p:ph type="dt" sz="half" idx="10"/>
+          </p:nvPr>
+        </p:nvSpPr>
+        <p:spPr/>
+        <p:txBody>
+          <a:bodyPr/>
+          <a:lstStyle/>
+          <a:p>
+            <a:fld id="{2A532FE2-2DA6-4190-B206-F5BB49DF417A}" type="datetimeFigureOut">
+              <a:rPr lang="en-US" smtClean="0"/>
+              <a:t>7/29/2021</a:t>
+            </a:fld>
+            <a:endParaRPr lang="en-US"/>
+          </a:p>
+        </p:txBody>
+      </p:sp>
+      <p:sp>
+        <p:nvSpPr>
+          <p:cNvPr id="5" name="Footer Placeholder 4"/>
+          <p:cNvSpPr>
+            <a:spLocks noGrp="1"/>
+          </p:cNvSpPr>
+          <p:nvPr>
+            <p:ph type="ftr" sz="quarter" idx="11"/>
+          </p:nvPr>
+        </p:nvSpPr>
+        <p:spPr/>
+        <p:txBody>
+          <a:bodyPr/>
+          <a:lstStyle/>
+          <a:p>
+            <a:endParaRPr lang="en-US"/>
+          </a:p>
+        </p:txBody>
+      </p:sp>
+      <p:sp>
+        <p:nvSpPr>
+          <p:cNvPr id="6" name="Slide Number Placeholder 5"/>
+          <p:cNvSpPr>
+            <a:spLocks noGrp="1"/>
+          </p:cNvSpPr>
+          <p:nvPr>
+            <p:ph type="sldNum" sz="quarter" idx="12"/>
+          </p:nvPr>
+        </p:nvSpPr>
+        <p:spPr/>
+        <p:txBody>
+          <a:bodyPr/>
+          <a:lstStyle/>
+          <a:p>
+            <a:fld id="{D08ECB62-5AD6-4353-9A2E-F721F884E450}" type="slidenum">
+              <a:rPr lang="en-US" smtClean="0"/>
+              <a:t>‹#›</a:t>
+            </a:fld>
+            <a:endParaRPr lang="en-US"/>
+          </a:p>
+        </p:txBody>
+      </p:sp>
+    </p:spTree>
+    <p:extLst>
+      <p:ext uri="{BB962C8B-B14F-4D97-AF65-F5344CB8AC3E}">
+        <p14:creationId xmlns:p14="http://schemas.microsoft.com/office/powerpoint/2010/main" val="1091542469"/>
+      </p:ext>
+    </p:extLst>
+  </p:cSld>
+  <p:clrMapOvr>
+    <a:masterClrMapping/>
+  </p:clrMapOvr>
+</p:sldLayout>
+</file>
+
+<file path=ppt/slideLayouts/slideLayout14.xml><?xml version="1.0" encoding="utf-8"?>
+<p:sldLayout xmlns:a="http://schemas.openxmlformats.org/drawingml/2006/main" xmlns:r="http://schemas.openxmlformats.org/officeDocument/2006/relationships" xmlns:p="http://schemas.openxmlformats.org/presentationml/2006/main" preserve="1">
+  <p:cSld name="3 Column">
+    <p:spTree>
+      <p:nvGrpSpPr>
+        <p:cNvPr id="1" name=""/>
+        <p:cNvGrpSpPr/>
+        <p:nvPr/>
+      </p:nvGrpSpPr>
+      <p:grpSpPr>
+        <a:xfrm>
+          <a:off x="0" y="0"/>
+          <a:ext cx="0" cy="0"/>
+          <a:chOff x="0" y="0"/>
+          <a:chExt cx="0" cy="0"/>
+        </a:xfrm>
+      </p:grpSpPr>
+      <p:sp>
+        <p:nvSpPr>
+          <p:cNvPr id="2" name="Title 1"/>
+          <p:cNvSpPr>
+            <a:spLocks noGrp="1"/>
+          </p:cNvSpPr>
+          <p:nvPr>
+            <p:ph type="title"/>
+          </p:nvPr>
+        </p:nvSpPr>
+        <p:spPr/>
+        <p:txBody>
+          <a:bodyPr/>
+          <a:lstStyle>
+            <a:lvl1pPr>
+              <a:defRPr sz="4200"/>
+            </a:lvl1pPr>
+          </a:lstStyle>
+          <a:p>
+            <a:r>
+              <a:rPr lang="en-US" smtClean="0"/>
+              <a:t>Click to edit Master title style</a:t>
+            </a:r>
+            <a:endParaRPr lang="en-US" dirty="0"/>
+          </a:p>
+        </p:txBody>
+      </p:sp>
+      <p:sp>
+        <p:nvSpPr>
+          <p:cNvPr id="3" name="Text Placeholder 2"/>
+          <p:cNvSpPr>
+            <a:spLocks noGrp="1"/>
+          </p:cNvSpPr>
+          <p:nvPr>
+            <p:ph type="body" idx="1"/>
+          </p:nvPr>
+        </p:nvSpPr>
+        <p:spPr>
+          <a:xfrm>
+            <a:off x="632947" y="1981200"/>
+            <a:ext cx="2946866" cy="576262"/>
+          </a:xfrm>
+        </p:spPr>
+        <p:txBody>
+          <a:bodyPr anchor="b">
+            <a:noAutofit/>
+          </a:bodyPr>
+          <a:lstStyle>
+            <a:lvl1pPr marL="0" indent="0">
+              <a:buNone/>
+              <a:defRPr sz="2400" b="0">
+                <a:solidFill>
+                  <a:schemeClr val="bg2">
+                    <a:lumMod val="40000"/>
+                    <a:lumOff val="60000"/>
+                  </a:schemeClr>
+                </a:solidFill>
+              </a:defRPr>
+            </a:lvl1pPr>
+            <a:lvl2pPr marL="457200" indent="0">
+              <a:buNone/>
+              <a:defRPr sz="2000" b="1"/>
+            </a:lvl2pPr>
+            <a:lvl3pPr marL="914400" indent="0">
+              <a:buNone/>
+              <a:defRPr sz="1800" b="1"/>
+            </a:lvl3pPr>
+            <a:lvl4pPr marL="1371600" indent="0">
+              <a:buNone/>
+              <a:defRPr sz="1600" b="1"/>
+            </a:lvl4pPr>
+            <a:lvl5pPr marL="1828800" indent="0">
+              <a:buNone/>
+              <a:defRPr sz="1600" b="1"/>
+            </a:lvl5pPr>
+            <a:lvl6pPr marL="2286000" indent="0">
+              <a:buNone/>
+              <a:defRPr sz="1600" b="1"/>
+            </a:lvl6pPr>
+            <a:lvl7pPr marL="2743200" indent="0">
+              <a:buNone/>
+              <a:defRPr sz="1600" b="1"/>
+            </a:lvl7pPr>
+            <a:lvl8pPr marL="3200400" indent="0">
+              <a:buNone/>
+              <a:defRPr sz="1600" b="1"/>
+            </a:lvl8pPr>
+            <a:lvl9pPr marL="3657600" indent="0">
+              <a:buNone/>
+              <a:defRPr sz="1600" b="1"/>
+            </a:lvl9pPr>
+          </a:lstStyle>
+          <a:p>
+            <a:pPr lvl="0"/>
+            <a:r>
+              <a:rPr lang="en-US" smtClean="0"/>
+              <a:t>Edit Master text styles</a:t>
+            </a:r>
+          </a:p>
+        </p:txBody>
+      </p:sp>
+      <p:sp>
+        <p:nvSpPr>
+          <p:cNvPr id="16" name="Text Placeholder 3"/>
+          <p:cNvSpPr>
+            <a:spLocks noGrp="1"/>
+          </p:cNvSpPr>
+          <p:nvPr>
+            <p:ph type="body" sz="half" idx="15"/>
+          </p:nvPr>
+        </p:nvSpPr>
+        <p:spPr>
+          <a:xfrm>
+            <a:off x="652463" y="2667000"/>
+            <a:ext cx="2927350" cy="3589338"/>
+          </a:xfrm>
+        </p:spPr>
+        <p:txBody>
+          <a:bodyPr anchor="t">
+            <a:normAutofit/>
+          </a:bodyPr>
+          <a:lstStyle>
+            <a:lvl1pPr marL="0" indent="0">
+              <a:buNone/>
+              <a:defRPr sz="1400"/>
+            </a:lvl1pPr>
+            <a:lvl2pPr marL="457200" indent="0">
+              <a:buNone/>
+              <a:defRPr sz="1200"/>
+            </a:lvl2pPr>
+            <a:lvl3pPr marL="914400" indent="0">
+              <a:buNone/>
+              <a:defRPr sz="1000"/>
+            </a:lvl3pPr>
+            <a:lvl4pPr marL="1371600" indent="0">
+              <a:buNone/>
+              <a:defRPr sz="900"/>
+            </a:lvl4pPr>
+            <a:lvl5pPr marL="1828800" indent="0">
+              <a:buNone/>
+              <a:defRPr sz="900"/>
+            </a:lvl5pPr>
+            <a:lvl6pPr marL="2286000" indent="0">
+              <a:buNone/>
+              <a:defRPr sz="900"/>
+            </a:lvl6pPr>
+            <a:lvl7pPr marL="2743200" indent="0">
+              <a:buNone/>
+              <a:defRPr sz="900"/>
+            </a:lvl7pPr>
+            <a:lvl8pPr marL="3200400" indent="0">
+              <a:buNone/>
+              <a:defRPr sz="900"/>
+            </a:lvl8pPr>
+            <a:lvl9pPr marL="3657600" indent="0">
+              <a:buNone/>
+              <a:defRPr sz="900"/>
+            </a:lvl9pPr>
+          </a:lstStyle>
+          <a:p>
+            <a:pPr lvl="0"/>
+            <a:r>
+              <a:rPr lang="en-US" smtClean="0"/>
+              <a:t>Edit Master text styles</a:t>
+            </a:r>
+          </a:p>
+        </p:txBody>
+      </p:sp>
+      <p:sp>
+        <p:nvSpPr>
+          <p:cNvPr id="5" name="Text Placeholder 4"/>
+          <p:cNvSpPr>
+            <a:spLocks noGrp="1"/>
+          </p:cNvSpPr>
+          <p:nvPr>
+            <p:ph type="body" sz="quarter" idx="3"/>
+          </p:nvPr>
+        </p:nvSpPr>
+        <p:spPr>
+          <a:xfrm>
+            <a:off x="3883659" y="1981200"/>
+            <a:ext cx="2936241" cy="576262"/>
+          </a:xfrm>
+        </p:spPr>
+        <p:txBody>
+          <a:bodyPr anchor="b">
+            <a:noAutofit/>
+          </a:bodyPr>
+          <a:lstStyle>
+            <a:lvl1pPr marL="0" indent="0">
+              <a:buNone/>
+              <a:defRPr sz="2400" b="0">
+                <a:solidFill>
+                  <a:schemeClr val="bg2">
+                    <a:lumMod val="40000"/>
+                    <a:lumOff val="60000"/>
+                  </a:schemeClr>
+                </a:solidFill>
+              </a:defRPr>
+            </a:lvl1pPr>
+            <a:lvl2pPr marL="457200" indent="0">
+              <a:buNone/>
+              <a:defRPr sz="2000" b="1"/>
+            </a:lvl2pPr>
+            <a:lvl3pPr marL="914400" indent="0">
+              <a:buNone/>
+              <a:defRPr sz="1800" b="1"/>
+            </a:lvl3pPr>
+            <a:lvl4pPr marL="1371600" indent="0">
+              <a:buNone/>
+              <a:defRPr sz="1600" b="1"/>
+            </a:lvl4pPr>
+            <a:lvl5pPr marL="1828800" indent="0">
+              <a:buNone/>
+              <a:defRPr sz="1600" b="1"/>
+            </a:lvl5pPr>
+            <a:lvl6pPr marL="2286000" indent="0">
+              <a:buNone/>
+              <a:defRPr sz="1600" b="1"/>
+            </a:lvl6pPr>
+            <a:lvl7pPr marL="2743200" indent="0">
+              <a:buNone/>
+              <a:defRPr sz="1600" b="1"/>
+            </a:lvl7pPr>
+            <a:lvl8pPr marL="3200400" indent="0">
+              <a:buNone/>
+              <a:defRPr sz="1600" b="1"/>
+            </a:lvl8pPr>
+            <a:lvl9pPr marL="3657600" indent="0">
+              <a:buNone/>
+              <a:defRPr sz="1600" b="1"/>
+            </a:lvl9pPr>
+          </a:lstStyle>
+          <a:p>
+            <a:pPr lvl="0"/>
+            <a:r>
+              <a:rPr lang="en-US" smtClean="0"/>
+              <a:t>Edit Master text styles</a:t>
+            </a:r>
+          </a:p>
+        </p:txBody>
+      </p:sp>
+      <p:sp>
+        <p:nvSpPr>
+          <p:cNvPr id="19" name="Text Placeholder 3"/>
+          <p:cNvSpPr>
+            <a:spLocks noGrp="1"/>
+          </p:cNvSpPr>
+          <p:nvPr>
+            <p:ph type="body" sz="half" idx="16"/>
+          </p:nvPr>
+        </p:nvSpPr>
+        <p:spPr>
+          <a:xfrm>
+            <a:off x="3873106" y="2667000"/>
+            <a:ext cx="2946794" cy="3589338"/>
+          </a:xfrm>
+        </p:spPr>
+        <p:txBody>
+          <a:bodyPr anchor="t">
+            <a:normAutofit/>
+          </a:bodyPr>
+          <a:lstStyle>
+            <a:lvl1pPr marL="0" indent="0">
+              <a:buNone/>
+              <a:defRPr sz="1400"/>
+            </a:lvl1pPr>
+            <a:lvl2pPr marL="457200" indent="0">
+              <a:buNone/>
+              <a:defRPr sz="1200"/>
+            </a:lvl2pPr>
+            <a:lvl3pPr marL="914400" indent="0">
+              <a:buNone/>
+              <a:defRPr sz="1000"/>
+            </a:lvl3pPr>
+            <a:lvl4pPr marL="1371600" indent="0">
+              <a:buNone/>
+              <a:defRPr sz="900"/>
+            </a:lvl4pPr>
+            <a:lvl5pPr marL="1828800" indent="0">
+              <a:buNone/>
+              <a:defRPr sz="900"/>
+            </a:lvl5pPr>
+            <a:lvl6pPr marL="2286000" indent="0">
+              <a:buNone/>
+              <a:defRPr sz="900"/>
+            </a:lvl6pPr>
+            <a:lvl7pPr marL="2743200" indent="0">
+              <a:buNone/>
+              <a:defRPr sz="900"/>
+            </a:lvl7pPr>
+            <a:lvl8pPr marL="3200400" indent="0">
+              <a:buNone/>
+              <a:defRPr sz="900"/>
+            </a:lvl8pPr>
+            <a:lvl9pPr marL="3657600" indent="0">
+              <a:buNone/>
+              <a:defRPr sz="900"/>
+            </a:lvl9pPr>
+          </a:lstStyle>
+          <a:p>
+            <a:pPr lvl="0"/>
+            <a:r>
+              <a:rPr lang="en-US" smtClean="0"/>
+              <a:t>Edit Master text styles</a:t>
+            </a:r>
+          </a:p>
+        </p:txBody>
+      </p:sp>
+      <p:sp>
+        <p:nvSpPr>
+          <p:cNvPr id="14" name="Text Placeholder 4"/>
+          <p:cNvSpPr>
+            <a:spLocks noGrp="1"/>
+          </p:cNvSpPr>
+          <p:nvPr>
+            <p:ph type="body" sz="quarter" idx="13"/>
+          </p:nvPr>
+        </p:nvSpPr>
+        <p:spPr>
+          <a:xfrm>
+            <a:off x="7124700" y="1981200"/>
+            <a:ext cx="2932113" cy="576262"/>
+          </a:xfrm>
+        </p:spPr>
+        <p:txBody>
+          <a:bodyPr anchor="b">
+            <a:noAutofit/>
+          </a:bodyPr>
+          <a:lstStyle>
+            <a:lvl1pPr marL="0" indent="0">
+              <a:buNone/>
+              <a:defRPr sz="2400" b="0">
+                <a:solidFill>
+                  <a:schemeClr val="bg2">
+                    <a:lumMod val="40000"/>
+                    <a:lumOff val="60000"/>
+                  </a:schemeClr>
+                </a:solidFill>
+              </a:defRPr>
+            </a:lvl1pPr>
+            <a:lvl2pPr marL="457200" indent="0">
+              <a:buNone/>
+              <a:defRPr sz="2000" b="1"/>
+            </a:lvl2pPr>
+            <a:lvl3pPr marL="914400" indent="0">
+              <a:buNone/>
+              <a:defRPr sz="1800" b="1"/>
+            </a:lvl3pPr>
+            <a:lvl4pPr marL="1371600" indent="0">
+              <a:buNone/>
+              <a:defRPr sz="1600" b="1"/>
+            </a:lvl4pPr>
+            <a:lvl5pPr marL="1828800" indent="0">
+              <a:buNone/>
+              <a:defRPr sz="1600" b="1"/>
+            </a:lvl5pPr>
+            <a:lvl6pPr marL="2286000" indent="0">
+              <a:buNone/>
+              <a:defRPr sz="1600" b="1"/>
+            </a:lvl6pPr>
+            <a:lvl7pPr marL="2743200" indent="0">
+              <a:buNone/>
+              <a:defRPr sz="1600" b="1"/>
+            </a:lvl7pPr>
+            <a:lvl8pPr marL="3200400" indent="0">
+              <a:buNone/>
+              <a:defRPr sz="1600" b="1"/>
+            </a:lvl8pPr>
+            <a:lvl9pPr marL="3657600" indent="0">
+              <a:buNone/>
+              <a:defRPr sz="1600" b="1"/>
+            </a:lvl9pPr>
+          </a:lstStyle>
+          <a:p>
+            <a:pPr lvl="0"/>
+            <a:r>
+              <a:rPr lang="en-US" smtClean="0"/>
+              <a:t>Edit Master text styles</a:t>
+            </a:r>
+          </a:p>
+        </p:txBody>
+      </p:sp>
+      <p:sp>
+        <p:nvSpPr>
+          <p:cNvPr id="20" name="Text Placeholder 3"/>
+          <p:cNvSpPr>
+            <a:spLocks noGrp="1"/>
+          </p:cNvSpPr>
+          <p:nvPr>
+            <p:ph type="body" sz="half" idx="17"/>
+          </p:nvPr>
+        </p:nvSpPr>
+        <p:spPr>
+          <a:xfrm>
+            <a:off x="7124700" y="2667000"/>
+            <a:ext cx="2932113" cy="3589338"/>
+          </a:xfrm>
+        </p:spPr>
+        <p:txBody>
+          <a:bodyPr anchor="t">
+            <a:normAutofit/>
+          </a:bodyPr>
+          <a:lstStyle>
+            <a:lvl1pPr marL="0" indent="0">
+              <a:buNone/>
+              <a:defRPr sz="1400"/>
+            </a:lvl1pPr>
+            <a:lvl2pPr marL="457200" indent="0">
+              <a:buNone/>
+              <a:defRPr sz="1200"/>
+            </a:lvl2pPr>
+            <a:lvl3pPr marL="914400" indent="0">
+              <a:buNone/>
+              <a:defRPr sz="1000"/>
+            </a:lvl3pPr>
+            <a:lvl4pPr marL="1371600" indent="0">
+              <a:buNone/>
+              <a:defRPr sz="900"/>
+            </a:lvl4pPr>
+            <a:lvl5pPr marL="1828800" indent="0">
+              <a:buNone/>
+              <a:defRPr sz="900"/>
+            </a:lvl5pPr>
+            <a:lvl6pPr marL="2286000" indent="0">
+              <a:buNone/>
+              <a:defRPr sz="900"/>
+            </a:lvl6pPr>
+            <a:lvl7pPr marL="2743200" indent="0">
+              <a:buNone/>
+              <a:defRPr sz="900"/>
+            </a:lvl7pPr>
+            <a:lvl8pPr marL="3200400" indent="0">
+              <a:buNone/>
+              <a:defRPr sz="900"/>
+            </a:lvl8pPr>
+            <a:lvl9pPr marL="3657600" indent="0">
+              <a:buNone/>
+              <a:defRPr sz="900"/>
+            </a:lvl9pPr>
+          </a:lstStyle>
+          <a:p>
+            <a:pPr lvl="0"/>
+            <a:r>
+              <a:rPr lang="en-US" smtClean="0"/>
+              <a:t>Edit Master text styles</a:t>
+            </a:r>
+          </a:p>
+        </p:txBody>
+      </p:sp>
+      <p:cxnSp>
+        <p:nvCxnSpPr>
+          <p:cNvPr id="17" name="Straight Connector 16"/>
+          <p:cNvCxnSpPr/>
+          <p:nvPr/>
+        </p:nvCxnSpPr>
+        <p:spPr>
+          <a:xfrm>
+            <a:off x="3726142" y="2133600"/>
+            <a:ext cx="0" cy="3962400"/>
+          </a:xfrm>
+          <a:prstGeom prst="line">
+            <a:avLst/>
+          </a:prstGeom>
+          <a:ln w="12700" cmpd="sng">
+            <a:solidFill>
+              <a:schemeClr val="bg2">
+                <a:lumMod val="40000"/>
+                <a:lumOff val="60000"/>
+                <a:alpha val="40000"/>
+              </a:schemeClr>
+            </a:solidFill>
+          </a:ln>
+        </p:spPr>
+        <p:style>
+          <a:lnRef idx="2">
+            <a:schemeClr val="accent1"/>
+          </a:lnRef>
+          <a:fillRef idx="0">
+            <a:schemeClr val="accent1"/>
+          </a:fillRef>
+          <a:effectRef idx="1">
+            <a:schemeClr val="accent1"/>
+          </a:effectRef>
+          <a:fontRef idx="minor">
+            <a:schemeClr val="tx1"/>
+          </a:fontRef>
+        </p:style>
+      </p:cxnSp>
+      <p:cxnSp>
+        <p:nvCxnSpPr>
+          <p:cNvPr id="18" name="Straight Connector 17"/>
+          <p:cNvCxnSpPr/>
+          <p:nvPr/>
+        </p:nvCxnSpPr>
+        <p:spPr>
+          <a:xfrm>
+            <a:off x="6962227" y="2133600"/>
+            <a:ext cx="0" cy="3966882"/>
+          </a:xfrm>
+          <a:prstGeom prst="line">
+            <a:avLst/>
+          </a:prstGeom>
+          <a:ln w="12700" cmpd="sng">
+            <a:solidFill>
+              <a:schemeClr val="bg2">
+                <a:lumMod val="40000"/>
+                <a:lumOff val="60000"/>
+                <a:alpha val="40000"/>
+              </a:schemeClr>
+            </a:solidFill>
+          </a:ln>
+        </p:spPr>
+        <p:style>
+          <a:lnRef idx="2">
+            <a:schemeClr val="accent1"/>
+          </a:lnRef>
+          <a:fillRef idx="0">
+            <a:schemeClr val="accent1"/>
+          </a:fillRef>
+          <a:effectRef idx="1">
+            <a:schemeClr val="accent1"/>
+          </a:effectRef>
+          <a:fontRef idx="minor">
+            <a:schemeClr val="tx1"/>
+          </a:fontRef>
+        </p:style>
+      </p:cxnSp>
+      <p:sp>
+        <p:nvSpPr>
+          <p:cNvPr id="7" name="Date Placeholder 3"/>
+          <p:cNvSpPr>
+            <a:spLocks noGrp="1"/>
+          </p:cNvSpPr>
+          <p:nvPr>
+            <p:ph type="dt" sz="half" idx="10"/>
+          </p:nvPr>
+        </p:nvSpPr>
+        <p:spPr/>
+        <p:txBody>
+          <a:bodyPr/>
+          <a:lstStyle/>
+          <a:p>
+            <a:fld id="{2A532FE2-2DA6-4190-B206-F5BB49DF417A}" type="datetimeFigureOut">
+              <a:rPr lang="en-US" smtClean="0"/>
+              <a:t>7/29/2021</a:t>
+            </a:fld>
+            <a:endParaRPr lang="en-US"/>
+          </a:p>
+        </p:txBody>
+      </p:sp>
+      <p:sp>
+        <p:nvSpPr>
+          <p:cNvPr id="4" name="Footer Placeholder 4"/>
+          <p:cNvSpPr>
+            <a:spLocks noGrp="1"/>
+          </p:cNvSpPr>
+          <p:nvPr>
+            <p:ph type="ftr" sz="quarter" idx="11"/>
+          </p:nvPr>
+        </p:nvSpPr>
+        <p:spPr/>
+        <p:txBody>
+          <a:bodyPr/>
+          <a:lstStyle/>
+          <a:p>
+            <a:endParaRPr lang="en-US"/>
+          </a:p>
+        </p:txBody>
+      </p:sp>
+      <p:sp>
+        <p:nvSpPr>
+          <p:cNvPr id="6" name="Slide Number Placeholder 5"/>
+          <p:cNvSpPr>
+            <a:spLocks noGrp="1"/>
+          </p:cNvSpPr>
+          <p:nvPr>
+            <p:ph type="sldNum" sz="quarter" idx="12"/>
+          </p:nvPr>
+        </p:nvSpPr>
+        <p:spPr/>
+        <p:txBody>
+          <a:bodyPr/>
+          <a:lstStyle/>
+          <a:p>
+            <a:fld id="{D08ECB62-5AD6-4353-9A2E-F721F884E450}" type="slidenum">
+              <a:rPr lang="en-US" smtClean="0"/>
+              <a:t>‹#›</a:t>
+            </a:fld>
+            <a:endParaRPr lang="en-US"/>
+          </a:p>
+        </p:txBody>
+      </p:sp>
+    </p:spTree>
+    <p:extLst>
+      <p:ext uri="{BB962C8B-B14F-4D97-AF65-F5344CB8AC3E}">
+        <p14:creationId xmlns:p14="http://schemas.microsoft.com/office/powerpoint/2010/main" val="2763116153"/>
+      </p:ext>
+    </p:extLst>
+  </p:cSld>
+  <p:clrMapOvr>
+    <a:masterClrMapping/>
+  </p:clrMapOvr>
+</p:sldLayout>
+</file>
+
+<file path=ppt/slideLayouts/slideLayout15.xml><?xml version="1.0" encoding="utf-8"?>
+<p:sldLayout xmlns:a="http://schemas.openxmlformats.org/drawingml/2006/main" xmlns:r="http://schemas.openxmlformats.org/officeDocument/2006/relationships" xmlns:p="http://schemas.openxmlformats.org/presentationml/2006/main" preserve="1">
+  <p:cSld name="3 Picture Column">
+    <p:spTree>
+      <p:nvGrpSpPr>
+        <p:cNvPr id="1" name=""/>
+        <p:cNvGrpSpPr/>
+        <p:nvPr/>
+      </p:nvGrpSpPr>
+      <p:grpSpPr>
+        <a:xfrm>
+          <a:off x="0" y="0"/>
+          <a:ext cx="0" cy="0"/>
+          <a:chOff x="0" y="0"/>
+          <a:chExt cx="0" cy="0"/>
+        </a:xfrm>
+      </p:grpSpPr>
+      <p:sp>
+        <p:nvSpPr>
+          <p:cNvPr id="2" name="Title 1"/>
+          <p:cNvSpPr>
+            <a:spLocks noGrp="1"/>
+          </p:cNvSpPr>
+          <p:nvPr>
+            <p:ph type="title"/>
+          </p:nvPr>
+        </p:nvSpPr>
+        <p:spPr/>
+        <p:txBody>
+          <a:bodyPr/>
+          <a:lstStyle>
+            <a:lvl1pPr>
+              <a:defRPr sz="4200"/>
+            </a:lvl1pPr>
+          </a:lstStyle>
+          <a:p>
+            <a:r>
+              <a:rPr lang="en-US" smtClean="0"/>
+              <a:t>Click to edit Master title style</a:t>
+            </a:r>
+            <a:endParaRPr lang="en-US" dirty="0"/>
+          </a:p>
+        </p:txBody>
+      </p:sp>
+      <p:sp>
+        <p:nvSpPr>
+          <p:cNvPr id="3" name="Text Placeholder 2"/>
+          <p:cNvSpPr>
+            <a:spLocks noGrp="1"/>
+          </p:cNvSpPr>
+          <p:nvPr>
+            <p:ph type="body" idx="1"/>
+          </p:nvPr>
+        </p:nvSpPr>
+        <p:spPr>
+          <a:xfrm>
+            <a:off x="652463" y="4250949"/>
+            <a:ext cx="2940050" cy="576262"/>
+          </a:xfrm>
+        </p:spPr>
+        <p:txBody>
+          <a:bodyPr anchor="b">
+            <a:noAutofit/>
+          </a:bodyPr>
+          <a:lstStyle>
+            <a:lvl1pPr marL="0" indent="0">
+              <a:buNone/>
+              <a:defRPr sz="2400" b="0">
+                <a:solidFill>
+                  <a:schemeClr val="bg2">
+                    <a:lumMod val="40000"/>
+                    <a:lumOff val="60000"/>
+                  </a:schemeClr>
+                </a:solidFill>
+              </a:defRPr>
+            </a:lvl1pPr>
+            <a:lvl2pPr marL="457200" indent="0">
+              <a:buNone/>
+              <a:defRPr sz="2000" b="1"/>
+            </a:lvl2pPr>
+            <a:lvl3pPr marL="914400" indent="0">
+              <a:buNone/>
+              <a:defRPr sz="1800" b="1"/>
+            </a:lvl3pPr>
+            <a:lvl4pPr marL="1371600" indent="0">
+              <a:buNone/>
+              <a:defRPr sz="1600" b="1"/>
+            </a:lvl4pPr>
+            <a:lvl5pPr marL="1828800" indent="0">
+              <a:buNone/>
+              <a:defRPr sz="1600" b="1"/>
+            </a:lvl5pPr>
+            <a:lvl6pPr marL="2286000" indent="0">
+              <a:buNone/>
+              <a:defRPr sz="1600" b="1"/>
+            </a:lvl6pPr>
+            <a:lvl7pPr marL="2743200" indent="0">
+              <a:buNone/>
+              <a:defRPr sz="1600" b="1"/>
+            </a:lvl7pPr>
+            <a:lvl8pPr marL="3200400" indent="0">
+              <a:buNone/>
+              <a:defRPr sz="1600" b="1"/>
+            </a:lvl8pPr>
+            <a:lvl9pPr marL="3657600" indent="0">
+              <a:buNone/>
+              <a:defRPr sz="1600" b="1"/>
+            </a:lvl9pPr>
+          </a:lstStyle>
+          <a:p>
+            <a:pPr lvl="0"/>
+            <a:r>
+              <a:rPr lang="en-US" smtClean="0"/>
+              <a:t>Edit Master text styles</a:t>
+            </a:r>
+          </a:p>
+        </p:txBody>
+      </p:sp>
+      <p:sp>
+        <p:nvSpPr>
+          <p:cNvPr id="29" name="Picture Placeholder 2"/>
+          <p:cNvSpPr>
+            <a:spLocks noGrp="1" noChangeAspect="1"/>
+          </p:cNvSpPr>
+          <p:nvPr>
+            <p:ph type="pic" idx="15"/>
+          </p:nvPr>
+        </p:nvSpPr>
+        <p:spPr>
+          <a:xfrm>
+            <a:off x="652463" y="2209800"/>
+            <a:ext cx="2940050" cy="1524000"/>
+          </a:xfrm>
+          <a:prstGeom prst="roundRect">
+            <a:avLst>
+              <a:gd name="adj" fmla="val 1858"/>
+            </a:avLst>
+          </a:prstGeom>
+          <a:effectLst>
+            <a:outerShdw blurRad="50800" dist="50800" dir="5400000" algn="tl" rotWithShape="0">
+              <a:srgbClr val="000000">
+                <a:alpha val="43000"/>
+              </a:srgbClr>
+            </a:outerShdw>
+          </a:effectLst>
+        </p:spPr>
+        <p:txBody>
+          <a:bodyPr anchor="t">
+            <a:normAutofit/>
+          </a:bodyPr>
+          <a:lstStyle>
+            <a:lvl1pPr marL="0" indent="0" algn="ctr">
+              <a:buNone/>
+              <a:defRPr sz="1600"/>
+            </a:lvl1pPr>
+            <a:lvl2pPr marL="457200" indent="0">
+              <a:buNone/>
+              <a:defRPr sz="1600"/>
+            </a:lvl2pPr>
+            <a:lvl3pPr marL="914400" indent="0">
+              <a:buNone/>
+              <a:defRPr sz="1600"/>
+            </a:lvl3pPr>
+            <a:lvl4pPr marL="1371600" indent="0">
+              <a:buNone/>
+              <a:defRPr sz="1600"/>
+            </a:lvl4pPr>
+            <a:lvl5pPr marL="1828800" indent="0">
+              <a:buNone/>
+              <a:defRPr sz="1600"/>
+            </a:lvl5pPr>
+            <a:lvl6pPr marL="2286000" indent="0">
+              <a:buNone/>
+              <a:defRPr sz="1600"/>
+            </a:lvl6pPr>
+            <a:lvl7pPr marL="2743200" indent="0">
+              <a:buNone/>
+              <a:defRPr sz="1600"/>
+            </a:lvl7pPr>
+            <a:lvl8pPr marL="3200400" indent="0">
+              <a:buNone/>
+              <a:defRPr sz="1600"/>
+            </a:lvl8pPr>
+            <a:lvl9pPr marL="3657600" indent="0">
+              <a:buNone/>
+              <a:defRPr sz="1600"/>
+            </a:lvl9pPr>
+          </a:lstStyle>
+          <a:p>
+            <a:r>
+              <a:rPr lang="en-US" smtClean="0"/>
+              <a:t>Click icon to add picture</a:t>
+            </a:r>
+            <a:endParaRPr lang="en-US" dirty="0"/>
+          </a:p>
+        </p:txBody>
+      </p:sp>
+      <p:sp>
+        <p:nvSpPr>
+          <p:cNvPr id="22" name="Text Placeholder 3"/>
+          <p:cNvSpPr>
+            <a:spLocks noGrp="1"/>
+          </p:cNvSpPr>
+          <p:nvPr>
+            <p:ph type="body" sz="half" idx="18"/>
+          </p:nvPr>
+        </p:nvSpPr>
+        <p:spPr>
+          <a:xfrm>
+            <a:off x="652463" y="4827211"/>
+            <a:ext cx="2940050" cy="659189"/>
+          </a:xfrm>
+        </p:spPr>
+        <p:txBody>
+          <a:bodyPr anchor="t">
+            <a:normAutofit/>
+          </a:bodyPr>
+          <a:lstStyle>
+            <a:lvl1pPr marL="0" indent="0">
+              <a:buNone/>
+              <a:defRPr sz="1400"/>
+            </a:lvl1pPr>
+            <a:lvl2pPr marL="457200" indent="0">
+              <a:buNone/>
+              <a:defRPr sz="1200"/>
+            </a:lvl2pPr>
+            <a:lvl3pPr marL="914400" indent="0">
+              <a:buNone/>
+              <a:defRPr sz="1000"/>
+            </a:lvl3pPr>
+            <a:lvl4pPr marL="1371600" indent="0">
+              <a:buNone/>
+              <a:defRPr sz="900"/>
+            </a:lvl4pPr>
+            <a:lvl5pPr marL="1828800" indent="0">
+              <a:buNone/>
+              <a:defRPr sz="900"/>
+            </a:lvl5pPr>
+            <a:lvl6pPr marL="2286000" indent="0">
+              <a:buNone/>
+              <a:defRPr sz="900"/>
+            </a:lvl6pPr>
+            <a:lvl7pPr marL="2743200" indent="0">
+              <a:buNone/>
+              <a:defRPr sz="900"/>
+            </a:lvl7pPr>
+            <a:lvl8pPr marL="3200400" indent="0">
+              <a:buNone/>
+              <a:defRPr sz="900"/>
+            </a:lvl8pPr>
+            <a:lvl9pPr marL="3657600" indent="0">
+              <a:buNone/>
+              <a:defRPr sz="900"/>
+            </a:lvl9pPr>
+          </a:lstStyle>
+          <a:p>
+            <a:pPr lvl="0"/>
+            <a:r>
+              <a:rPr lang="en-US" smtClean="0"/>
+              <a:t>Edit Master text styles</a:t>
+            </a:r>
+          </a:p>
+        </p:txBody>
+      </p:sp>
+      <p:sp>
+        <p:nvSpPr>
+          <p:cNvPr id="5" name="Text Placeholder 4"/>
+          <p:cNvSpPr>
+            <a:spLocks noGrp="1"/>
+          </p:cNvSpPr>
+          <p:nvPr>
+            <p:ph type="body" sz="quarter" idx="3"/>
+          </p:nvPr>
+        </p:nvSpPr>
+        <p:spPr>
+          <a:xfrm>
+            <a:off x="3889375" y="4250949"/>
+            <a:ext cx="2930525" cy="576262"/>
+          </a:xfrm>
+        </p:spPr>
+        <p:txBody>
+          <a:bodyPr anchor="b">
+            <a:noAutofit/>
+          </a:bodyPr>
+          <a:lstStyle>
+            <a:lvl1pPr marL="0" indent="0">
+              <a:buNone/>
+              <a:defRPr sz="2400" b="0">
+                <a:solidFill>
+                  <a:schemeClr val="bg2">
+                    <a:lumMod val="40000"/>
+                    <a:lumOff val="60000"/>
+                  </a:schemeClr>
+                </a:solidFill>
+              </a:defRPr>
+            </a:lvl1pPr>
+            <a:lvl2pPr marL="457200" indent="0">
+              <a:buNone/>
+              <a:defRPr sz="2000" b="1"/>
+            </a:lvl2pPr>
+            <a:lvl3pPr marL="914400" indent="0">
+              <a:buNone/>
+              <a:defRPr sz="1800" b="1"/>
+            </a:lvl3pPr>
+            <a:lvl4pPr marL="1371600" indent="0">
+              <a:buNone/>
+              <a:defRPr sz="1600" b="1"/>
+            </a:lvl4pPr>
+            <a:lvl5pPr marL="1828800" indent="0">
+              <a:buNone/>
+              <a:defRPr sz="1600" b="1"/>
+            </a:lvl5pPr>
+            <a:lvl6pPr marL="2286000" indent="0">
+              <a:buNone/>
+              <a:defRPr sz="1600" b="1"/>
+            </a:lvl6pPr>
+            <a:lvl7pPr marL="2743200" indent="0">
+              <a:buNone/>
+              <a:defRPr sz="1600" b="1"/>
+            </a:lvl7pPr>
+            <a:lvl8pPr marL="3200400" indent="0">
+              <a:buNone/>
+              <a:defRPr sz="1600" b="1"/>
+            </a:lvl8pPr>
+            <a:lvl9pPr marL="3657600" indent="0">
+              <a:buNone/>
+              <a:defRPr sz="1600" b="1"/>
+            </a:lvl9pPr>
+          </a:lstStyle>
+          <a:p>
+            <a:pPr lvl="0"/>
+            <a:r>
+              <a:rPr lang="en-US" smtClean="0"/>
+              <a:t>Edit Master text styles</a:t>
+            </a:r>
+          </a:p>
+        </p:txBody>
+      </p:sp>
+      <p:sp>
+        <p:nvSpPr>
+          <p:cNvPr id="30" name="Picture Placeholder 2"/>
+          <p:cNvSpPr>
+            <a:spLocks noGrp="1" noChangeAspect="1"/>
+          </p:cNvSpPr>
+          <p:nvPr>
+            <p:ph type="pic" idx="21"/>
+          </p:nvPr>
+        </p:nvSpPr>
+        <p:spPr>
+          <a:xfrm>
+            <a:off x="3889374" y="2209800"/>
+            <a:ext cx="2930525" cy="1524000"/>
+          </a:xfrm>
+          <a:prstGeom prst="roundRect">
+            <a:avLst>
+              <a:gd name="adj" fmla="val 1858"/>
+            </a:avLst>
+          </a:prstGeom>
+          <a:effectLst>
+            <a:outerShdw blurRad="50800" dist="50800" dir="5400000" algn="tl" rotWithShape="0">
+              <a:srgbClr val="000000">
+                <a:alpha val="43000"/>
+              </a:srgbClr>
+            </a:outerShdw>
+          </a:effectLst>
+        </p:spPr>
+        <p:txBody>
+          <a:bodyPr anchor="t">
+            <a:normAutofit/>
+          </a:bodyPr>
+          <a:lstStyle>
+            <a:lvl1pPr marL="0" indent="0" algn="ctr">
+              <a:buNone/>
+              <a:defRPr sz="1600"/>
+            </a:lvl1pPr>
+            <a:lvl2pPr marL="457200" indent="0">
+              <a:buNone/>
+              <a:defRPr sz="1600"/>
+            </a:lvl2pPr>
+            <a:lvl3pPr marL="914400" indent="0">
+              <a:buNone/>
+              <a:defRPr sz="1600"/>
+            </a:lvl3pPr>
+            <a:lvl4pPr marL="1371600" indent="0">
+              <a:buNone/>
+              <a:defRPr sz="1600"/>
+            </a:lvl4pPr>
+            <a:lvl5pPr marL="1828800" indent="0">
+              <a:buNone/>
+              <a:defRPr sz="1600"/>
+            </a:lvl5pPr>
+            <a:lvl6pPr marL="2286000" indent="0">
+              <a:buNone/>
+              <a:defRPr sz="1600"/>
+            </a:lvl6pPr>
+            <a:lvl7pPr marL="2743200" indent="0">
+              <a:buNone/>
+              <a:defRPr sz="1600"/>
+            </a:lvl7pPr>
+            <a:lvl8pPr marL="3200400" indent="0">
+              <a:buNone/>
+              <a:defRPr sz="1600"/>
+            </a:lvl8pPr>
+            <a:lvl9pPr marL="3657600" indent="0">
+              <a:buNone/>
+              <a:defRPr sz="1600"/>
+            </a:lvl9pPr>
+          </a:lstStyle>
+          <a:p>
+            <a:r>
+              <a:rPr lang="en-US" smtClean="0"/>
+              <a:t>Click icon to add picture</a:t>
+            </a:r>
+            <a:endParaRPr lang="en-US" dirty="0"/>
+          </a:p>
+        </p:txBody>
+      </p:sp>
+      <p:sp>
+        <p:nvSpPr>
+          <p:cNvPr id="23" name="Text Placeholder 3"/>
+          <p:cNvSpPr>
+            <a:spLocks noGrp="1"/>
+          </p:cNvSpPr>
+          <p:nvPr>
+            <p:ph type="body" sz="half" idx="19"/>
+          </p:nvPr>
+        </p:nvSpPr>
+        <p:spPr>
+          <a:xfrm>
+            <a:off x="3888022" y="4827210"/>
+            <a:ext cx="2934406" cy="659189"/>
+          </a:xfrm>
+        </p:spPr>
+        <p:txBody>
+          <a:bodyPr anchor="t">
+            <a:normAutofit/>
+          </a:bodyPr>
+          <a:lstStyle>
+            <a:lvl1pPr marL="0" indent="0">
+              <a:buNone/>
+              <a:defRPr sz="1400"/>
+            </a:lvl1pPr>
+            <a:lvl2pPr marL="457200" indent="0">
+              <a:buNone/>
+              <a:defRPr sz="1200"/>
+            </a:lvl2pPr>
+            <a:lvl3pPr marL="914400" indent="0">
+              <a:buNone/>
+              <a:defRPr sz="1000"/>
+            </a:lvl3pPr>
+            <a:lvl4pPr marL="1371600" indent="0">
+              <a:buNone/>
+              <a:defRPr sz="900"/>
+            </a:lvl4pPr>
+            <a:lvl5pPr marL="1828800" indent="0">
+              <a:buNone/>
+              <a:defRPr sz="900"/>
+            </a:lvl5pPr>
+            <a:lvl6pPr marL="2286000" indent="0">
+              <a:buNone/>
+              <a:defRPr sz="900"/>
+            </a:lvl6pPr>
+            <a:lvl7pPr marL="2743200" indent="0">
+              <a:buNone/>
+              <a:defRPr sz="900"/>
+            </a:lvl7pPr>
+            <a:lvl8pPr marL="3200400" indent="0">
+              <a:buNone/>
+              <a:defRPr sz="900"/>
+            </a:lvl8pPr>
+            <a:lvl9pPr marL="3657600" indent="0">
+              <a:buNone/>
+              <a:defRPr sz="900"/>
+            </a:lvl9pPr>
+          </a:lstStyle>
+          <a:p>
+            <a:pPr lvl="0"/>
+            <a:r>
+              <a:rPr lang="en-US" smtClean="0"/>
+              <a:t>Edit Master text styles</a:t>
+            </a:r>
+          </a:p>
+        </p:txBody>
+      </p:sp>
+      <p:sp>
+        <p:nvSpPr>
+          <p:cNvPr id="14" name="Text Placeholder 4"/>
+          <p:cNvSpPr>
+            <a:spLocks noGrp="1"/>
+          </p:cNvSpPr>
+          <p:nvPr>
+            <p:ph type="body" sz="quarter" idx="13"/>
+          </p:nvPr>
+        </p:nvSpPr>
+        <p:spPr>
+          <a:xfrm>
+            <a:off x="7124700" y="4250949"/>
+            <a:ext cx="2932113" cy="576262"/>
+          </a:xfrm>
+        </p:spPr>
+        <p:txBody>
+          <a:bodyPr anchor="b">
+            <a:noAutofit/>
+          </a:bodyPr>
+          <a:lstStyle>
+            <a:lvl1pPr marL="0" indent="0">
+              <a:buNone/>
+              <a:defRPr sz="2400" b="0">
+                <a:solidFill>
+                  <a:schemeClr val="bg2">
+                    <a:lumMod val="40000"/>
+                    <a:lumOff val="60000"/>
+                  </a:schemeClr>
+                </a:solidFill>
+              </a:defRPr>
+            </a:lvl1pPr>
+            <a:lvl2pPr marL="457200" indent="0">
+              <a:buNone/>
+              <a:defRPr sz="2000" b="1"/>
+            </a:lvl2pPr>
+            <a:lvl3pPr marL="914400" indent="0">
+              <a:buNone/>
+              <a:defRPr sz="1800" b="1"/>
+            </a:lvl3pPr>
+            <a:lvl4pPr marL="1371600" indent="0">
+              <a:buNone/>
+              <a:defRPr sz="1600" b="1"/>
+            </a:lvl4pPr>
+            <a:lvl5pPr marL="1828800" indent="0">
+              <a:buNone/>
+              <a:defRPr sz="1600" b="1"/>
+            </a:lvl5pPr>
+            <a:lvl6pPr marL="2286000" indent="0">
+              <a:buNone/>
+              <a:defRPr sz="1600" b="1"/>
+            </a:lvl6pPr>
+            <a:lvl7pPr marL="2743200" indent="0">
+              <a:buNone/>
+              <a:defRPr sz="1600" b="1"/>
+            </a:lvl7pPr>
+            <a:lvl8pPr marL="3200400" indent="0">
+              <a:buNone/>
+              <a:defRPr sz="1600" b="1"/>
+            </a:lvl8pPr>
+            <a:lvl9pPr marL="3657600" indent="0">
+              <a:buNone/>
+              <a:defRPr sz="1600" b="1"/>
+            </a:lvl9pPr>
+          </a:lstStyle>
+          <a:p>
+            <a:pPr lvl="0"/>
+            <a:r>
+              <a:rPr lang="en-US" smtClean="0"/>
+              <a:t>Edit Master text styles</a:t>
+            </a:r>
+          </a:p>
+        </p:txBody>
+      </p:sp>
+      <p:sp>
+        <p:nvSpPr>
+          <p:cNvPr id="31" name="Picture Placeholder 2"/>
+          <p:cNvSpPr>
+            <a:spLocks noGrp="1" noChangeAspect="1"/>
+          </p:cNvSpPr>
+          <p:nvPr>
+            <p:ph type="pic" idx="22"/>
+          </p:nvPr>
+        </p:nvSpPr>
+        <p:spPr>
+          <a:xfrm>
+            <a:off x="7124699" y="2209800"/>
+            <a:ext cx="2932113" cy="1524000"/>
+          </a:xfrm>
+          <a:prstGeom prst="roundRect">
+            <a:avLst>
+              <a:gd name="adj" fmla="val 1858"/>
+            </a:avLst>
+          </a:prstGeom>
+          <a:effectLst>
+            <a:outerShdw blurRad="50800" dist="50800" dir="5400000" algn="tl" rotWithShape="0">
+              <a:srgbClr val="000000">
+                <a:alpha val="43000"/>
+              </a:srgbClr>
+            </a:outerShdw>
+          </a:effectLst>
+        </p:spPr>
+        <p:txBody>
+          <a:bodyPr anchor="t">
+            <a:normAutofit/>
+          </a:bodyPr>
+          <a:lstStyle>
+            <a:lvl1pPr marL="0" indent="0" algn="ctr">
+              <a:buNone/>
+              <a:defRPr sz="1600"/>
+            </a:lvl1pPr>
+            <a:lvl2pPr marL="457200" indent="0">
+              <a:buNone/>
+              <a:defRPr sz="1600"/>
+            </a:lvl2pPr>
+            <a:lvl3pPr marL="914400" indent="0">
+              <a:buNone/>
+              <a:defRPr sz="1600"/>
+            </a:lvl3pPr>
+            <a:lvl4pPr marL="1371600" indent="0">
+              <a:buNone/>
+              <a:defRPr sz="1600"/>
+            </a:lvl4pPr>
+            <a:lvl5pPr marL="1828800" indent="0">
+              <a:buNone/>
+              <a:defRPr sz="1600"/>
+            </a:lvl5pPr>
+            <a:lvl6pPr marL="2286000" indent="0">
+              <a:buNone/>
+              <a:defRPr sz="1600"/>
+            </a:lvl6pPr>
+            <a:lvl7pPr marL="2743200" indent="0">
+              <a:buNone/>
+              <a:defRPr sz="1600"/>
+            </a:lvl7pPr>
+            <a:lvl8pPr marL="3200400" indent="0">
+              <a:buNone/>
+              <a:defRPr sz="1600"/>
+            </a:lvl8pPr>
+            <a:lvl9pPr marL="3657600" indent="0">
+              <a:buNone/>
+              <a:defRPr sz="1600"/>
+            </a:lvl9pPr>
+          </a:lstStyle>
+          <a:p>
+            <a:r>
+              <a:rPr lang="en-US" smtClean="0"/>
+              <a:t>Click icon to add picture</a:t>
+            </a:r>
+            <a:endParaRPr lang="en-US" dirty="0"/>
+          </a:p>
+        </p:txBody>
+      </p:sp>
+      <p:sp>
+        <p:nvSpPr>
+          <p:cNvPr id="24" name="Text Placeholder 3"/>
+          <p:cNvSpPr>
+            <a:spLocks noGrp="1"/>
+          </p:cNvSpPr>
+          <p:nvPr>
+            <p:ph type="body" sz="half" idx="20"/>
+          </p:nvPr>
+        </p:nvSpPr>
+        <p:spPr>
+          <a:xfrm>
+            <a:off x="7124575" y="4827208"/>
+            <a:ext cx="2935997" cy="659189"/>
+          </a:xfrm>
+        </p:spPr>
+        <p:txBody>
+          <a:bodyPr anchor="t">
+            <a:normAutofit/>
+          </a:bodyPr>
+          <a:lstStyle>
+            <a:lvl1pPr marL="0" indent="0">
+              <a:buNone/>
+              <a:defRPr sz="1400"/>
+            </a:lvl1pPr>
+            <a:lvl2pPr marL="457200" indent="0">
+              <a:buNone/>
+              <a:defRPr sz="1200"/>
+            </a:lvl2pPr>
+            <a:lvl3pPr marL="914400" indent="0">
+              <a:buNone/>
+              <a:defRPr sz="1000"/>
+            </a:lvl3pPr>
+            <a:lvl4pPr marL="1371600" indent="0">
+              <a:buNone/>
+              <a:defRPr sz="900"/>
+            </a:lvl4pPr>
+            <a:lvl5pPr marL="1828800" indent="0">
+              <a:buNone/>
+              <a:defRPr sz="900"/>
+            </a:lvl5pPr>
+            <a:lvl6pPr marL="2286000" indent="0">
+              <a:buNone/>
+              <a:defRPr sz="900"/>
+            </a:lvl6pPr>
+            <a:lvl7pPr marL="2743200" indent="0">
+              <a:buNone/>
+              <a:defRPr sz="900"/>
+            </a:lvl7pPr>
+            <a:lvl8pPr marL="3200400" indent="0">
+              <a:buNone/>
+              <a:defRPr sz="900"/>
+            </a:lvl8pPr>
+            <a:lvl9pPr marL="3657600" indent="0">
+              <a:buNone/>
+              <a:defRPr sz="900"/>
+            </a:lvl9pPr>
+          </a:lstStyle>
+          <a:p>
+            <a:pPr lvl="0"/>
+            <a:r>
+              <a:rPr lang="en-US" smtClean="0"/>
+              <a:t>Edit Master text styles</a:t>
+            </a:r>
+          </a:p>
+        </p:txBody>
+      </p:sp>
+      <p:cxnSp>
+        <p:nvCxnSpPr>
+          <p:cNvPr id="19" name="Straight Connector 18"/>
+          <p:cNvCxnSpPr/>
+          <p:nvPr/>
+        </p:nvCxnSpPr>
+        <p:spPr>
+          <a:xfrm>
+            <a:off x="3726142" y="2133600"/>
+            <a:ext cx="0" cy="3962400"/>
+          </a:xfrm>
+          <a:prstGeom prst="line">
+            <a:avLst/>
+          </a:prstGeom>
+          <a:ln w="12700" cmpd="sng">
+            <a:solidFill>
+              <a:schemeClr val="bg2">
+                <a:lumMod val="40000"/>
+                <a:lumOff val="60000"/>
+                <a:alpha val="40000"/>
+              </a:schemeClr>
+            </a:solidFill>
+          </a:ln>
+        </p:spPr>
+        <p:style>
+          <a:lnRef idx="2">
+            <a:schemeClr val="accent1"/>
+          </a:lnRef>
+          <a:fillRef idx="0">
+            <a:schemeClr val="accent1"/>
+          </a:fillRef>
+          <a:effectRef idx="1">
+            <a:schemeClr val="accent1"/>
+          </a:effectRef>
+          <a:fontRef idx="minor">
+            <a:schemeClr val="tx1"/>
+          </a:fontRef>
+        </p:style>
+      </p:cxnSp>
+      <p:cxnSp>
+        <p:nvCxnSpPr>
+          <p:cNvPr id="20" name="Straight Connector 19"/>
+          <p:cNvCxnSpPr/>
+          <p:nvPr/>
+        </p:nvCxnSpPr>
+        <p:spPr>
+          <a:xfrm>
+            <a:off x="6962227" y="2133600"/>
+            <a:ext cx="0" cy="3966882"/>
+          </a:xfrm>
+          <a:prstGeom prst="line">
+            <a:avLst/>
+          </a:prstGeom>
+          <a:ln w="12700" cmpd="sng">
+            <a:solidFill>
+              <a:schemeClr val="bg2">
+                <a:lumMod val="40000"/>
+                <a:lumOff val="60000"/>
+                <a:alpha val="40000"/>
+              </a:schemeClr>
+            </a:solidFill>
+          </a:ln>
+        </p:spPr>
+        <p:style>
+          <a:lnRef idx="2">
+            <a:schemeClr val="accent1"/>
+          </a:lnRef>
+          <a:fillRef idx="0">
+            <a:schemeClr val="accent1"/>
+          </a:fillRef>
+          <a:effectRef idx="1">
+            <a:schemeClr val="accent1"/>
+          </a:effectRef>
+          <a:fontRef idx="minor">
+            <a:schemeClr val="tx1"/>
+          </a:fontRef>
+        </p:style>
+      </p:cxnSp>
+      <p:sp>
+        <p:nvSpPr>
+          <p:cNvPr id="7" name="Date Placeholder 3"/>
+          <p:cNvSpPr>
+            <a:spLocks noGrp="1"/>
+          </p:cNvSpPr>
+          <p:nvPr>
+            <p:ph type="dt" sz="half" idx="10"/>
+          </p:nvPr>
+        </p:nvSpPr>
+        <p:spPr/>
+        <p:txBody>
+          <a:bodyPr/>
+          <a:lstStyle/>
+          <a:p>
+            <a:fld id="{2A532FE2-2DA6-4190-B206-F5BB49DF417A}" type="datetimeFigureOut">
+              <a:rPr lang="en-US" smtClean="0"/>
+              <a:t>7/29/2021</a:t>
+            </a:fld>
+            <a:endParaRPr lang="en-US"/>
+          </a:p>
+        </p:txBody>
+      </p:sp>
+      <p:sp>
+        <p:nvSpPr>
+          <p:cNvPr id="4" name="Footer Placeholder 4"/>
+          <p:cNvSpPr>
+            <a:spLocks noGrp="1"/>
+          </p:cNvSpPr>
+          <p:nvPr>
+            <p:ph type="ftr" sz="quarter" idx="11"/>
+          </p:nvPr>
+        </p:nvSpPr>
+        <p:spPr/>
+        <p:txBody>
+          <a:bodyPr/>
+          <a:lstStyle/>
+          <a:p>
+            <a:endParaRPr lang="en-US"/>
+          </a:p>
+        </p:txBody>
+      </p:sp>
+      <p:sp>
+        <p:nvSpPr>
+          <p:cNvPr id="6" name="Slide Number Placeholder 5"/>
+          <p:cNvSpPr>
+            <a:spLocks noGrp="1"/>
+          </p:cNvSpPr>
+          <p:nvPr>
+            <p:ph type="sldNum" sz="quarter" idx="12"/>
+          </p:nvPr>
+        </p:nvSpPr>
+        <p:spPr/>
+        <p:txBody>
+          <a:bodyPr/>
+          <a:lstStyle/>
+          <a:p>
+            <a:fld id="{D08ECB62-5AD6-4353-9A2E-F721F884E450}" type="slidenum">
+              <a:rPr lang="en-US" smtClean="0"/>
+              <a:t>‹#›</a:t>
+            </a:fld>
+            <a:endParaRPr lang="en-US"/>
+          </a:p>
+        </p:txBody>
+      </p:sp>
+    </p:spTree>
+    <p:extLst>
+      <p:ext uri="{BB962C8B-B14F-4D97-AF65-F5344CB8AC3E}">
+        <p14:creationId xmlns:p14="http://schemas.microsoft.com/office/powerpoint/2010/main" val="17956723"/>
+      </p:ext>
+    </p:extLst>
+  </p:cSld>
+  <p:clrMapOvr>
+    <a:masterClrMapping/>
+  </p:clrMapOvr>
+</p:sldLayout>
+</file>
+
+<file path=ppt/slideLayouts/slideLayout16.xml><?xml version="1.0" encoding="utf-8"?>
 <p:sldLayout xmlns:a="http://schemas.openxmlformats.org/drawingml/2006/main" xmlns:r="http://schemas.openxmlformats.org/officeDocument/2006/relationships" xmlns:p="http://schemas.openxmlformats.org/presentationml/2006/main" type="vertTx" preserve="1">
   <p:cSld name="Title and Vertical Text">
     <p:spTree>
@@ -359,13 +2955,7 @@
       </p:grpSpPr>
       <p:sp>
         <p:nvSpPr>
-          <p:cNvPr id="2" name="Title 1">
-            <a:extLst>
-              <a:ext uri="{FF2B5EF4-FFF2-40B4-BE49-F238E27FC236}">
-                <a16:creationId xmlns:a16="http://schemas.microsoft.com/office/drawing/2014/main" id="{D1246EC5-A150-4E68-AD76-B7761D331D71}"/>
-              </a:ext>
-            </a:extLst>
-          </p:cNvPr>
+          <p:cNvPr id="2" name="Title 1"/>
           <p:cNvSpPr>
             <a:spLocks noGrp="1"/>
           </p:cNvSpPr>
@@ -379,21 +2969,16 @@
           <a:lstStyle/>
           <a:p>
             <a:r>
-              <a:rPr lang="en-US"/>
+              <a:rPr lang="en-US" smtClean="0"/>
               <a:t>Click to edit Master title style</a:t>
             </a:r>
-          </a:p>
-        </p:txBody>
-      </p:sp>
-      <p:sp>
-        <p:nvSpPr>
-          <p:cNvPr id="3" name="Vertical Text Placeholder 2">
-            <a:extLst>
-              <a:ext uri="{FF2B5EF4-FFF2-40B4-BE49-F238E27FC236}">
-                <a16:creationId xmlns:a16="http://schemas.microsoft.com/office/drawing/2014/main" id="{E321C501-868B-4830-982B-DA978DDAC017}"/>
-              </a:ext>
-            </a:extLst>
-          </p:cNvPr>
+            <a:endParaRPr lang="en-US" dirty="0"/>
+          </a:p>
+        </p:txBody>
+      </p:sp>
+      <p:sp>
+        <p:nvSpPr>
+          <p:cNvPr id="3" name="Vertical Text Placeholder 2"/>
           <p:cNvSpPr>
             <a:spLocks noGrp="1"/>
           </p:cNvSpPr>
@@ -403,54 +2988,49 @@
         </p:nvSpPr>
         <p:spPr/>
         <p:txBody>
-          <a:bodyPr vert="eaVert"/>
+          <a:bodyPr vert="eaVert" anchor="t" anchorCtr="0"/>
           <a:lstStyle/>
           <a:p>
             <a:pPr lvl="0"/>
             <a:r>
-              <a:rPr lang="en-US"/>
-              <a:t>Click to edit Master text styles</a:t>
+              <a:rPr lang="en-US" smtClean="0"/>
+              <a:t>Edit Master text styles</a:t>
             </a:r>
           </a:p>
           <a:p>
             <a:pPr lvl="1"/>
             <a:r>
-              <a:rPr lang="en-US"/>
+              <a:rPr lang="en-US" smtClean="0"/>
               <a:t>Second level</a:t>
             </a:r>
           </a:p>
           <a:p>
             <a:pPr lvl="2"/>
             <a:r>
-              <a:rPr lang="en-US"/>
+              <a:rPr lang="en-US" smtClean="0"/>
               <a:t>Third level</a:t>
             </a:r>
           </a:p>
           <a:p>
             <a:pPr lvl="3"/>
             <a:r>
-              <a:rPr lang="en-US"/>
+              <a:rPr lang="en-US" smtClean="0"/>
               <a:t>Fourth level</a:t>
             </a:r>
           </a:p>
           <a:p>
             <a:pPr lvl="4"/>
             <a:r>
-              <a:rPr lang="en-US"/>
+              <a:rPr lang="en-US" smtClean="0"/>
               <a:t>Fifth level</a:t>
             </a:r>
-          </a:p>
-        </p:txBody>
-      </p:sp>
-      <p:sp>
-        <p:nvSpPr>
-          <p:cNvPr id="4" name="Date Placeholder 3">
-            <a:extLst>
-              <a:ext uri="{FF2B5EF4-FFF2-40B4-BE49-F238E27FC236}">
-                <a16:creationId xmlns:a16="http://schemas.microsoft.com/office/drawing/2014/main" id="{F8AAE284-938C-44F3-9D02-F691C375FD5B}"/>
-              </a:ext>
-            </a:extLst>
-          </p:cNvPr>
+            <a:endParaRPr lang="en-US" dirty="0"/>
+          </a:p>
+        </p:txBody>
+      </p:sp>
+      <p:sp>
+        <p:nvSpPr>
+          <p:cNvPr id="4" name="Date Placeholder 3"/>
           <p:cNvSpPr>
             <a:spLocks noGrp="1"/>
           </p:cNvSpPr>
@@ -465,7 +3045,7 @@
           <a:p>
             <a:fld id="{2A532FE2-2DA6-4190-B206-F5BB49DF417A}" type="datetimeFigureOut">
               <a:rPr lang="en-US" smtClean="0"/>
-              <a:t>7/28/2021</a:t>
+              <a:t>7/29/2021</a:t>
             </a:fld>
             <a:endParaRPr lang="en-US"/>
           </a:p>
@@ -473,13 +3053,7 @@
       </p:sp>
       <p:sp>
         <p:nvSpPr>
-          <p:cNvPr id="5" name="Footer Placeholder 4">
-            <a:extLst>
-              <a:ext uri="{FF2B5EF4-FFF2-40B4-BE49-F238E27FC236}">
-                <a16:creationId xmlns:a16="http://schemas.microsoft.com/office/drawing/2014/main" id="{E09BE108-42A6-4C73-BA0D-ED258FB226C6}"/>
-              </a:ext>
-            </a:extLst>
-          </p:cNvPr>
+          <p:cNvPr id="5" name="Footer Placeholder 4"/>
           <p:cNvSpPr>
             <a:spLocks noGrp="1"/>
           </p:cNvSpPr>
@@ -498,13 +3072,7 @@
       </p:sp>
       <p:sp>
         <p:nvSpPr>
-          <p:cNvPr id="6" name="Slide Number Placeholder 5">
-            <a:extLst>
-              <a:ext uri="{FF2B5EF4-FFF2-40B4-BE49-F238E27FC236}">
-                <a16:creationId xmlns:a16="http://schemas.microsoft.com/office/drawing/2014/main" id="{1D9F96A4-7B22-4E8C-9CBC-09DEDC833B4C}"/>
-              </a:ext>
-            </a:extLst>
-          </p:cNvPr>
+          <p:cNvPr id="6" name="Slide Number Placeholder 5"/>
           <p:cNvSpPr>
             <a:spLocks noGrp="1"/>
           </p:cNvSpPr>
@@ -528,7 +3096,7 @@
     </p:spTree>
     <p:extLst>
       <p:ext uri="{BB962C8B-B14F-4D97-AF65-F5344CB8AC3E}">
-        <p14:creationId xmlns:p14="http://schemas.microsoft.com/office/powerpoint/2010/main" val="2552798018"/>
+        <p14:creationId xmlns:p14="http://schemas.microsoft.com/office/powerpoint/2010/main" val="2327592952"/>
       </p:ext>
     </p:extLst>
   </p:cSld>
@@ -538,7 +3106,7 @@
 </p:sldLayout>
 </file>
 
-<file path=ppt/slideLayouts/slideLayout11.xml><?xml version="1.0" encoding="utf-8"?>
+<file path=ppt/slideLayouts/slideLayout17.xml><?xml version="1.0" encoding="utf-8"?>
 <p:sldLayout xmlns:a="http://schemas.openxmlformats.org/drawingml/2006/main" xmlns:r="http://schemas.openxmlformats.org/officeDocument/2006/relationships" xmlns:p="http://schemas.openxmlformats.org/presentationml/2006/main" type="vertTitleAndTx" preserve="1">
   <p:cSld name="Vertical Title and Text">
     <p:spTree>
@@ -557,13 +3125,7 @@
       </p:grpSpPr>
       <p:sp>
         <p:nvSpPr>
-          <p:cNvPr id="2" name="Vertical Title 1">
-            <a:extLst>
-              <a:ext uri="{FF2B5EF4-FFF2-40B4-BE49-F238E27FC236}">
-                <a16:creationId xmlns:a16="http://schemas.microsoft.com/office/drawing/2014/main" id="{1438AEEE-F36B-4211-8BCE-B428988A2B1F}"/>
-              </a:ext>
-            </a:extLst>
-          </p:cNvPr>
+          <p:cNvPr id="2" name="Vertical Title 1"/>
           <p:cNvSpPr>
             <a:spLocks noGrp="1"/>
           </p:cNvSpPr>
@@ -573,92 +3135,82 @@
         </p:nvSpPr>
         <p:spPr>
           <a:xfrm>
-            <a:off x="8724900" y="365125"/>
-            <a:ext cx="2628900" cy="5811838"/>
+            <a:off x="8304212" y="430213"/>
+            <a:ext cx="1752601" cy="5826125"/>
+          </a:xfrm>
+        </p:spPr>
+        <p:txBody>
+          <a:bodyPr vert="eaVert" anchor="b" anchorCtr="0"/>
+          <a:lstStyle/>
+          <a:p>
+            <a:r>
+              <a:rPr lang="en-US" smtClean="0"/>
+              <a:t>Click to edit Master title style</a:t>
+            </a:r>
+            <a:endParaRPr lang="en-US" dirty="0"/>
+          </a:p>
+        </p:txBody>
+      </p:sp>
+      <p:sp>
+        <p:nvSpPr>
+          <p:cNvPr id="3" name="Vertical Text Placeholder 2"/>
+          <p:cNvSpPr>
+            <a:spLocks noGrp="1"/>
+          </p:cNvSpPr>
+          <p:nvPr>
+            <p:ph type="body" orient="vert" idx="1"/>
+          </p:nvPr>
+        </p:nvSpPr>
+        <p:spPr>
+          <a:xfrm>
+            <a:off x="652463" y="887414"/>
+            <a:ext cx="7423149" cy="5368924"/>
           </a:xfrm>
         </p:spPr>
         <p:txBody>
           <a:bodyPr vert="eaVert"/>
           <a:lstStyle/>
           <a:p>
-            <a:r>
-              <a:rPr lang="en-US"/>
-              <a:t>Click to edit Master title style</a:t>
-            </a:r>
-          </a:p>
-        </p:txBody>
-      </p:sp>
-      <p:sp>
-        <p:nvSpPr>
-          <p:cNvPr id="3" name="Vertical Text Placeholder 2">
-            <a:extLst>
-              <a:ext uri="{FF2B5EF4-FFF2-40B4-BE49-F238E27FC236}">
-                <a16:creationId xmlns:a16="http://schemas.microsoft.com/office/drawing/2014/main" id="{FD395D9F-A897-4D7C-AC71-7ECE8A971967}"/>
-              </a:ext>
-            </a:extLst>
-          </p:cNvPr>
-          <p:cNvSpPr>
-            <a:spLocks noGrp="1"/>
-          </p:cNvSpPr>
-          <p:nvPr>
-            <p:ph type="body" orient="vert" idx="1"/>
-          </p:nvPr>
-        </p:nvSpPr>
-        <p:spPr>
-          <a:xfrm>
-            <a:off x="838200" y="365125"/>
-            <a:ext cx="7734300" cy="5811838"/>
-          </a:xfrm>
-        </p:spPr>
-        <p:txBody>
-          <a:bodyPr vert="eaVert"/>
-          <a:lstStyle/>
-          <a:p>
             <a:pPr lvl="0"/>
             <a:r>
-              <a:rPr lang="en-US"/>
-              <a:t>Click to edit Master text styles</a:t>
+              <a:rPr lang="en-US" smtClean="0"/>
+              <a:t>Edit Master text styles</a:t>
             </a:r>
           </a:p>
           <a:p>
             <a:pPr lvl="1"/>
             <a:r>
-              <a:rPr lang="en-US"/>
+              <a:rPr lang="en-US" smtClean="0"/>
               <a:t>Second level</a:t>
             </a:r>
           </a:p>
           <a:p>
             <a:pPr lvl="2"/>
             <a:r>
-              <a:rPr lang="en-US"/>
+              <a:rPr lang="en-US" smtClean="0"/>
               <a:t>Third level</a:t>
             </a:r>
           </a:p>
           <a:p>
             <a:pPr lvl="3"/>
             <a:r>
-              <a:rPr lang="en-US"/>
+              <a:rPr lang="en-US" smtClean="0"/>
               <a:t>Fourth level</a:t>
             </a:r>
           </a:p>
           <a:p>
             <a:pPr lvl="4"/>
             <a:r>
-              <a:rPr lang="en-US"/>
+              <a:rPr lang="en-US" smtClean="0"/>
               <a:t>Fifth level</a:t>
             </a:r>
-          </a:p>
-        </p:txBody>
-      </p:sp>
-      <p:sp>
-        <p:nvSpPr>
-          <p:cNvPr id="4" name="Date Placeholder 3">
-            <a:extLst>
-              <a:ext uri="{FF2B5EF4-FFF2-40B4-BE49-F238E27FC236}">
-                <a16:creationId xmlns:a16="http://schemas.microsoft.com/office/drawing/2014/main" id="{E64FAF47-C2BA-4493-BD99-F98E3C7ADFF5}"/>
-              </a:ext>
-            </a:extLst>
-          </p:cNvPr>
+            <a:endParaRPr lang="en-US" dirty="0"/>
+          </a:p>
+        </p:txBody>
+      </p:sp>
+      <p:sp>
+        <p:nvSpPr>
+          <p:cNvPr id="4" name="Date Placeholder 3"/>
           <p:cNvSpPr>
             <a:spLocks noGrp="1"/>
           </p:cNvSpPr>
@@ -673,7 +3225,7 @@
           <a:p>
             <a:fld id="{2A532FE2-2DA6-4190-B206-F5BB49DF417A}" type="datetimeFigureOut">
               <a:rPr lang="en-US" smtClean="0"/>
-              <a:t>7/28/2021</a:t>
+              <a:t>7/29/2021</a:t>
             </a:fld>
             <a:endParaRPr lang="en-US"/>
           </a:p>
@@ -681,13 +3233,7 @@
       </p:sp>
       <p:sp>
         <p:nvSpPr>
-          <p:cNvPr id="5" name="Footer Placeholder 4">
-            <a:extLst>
-              <a:ext uri="{FF2B5EF4-FFF2-40B4-BE49-F238E27FC236}">
-                <a16:creationId xmlns:a16="http://schemas.microsoft.com/office/drawing/2014/main" id="{997789B9-74F4-4233-9555-CC40208FA075}"/>
-              </a:ext>
-            </a:extLst>
-          </p:cNvPr>
+          <p:cNvPr id="5" name="Footer Placeholder 4"/>
           <p:cNvSpPr>
             <a:spLocks noGrp="1"/>
           </p:cNvSpPr>
@@ -706,13 +3252,7 @@
       </p:sp>
       <p:sp>
         <p:nvSpPr>
-          <p:cNvPr id="6" name="Slide Number Placeholder 5">
-            <a:extLst>
-              <a:ext uri="{FF2B5EF4-FFF2-40B4-BE49-F238E27FC236}">
-                <a16:creationId xmlns:a16="http://schemas.microsoft.com/office/drawing/2014/main" id="{7C76C9CE-746D-4DE8-BE2E-24F88DEA123D}"/>
-              </a:ext>
-            </a:extLst>
-          </p:cNvPr>
+          <p:cNvPr id="6" name="Slide Number Placeholder 5"/>
           <p:cNvSpPr>
             <a:spLocks noGrp="1"/>
           </p:cNvSpPr>
@@ -736,7 +3276,7 @@
     </p:spTree>
     <p:extLst>
       <p:ext uri="{BB962C8B-B14F-4D97-AF65-F5344CB8AC3E}">
-        <p14:creationId xmlns:p14="http://schemas.microsoft.com/office/powerpoint/2010/main" val="1642893314"/>
+        <p14:creationId xmlns:p14="http://schemas.microsoft.com/office/powerpoint/2010/main" val="4289461207"/>
       </p:ext>
     </p:extLst>
   </p:cSld>
@@ -765,13 +3305,7 @@
       </p:grpSpPr>
       <p:sp>
         <p:nvSpPr>
-          <p:cNvPr id="2" name="Title 1">
-            <a:extLst>
-              <a:ext uri="{FF2B5EF4-FFF2-40B4-BE49-F238E27FC236}">
-                <a16:creationId xmlns:a16="http://schemas.microsoft.com/office/drawing/2014/main" id="{4EBF7B00-E240-4AA5-BD8B-9B41A7591770}"/>
-              </a:ext>
-            </a:extLst>
-          </p:cNvPr>
+          <p:cNvPr id="2" name="Title 1"/>
           <p:cNvSpPr>
             <a:spLocks noGrp="1"/>
           </p:cNvSpPr>
@@ -785,21 +3319,16 @@
           <a:lstStyle/>
           <a:p>
             <a:r>
-              <a:rPr lang="en-US"/>
+              <a:rPr lang="en-US" smtClean="0"/>
               <a:t>Click to edit Master title style</a:t>
             </a:r>
-          </a:p>
-        </p:txBody>
-      </p:sp>
-      <p:sp>
-        <p:nvSpPr>
-          <p:cNvPr id="3" name="Content Placeholder 2">
-            <a:extLst>
-              <a:ext uri="{FF2B5EF4-FFF2-40B4-BE49-F238E27FC236}">
-                <a16:creationId xmlns:a16="http://schemas.microsoft.com/office/drawing/2014/main" id="{C4761878-24A1-406F-ADF8-BEF1FCE4D814}"/>
-              </a:ext>
-            </a:extLst>
-          </p:cNvPr>
+            <a:endParaRPr lang="en-US" dirty="0"/>
+          </a:p>
+        </p:txBody>
+      </p:sp>
+      <p:sp>
+        <p:nvSpPr>
+          <p:cNvPr id="3" name="Content Placeholder 2"/>
           <p:cNvSpPr>
             <a:spLocks noGrp="1"/>
           </p:cNvSpPr>
@@ -814,49 +3343,44 @@
           <a:p>
             <a:pPr lvl="0"/>
             <a:r>
-              <a:rPr lang="en-US"/>
-              <a:t>Click to edit Master text styles</a:t>
+              <a:rPr lang="en-US" smtClean="0"/>
+              <a:t>Edit Master text styles</a:t>
             </a:r>
           </a:p>
           <a:p>
             <a:pPr lvl="1"/>
             <a:r>
-              <a:rPr lang="en-US"/>
+              <a:rPr lang="en-US" smtClean="0"/>
               <a:t>Second level</a:t>
             </a:r>
           </a:p>
           <a:p>
             <a:pPr lvl="2"/>
             <a:r>
-              <a:rPr lang="en-US"/>
+              <a:rPr lang="en-US" smtClean="0"/>
               <a:t>Third level</a:t>
             </a:r>
           </a:p>
           <a:p>
             <a:pPr lvl="3"/>
             <a:r>
-              <a:rPr lang="en-US"/>
+              <a:rPr lang="en-US" smtClean="0"/>
               <a:t>Fourth level</a:t>
             </a:r>
           </a:p>
           <a:p>
             <a:pPr lvl="4"/>
             <a:r>
-              <a:rPr lang="en-US"/>
+              <a:rPr lang="en-US" smtClean="0"/>
               <a:t>Fifth level</a:t>
             </a:r>
-          </a:p>
-        </p:txBody>
-      </p:sp>
-      <p:sp>
-        <p:nvSpPr>
-          <p:cNvPr id="4" name="Date Placeholder 3">
-            <a:extLst>
-              <a:ext uri="{FF2B5EF4-FFF2-40B4-BE49-F238E27FC236}">
-                <a16:creationId xmlns:a16="http://schemas.microsoft.com/office/drawing/2014/main" id="{FA3A15E4-AA8B-49AC-828A-EA6D7461D106}"/>
-              </a:ext>
-            </a:extLst>
-          </p:cNvPr>
+            <a:endParaRPr lang="en-US" dirty="0"/>
+          </a:p>
+        </p:txBody>
+      </p:sp>
+      <p:sp>
+        <p:nvSpPr>
+          <p:cNvPr id="7" name="Date Placeholder 3"/>
           <p:cNvSpPr>
             <a:spLocks noGrp="1"/>
           </p:cNvSpPr>
@@ -871,7 +3395,7 @@
           <a:p>
             <a:fld id="{2A532FE2-2DA6-4190-B206-F5BB49DF417A}" type="datetimeFigureOut">
               <a:rPr lang="en-US" smtClean="0"/>
-              <a:t>7/28/2021</a:t>
+              <a:t>7/29/2021</a:t>
             </a:fld>
             <a:endParaRPr lang="en-US"/>
           </a:p>
@@ -879,13 +3403,7 @@
       </p:sp>
       <p:sp>
         <p:nvSpPr>
-          <p:cNvPr id="5" name="Footer Placeholder 4">
-            <a:extLst>
-              <a:ext uri="{FF2B5EF4-FFF2-40B4-BE49-F238E27FC236}">
-                <a16:creationId xmlns:a16="http://schemas.microsoft.com/office/drawing/2014/main" id="{64BA1C22-44F9-42D2-8857-620AA3DE962C}"/>
-              </a:ext>
-            </a:extLst>
-          </p:cNvPr>
+          <p:cNvPr id="5" name="Footer Placeholder 4"/>
           <p:cNvSpPr>
             <a:spLocks noGrp="1"/>
           </p:cNvSpPr>
@@ -904,13 +3422,7 @@
       </p:sp>
       <p:sp>
         <p:nvSpPr>
-          <p:cNvPr id="6" name="Slide Number Placeholder 5">
-            <a:extLst>
-              <a:ext uri="{FF2B5EF4-FFF2-40B4-BE49-F238E27FC236}">
-                <a16:creationId xmlns:a16="http://schemas.microsoft.com/office/drawing/2014/main" id="{B5B7CB43-AD1E-4951-A841-8DA52EAC61FF}"/>
-              </a:ext>
-            </a:extLst>
-          </p:cNvPr>
+          <p:cNvPr id="6" name="Slide Number Placeholder 5"/>
           <p:cNvSpPr>
             <a:spLocks noGrp="1"/>
           </p:cNvSpPr>
@@ -934,7 +3446,7 @@
     </p:spTree>
     <p:extLst>
       <p:ext uri="{BB962C8B-B14F-4D97-AF65-F5344CB8AC3E}">
-        <p14:creationId xmlns:p14="http://schemas.microsoft.com/office/powerpoint/2010/main" val="2696275106"/>
+        <p14:creationId xmlns:p14="http://schemas.microsoft.com/office/powerpoint/2010/main" val="968974698"/>
       </p:ext>
     </p:extLst>
   </p:cSld>
@@ -963,13 +3475,7 @@
       </p:grpSpPr>
       <p:sp>
         <p:nvSpPr>
-          <p:cNvPr id="2" name="Title 1">
-            <a:extLst>
-              <a:ext uri="{FF2B5EF4-FFF2-40B4-BE49-F238E27FC236}">
-                <a16:creationId xmlns:a16="http://schemas.microsoft.com/office/drawing/2014/main" id="{49EE9004-4CF6-4E78-958E-EDFD9A2CDDBB}"/>
-              </a:ext>
-            </a:extLst>
-          </p:cNvPr>
+          <p:cNvPr id="2" name="Title 1"/>
           <p:cNvSpPr>
             <a:spLocks noGrp="1"/>
           </p:cNvSpPr>
@@ -979,34 +3485,29 @@
         </p:nvSpPr>
         <p:spPr>
           <a:xfrm>
-            <a:off x="831850" y="1709738"/>
-            <a:ext cx="10515600" cy="2852737"/>
+            <a:off x="1154956" y="2861733"/>
+            <a:ext cx="8825657" cy="1915647"/>
           </a:xfrm>
         </p:spPr>
         <p:txBody>
           <a:bodyPr anchor="b"/>
           <a:lstStyle>
-            <a:lvl1pPr>
-              <a:defRPr sz="6000"/>
+            <a:lvl1pPr algn="l">
+              <a:defRPr sz="4000" b="0" cap="none"/>
             </a:lvl1pPr>
           </a:lstStyle>
           <a:p>
             <a:r>
-              <a:rPr lang="en-US"/>
+              <a:rPr lang="en-US" smtClean="0"/>
               <a:t>Click to edit Master title style</a:t>
             </a:r>
-          </a:p>
-        </p:txBody>
-      </p:sp>
-      <p:sp>
-        <p:nvSpPr>
-          <p:cNvPr id="3" name="Text Placeholder 2">
-            <a:extLst>
-              <a:ext uri="{FF2B5EF4-FFF2-40B4-BE49-F238E27FC236}">
-                <a16:creationId xmlns:a16="http://schemas.microsoft.com/office/drawing/2014/main" id="{CEC823AE-FDEA-4950-B469-E9CEB5525622}"/>
-              </a:ext>
-            </a:extLst>
-          </p:cNvPr>
+            <a:endParaRPr lang="en-US" dirty="0"/>
+          </a:p>
+        </p:txBody>
+      </p:sp>
+      <p:sp>
+        <p:nvSpPr>
+          <p:cNvPr id="3" name="Text Placeholder 2"/>
           <p:cNvSpPr>
             <a:spLocks noGrp="1"/>
           </p:cNvSpPr>
@@ -1016,26 +3517,27 @@
         </p:nvSpPr>
         <p:spPr>
           <a:xfrm>
-            <a:off x="831850" y="4589463"/>
-            <a:ext cx="10515600" cy="1500187"/>
-          </a:xfrm>
-        </p:spPr>
-        <p:txBody>
-          <a:bodyPr/>
+            <a:off x="1154955" y="4777381"/>
+            <a:ext cx="8825658" cy="860400"/>
+          </a:xfrm>
+        </p:spPr>
+        <p:txBody>
+          <a:bodyPr anchor="t"/>
           <a:lstStyle>
-            <a:lvl1pPr marL="0" indent="0">
-              <a:buNone/>
-              <a:defRPr sz="2400">
+            <a:lvl1pPr marL="0" indent="0" algn="l">
+              <a:buNone/>
+              <a:defRPr sz="2000" cap="all">
                 <a:solidFill>
-                  <a:schemeClr val="tx1">
-                    <a:tint val="75000"/>
+                  <a:schemeClr val="bg2">
+                    <a:lumMod val="40000"/>
+                    <a:lumOff val="60000"/>
                   </a:schemeClr>
                 </a:solidFill>
               </a:defRPr>
             </a:lvl1pPr>
             <a:lvl2pPr marL="457200" indent="0">
               <a:buNone/>
-              <a:defRPr sz="2000">
+              <a:defRPr sz="1800">
                 <a:solidFill>
                   <a:schemeClr val="tx1">
                     <a:tint val="75000"/>
@@ -1045,7 +3547,7 @@
             </a:lvl2pPr>
             <a:lvl3pPr marL="914400" indent="0">
               <a:buNone/>
-              <a:defRPr sz="1800">
+              <a:defRPr sz="1600">
                 <a:solidFill>
                   <a:schemeClr val="tx1">
                     <a:tint val="75000"/>
@@ -1055,7 +3557,7 @@
             </a:lvl3pPr>
             <a:lvl4pPr marL="1371600" indent="0">
               <a:buNone/>
-              <a:defRPr sz="1600">
+              <a:defRPr sz="1400">
                 <a:solidFill>
                   <a:schemeClr val="tx1">
                     <a:tint val="75000"/>
@@ -1065,7 +3567,7 @@
             </a:lvl4pPr>
             <a:lvl5pPr marL="1828800" indent="0">
               <a:buNone/>
-              <a:defRPr sz="1600">
+              <a:defRPr sz="1400">
                 <a:solidFill>
                   <a:schemeClr val="tx1">
                     <a:tint val="75000"/>
@@ -1075,7 +3577,7 @@
             </a:lvl5pPr>
             <a:lvl6pPr marL="2286000" indent="0">
               <a:buNone/>
-              <a:defRPr sz="1600">
+              <a:defRPr sz="1400">
                 <a:solidFill>
                   <a:schemeClr val="tx1">
                     <a:tint val="75000"/>
@@ -1085,7 +3587,7 @@
             </a:lvl6pPr>
             <a:lvl7pPr marL="2743200" indent="0">
               <a:buNone/>
-              <a:defRPr sz="1600">
+              <a:defRPr sz="1400">
                 <a:solidFill>
                   <a:schemeClr val="tx1">
                     <a:tint val="75000"/>
@@ -1095,7 +3597,7 @@
             </a:lvl7pPr>
             <a:lvl8pPr marL="3200400" indent="0">
               <a:buNone/>
-              <a:defRPr sz="1600">
+              <a:defRPr sz="1400">
                 <a:solidFill>
                   <a:schemeClr val="tx1">
                     <a:tint val="75000"/>
@@ -1105,7 +3607,7 @@
             </a:lvl8pPr>
             <a:lvl9pPr marL="3657600" indent="0">
               <a:buNone/>
-              <a:defRPr sz="1600">
+              <a:defRPr sz="1400">
                 <a:solidFill>
                   <a:schemeClr val="tx1">
                     <a:tint val="75000"/>
@@ -1117,21 +3619,15 @@
           <a:p>
             <a:pPr lvl="0"/>
             <a:r>
-              <a:rPr lang="en-US"/>
-              <a:t>Click to edit Master text styles</a:t>
-            </a:r>
-          </a:p>
-        </p:txBody>
-      </p:sp>
-      <p:sp>
-        <p:nvSpPr>
-          <p:cNvPr id="4" name="Date Placeholder 3">
-            <a:extLst>
-              <a:ext uri="{FF2B5EF4-FFF2-40B4-BE49-F238E27FC236}">
-                <a16:creationId xmlns:a16="http://schemas.microsoft.com/office/drawing/2014/main" id="{95BB28F5-3813-4759-9DBA-CC22E24ED266}"/>
-              </a:ext>
-            </a:extLst>
-          </p:cNvPr>
+              <a:rPr lang="en-US" smtClean="0"/>
+              <a:t>Edit Master text styles</a:t>
+            </a:r>
+          </a:p>
+        </p:txBody>
+      </p:sp>
+      <p:sp>
+        <p:nvSpPr>
+          <p:cNvPr id="4" name="Date Placeholder 3"/>
           <p:cNvSpPr>
             <a:spLocks noGrp="1"/>
           </p:cNvSpPr>
@@ -1146,7 +3642,7 @@
           <a:p>
             <a:fld id="{2A532FE2-2DA6-4190-B206-F5BB49DF417A}" type="datetimeFigureOut">
               <a:rPr lang="en-US" smtClean="0"/>
-              <a:t>7/28/2021</a:t>
+              <a:t>7/29/2021</a:t>
             </a:fld>
             <a:endParaRPr lang="en-US"/>
           </a:p>
@@ -1154,13 +3650,7 @@
       </p:sp>
       <p:sp>
         <p:nvSpPr>
-          <p:cNvPr id="5" name="Footer Placeholder 4">
-            <a:extLst>
-              <a:ext uri="{FF2B5EF4-FFF2-40B4-BE49-F238E27FC236}">
-                <a16:creationId xmlns:a16="http://schemas.microsoft.com/office/drawing/2014/main" id="{B8641CF1-7D31-441C-8793-25D2E6DAAA50}"/>
-              </a:ext>
-            </a:extLst>
-          </p:cNvPr>
+          <p:cNvPr id="5" name="Footer Placeholder 4"/>
           <p:cNvSpPr>
             <a:spLocks noGrp="1"/>
           </p:cNvSpPr>
@@ -1179,13 +3669,7 @@
       </p:sp>
       <p:sp>
         <p:nvSpPr>
-          <p:cNvPr id="6" name="Slide Number Placeholder 5">
-            <a:extLst>
-              <a:ext uri="{FF2B5EF4-FFF2-40B4-BE49-F238E27FC236}">
-                <a16:creationId xmlns:a16="http://schemas.microsoft.com/office/drawing/2014/main" id="{D2EB6902-EA7D-44CD-B426-59FF2BC60BFE}"/>
-              </a:ext>
-            </a:extLst>
-          </p:cNvPr>
+          <p:cNvPr id="6" name="Slide Number Placeholder 5"/>
           <p:cNvSpPr>
             <a:spLocks noGrp="1"/>
           </p:cNvSpPr>
@@ -1209,7 +3693,7 @@
     </p:spTree>
     <p:extLst>
       <p:ext uri="{BB962C8B-B14F-4D97-AF65-F5344CB8AC3E}">
-        <p14:creationId xmlns:p14="http://schemas.microsoft.com/office/powerpoint/2010/main" val="3471975578"/>
+        <p14:creationId xmlns:p14="http://schemas.microsoft.com/office/powerpoint/2010/main" val="2267033584"/>
       </p:ext>
     </p:extLst>
   </p:cSld>
@@ -1238,13 +3722,7 @@
       </p:grpSpPr>
       <p:sp>
         <p:nvSpPr>
-          <p:cNvPr id="2" name="Title 1">
-            <a:extLst>
-              <a:ext uri="{FF2B5EF4-FFF2-40B4-BE49-F238E27FC236}">
-                <a16:creationId xmlns:a16="http://schemas.microsoft.com/office/drawing/2014/main" id="{4728B501-54AB-4643-ABE1-F6043865B060}"/>
-              </a:ext>
-            </a:extLst>
-          </p:cNvPr>
+          <p:cNvPr id="2" name="Title 1"/>
           <p:cNvSpPr>
             <a:spLocks noGrp="1"/>
           </p:cNvSpPr>
@@ -1258,21 +3736,16 @@
           <a:lstStyle/>
           <a:p>
             <a:r>
-              <a:rPr lang="en-US"/>
+              <a:rPr lang="en-US" smtClean="0"/>
               <a:t>Click to edit Master title style</a:t>
             </a:r>
-          </a:p>
-        </p:txBody>
-      </p:sp>
-      <p:sp>
-        <p:nvSpPr>
-          <p:cNvPr id="3" name="Content Placeholder 2">
-            <a:extLst>
-              <a:ext uri="{FF2B5EF4-FFF2-40B4-BE49-F238E27FC236}">
-                <a16:creationId xmlns:a16="http://schemas.microsoft.com/office/drawing/2014/main" id="{3F33BB60-DAF3-4634-A889-4B97D54E46F0}"/>
-              </a:ext>
-            </a:extLst>
-          </p:cNvPr>
+            <a:endParaRPr lang="en-US" dirty="0"/>
+          </a:p>
+        </p:txBody>
+      </p:sp>
+      <p:sp>
+        <p:nvSpPr>
+          <p:cNvPr id="3" name="Content Placeholder 2"/>
           <p:cNvSpPr>
             <a:spLocks noGrp="1"/>
           </p:cNvSpPr>
@@ -1282,175 +3755,213 @@
         </p:nvSpPr>
         <p:spPr>
           <a:xfrm>
-            <a:off x="838200" y="1825625"/>
-            <a:ext cx="5181600" cy="4351338"/>
-          </a:xfrm>
-        </p:spPr>
+            <a:off x="1103312" y="2060575"/>
+            <a:ext cx="4396339" cy="4195763"/>
+          </a:xfrm>
+        </p:spPr>
+        <p:txBody>
+          <a:bodyPr>
+            <a:normAutofit/>
+          </a:bodyPr>
+          <a:lstStyle>
+            <a:lvl1pPr>
+              <a:defRPr sz="1800"/>
+            </a:lvl1pPr>
+            <a:lvl2pPr>
+              <a:defRPr sz="1600"/>
+            </a:lvl2pPr>
+            <a:lvl3pPr>
+              <a:defRPr sz="1400"/>
+            </a:lvl3pPr>
+            <a:lvl4pPr>
+              <a:defRPr sz="1200"/>
+            </a:lvl4pPr>
+            <a:lvl5pPr>
+              <a:defRPr sz="1200"/>
+            </a:lvl5pPr>
+            <a:lvl6pPr>
+              <a:defRPr sz="1200"/>
+            </a:lvl6pPr>
+            <a:lvl7pPr>
+              <a:defRPr sz="1200"/>
+            </a:lvl7pPr>
+            <a:lvl8pPr>
+              <a:defRPr sz="1200"/>
+            </a:lvl8pPr>
+            <a:lvl9pPr>
+              <a:defRPr sz="1200"/>
+            </a:lvl9pPr>
+          </a:lstStyle>
+          <a:p>
+            <a:pPr lvl="0"/>
+            <a:r>
+              <a:rPr lang="en-US" smtClean="0"/>
+              <a:t>Edit Master text styles</a:t>
+            </a:r>
+          </a:p>
+          <a:p>
+            <a:pPr lvl="1"/>
+            <a:r>
+              <a:rPr lang="en-US" smtClean="0"/>
+              <a:t>Second level</a:t>
+            </a:r>
+          </a:p>
+          <a:p>
+            <a:pPr lvl="2"/>
+            <a:r>
+              <a:rPr lang="en-US" smtClean="0"/>
+              <a:t>Third level</a:t>
+            </a:r>
+          </a:p>
+          <a:p>
+            <a:pPr lvl="3"/>
+            <a:r>
+              <a:rPr lang="en-US" smtClean="0"/>
+              <a:t>Fourth level</a:t>
+            </a:r>
+          </a:p>
+          <a:p>
+            <a:pPr lvl="4"/>
+            <a:r>
+              <a:rPr lang="en-US" smtClean="0"/>
+              <a:t>Fifth level</a:t>
+            </a:r>
+            <a:endParaRPr lang="en-US" dirty="0"/>
+          </a:p>
+        </p:txBody>
+      </p:sp>
+      <p:sp>
+        <p:nvSpPr>
+          <p:cNvPr id="4" name="Content Placeholder 3"/>
+          <p:cNvSpPr>
+            <a:spLocks noGrp="1"/>
+          </p:cNvSpPr>
+          <p:nvPr>
+            <p:ph sz="half" idx="2"/>
+          </p:nvPr>
+        </p:nvSpPr>
+        <p:spPr>
+          <a:xfrm>
+            <a:off x="5654493" y="2056092"/>
+            <a:ext cx="4396341" cy="4200245"/>
+          </a:xfrm>
+        </p:spPr>
+        <p:txBody>
+          <a:bodyPr>
+            <a:normAutofit/>
+          </a:bodyPr>
+          <a:lstStyle>
+            <a:lvl1pPr>
+              <a:defRPr sz="1800"/>
+            </a:lvl1pPr>
+            <a:lvl2pPr>
+              <a:defRPr sz="1600"/>
+            </a:lvl2pPr>
+            <a:lvl3pPr>
+              <a:defRPr sz="1400"/>
+            </a:lvl3pPr>
+            <a:lvl4pPr>
+              <a:defRPr sz="1200"/>
+            </a:lvl4pPr>
+            <a:lvl5pPr>
+              <a:defRPr sz="1200"/>
+            </a:lvl5pPr>
+            <a:lvl6pPr>
+              <a:defRPr sz="1200"/>
+            </a:lvl6pPr>
+            <a:lvl7pPr>
+              <a:defRPr sz="1200"/>
+            </a:lvl7pPr>
+            <a:lvl8pPr>
+              <a:defRPr sz="1200"/>
+            </a:lvl8pPr>
+            <a:lvl9pPr>
+              <a:defRPr sz="1200"/>
+            </a:lvl9pPr>
+          </a:lstStyle>
+          <a:p>
+            <a:pPr lvl="0"/>
+            <a:r>
+              <a:rPr lang="en-US" smtClean="0"/>
+              <a:t>Edit Master text styles</a:t>
+            </a:r>
+          </a:p>
+          <a:p>
+            <a:pPr lvl="1"/>
+            <a:r>
+              <a:rPr lang="en-US" smtClean="0"/>
+              <a:t>Second level</a:t>
+            </a:r>
+          </a:p>
+          <a:p>
+            <a:pPr lvl="2"/>
+            <a:r>
+              <a:rPr lang="en-US" smtClean="0"/>
+              <a:t>Third level</a:t>
+            </a:r>
+          </a:p>
+          <a:p>
+            <a:pPr lvl="3"/>
+            <a:r>
+              <a:rPr lang="en-US" smtClean="0"/>
+              <a:t>Fourth level</a:t>
+            </a:r>
+          </a:p>
+          <a:p>
+            <a:pPr lvl="4"/>
+            <a:r>
+              <a:rPr lang="en-US" smtClean="0"/>
+              <a:t>Fifth level</a:t>
+            </a:r>
+            <a:endParaRPr lang="en-US" dirty="0"/>
+          </a:p>
+        </p:txBody>
+      </p:sp>
+      <p:sp>
+        <p:nvSpPr>
+          <p:cNvPr id="5" name="Date Placeholder 4"/>
+          <p:cNvSpPr>
+            <a:spLocks noGrp="1"/>
+          </p:cNvSpPr>
+          <p:nvPr>
+            <p:ph type="dt" sz="half" idx="10"/>
+          </p:nvPr>
+        </p:nvSpPr>
+        <p:spPr/>
         <p:txBody>
           <a:bodyPr/>
           <a:lstStyle/>
           <a:p>
-            <a:pPr lvl="0"/>
-            <a:r>
-              <a:rPr lang="en-US"/>
-              <a:t>Click to edit Master text styles</a:t>
-            </a:r>
-          </a:p>
-          <a:p>
-            <a:pPr lvl="1"/>
-            <a:r>
-              <a:rPr lang="en-US"/>
-              <a:t>Second level</a:t>
-            </a:r>
-          </a:p>
-          <a:p>
-            <a:pPr lvl="2"/>
-            <a:r>
-              <a:rPr lang="en-US"/>
-              <a:t>Third level</a:t>
-            </a:r>
-          </a:p>
-          <a:p>
-            <a:pPr lvl="3"/>
-            <a:r>
-              <a:rPr lang="en-US"/>
-              <a:t>Fourth level</a:t>
-            </a:r>
-          </a:p>
-          <a:p>
-            <a:pPr lvl="4"/>
-            <a:r>
-              <a:rPr lang="en-US"/>
-              <a:t>Fifth level</a:t>
-            </a:r>
-          </a:p>
-        </p:txBody>
-      </p:sp>
-      <p:sp>
-        <p:nvSpPr>
-          <p:cNvPr id="4" name="Content Placeholder 3">
-            <a:extLst>
-              <a:ext uri="{FF2B5EF4-FFF2-40B4-BE49-F238E27FC236}">
-                <a16:creationId xmlns:a16="http://schemas.microsoft.com/office/drawing/2014/main" id="{285FCE45-F1E0-45C8-AE8D-03E129B33DDE}"/>
-              </a:ext>
-            </a:extLst>
-          </p:cNvPr>
-          <p:cNvSpPr>
-            <a:spLocks noGrp="1"/>
-          </p:cNvSpPr>
-          <p:nvPr>
-            <p:ph sz="half" idx="2"/>
-          </p:nvPr>
-        </p:nvSpPr>
-        <p:spPr>
-          <a:xfrm>
-            <a:off x="6172200" y="1825625"/>
-            <a:ext cx="5181600" cy="4351338"/>
-          </a:xfrm>
-        </p:spPr>
+            <a:fld id="{2A532FE2-2DA6-4190-B206-F5BB49DF417A}" type="datetimeFigureOut">
+              <a:rPr lang="en-US" smtClean="0"/>
+              <a:t>7/29/2021</a:t>
+            </a:fld>
+            <a:endParaRPr lang="en-US"/>
+          </a:p>
+        </p:txBody>
+      </p:sp>
+      <p:sp>
+        <p:nvSpPr>
+          <p:cNvPr id="6" name="Footer Placeholder 5"/>
+          <p:cNvSpPr>
+            <a:spLocks noGrp="1"/>
+          </p:cNvSpPr>
+          <p:nvPr>
+            <p:ph type="ftr" sz="quarter" idx="11"/>
+          </p:nvPr>
+        </p:nvSpPr>
+        <p:spPr/>
         <p:txBody>
           <a:bodyPr/>
           <a:lstStyle/>
           <a:p>
-            <a:pPr lvl="0"/>
-            <a:r>
-              <a:rPr lang="en-US"/>
-              <a:t>Click to edit Master text styles</a:t>
-            </a:r>
-          </a:p>
-          <a:p>
-            <a:pPr lvl="1"/>
-            <a:r>
-              <a:rPr lang="en-US"/>
-              <a:t>Second level</a:t>
-            </a:r>
-          </a:p>
-          <a:p>
-            <a:pPr lvl="2"/>
-            <a:r>
-              <a:rPr lang="en-US"/>
-              <a:t>Third level</a:t>
-            </a:r>
-          </a:p>
-          <a:p>
-            <a:pPr lvl="3"/>
-            <a:r>
-              <a:rPr lang="en-US"/>
-              <a:t>Fourth level</a:t>
-            </a:r>
-          </a:p>
-          <a:p>
-            <a:pPr lvl="4"/>
-            <a:r>
-              <a:rPr lang="en-US"/>
-              <a:t>Fifth level</a:t>
-            </a:r>
-          </a:p>
-        </p:txBody>
-      </p:sp>
-      <p:sp>
-        <p:nvSpPr>
-          <p:cNvPr id="5" name="Date Placeholder 4">
-            <a:extLst>
-              <a:ext uri="{FF2B5EF4-FFF2-40B4-BE49-F238E27FC236}">
-                <a16:creationId xmlns:a16="http://schemas.microsoft.com/office/drawing/2014/main" id="{6721AB31-A49B-4ED8-B805-75EF0865F42E}"/>
-              </a:ext>
-            </a:extLst>
-          </p:cNvPr>
-          <p:cNvSpPr>
-            <a:spLocks noGrp="1"/>
-          </p:cNvSpPr>
-          <p:nvPr>
-            <p:ph type="dt" sz="half" idx="10"/>
-          </p:nvPr>
-        </p:nvSpPr>
-        <p:spPr/>
-        <p:txBody>
-          <a:bodyPr/>
-          <a:lstStyle/>
-          <a:p>
-            <a:fld id="{2A532FE2-2DA6-4190-B206-F5BB49DF417A}" type="datetimeFigureOut">
-              <a:rPr lang="en-US" smtClean="0"/>
-              <a:t>7/28/2021</a:t>
-            </a:fld>
             <a:endParaRPr lang="en-US"/>
           </a:p>
         </p:txBody>
       </p:sp>
       <p:sp>
         <p:nvSpPr>
-          <p:cNvPr id="6" name="Footer Placeholder 5">
-            <a:extLst>
-              <a:ext uri="{FF2B5EF4-FFF2-40B4-BE49-F238E27FC236}">
-                <a16:creationId xmlns:a16="http://schemas.microsoft.com/office/drawing/2014/main" id="{1BE36C75-CE4A-4937-94D7-417E6314556F}"/>
-              </a:ext>
-            </a:extLst>
-          </p:cNvPr>
-          <p:cNvSpPr>
-            <a:spLocks noGrp="1"/>
-          </p:cNvSpPr>
-          <p:nvPr>
-            <p:ph type="ftr" sz="quarter" idx="11"/>
-          </p:nvPr>
-        </p:nvSpPr>
-        <p:spPr/>
-        <p:txBody>
-          <a:bodyPr/>
-          <a:lstStyle/>
-          <a:p>
-            <a:endParaRPr lang="en-US"/>
-          </a:p>
-        </p:txBody>
-      </p:sp>
-      <p:sp>
-        <p:nvSpPr>
-          <p:cNvPr id="7" name="Slide Number Placeholder 6">
-            <a:extLst>
-              <a:ext uri="{FF2B5EF4-FFF2-40B4-BE49-F238E27FC236}">
-                <a16:creationId xmlns:a16="http://schemas.microsoft.com/office/drawing/2014/main" id="{A1C885F3-91DB-4F55-BC13-C807C54E50EE}"/>
-              </a:ext>
-            </a:extLst>
-          </p:cNvPr>
+          <p:cNvPr id="7" name="Slide Number Placeholder 6"/>
           <p:cNvSpPr>
             <a:spLocks noGrp="1"/>
           </p:cNvSpPr>
@@ -1474,7 +3985,7 @@
     </p:spTree>
     <p:extLst>
       <p:ext uri="{BB962C8B-B14F-4D97-AF65-F5344CB8AC3E}">
-        <p14:creationId xmlns:p14="http://schemas.microsoft.com/office/powerpoint/2010/main" val="1561762920"/>
+        <p14:creationId xmlns:p14="http://schemas.microsoft.com/office/powerpoint/2010/main" val="2396717003"/>
       </p:ext>
     </p:extLst>
   </p:cSld>
@@ -1503,13 +4014,7 @@
       </p:grpSpPr>
       <p:sp>
         <p:nvSpPr>
-          <p:cNvPr id="2" name="Title 1">
-            <a:extLst>
-              <a:ext uri="{FF2B5EF4-FFF2-40B4-BE49-F238E27FC236}">
-                <a16:creationId xmlns:a16="http://schemas.microsoft.com/office/drawing/2014/main" id="{59E0ED7A-25D7-405D-B508-4239A1EE5207}"/>
-              </a:ext>
-            </a:extLst>
-          </p:cNvPr>
+          <p:cNvPr id="2" name="Title 1"/>
           <p:cNvSpPr>
             <a:spLocks noGrp="1"/>
           </p:cNvSpPr>
@@ -1517,32 +4022,26 @@
             <p:ph type="title"/>
           </p:nvPr>
         </p:nvSpPr>
-        <p:spPr>
-          <a:xfrm>
-            <a:off x="839788" y="365125"/>
-            <a:ext cx="10515600" cy="1325563"/>
-          </a:xfrm>
-        </p:spPr>
+        <p:spPr/>
         <p:txBody>
           <a:bodyPr/>
-          <a:lstStyle/>
-          <a:p>
-            <a:r>
-              <a:rPr lang="en-US"/>
+          <a:lstStyle>
+            <a:lvl1pPr>
+              <a:defRPr/>
+            </a:lvl1pPr>
+          </a:lstStyle>
+          <a:p>
+            <a:r>
+              <a:rPr lang="en-US" smtClean="0"/>
               <a:t>Click to edit Master title style</a:t>
             </a:r>
-          </a:p>
-        </p:txBody>
-      </p:sp>
-      <p:sp>
-        <p:nvSpPr>
-          <p:cNvPr id="3" name="Text Placeholder 2">
-            <a:extLst>
-              <a:ext uri="{FF2B5EF4-FFF2-40B4-BE49-F238E27FC236}">
-                <a16:creationId xmlns:a16="http://schemas.microsoft.com/office/drawing/2014/main" id="{FE28C634-8F0C-4C4A-866F-3FCA99449119}"/>
-              </a:ext>
-            </a:extLst>
-          </p:cNvPr>
+            <a:endParaRPr lang="en-US" dirty="0"/>
+          </a:p>
+        </p:txBody>
+      </p:sp>
+      <p:sp>
+        <p:nvSpPr>
+          <p:cNvPr id="3" name="Text Placeholder 2"/>
           <p:cNvSpPr>
             <a:spLocks noGrp="1"/>
           </p:cNvSpPr>
@@ -1552,16 +4051,25 @@
         </p:nvSpPr>
         <p:spPr>
           <a:xfrm>
-            <a:off x="839788" y="1681163"/>
-            <a:ext cx="5157787" cy="823912"/>
-          </a:xfrm>
-        </p:spPr>
-        <p:txBody>
-          <a:bodyPr anchor="b"/>
+            <a:off x="1103313" y="1905000"/>
+            <a:ext cx="4396338" cy="576262"/>
+          </a:xfrm>
+        </p:spPr>
+        <p:txBody>
+          <a:bodyPr anchor="b">
+            <a:noAutofit/>
+          </a:bodyPr>
           <a:lstStyle>
             <a:lvl1pPr marL="0" indent="0">
               <a:buNone/>
-              <a:defRPr sz="2400" b="1"/>
+              <a:defRPr sz="2400" b="0">
+                <a:solidFill>
+                  <a:schemeClr val="bg2">
+                    <a:lumMod val="40000"/>
+                    <a:lumOff val="60000"/>
+                  </a:schemeClr>
+                </a:solidFill>
+              </a:defRPr>
             </a:lvl1pPr>
             <a:lvl2pPr marL="457200" indent="0">
               <a:buNone/>
@@ -1599,21 +4107,15 @@
           <a:p>
             <a:pPr lvl="0"/>
             <a:r>
-              <a:rPr lang="en-US"/>
-              <a:t>Click to edit Master text styles</a:t>
-            </a:r>
-          </a:p>
-        </p:txBody>
-      </p:sp>
-      <p:sp>
-        <p:nvSpPr>
-          <p:cNvPr id="4" name="Content Placeholder 3">
-            <a:extLst>
-              <a:ext uri="{FF2B5EF4-FFF2-40B4-BE49-F238E27FC236}">
-                <a16:creationId xmlns:a16="http://schemas.microsoft.com/office/drawing/2014/main" id="{1CA5FDD3-F2EA-47A4-986C-D19DDB0E5A52}"/>
-              </a:ext>
-            </a:extLst>
-          </p:cNvPr>
+              <a:rPr lang="en-US" smtClean="0"/>
+              <a:t>Edit Master text styles</a:t>
+            </a:r>
+          </a:p>
+        </p:txBody>
+      </p:sp>
+      <p:sp>
+        <p:nvSpPr>
+          <p:cNvPr id="4" name="Content Placeholder 3"/>
           <p:cNvSpPr>
             <a:spLocks noGrp="1"/>
           </p:cNvSpPr>
@@ -1623,59 +4125,84 @@
         </p:nvSpPr>
         <p:spPr>
           <a:xfrm>
-            <a:off x="839788" y="2505075"/>
-            <a:ext cx="5157787" cy="3684588"/>
-          </a:xfrm>
-        </p:spPr>
-        <p:txBody>
-          <a:bodyPr/>
-          <a:lstStyle/>
+            <a:off x="1103312" y="2514600"/>
+            <a:ext cx="4396339" cy="3741738"/>
+          </a:xfrm>
+        </p:spPr>
+        <p:txBody>
+          <a:bodyPr>
+            <a:normAutofit/>
+          </a:bodyPr>
+          <a:lstStyle>
+            <a:lvl1pPr>
+              <a:defRPr sz="1800"/>
+            </a:lvl1pPr>
+            <a:lvl2pPr>
+              <a:defRPr sz="1600"/>
+            </a:lvl2pPr>
+            <a:lvl3pPr>
+              <a:defRPr sz="1400"/>
+            </a:lvl3pPr>
+            <a:lvl4pPr>
+              <a:defRPr sz="1200"/>
+            </a:lvl4pPr>
+            <a:lvl5pPr>
+              <a:defRPr sz="1200"/>
+            </a:lvl5pPr>
+            <a:lvl6pPr>
+              <a:defRPr sz="1200"/>
+            </a:lvl6pPr>
+            <a:lvl7pPr>
+              <a:defRPr sz="1200"/>
+            </a:lvl7pPr>
+            <a:lvl8pPr>
+              <a:defRPr sz="1200"/>
+            </a:lvl8pPr>
+            <a:lvl9pPr>
+              <a:defRPr sz="1200"/>
+            </a:lvl9pPr>
+          </a:lstStyle>
           <a:p>
             <a:pPr lvl="0"/>
             <a:r>
-              <a:rPr lang="en-US"/>
-              <a:t>Click to edit Master text styles</a:t>
+              <a:rPr lang="en-US" smtClean="0"/>
+              <a:t>Edit Master text styles</a:t>
             </a:r>
           </a:p>
           <a:p>
             <a:pPr lvl="1"/>
             <a:r>
-              <a:rPr lang="en-US"/>
+              <a:rPr lang="en-US" smtClean="0"/>
               <a:t>Second level</a:t>
             </a:r>
           </a:p>
           <a:p>
             <a:pPr lvl="2"/>
             <a:r>
-              <a:rPr lang="en-US"/>
+              <a:rPr lang="en-US" smtClean="0"/>
               <a:t>Third level</a:t>
             </a:r>
           </a:p>
           <a:p>
             <a:pPr lvl="3"/>
             <a:r>
-              <a:rPr lang="en-US"/>
+              <a:rPr lang="en-US" smtClean="0"/>
               <a:t>Fourth level</a:t>
             </a:r>
           </a:p>
           <a:p>
             <a:pPr lvl="4"/>
             <a:r>
-              <a:rPr lang="en-US"/>
+              <a:rPr lang="en-US" smtClean="0"/>
               <a:t>Fifth level</a:t>
             </a:r>
-          </a:p>
-        </p:txBody>
-      </p:sp>
-      <p:sp>
-        <p:nvSpPr>
-          <p:cNvPr id="5" name="Text Placeholder 4">
-            <a:extLst>
-              <a:ext uri="{FF2B5EF4-FFF2-40B4-BE49-F238E27FC236}">
-                <a16:creationId xmlns:a16="http://schemas.microsoft.com/office/drawing/2014/main" id="{4B78C527-F640-4C0F-AFE0-532F44E26300}"/>
-              </a:ext>
-            </a:extLst>
-          </p:cNvPr>
+            <a:endParaRPr lang="en-US" dirty="0"/>
+          </a:p>
+        </p:txBody>
+      </p:sp>
+      <p:sp>
+        <p:nvSpPr>
+          <p:cNvPr id="5" name="Text Placeholder 4"/>
           <p:cNvSpPr>
             <a:spLocks noGrp="1"/>
           </p:cNvSpPr>
@@ -1685,16 +4212,25 @@
         </p:nvSpPr>
         <p:spPr>
           <a:xfrm>
-            <a:off x="6172200" y="1681163"/>
-            <a:ext cx="5183188" cy="823912"/>
-          </a:xfrm>
-        </p:spPr>
-        <p:txBody>
-          <a:bodyPr anchor="b"/>
+            <a:off x="5654495" y="1905000"/>
+            <a:ext cx="4396339" cy="576262"/>
+          </a:xfrm>
+        </p:spPr>
+        <p:txBody>
+          <a:bodyPr anchor="b">
+            <a:noAutofit/>
+          </a:bodyPr>
           <a:lstStyle>
             <a:lvl1pPr marL="0" indent="0">
               <a:buNone/>
-              <a:defRPr sz="2400" b="1"/>
+              <a:defRPr sz="2400" b="0">
+                <a:solidFill>
+                  <a:schemeClr val="bg2">
+                    <a:lumMod val="40000"/>
+                    <a:lumOff val="60000"/>
+                  </a:schemeClr>
+                </a:solidFill>
+              </a:defRPr>
             </a:lvl1pPr>
             <a:lvl2pPr marL="457200" indent="0">
               <a:buNone/>
@@ -1732,21 +4268,15 @@
           <a:p>
             <a:pPr lvl="0"/>
             <a:r>
-              <a:rPr lang="en-US"/>
-              <a:t>Click to edit Master text styles</a:t>
-            </a:r>
-          </a:p>
-        </p:txBody>
-      </p:sp>
-      <p:sp>
-        <p:nvSpPr>
-          <p:cNvPr id="6" name="Content Placeholder 5">
-            <a:extLst>
-              <a:ext uri="{FF2B5EF4-FFF2-40B4-BE49-F238E27FC236}">
-                <a16:creationId xmlns:a16="http://schemas.microsoft.com/office/drawing/2014/main" id="{CF3E5BBE-E9AD-4C4D-A274-2D88F1A6D2B6}"/>
-              </a:ext>
-            </a:extLst>
-          </p:cNvPr>
+              <a:rPr lang="en-US" smtClean="0"/>
+              <a:t>Edit Master text styles</a:t>
+            </a:r>
+          </a:p>
+        </p:txBody>
+      </p:sp>
+      <p:sp>
+        <p:nvSpPr>
+          <p:cNvPr id="6" name="Content Placeholder 5"/>
           <p:cNvSpPr>
             <a:spLocks noGrp="1"/>
           </p:cNvSpPr>
@@ -1756,64 +4286,112 @@
         </p:nvSpPr>
         <p:spPr>
           <a:xfrm>
-            <a:off x="6172200" y="2505075"/>
-            <a:ext cx="5183188" cy="3684588"/>
-          </a:xfrm>
-        </p:spPr>
+            <a:off x="5654495" y="2514600"/>
+            <a:ext cx="4396339" cy="3741738"/>
+          </a:xfrm>
+        </p:spPr>
+        <p:txBody>
+          <a:bodyPr>
+            <a:normAutofit/>
+          </a:bodyPr>
+          <a:lstStyle>
+            <a:lvl1pPr>
+              <a:defRPr sz="1800"/>
+            </a:lvl1pPr>
+            <a:lvl2pPr>
+              <a:defRPr sz="1600"/>
+            </a:lvl2pPr>
+            <a:lvl3pPr>
+              <a:defRPr sz="1400"/>
+            </a:lvl3pPr>
+            <a:lvl4pPr>
+              <a:defRPr sz="1200"/>
+            </a:lvl4pPr>
+            <a:lvl5pPr>
+              <a:defRPr sz="1200"/>
+            </a:lvl5pPr>
+            <a:lvl6pPr>
+              <a:defRPr sz="1200"/>
+            </a:lvl6pPr>
+            <a:lvl7pPr>
+              <a:defRPr sz="1200"/>
+            </a:lvl7pPr>
+            <a:lvl8pPr>
+              <a:defRPr sz="1200"/>
+            </a:lvl8pPr>
+            <a:lvl9pPr>
+              <a:defRPr sz="1200"/>
+            </a:lvl9pPr>
+          </a:lstStyle>
+          <a:p>
+            <a:pPr lvl="0"/>
+            <a:r>
+              <a:rPr lang="en-US" smtClean="0"/>
+              <a:t>Edit Master text styles</a:t>
+            </a:r>
+          </a:p>
+          <a:p>
+            <a:pPr lvl="1"/>
+            <a:r>
+              <a:rPr lang="en-US" smtClean="0"/>
+              <a:t>Second level</a:t>
+            </a:r>
+          </a:p>
+          <a:p>
+            <a:pPr lvl="2"/>
+            <a:r>
+              <a:rPr lang="en-US" smtClean="0"/>
+              <a:t>Third level</a:t>
+            </a:r>
+          </a:p>
+          <a:p>
+            <a:pPr lvl="3"/>
+            <a:r>
+              <a:rPr lang="en-US" smtClean="0"/>
+              <a:t>Fourth level</a:t>
+            </a:r>
+          </a:p>
+          <a:p>
+            <a:pPr lvl="4"/>
+            <a:r>
+              <a:rPr lang="en-US" smtClean="0"/>
+              <a:t>Fifth level</a:t>
+            </a:r>
+            <a:endParaRPr lang="en-US" dirty="0"/>
+          </a:p>
+        </p:txBody>
+      </p:sp>
+      <p:sp>
+        <p:nvSpPr>
+          <p:cNvPr id="7" name="Date Placeholder 6"/>
+          <p:cNvSpPr>
+            <a:spLocks noGrp="1"/>
+          </p:cNvSpPr>
+          <p:nvPr>
+            <p:ph type="dt" sz="half" idx="10"/>
+          </p:nvPr>
+        </p:nvSpPr>
+        <p:spPr/>
         <p:txBody>
           <a:bodyPr/>
           <a:lstStyle/>
           <a:p>
-            <a:pPr lvl="0"/>
-            <a:r>
-              <a:rPr lang="en-US"/>
-              <a:t>Click to edit Master text styles</a:t>
-            </a:r>
-          </a:p>
-          <a:p>
-            <a:pPr lvl="1"/>
-            <a:r>
-              <a:rPr lang="en-US"/>
-              <a:t>Second level</a:t>
-            </a:r>
-          </a:p>
-          <a:p>
-            <a:pPr lvl="2"/>
-            <a:r>
-              <a:rPr lang="en-US"/>
-              <a:t>Third level</a:t>
-            </a:r>
-          </a:p>
-          <a:p>
-            <a:pPr lvl="3"/>
-            <a:r>
-              <a:rPr lang="en-US"/>
-              <a:t>Fourth level</a:t>
-            </a:r>
-          </a:p>
-          <a:p>
-            <a:pPr lvl="4"/>
-            <a:r>
-              <a:rPr lang="en-US"/>
-              <a:t>Fifth level</a:t>
-            </a:r>
-          </a:p>
-        </p:txBody>
-      </p:sp>
-      <p:sp>
-        <p:nvSpPr>
-          <p:cNvPr id="7" name="Date Placeholder 6">
-            <a:extLst>
-              <a:ext uri="{FF2B5EF4-FFF2-40B4-BE49-F238E27FC236}">
-                <a16:creationId xmlns:a16="http://schemas.microsoft.com/office/drawing/2014/main" id="{31A68B0C-4111-4135-93BA-E7041C65AEFF}"/>
-              </a:ext>
-            </a:extLst>
-          </p:cNvPr>
-          <p:cNvSpPr>
-            <a:spLocks noGrp="1"/>
-          </p:cNvSpPr>
-          <p:nvPr>
-            <p:ph type="dt" sz="half" idx="10"/>
+            <a:fld id="{2A532FE2-2DA6-4190-B206-F5BB49DF417A}" type="datetimeFigureOut">
+              <a:rPr lang="en-US" smtClean="0"/>
+              <a:t>7/29/2021</a:t>
+            </a:fld>
+            <a:endParaRPr lang="en-US"/>
+          </a:p>
+        </p:txBody>
+      </p:sp>
+      <p:sp>
+        <p:nvSpPr>
+          <p:cNvPr id="8" name="Footer Placeholder 7"/>
+          <p:cNvSpPr>
+            <a:spLocks noGrp="1"/>
+          </p:cNvSpPr>
+          <p:nvPr>
+            <p:ph type="ftr" sz="quarter" idx="11"/>
           </p:nvPr>
         </p:nvSpPr>
         <p:spPr/>
@@ -1821,48 +4399,13 @@
           <a:bodyPr/>
           <a:lstStyle/>
           <a:p>
-            <a:fld id="{2A532FE2-2DA6-4190-B206-F5BB49DF417A}" type="datetimeFigureOut">
-              <a:rPr lang="en-US" smtClean="0"/>
-              <a:t>7/28/2021</a:t>
-            </a:fld>
             <a:endParaRPr lang="en-US"/>
           </a:p>
         </p:txBody>
       </p:sp>
       <p:sp>
         <p:nvSpPr>
-          <p:cNvPr id="8" name="Footer Placeholder 7">
-            <a:extLst>
-              <a:ext uri="{FF2B5EF4-FFF2-40B4-BE49-F238E27FC236}">
-                <a16:creationId xmlns:a16="http://schemas.microsoft.com/office/drawing/2014/main" id="{EA02CFF3-9BA1-4DAF-A432-E8609ECA54DE}"/>
-              </a:ext>
-            </a:extLst>
-          </p:cNvPr>
-          <p:cNvSpPr>
-            <a:spLocks noGrp="1"/>
-          </p:cNvSpPr>
-          <p:nvPr>
-            <p:ph type="ftr" sz="quarter" idx="11"/>
-          </p:nvPr>
-        </p:nvSpPr>
-        <p:spPr/>
-        <p:txBody>
-          <a:bodyPr/>
-          <a:lstStyle/>
-          <a:p>
-            <a:endParaRPr lang="en-US"/>
-          </a:p>
-        </p:txBody>
-      </p:sp>
-      <p:sp>
-        <p:nvSpPr>
-          <p:cNvPr id="9" name="Slide Number Placeholder 8">
-            <a:extLst>
-              <a:ext uri="{FF2B5EF4-FFF2-40B4-BE49-F238E27FC236}">
-                <a16:creationId xmlns:a16="http://schemas.microsoft.com/office/drawing/2014/main" id="{81B31668-5DAC-4F90-A3A7-2A928B7F52B0}"/>
-              </a:ext>
-            </a:extLst>
-          </p:cNvPr>
+          <p:cNvPr id="9" name="Slide Number Placeholder 8"/>
           <p:cNvSpPr>
             <a:spLocks noGrp="1"/>
           </p:cNvSpPr>
@@ -1886,7 +4429,7 @@
     </p:spTree>
     <p:extLst>
       <p:ext uri="{BB962C8B-B14F-4D97-AF65-F5344CB8AC3E}">
-        <p14:creationId xmlns:p14="http://schemas.microsoft.com/office/powerpoint/2010/main" val="827439665"/>
+        <p14:creationId xmlns:p14="http://schemas.microsoft.com/office/powerpoint/2010/main" val="3447244112"/>
       </p:ext>
     </p:extLst>
   </p:cSld>
@@ -1915,13 +4458,7 @@
       </p:grpSpPr>
       <p:sp>
         <p:nvSpPr>
-          <p:cNvPr id="2" name="Title 1">
-            <a:extLst>
-              <a:ext uri="{FF2B5EF4-FFF2-40B4-BE49-F238E27FC236}">
-                <a16:creationId xmlns:a16="http://schemas.microsoft.com/office/drawing/2014/main" id="{9338E1E8-275C-43F0-A621-25173724E8C5}"/>
-              </a:ext>
-            </a:extLst>
-          </p:cNvPr>
+          <p:cNvPr id="2" name="Title 1"/>
           <p:cNvSpPr>
             <a:spLocks noGrp="1"/>
           </p:cNvSpPr>
@@ -1935,21 +4472,16 @@
           <a:lstStyle/>
           <a:p>
             <a:r>
-              <a:rPr lang="en-US"/>
+              <a:rPr lang="en-US" smtClean="0"/>
               <a:t>Click to edit Master title style</a:t>
             </a:r>
-          </a:p>
-        </p:txBody>
-      </p:sp>
-      <p:sp>
-        <p:nvSpPr>
-          <p:cNvPr id="3" name="Date Placeholder 2">
-            <a:extLst>
-              <a:ext uri="{FF2B5EF4-FFF2-40B4-BE49-F238E27FC236}">
-                <a16:creationId xmlns:a16="http://schemas.microsoft.com/office/drawing/2014/main" id="{E11724F3-5BB7-4DB8-98B2-EBE351FE0C24}"/>
-              </a:ext>
-            </a:extLst>
-          </p:cNvPr>
+            <a:endParaRPr lang="en-US" dirty="0"/>
+          </a:p>
+        </p:txBody>
+      </p:sp>
+      <p:sp>
+        <p:nvSpPr>
+          <p:cNvPr id="7" name="Date Placeholder 2"/>
           <p:cNvSpPr>
             <a:spLocks noGrp="1"/>
           </p:cNvSpPr>
@@ -1964,7 +4496,7 @@
           <a:p>
             <a:fld id="{2A532FE2-2DA6-4190-B206-F5BB49DF417A}" type="datetimeFigureOut">
               <a:rPr lang="en-US" smtClean="0"/>
-              <a:t>7/28/2021</a:t>
+              <a:t>7/29/2021</a:t>
             </a:fld>
             <a:endParaRPr lang="en-US"/>
           </a:p>
@@ -1972,13 +4504,7 @@
       </p:sp>
       <p:sp>
         <p:nvSpPr>
-          <p:cNvPr id="4" name="Footer Placeholder 3">
-            <a:extLst>
-              <a:ext uri="{FF2B5EF4-FFF2-40B4-BE49-F238E27FC236}">
-                <a16:creationId xmlns:a16="http://schemas.microsoft.com/office/drawing/2014/main" id="{E003EB73-7503-4DCC-843C-9535EB7A9165}"/>
-              </a:ext>
-            </a:extLst>
-          </p:cNvPr>
+          <p:cNvPr id="5" name="Footer Placeholder 3"/>
           <p:cNvSpPr>
             <a:spLocks noGrp="1"/>
           </p:cNvSpPr>
@@ -1997,13 +4523,7 @@
       </p:sp>
       <p:sp>
         <p:nvSpPr>
-          <p:cNvPr id="5" name="Slide Number Placeholder 4">
-            <a:extLst>
-              <a:ext uri="{FF2B5EF4-FFF2-40B4-BE49-F238E27FC236}">
-                <a16:creationId xmlns:a16="http://schemas.microsoft.com/office/drawing/2014/main" id="{9C9DF97E-A7C5-4784-B928-BF670E19E889}"/>
-              </a:ext>
-            </a:extLst>
-          </p:cNvPr>
+          <p:cNvPr id="6" name="Slide Number Placeholder 4"/>
           <p:cNvSpPr>
             <a:spLocks noGrp="1"/>
           </p:cNvSpPr>
@@ -2027,7 +4547,7 @@
     </p:spTree>
     <p:extLst>
       <p:ext uri="{BB962C8B-B14F-4D97-AF65-F5344CB8AC3E}">
-        <p14:creationId xmlns:p14="http://schemas.microsoft.com/office/powerpoint/2010/main" val="37657798"/>
+        <p14:creationId xmlns:p14="http://schemas.microsoft.com/office/powerpoint/2010/main" val="2588967622"/>
       </p:ext>
     </p:extLst>
   </p:cSld>
@@ -2056,13 +4576,7 @@
       </p:grpSpPr>
       <p:sp>
         <p:nvSpPr>
-          <p:cNvPr id="2" name="Date Placeholder 1">
-            <a:extLst>
-              <a:ext uri="{FF2B5EF4-FFF2-40B4-BE49-F238E27FC236}">
-                <a16:creationId xmlns:a16="http://schemas.microsoft.com/office/drawing/2014/main" id="{3F6137BA-79FF-4BD1-A2E5-279E8077C99E}"/>
-              </a:ext>
-            </a:extLst>
-          </p:cNvPr>
+          <p:cNvPr id="7" name="Date Placeholder 1"/>
           <p:cNvSpPr>
             <a:spLocks noGrp="1"/>
           </p:cNvSpPr>
@@ -2077,7 +4591,7 @@
           <a:p>
             <a:fld id="{2A532FE2-2DA6-4190-B206-F5BB49DF417A}" type="datetimeFigureOut">
               <a:rPr lang="en-US" smtClean="0"/>
-              <a:t>7/28/2021</a:t>
+              <a:t>7/29/2021</a:t>
             </a:fld>
             <a:endParaRPr lang="en-US"/>
           </a:p>
@@ -2085,13 +4599,7 @@
       </p:sp>
       <p:sp>
         <p:nvSpPr>
-          <p:cNvPr id="3" name="Footer Placeholder 2">
-            <a:extLst>
-              <a:ext uri="{FF2B5EF4-FFF2-40B4-BE49-F238E27FC236}">
-                <a16:creationId xmlns:a16="http://schemas.microsoft.com/office/drawing/2014/main" id="{2C313116-740D-47C7-863C-B980071A09FC}"/>
-              </a:ext>
-            </a:extLst>
-          </p:cNvPr>
+          <p:cNvPr id="5" name="Footer Placeholder 2"/>
           <p:cNvSpPr>
             <a:spLocks noGrp="1"/>
           </p:cNvSpPr>
@@ -2110,13 +4618,7 @@
       </p:sp>
       <p:sp>
         <p:nvSpPr>
-          <p:cNvPr id="4" name="Slide Number Placeholder 3">
-            <a:extLst>
-              <a:ext uri="{FF2B5EF4-FFF2-40B4-BE49-F238E27FC236}">
-                <a16:creationId xmlns:a16="http://schemas.microsoft.com/office/drawing/2014/main" id="{38FF1368-1038-444F-9AD2-779736E9C5E4}"/>
-              </a:ext>
-            </a:extLst>
-          </p:cNvPr>
+          <p:cNvPr id="6" name="Slide Number Placeholder 3"/>
           <p:cNvSpPr>
             <a:spLocks noGrp="1"/>
           </p:cNvSpPr>
@@ -2140,7 +4642,7 @@
     </p:spTree>
     <p:extLst>
       <p:ext uri="{BB962C8B-B14F-4D97-AF65-F5344CB8AC3E}">
-        <p14:creationId xmlns:p14="http://schemas.microsoft.com/office/powerpoint/2010/main" val="2197596908"/>
+        <p14:creationId xmlns:p14="http://schemas.microsoft.com/office/powerpoint/2010/main" val="3591290469"/>
       </p:ext>
     </p:extLst>
   </p:cSld>
@@ -2169,13 +4671,7 @@
       </p:grpSpPr>
       <p:sp>
         <p:nvSpPr>
-          <p:cNvPr id="2" name="Title 1">
-            <a:extLst>
-              <a:ext uri="{FF2B5EF4-FFF2-40B4-BE49-F238E27FC236}">
-                <a16:creationId xmlns:a16="http://schemas.microsoft.com/office/drawing/2014/main" id="{86757D7A-9337-43A2-8B2A-169DED1CDA3B}"/>
-              </a:ext>
-            </a:extLst>
-          </p:cNvPr>
+          <p:cNvPr id="2" name="Title 1"/>
           <p:cNvSpPr>
             <a:spLocks noGrp="1"/>
           </p:cNvSpPr>
@@ -2185,34 +4681,29 @@
         </p:nvSpPr>
         <p:spPr>
           <a:xfrm>
-            <a:off x="839788" y="457200"/>
-            <a:ext cx="3932237" cy="1600200"/>
+            <a:off x="1154953" y="1447800"/>
+            <a:ext cx="3401064" cy="1447800"/>
           </a:xfrm>
         </p:spPr>
         <p:txBody>
           <a:bodyPr anchor="b"/>
           <a:lstStyle>
-            <a:lvl1pPr>
-              <a:defRPr sz="3200"/>
+            <a:lvl1pPr algn="l">
+              <a:defRPr sz="2400" b="0"/>
             </a:lvl1pPr>
           </a:lstStyle>
           <a:p>
             <a:r>
-              <a:rPr lang="en-US"/>
+              <a:rPr lang="en-US" smtClean="0"/>
               <a:t>Click to edit Master title style</a:t>
             </a:r>
-          </a:p>
-        </p:txBody>
-      </p:sp>
-      <p:sp>
-        <p:nvSpPr>
-          <p:cNvPr id="3" name="Content Placeholder 2">
-            <a:extLst>
-              <a:ext uri="{FF2B5EF4-FFF2-40B4-BE49-F238E27FC236}">
-                <a16:creationId xmlns:a16="http://schemas.microsoft.com/office/drawing/2014/main" id="{56B99128-0454-4B51-A249-AEC3B1FFE649}"/>
-              </a:ext>
-            </a:extLst>
-          </p:cNvPr>
+            <a:endParaRPr lang="en-US" dirty="0"/>
+          </a:p>
+        </p:txBody>
+      </p:sp>
+      <p:sp>
+        <p:nvSpPr>
+          <p:cNvPr id="3" name="Content Placeholder 2"/>
           <p:cNvSpPr>
             <a:spLocks noGrp="1"/>
           </p:cNvSpPr>
@@ -2222,87 +4713,84 @@
         </p:nvSpPr>
         <p:spPr>
           <a:xfrm>
-            <a:off x="5183188" y="987425"/>
-            <a:ext cx="6172200" cy="4873625"/>
-          </a:xfrm>
-        </p:spPr>
-        <p:txBody>
-          <a:bodyPr/>
+            <a:off x="4784616" y="1447800"/>
+            <a:ext cx="5195997" cy="4572000"/>
+          </a:xfrm>
+        </p:spPr>
+        <p:txBody>
+          <a:bodyPr anchor="ctr">
+            <a:normAutofit/>
+          </a:bodyPr>
           <a:lstStyle>
             <a:lvl1pPr>
-              <a:defRPr sz="3200"/>
+              <a:defRPr sz="2000"/>
             </a:lvl1pPr>
             <a:lvl2pPr>
-              <a:defRPr sz="2800"/>
+              <a:defRPr sz="1800"/>
             </a:lvl2pPr>
             <a:lvl3pPr>
-              <a:defRPr sz="2400"/>
+              <a:defRPr sz="1600"/>
             </a:lvl3pPr>
             <a:lvl4pPr>
-              <a:defRPr sz="2000"/>
+              <a:defRPr sz="1400"/>
             </a:lvl4pPr>
             <a:lvl5pPr>
-              <a:defRPr sz="2000"/>
+              <a:defRPr sz="1400"/>
             </a:lvl5pPr>
             <a:lvl6pPr>
-              <a:defRPr sz="2000"/>
+              <a:defRPr sz="1400"/>
             </a:lvl6pPr>
             <a:lvl7pPr>
-              <a:defRPr sz="2000"/>
+              <a:defRPr sz="1400"/>
             </a:lvl7pPr>
             <a:lvl8pPr>
-              <a:defRPr sz="2000"/>
+              <a:defRPr sz="1400"/>
             </a:lvl8pPr>
             <a:lvl9pPr>
-              <a:defRPr sz="2000"/>
+              <a:defRPr sz="1400"/>
             </a:lvl9pPr>
           </a:lstStyle>
           <a:p>
             <a:pPr lvl="0"/>
             <a:r>
-              <a:rPr lang="en-US"/>
-              <a:t>Click to edit Master text styles</a:t>
+              <a:rPr lang="en-US" smtClean="0"/>
+              <a:t>Edit Master text styles</a:t>
             </a:r>
           </a:p>
           <a:p>
             <a:pPr lvl="1"/>
             <a:r>
-              <a:rPr lang="en-US"/>
+              <a:rPr lang="en-US" smtClean="0"/>
               <a:t>Second level</a:t>
             </a:r>
           </a:p>
           <a:p>
             <a:pPr lvl="2"/>
             <a:r>
-              <a:rPr lang="en-US"/>
+              <a:rPr lang="en-US" smtClean="0"/>
               <a:t>Third level</a:t>
             </a:r>
           </a:p>
           <a:p>
             <a:pPr lvl="3"/>
             <a:r>
-              <a:rPr lang="en-US"/>
+              <a:rPr lang="en-US" smtClean="0"/>
               <a:t>Fourth level</a:t>
             </a:r>
           </a:p>
           <a:p>
             <a:pPr lvl="4"/>
             <a:r>
-              <a:rPr lang="en-US"/>
+              <a:rPr lang="en-US" smtClean="0"/>
               <a:t>Fifth level</a:t>
             </a:r>
-          </a:p>
-        </p:txBody>
-      </p:sp>
-      <p:sp>
-        <p:nvSpPr>
-          <p:cNvPr id="4" name="Text Placeholder 3">
-            <a:extLst>
-              <a:ext uri="{FF2B5EF4-FFF2-40B4-BE49-F238E27FC236}">
-                <a16:creationId xmlns:a16="http://schemas.microsoft.com/office/drawing/2014/main" id="{9D4BBAAC-284B-41E6-BCAA-BA63DA26BBDE}"/>
-              </a:ext>
-            </a:extLst>
-          </p:cNvPr>
+            <a:endParaRPr lang="en-US" dirty="0"/>
+          </a:p>
+        </p:txBody>
+      </p:sp>
+      <p:sp>
+        <p:nvSpPr>
+          <p:cNvPr id="4" name="Text Placeholder 3"/>
           <p:cNvSpPr>
             <a:spLocks noGrp="1"/>
           </p:cNvSpPr>
@@ -2312,8 +4800,8 @@
         </p:nvSpPr>
         <p:spPr>
           <a:xfrm>
-            <a:off x="839788" y="2057400"/>
-            <a:ext cx="3932237" cy="3811588"/>
+            <a:off x="1154953" y="3129280"/>
+            <a:ext cx="3401063" cy="2895599"/>
           </a:xfrm>
         </p:spPr>
         <p:txBody>
@@ -2321,59 +4809,53 @@
           <a:lstStyle>
             <a:lvl1pPr marL="0" indent="0">
               <a:buNone/>
-              <a:defRPr sz="1600"/>
+              <a:defRPr sz="1400"/>
             </a:lvl1pPr>
             <a:lvl2pPr marL="457200" indent="0">
               <a:buNone/>
-              <a:defRPr sz="1400"/>
+              <a:defRPr sz="1200"/>
             </a:lvl2pPr>
             <a:lvl3pPr marL="914400" indent="0">
               <a:buNone/>
-              <a:defRPr sz="1200"/>
+              <a:defRPr sz="1000"/>
             </a:lvl3pPr>
             <a:lvl4pPr marL="1371600" indent="0">
               <a:buNone/>
-              <a:defRPr sz="1000"/>
+              <a:defRPr sz="900"/>
             </a:lvl4pPr>
             <a:lvl5pPr marL="1828800" indent="0">
               <a:buNone/>
-              <a:defRPr sz="1000"/>
+              <a:defRPr sz="900"/>
             </a:lvl5pPr>
             <a:lvl6pPr marL="2286000" indent="0">
               <a:buNone/>
-              <a:defRPr sz="1000"/>
+              <a:defRPr sz="900"/>
             </a:lvl6pPr>
             <a:lvl7pPr marL="2743200" indent="0">
               <a:buNone/>
-              <a:defRPr sz="1000"/>
+              <a:defRPr sz="900"/>
             </a:lvl7pPr>
             <a:lvl8pPr marL="3200400" indent="0">
               <a:buNone/>
-              <a:defRPr sz="1000"/>
+              <a:defRPr sz="900"/>
             </a:lvl8pPr>
             <a:lvl9pPr marL="3657600" indent="0">
               <a:buNone/>
-              <a:defRPr sz="1000"/>
+              <a:defRPr sz="900"/>
             </a:lvl9pPr>
           </a:lstStyle>
           <a:p>
             <a:pPr lvl="0"/>
             <a:r>
-              <a:rPr lang="en-US"/>
-              <a:t>Click to edit Master text styles</a:t>
-            </a:r>
-          </a:p>
-        </p:txBody>
-      </p:sp>
-      <p:sp>
-        <p:nvSpPr>
-          <p:cNvPr id="5" name="Date Placeholder 4">
-            <a:extLst>
-              <a:ext uri="{FF2B5EF4-FFF2-40B4-BE49-F238E27FC236}">
-                <a16:creationId xmlns:a16="http://schemas.microsoft.com/office/drawing/2014/main" id="{FA28F645-F230-498A-828A-AC3FE1F01590}"/>
-              </a:ext>
-            </a:extLst>
-          </p:cNvPr>
+              <a:rPr lang="en-US" smtClean="0"/>
+              <a:t>Edit Master text styles</a:t>
+            </a:r>
+          </a:p>
+        </p:txBody>
+      </p:sp>
+      <p:sp>
+        <p:nvSpPr>
+          <p:cNvPr id="7" name="Date Placeholder 4"/>
           <p:cNvSpPr>
             <a:spLocks noGrp="1"/>
           </p:cNvSpPr>
@@ -2388,7 +4870,7 @@
           <a:p>
             <a:fld id="{2A532FE2-2DA6-4190-B206-F5BB49DF417A}" type="datetimeFigureOut">
               <a:rPr lang="en-US" smtClean="0"/>
-              <a:t>7/28/2021</a:t>
+              <a:t>7/29/2021</a:t>
             </a:fld>
             <a:endParaRPr lang="en-US"/>
           </a:p>
@@ -2396,13 +4878,7 @@
       </p:sp>
       <p:sp>
         <p:nvSpPr>
-          <p:cNvPr id="6" name="Footer Placeholder 5">
-            <a:extLst>
-              <a:ext uri="{FF2B5EF4-FFF2-40B4-BE49-F238E27FC236}">
-                <a16:creationId xmlns:a16="http://schemas.microsoft.com/office/drawing/2014/main" id="{7FF53EDC-5677-430F-B29A-7C03DA9D22A4}"/>
-              </a:ext>
-            </a:extLst>
-          </p:cNvPr>
+          <p:cNvPr id="5" name="Footer Placeholder 5"/>
           <p:cNvSpPr>
             <a:spLocks noGrp="1"/>
           </p:cNvSpPr>
@@ -2421,13 +4897,7 @@
       </p:sp>
       <p:sp>
         <p:nvSpPr>
-          <p:cNvPr id="7" name="Slide Number Placeholder 6">
-            <a:extLst>
-              <a:ext uri="{FF2B5EF4-FFF2-40B4-BE49-F238E27FC236}">
-                <a16:creationId xmlns:a16="http://schemas.microsoft.com/office/drawing/2014/main" id="{E2CD2DFB-AB3B-4665-825E-9B13EDE6887A}"/>
-              </a:ext>
-            </a:extLst>
-          </p:cNvPr>
+          <p:cNvPr id="6" name="Slide Number Placeholder 6"/>
           <p:cNvSpPr>
             <a:spLocks noGrp="1"/>
           </p:cNvSpPr>
@@ -2451,7 +4921,7 @@
     </p:spTree>
     <p:extLst>
       <p:ext uri="{BB962C8B-B14F-4D97-AF65-F5344CB8AC3E}">
-        <p14:creationId xmlns:p14="http://schemas.microsoft.com/office/powerpoint/2010/main" val="1427635367"/>
+        <p14:creationId xmlns:p14="http://schemas.microsoft.com/office/powerpoint/2010/main" val="1810624501"/>
       </p:ext>
     </p:extLst>
   </p:cSld>
@@ -2480,13 +4950,7 @@
       </p:grpSpPr>
       <p:sp>
         <p:nvSpPr>
-          <p:cNvPr id="2" name="Title 1">
-            <a:extLst>
-              <a:ext uri="{FF2B5EF4-FFF2-40B4-BE49-F238E27FC236}">
-                <a16:creationId xmlns:a16="http://schemas.microsoft.com/office/drawing/2014/main" id="{F06E7E06-BE7F-4987-88E8-87E820FECDC3}"/>
-              </a:ext>
-            </a:extLst>
-          </p:cNvPr>
+          <p:cNvPr id="2" name="Title 1"/>
           <p:cNvSpPr>
             <a:spLocks noGrp="1"/>
           </p:cNvSpPr>
@@ -2496,36 +4960,33 @@
         </p:nvSpPr>
         <p:spPr>
           <a:xfrm>
-            <a:off x="839788" y="457200"/>
-            <a:ext cx="3932237" cy="1600200"/>
-          </a:xfrm>
-        </p:spPr>
-        <p:txBody>
-          <a:bodyPr anchor="b"/>
+            <a:off x="1153907" y="1854192"/>
+            <a:ext cx="5092906" cy="1574808"/>
+          </a:xfrm>
+        </p:spPr>
+        <p:txBody>
+          <a:bodyPr anchor="b">
+            <a:normAutofit/>
+          </a:bodyPr>
           <a:lstStyle>
-            <a:lvl1pPr>
-              <a:defRPr sz="3200"/>
+            <a:lvl1pPr algn="l">
+              <a:defRPr sz="3600" b="0"/>
             </a:lvl1pPr>
           </a:lstStyle>
           <a:p>
             <a:r>
-              <a:rPr lang="en-US"/>
+              <a:rPr lang="en-US" smtClean="0"/>
               <a:t>Click to edit Master title style</a:t>
             </a:r>
-          </a:p>
-        </p:txBody>
-      </p:sp>
-      <p:sp>
-        <p:nvSpPr>
-          <p:cNvPr id="3" name="Picture Placeholder 2">
-            <a:extLst>
-              <a:ext uri="{FF2B5EF4-FFF2-40B4-BE49-F238E27FC236}">
-                <a16:creationId xmlns:a16="http://schemas.microsoft.com/office/drawing/2014/main" id="{F3E321E1-41D1-4B09-AA92-CED5E4FD926D}"/>
-              </a:ext>
-            </a:extLst>
-          </p:cNvPr>
-          <p:cNvSpPr>
-            <a:spLocks noGrp="1"/>
+            <a:endParaRPr lang="en-US" dirty="0"/>
+          </a:p>
+        </p:txBody>
+      </p:sp>
+      <p:sp>
+        <p:nvSpPr>
+          <p:cNvPr id="3" name="Picture Placeholder 2"/>
+          <p:cNvSpPr>
+            <a:spLocks noGrp="1" noChangeAspect="1"/>
           </p:cNvSpPr>
           <p:nvPr>
             <p:ph type="pic" idx="1"/>
@@ -2533,135 +4994,143 @@
         </p:nvSpPr>
         <p:spPr>
           <a:xfrm>
-            <a:off x="5183188" y="987425"/>
-            <a:ext cx="6172200" cy="4873625"/>
-          </a:xfrm>
-        </p:spPr>
-        <p:txBody>
-          <a:bodyPr/>
+            <a:off x="6949546" y="1143000"/>
+            <a:ext cx="3200400" cy="4572000"/>
+          </a:xfrm>
+          <a:prstGeom prst="roundRect">
+            <a:avLst>
+              <a:gd name="adj" fmla="val 1858"/>
+            </a:avLst>
+          </a:prstGeom>
+          <a:effectLst>
+            <a:outerShdw blurRad="50800" dist="50800" dir="5400000" algn="tl" rotWithShape="0">
+              <a:srgbClr val="000000">
+                <a:alpha val="43000"/>
+              </a:srgbClr>
+            </a:outerShdw>
+          </a:effectLst>
+        </p:spPr>
+        <p:txBody>
+          <a:bodyPr anchor="t">
+            <a:normAutofit/>
+          </a:bodyPr>
           <a:lstStyle>
-            <a:lvl1pPr marL="0" indent="0">
-              <a:buNone/>
-              <a:defRPr sz="3200"/>
-            </a:lvl1pPr>
-            <a:lvl2pPr marL="457200" indent="0">
-              <a:buNone/>
-              <a:defRPr sz="2800"/>
-            </a:lvl2pPr>
-            <a:lvl3pPr marL="914400" indent="0">
-              <a:buNone/>
-              <a:defRPr sz="2400"/>
-            </a:lvl3pPr>
-            <a:lvl4pPr marL="1371600" indent="0">
-              <a:buNone/>
-              <a:defRPr sz="2000"/>
-            </a:lvl4pPr>
-            <a:lvl5pPr marL="1828800" indent="0">
-              <a:buNone/>
-              <a:defRPr sz="2000"/>
-            </a:lvl5pPr>
-            <a:lvl6pPr marL="2286000" indent="0">
-              <a:buNone/>
-              <a:defRPr sz="2000"/>
-            </a:lvl6pPr>
-            <a:lvl7pPr marL="2743200" indent="0">
-              <a:buNone/>
-              <a:defRPr sz="2000"/>
-            </a:lvl7pPr>
-            <a:lvl8pPr marL="3200400" indent="0">
-              <a:buNone/>
-              <a:defRPr sz="2000"/>
-            </a:lvl8pPr>
-            <a:lvl9pPr marL="3657600" indent="0">
-              <a:buNone/>
-              <a:defRPr sz="2000"/>
-            </a:lvl9pPr>
-          </a:lstStyle>
-          <a:p>
-            <a:endParaRPr lang="en-US"/>
-          </a:p>
-        </p:txBody>
-      </p:sp>
-      <p:sp>
-        <p:nvSpPr>
-          <p:cNvPr id="4" name="Text Placeholder 3">
-            <a:extLst>
-              <a:ext uri="{FF2B5EF4-FFF2-40B4-BE49-F238E27FC236}">
-                <a16:creationId xmlns:a16="http://schemas.microsoft.com/office/drawing/2014/main" id="{2FE03B21-8068-4477-A3D4-B07F86F15055}"/>
-              </a:ext>
-            </a:extLst>
-          </p:cNvPr>
-          <p:cNvSpPr>
-            <a:spLocks noGrp="1"/>
-          </p:cNvSpPr>
-          <p:nvPr>
-            <p:ph type="body" sz="half" idx="2"/>
-          </p:nvPr>
-        </p:nvSpPr>
-        <p:spPr>
-          <a:xfrm>
-            <a:off x="839788" y="2057400"/>
-            <a:ext cx="3932237" cy="3811588"/>
-          </a:xfrm>
-        </p:spPr>
-        <p:txBody>
-          <a:bodyPr/>
-          <a:lstStyle>
-            <a:lvl1pPr marL="0" indent="0">
+            <a:lvl1pPr marL="0" indent="0" algn="ctr">
               <a:buNone/>
               <a:defRPr sz="1600"/>
             </a:lvl1pPr>
             <a:lvl2pPr marL="457200" indent="0">
               <a:buNone/>
-              <a:defRPr sz="1400"/>
+              <a:defRPr sz="1600"/>
             </a:lvl2pPr>
             <a:lvl3pPr marL="914400" indent="0">
               <a:buNone/>
-              <a:defRPr sz="1200"/>
+              <a:defRPr sz="1600"/>
             </a:lvl3pPr>
             <a:lvl4pPr marL="1371600" indent="0">
               <a:buNone/>
-              <a:defRPr sz="1000"/>
+              <a:defRPr sz="1600"/>
             </a:lvl4pPr>
             <a:lvl5pPr marL="1828800" indent="0">
               <a:buNone/>
-              <a:defRPr sz="1000"/>
+              <a:defRPr sz="1600"/>
             </a:lvl5pPr>
             <a:lvl6pPr marL="2286000" indent="0">
               <a:buNone/>
-              <a:defRPr sz="1000"/>
+              <a:defRPr sz="1600"/>
             </a:lvl6pPr>
             <a:lvl7pPr marL="2743200" indent="0">
               <a:buNone/>
-              <a:defRPr sz="1000"/>
+              <a:defRPr sz="1600"/>
             </a:lvl7pPr>
             <a:lvl8pPr marL="3200400" indent="0">
               <a:buNone/>
-              <a:defRPr sz="1000"/>
+              <a:defRPr sz="1600"/>
             </a:lvl8pPr>
             <a:lvl9pPr marL="3657600" indent="0">
               <a:buNone/>
-              <a:defRPr sz="1000"/>
+              <a:defRPr sz="1600"/>
             </a:lvl9pPr>
           </a:lstStyle>
           <a:p>
+            <a:r>
+              <a:rPr lang="en-US" smtClean="0"/>
+              <a:t>Click icon to add picture</a:t>
+            </a:r>
+            <a:endParaRPr lang="en-US" dirty="0"/>
+          </a:p>
+        </p:txBody>
+      </p:sp>
+      <p:sp>
+        <p:nvSpPr>
+          <p:cNvPr id="4" name="Text Placeholder 3"/>
+          <p:cNvSpPr>
+            <a:spLocks noGrp="1"/>
+          </p:cNvSpPr>
+          <p:nvPr>
+            <p:ph type="body" sz="half" idx="2"/>
+          </p:nvPr>
+        </p:nvSpPr>
+        <p:spPr>
+          <a:xfrm>
+            <a:off x="1154954" y="3657600"/>
+            <a:ext cx="5084979" cy="1371600"/>
+          </a:xfrm>
+        </p:spPr>
+        <p:txBody>
+          <a:bodyPr>
+            <a:normAutofit/>
+          </a:bodyPr>
+          <a:lstStyle>
+            <a:lvl1pPr marL="0" indent="0">
+              <a:buNone/>
+              <a:defRPr sz="1400"/>
+            </a:lvl1pPr>
+            <a:lvl2pPr marL="457200" indent="0">
+              <a:buNone/>
+              <a:defRPr sz="1200"/>
+            </a:lvl2pPr>
+            <a:lvl3pPr marL="914400" indent="0">
+              <a:buNone/>
+              <a:defRPr sz="1000"/>
+            </a:lvl3pPr>
+            <a:lvl4pPr marL="1371600" indent="0">
+              <a:buNone/>
+              <a:defRPr sz="900"/>
+            </a:lvl4pPr>
+            <a:lvl5pPr marL="1828800" indent="0">
+              <a:buNone/>
+              <a:defRPr sz="900"/>
+            </a:lvl5pPr>
+            <a:lvl6pPr marL="2286000" indent="0">
+              <a:buNone/>
+              <a:defRPr sz="900"/>
+            </a:lvl6pPr>
+            <a:lvl7pPr marL="2743200" indent="0">
+              <a:buNone/>
+              <a:defRPr sz="900"/>
+            </a:lvl7pPr>
+            <a:lvl8pPr marL="3200400" indent="0">
+              <a:buNone/>
+              <a:defRPr sz="900"/>
+            </a:lvl8pPr>
+            <a:lvl9pPr marL="3657600" indent="0">
+              <a:buNone/>
+              <a:defRPr sz="900"/>
+            </a:lvl9pPr>
+          </a:lstStyle>
+          <a:p>
             <a:pPr lvl="0"/>
             <a:r>
-              <a:rPr lang="en-US"/>
-              <a:t>Click to edit Master text styles</a:t>
-            </a:r>
-          </a:p>
-        </p:txBody>
-      </p:sp>
-      <p:sp>
-        <p:nvSpPr>
-          <p:cNvPr id="5" name="Date Placeholder 4">
-            <a:extLst>
-              <a:ext uri="{FF2B5EF4-FFF2-40B4-BE49-F238E27FC236}">
-                <a16:creationId xmlns:a16="http://schemas.microsoft.com/office/drawing/2014/main" id="{28691EBA-D823-4AD0-A7B3-ACBC44F4C1BC}"/>
-              </a:ext>
-            </a:extLst>
-          </p:cNvPr>
+              <a:rPr lang="en-US" smtClean="0"/>
+              <a:t>Edit Master text styles</a:t>
+            </a:r>
+          </a:p>
+        </p:txBody>
+      </p:sp>
+      <p:sp>
+        <p:nvSpPr>
+          <p:cNvPr id="5" name="Date Placeholder 4"/>
           <p:cNvSpPr>
             <a:spLocks noGrp="1"/>
           </p:cNvSpPr>
@@ -2676,7 +5145,7 @@
           <a:p>
             <a:fld id="{2A532FE2-2DA6-4190-B206-F5BB49DF417A}" type="datetimeFigureOut">
               <a:rPr lang="en-US" smtClean="0"/>
-              <a:t>7/28/2021</a:t>
+              <a:t>7/29/2021</a:t>
             </a:fld>
             <a:endParaRPr lang="en-US"/>
           </a:p>
@@ -2684,13 +5153,7 @@
       </p:sp>
       <p:sp>
         <p:nvSpPr>
-          <p:cNvPr id="6" name="Footer Placeholder 5">
-            <a:extLst>
-              <a:ext uri="{FF2B5EF4-FFF2-40B4-BE49-F238E27FC236}">
-                <a16:creationId xmlns:a16="http://schemas.microsoft.com/office/drawing/2014/main" id="{C3E01A5A-57F9-4105-8A2C-0DFB588602F4}"/>
-              </a:ext>
-            </a:extLst>
-          </p:cNvPr>
+          <p:cNvPr id="6" name="Footer Placeholder 5"/>
           <p:cNvSpPr>
             <a:spLocks noGrp="1"/>
           </p:cNvSpPr>
@@ -2709,13 +5172,7 @@
       </p:sp>
       <p:sp>
         <p:nvSpPr>
-          <p:cNvPr id="7" name="Slide Number Placeholder 6">
-            <a:extLst>
-              <a:ext uri="{FF2B5EF4-FFF2-40B4-BE49-F238E27FC236}">
-                <a16:creationId xmlns:a16="http://schemas.microsoft.com/office/drawing/2014/main" id="{58133700-10C3-4749-9C3C-012F33938FDC}"/>
-              </a:ext>
-            </a:extLst>
-          </p:cNvPr>
+          <p:cNvPr id="7" name="Slide Number Placeholder 6"/>
           <p:cNvSpPr>
             <a:spLocks noGrp="1"/>
           </p:cNvSpPr>
@@ -2739,7 +5196,7 @@
     </p:spTree>
     <p:extLst>
       <p:ext uri="{BB962C8B-B14F-4D97-AF65-F5344CB8AC3E}">
-        <p14:creationId xmlns:p14="http://schemas.microsoft.com/office/powerpoint/2010/main" val="449844014"/>
+        <p14:creationId xmlns:p14="http://schemas.microsoft.com/office/powerpoint/2010/main" val="2990227822"/>
       </p:ext>
     </p:extLst>
   </p:cSld>
@@ -2753,8 +5210,8 @@
 <p:sldMaster xmlns:a="http://schemas.openxmlformats.org/drawingml/2006/main" xmlns:r="http://schemas.openxmlformats.org/officeDocument/2006/relationships" xmlns:p="http://schemas.openxmlformats.org/presentationml/2006/main">
   <p:cSld>
     <p:bg>
-      <p:bgRef idx="1001">
-        <a:schemeClr val="bg1"/>
+      <p:bgRef idx="1003">
+        <a:schemeClr val="bg2"/>
       </p:bgRef>
     </p:bg>
     <p:spTree>
@@ -2771,53 +5228,257 @@
           <a:chExt cx="0" cy="0"/>
         </a:xfrm>
       </p:grpSpPr>
-      <p:sp>
-        <p:nvSpPr>
-          <p:cNvPr id="2" name="Title Placeholder 1">
+      <p:pic>
+        <p:nvPicPr>
+          <p:cNvPr id="8" name="Picture 7"/>
+          <p:cNvPicPr>
+            <a:picLocks noChangeAspect="1"/>
+          </p:cNvPicPr>
+          <p:nvPr/>
+        </p:nvPicPr>
+        <p:blipFill rotWithShape="1">
+          <a:blip r:embed="rId19">
             <a:extLst>
-              <a:ext uri="{FF2B5EF4-FFF2-40B4-BE49-F238E27FC236}">
-                <a16:creationId xmlns:a16="http://schemas.microsoft.com/office/drawing/2014/main" id="{9A78EC75-96B2-4041-92FE-43AA56FA97CD}"/>
+              <a:ext uri="{28A0092B-C50C-407E-A947-70E740481C1C}">
+                <a14:useLocalDpi xmlns:a14="http://schemas.microsoft.com/office/drawing/2010/main" val="0"/>
               </a:ext>
             </a:extLst>
-          </p:cNvPr>
-          <p:cNvSpPr>
-            <a:spLocks noGrp="1"/>
-          </p:cNvSpPr>
-          <p:nvPr>
-            <p:ph type="title"/>
-          </p:nvPr>
-        </p:nvSpPr>
-        <p:spPr>
-          <a:xfrm>
-            <a:off x="838200" y="365125"/>
-            <a:ext cx="10515600" cy="1325563"/>
+          </a:blip>
+          <a:srcRect l="3613"/>
+          <a:stretch/>
+        </p:blipFill>
+        <p:spPr>
+          <a:xfrm>
+            <a:off x="0" y="2669685"/>
+            <a:ext cx="4037012" cy="4188315"/>
           </a:xfrm>
           <a:prstGeom prst="rect">
             <a:avLst/>
           </a:prstGeom>
         </p:spPr>
-        <p:txBody>
-          <a:bodyPr vert="horz" lIns="91440" tIns="45720" rIns="91440" bIns="45720" rtlCol="0" anchor="ctr">
-            <a:normAutofit/>
+      </p:pic>
+      <p:pic>
+        <p:nvPicPr>
+          <p:cNvPr id="7" name="Picture 6"/>
+          <p:cNvPicPr>
+            <a:picLocks noChangeAspect="1"/>
+          </p:cNvPicPr>
+          <p:nvPr/>
+        </p:nvPicPr>
+        <p:blipFill rotWithShape="1">
+          <a:blip r:embed="rId20">
+            <a:extLst>
+              <a:ext uri="{28A0092B-C50C-407E-A947-70E740481C1C}">
+                <a14:useLocalDpi xmlns:a14="http://schemas.microsoft.com/office/drawing/2010/main" val="0"/>
+              </a:ext>
+            </a:extLst>
+          </a:blip>
+          <a:srcRect l="35640"/>
+          <a:stretch/>
+        </p:blipFill>
+        <p:spPr>
+          <a:xfrm>
+            <a:off x="0" y="2892347"/>
+            <a:ext cx="1522412" cy="2365453"/>
+          </a:xfrm>
+          <a:prstGeom prst="rect">
+            <a:avLst/>
+          </a:prstGeom>
+        </p:spPr>
+      </p:pic>
+      <p:sp>
+        <p:nvSpPr>
+          <p:cNvPr id="16" name="Oval 15"/>
+          <p:cNvSpPr/>
+          <p:nvPr/>
+        </p:nvSpPr>
+        <p:spPr>
+          <a:xfrm>
+            <a:off x="8609012" y="1676400"/>
+            <a:ext cx="2819400" cy="2819400"/>
+          </a:xfrm>
+          <a:prstGeom prst="ellipse">
+            <a:avLst/>
+          </a:prstGeom>
+          <a:gradFill flip="none" rotWithShape="1">
+            <a:gsLst>
+              <a:gs pos="0">
+                <a:schemeClr val="bg2">
+                  <a:lumMod val="60000"/>
+                  <a:lumOff val="40000"/>
+                  <a:alpha val="7000"/>
+                </a:schemeClr>
+              </a:gs>
+              <a:gs pos="69000">
+                <a:schemeClr val="bg2">
+                  <a:lumMod val="60000"/>
+                  <a:lumOff val="40000"/>
+                  <a:alpha val="0"/>
+                </a:schemeClr>
+              </a:gs>
+              <a:gs pos="36000">
+                <a:schemeClr val="bg2">
+                  <a:lumMod val="60000"/>
+                  <a:lumOff val="40000"/>
+                  <a:alpha val="6000"/>
+                </a:schemeClr>
+              </a:gs>
+            </a:gsLst>
+            <a:path path="circle">
+              <a:fillToRect l="50000" t="50000" r="50000" b="50000"/>
+            </a:path>
+            <a:tileRect/>
+          </a:gradFill>
+          <a:ln>
+            <a:noFill/>
+          </a:ln>
+          <a:effectLst/>
+        </p:spPr>
+        <p:style>
+          <a:lnRef idx="1">
+            <a:schemeClr val="accent1"/>
+          </a:lnRef>
+          <a:fillRef idx="3">
+            <a:schemeClr val="accent1"/>
+          </a:fillRef>
+          <a:effectRef idx="2">
+            <a:schemeClr val="accent1"/>
+          </a:effectRef>
+          <a:fontRef idx="minor">
+            <a:schemeClr val="lt1"/>
+          </a:fontRef>
+        </p:style>
+      </p:sp>
+      <p:pic>
+        <p:nvPicPr>
+          <p:cNvPr id="9" name="Picture 8"/>
+          <p:cNvPicPr>
+            <a:picLocks noChangeAspect="1"/>
+          </p:cNvPicPr>
+          <p:nvPr/>
+        </p:nvPicPr>
+        <p:blipFill rotWithShape="1">
+          <a:blip r:embed="rId21">
+            <a:extLst>
+              <a:ext uri="{28A0092B-C50C-407E-A947-70E740481C1C}">
+                <a14:useLocalDpi xmlns:a14="http://schemas.microsoft.com/office/drawing/2010/main" val="0"/>
+              </a:ext>
+            </a:extLst>
+          </a:blip>
+          <a:srcRect t="28813"/>
+          <a:stretch/>
+        </p:blipFill>
+        <p:spPr>
+          <a:xfrm>
+            <a:off x="7999412" y="0"/>
+            <a:ext cx="1603387" cy="1141407"/>
+          </a:xfrm>
+          <a:prstGeom prst="rect">
+            <a:avLst/>
+          </a:prstGeom>
+        </p:spPr>
+      </p:pic>
+      <p:pic>
+        <p:nvPicPr>
+          <p:cNvPr id="10" name="Picture 9"/>
+          <p:cNvPicPr>
+            <a:picLocks noChangeAspect="1"/>
+          </p:cNvPicPr>
+          <p:nvPr/>
+        </p:nvPicPr>
+        <p:blipFill rotWithShape="1">
+          <a:blip r:embed="rId22">
+            <a:extLst>
+              <a:ext uri="{28A0092B-C50C-407E-A947-70E740481C1C}">
+                <a14:useLocalDpi xmlns:a14="http://schemas.microsoft.com/office/drawing/2010/main" val="0"/>
+              </a:ext>
+            </a:extLst>
+          </a:blip>
+          <a:srcRect b="23320"/>
+          <a:stretch/>
+        </p:blipFill>
+        <p:spPr>
+          <a:xfrm>
+            <a:off x="8605878" y="6096000"/>
+            <a:ext cx="993734" cy="762000"/>
+          </a:xfrm>
+          <a:prstGeom prst="rect">
+            <a:avLst/>
+          </a:prstGeom>
+        </p:spPr>
+      </p:pic>
+      <p:sp>
+        <p:nvSpPr>
+          <p:cNvPr id="14" name="Rectangle 13"/>
+          <p:cNvSpPr/>
+          <p:nvPr/>
+        </p:nvSpPr>
+        <p:spPr>
+          <a:xfrm>
+            <a:off x="10437812" y="0"/>
+            <a:ext cx="685800" cy="1143000"/>
+          </a:xfrm>
+          <a:prstGeom prst="rect">
+            <a:avLst/>
+          </a:prstGeom>
+          <a:solidFill>
+            <a:schemeClr val="accent1"/>
+          </a:solidFill>
+          <a:ln>
+            <a:noFill/>
+          </a:ln>
+        </p:spPr>
+        <p:style>
+          <a:lnRef idx="1">
+            <a:schemeClr val="accent1"/>
+          </a:lnRef>
+          <a:fillRef idx="3">
+            <a:schemeClr val="accent1"/>
+          </a:fillRef>
+          <a:effectRef idx="2">
+            <a:schemeClr val="accent1"/>
+          </a:effectRef>
+          <a:fontRef idx="minor">
+            <a:schemeClr val="lt1"/>
+          </a:fontRef>
+        </p:style>
+      </p:sp>
+      <p:sp>
+        <p:nvSpPr>
+          <p:cNvPr id="2" name="Title Placeholder 1"/>
+          <p:cNvSpPr>
+            <a:spLocks noGrp="1"/>
+          </p:cNvSpPr>
+          <p:nvPr>
+            <p:ph type="title"/>
+          </p:nvPr>
+        </p:nvSpPr>
+        <p:spPr>
+          <a:xfrm>
+            <a:off x="646111" y="452718"/>
+            <a:ext cx="9404723" cy="1400530"/>
+          </a:xfrm>
+          <a:prstGeom prst="rect">
+            <a:avLst/>
+          </a:prstGeom>
+        </p:spPr>
+        <p:txBody>
+          <a:bodyPr vert="horz" lIns="91440" tIns="45720" rIns="91440" bIns="45720" rtlCol="0" anchor="t">
+            <a:noAutofit/>
           </a:bodyPr>
           <a:lstStyle/>
           <a:p>
             <a:r>
-              <a:rPr lang="en-US"/>
+              <a:rPr lang="en-US" smtClean="0"/>
               <a:t>Click to edit Master title style</a:t>
             </a:r>
-          </a:p>
-        </p:txBody>
-      </p:sp>
-      <p:sp>
-        <p:nvSpPr>
-          <p:cNvPr id="3" name="Text Placeholder 2">
-            <a:extLst>
-              <a:ext uri="{FF2B5EF4-FFF2-40B4-BE49-F238E27FC236}">
-                <a16:creationId xmlns:a16="http://schemas.microsoft.com/office/drawing/2014/main" id="{ED193B7D-5800-4D50-8865-511599247403}"/>
-              </a:ext>
-            </a:extLst>
-          </p:cNvPr>
+            <a:endParaRPr lang="en-US" dirty="0"/>
+          </a:p>
+        </p:txBody>
+      </p:sp>
+      <p:sp>
+        <p:nvSpPr>
+          <p:cNvPr id="3" name="Text Placeholder 2"/>
           <p:cNvSpPr>
             <a:spLocks noGrp="1"/>
           </p:cNvSpPr>
@@ -2827,8 +5488,8 @@
         </p:nvSpPr>
         <p:spPr>
           <a:xfrm>
-            <a:off x="838200" y="1825625"/>
-            <a:ext cx="10515600" cy="4351338"/>
+            <a:off x="1103312" y="2052918"/>
+            <a:ext cx="8946541" cy="4195481"/>
           </a:xfrm>
           <a:prstGeom prst="rect">
             <a:avLst/>
@@ -2842,49 +5503,44 @@
           <a:p>
             <a:pPr lvl="0"/>
             <a:r>
-              <a:rPr lang="en-US"/>
-              <a:t>Click to edit Master text styles</a:t>
+              <a:rPr lang="en-US" smtClean="0"/>
+              <a:t>Edit Master text styles</a:t>
             </a:r>
           </a:p>
           <a:p>
             <a:pPr lvl="1"/>
             <a:r>
-              <a:rPr lang="en-US"/>
+              <a:rPr lang="en-US" smtClean="0"/>
               <a:t>Second level</a:t>
             </a:r>
           </a:p>
           <a:p>
             <a:pPr lvl="2"/>
             <a:r>
-              <a:rPr lang="en-US"/>
+              <a:rPr lang="en-US" smtClean="0"/>
               <a:t>Third level</a:t>
             </a:r>
           </a:p>
           <a:p>
             <a:pPr lvl="3"/>
             <a:r>
-              <a:rPr lang="en-US"/>
+              <a:rPr lang="en-US" smtClean="0"/>
               <a:t>Fourth level</a:t>
             </a:r>
           </a:p>
           <a:p>
             <a:pPr lvl="4"/>
             <a:r>
-              <a:rPr lang="en-US"/>
+              <a:rPr lang="en-US" smtClean="0"/>
               <a:t>Fifth level</a:t>
             </a:r>
-          </a:p>
-        </p:txBody>
-      </p:sp>
-      <p:sp>
-        <p:nvSpPr>
-          <p:cNvPr id="4" name="Date Placeholder 3">
-            <a:extLst>
-              <a:ext uri="{FF2B5EF4-FFF2-40B4-BE49-F238E27FC236}">
-                <a16:creationId xmlns:a16="http://schemas.microsoft.com/office/drawing/2014/main" id="{5B94E08F-2A28-4D99-907D-87D6B0EFACB8}"/>
-              </a:ext>
-            </a:extLst>
-          </p:cNvPr>
+            <a:endParaRPr lang="en-US" dirty="0"/>
+          </a:p>
+        </p:txBody>
+      </p:sp>
+      <p:sp>
+        <p:nvSpPr>
+          <p:cNvPr id="4" name="Date Placeholder 3"/>
           <p:cNvSpPr>
             <a:spLocks noGrp="1"/>
           </p:cNvSpPr>
@@ -2893,19 +5549,99 @@
           </p:nvPr>
         </p:nvSpPr>
         <p:spPr>
-          <a:xfrm>
-            <a:off x="838200" y="6356350"/>
-            <a:ext cx="2743200" cy="365125"/>
+          <a:xfrm rot="5400000">
+            <a:off x="10155639" y="1790701"/>
+            <a:ext cx="990599" cy="304799"/>
           </a:xfrm>
           <a:prstGeom prst="rect">
             <a:avLst/>
           </a:prstGeom>
         </p:spPr>
         <p:txBody>
-          <a:bodyPr vert="horz" lIns="91440" tIns="45720" rIns="91440" bIns="45720" rtlCol="0" anchor="ctr"/>
+          <a:bodyPr vert="horz" lIns="91440" tIns="45720" rIns="91440" bIns="45720" rtlCol="0" anchor="t"/>
           <a:lstStyle>
             <a:lvl1pPr algn="l">
-              <a:defRPr sz="1200">
+              <a:defRPr sz="1100" b="0" i="0">
+                <a:solidFill>
+                  <a:schemeClr val="tx1">
+                    <a:tint val="75000"/>
+                    <a:alpha val="60000"/>
+                  </a:schemeClr>
+                </a:solidFill>
+              </a:defRPr>
+            </a:lvl1pPr>
+          </a:lstStyle>
+          <a:p>
+            <a:fld id="{2A532FE2-2DA6-4190-B206-F5BB49DF417A}" type="datetimeFigureOut">
+              <a:rPr lang="en-US" smtClean="0"/>
+              <a:t>7/29/2021</a:t>
+            </a:fld>
+            <a:endParaRPr lang="en-US"/>
+          </a:p>
+        </p:txBody>
+      </p:sp>
+      <p:sp>
+        <p:nvSpPr>
+          <p:cNvPr id="5" name="Footer Placeholder 4"/>
+          <p:cNvSpPr>
+            <a:spLocks noGrp="1"/>
+          </p:cNvSpPr>
+          <p:nvPr>
+            <p:ph type="ftr" sz="quarter" idx="3"/>
+          </p:nvPr>
+        </p:nvSpPr>
+        <p:spPr>
+          <a:xfrm rot="5400000">
+            <a:off x="8951573" y="3225297"/>
+            <a:ext cx="3859795" cy="304801"/>
+          </a:xfrm>
+          <a:prstGeom prst="rect">
+            <a:avLst/>
+          </a:prstGeom>
+        </p:spPr>
+        <p:txBody>
+          <a:bodyPr vert="horz" lIns="91440" tIns="45720" rIns="91440" bIns="45720" rtlCol="0" anchor="b"/>
+          <a:lstStyle>
+            <a:lvl1pPr algn="l">
+              <a:defRPr sz="1100" b="0" i="0">
+                <a:solidFill>
+                  <a:schemeClr val="tx1">
+                    <a:tint val="75000"/>
+                    <a:alpha val="60000"/>
+                  </a:schemeClr>
+                </a:solidFill>
+              </a:defRPr>
+            </a:lvl1pPr>
+          </a:lstStyle>
+          <a:p>
+            <a:endParaRPr lang="en-US"/>
+          </a:p>
+        </p:txBody>
+      </p:sp>
+      <p:sp>
+        <p:nvSpPr>
+          <p:cNvPr id="6" name="Slide Number Placeholder 5"/>
+          <p:cNvSpPr>
+            <a:spLocks noGrp="1"/>
+          </p:cNvSpPr>
+          <p:nvPr>
+            <p:ph type="sldNum" sz="quarter" idx="4"/>
+          </p:nvPr>
+        </p:nvSpPr>
+        <p:spPr bwMode="gray">
+          <a:xfrm>
+            <a:off x="10352540" y="295729"/>
+            <a:ext cx="838199" cy="767687"/>
+          </a:xfrm>
+          <a:prstGeom prst="rect">
+            <a:avLst/>
+          </a:prstGeom>
+        </p:spPr>
+        <p:txBody>
+          <a:bodyPr vert="horz" lIns="91440" tIns="45720" rIns="91440" bIns="45720" rtlCol="0" anchor="b"/>
+          <a:lstStyle>
+            <a:lvl1pPr algn="ctr">
+              <a:defRPr sz="2800" b="0" i="0">
                 <a:solidFill>
                   <a:schemeClr val="tx1">
                     <a:tint val="75000"/>
@@ -2915,96 +5651,6 @@
             </a:lvl1pPr>
           </a:lstStyle>
           <a:p>
-            <a:fld id="{2A532FE2-2DA6-4190-B206-F5BB49DF417A}" type="datetimeFigureOut">
-              <a:rPr lang="en-US" smtClean="0"/>
-              <a:t>7/28/2021</a:t>
-            </a:fld>
-            <a:endParaRPr lang="en-US"/>
-          </a:p>
-        </p:txBody>
-      </p:sp>
-      <p:sp>
-        <p:nvSpPr>
-          <p:cNvPr id="5" name="Footer Placeholder 4">
-            <a:extLst>
-              <a:ext uri="{FF2B5EF4-FFF2-40B4-BE49-F238E27FC236}">
-                <a16:creationId xmlns:a16="http://schemas.microsoft.com/office/drawing/2014/main" id="{227F8A17-FD3A-4D3F-AD8C-46281128C0BE}"/>
-              </a:ext>
-            </a:extLst>
-          </p:cNvPr>
-          <p:cNvSpPr>
-            <a:spLocks noGrp="1"/>
-          </p:cNvSpPr>
-          <p:nvPr>
-            <p:ph type="ftr" sz="quarter" idx="3"/>
-          </p:nvPr>
-        </p:nvSpPr>
-        <p:spPr>
-          <a:xfrm>
-            <a:off x="4038600" y="6356350"/>
-            <a:ext cx="4114800" cy="365125"/>
-          </a:xfrm>
-          <a:prstGeom prst="rect">
-            <a:avLst/>
-          </a:prstGeom>
-        </p:spPr>
-        <p:txBody>
-          <a:bodyPr vert="horz" lIns="91440" tIns="45720" rIns="91440" bIns="45720" rtlCol="0" anchor="ctr"/>
-          <a:lstStyle>
-            <a:lvl1pPr algn="ctr">
-              <a:defRPr sz="1200">
-                <a:solidFill>
-                  <a:schemeClr val="tx1">
-                    <a:tint val="75000"/>
-                  </a:schemeClr>
-                </a:solidFill>
-              </a:defRPr>
-            </a:lvl1pPr>
-          </a:lstStyle>
-          <a:p>
-            <a:endParaRPr lang="en-US"/>
-          </a:p>
-        </p:txBody>
-      </p:sp>
-      <p:sp>
-        <p:nvSpPr>
-          <p:cNvPr id="6" name="Slide Number Placeholder 5">
-            <a:extLst>
-              <a:ext uri="{FF2B5EF4-FFF2-40B4-BE49-F238E27FC236}">
-                <a16:creationId xmlns:a16="http://schemas.microsoft.com/office/drawing/2014/main" id="{84E1D29F-169C-4E42-BE84-A7AA16D59B1E}"/>
-              </a:ext>
-            </a:extLst>
-          </p:cNvPr>
-          <p:cNvSpPr>
-            <a:spLocks noGrp="1"/>
-          </p:cNvSpPr>
-          <p:nvPr>
-            <p:ph type="sldNum" sz="quarter" idx="4"/>
-          </p:nvPr>
-        </p:nvSpPr>
-        <p:spPr>
-          <a:xfrm>
-            <a:off x="8610600" y="6356350"/>
-            <a:ext cx="2743200" cy="365125"/>
-          </a:xfrm>
-          <a:prstGeom prst="rect">
-            <a:avLst/>
-          </a:prstGeom>
-        </p:spPr>
-        <p:txBody>
-          <a:bodyPr vert="horz" lIns="91440" tIns="45720" rIns="91440" bIns="45720" rtlCol="0" anchor="ctr"/>
-          <a:lstStyle>
-            <a:lvl1pPr algn="r">
-              <a:defRPr sz="1200">
-                <a:solidFill>
-                  <a:schemeClr val="tx1">
-                    <a:tint val="75000"/>
-                  </a:schemeClr>
-                </a:solidFill>
-              </a:defRPr>
-            </a:lvl1pPr>
-          </a:lstStyle>
-          <a:p>
             <a:fld id="{D08ECB62-5AD6-4353-9A2E-F721F884E450}" type="slidenum">
               <a:rPr lang="en-US" smtClean="0"/>
               <a:t>‹#›</a:t>
@@ -3016,35 +5662,121 @@
     </p:spTree>
     <p:extLst>
       <p:ext uri="{BB962C8B-B14F-4D97-AF65-F5344CB8AC3E}">
-        <p14:creationId xmlns:p14="http://schemas.microsoft.com/office/powerpoint/2010/main" val="4069266768"/>
+        <p14:creationId xmlns:p14="http://schemas.microsoft.com/office/powerpoint/2010/main" val="1153655247"/>
       </p:ext>
     </p:extLst>
   </p:cSld>
-  <p:clrMap bg1="lt1" tx1="dk1" bg2="lt2" tx2="dk2" accent1="accent1" accent2="accent2" accent3="accent3" accent4="accent4" accent5="accent5" accent6="accent6" hlink="hlink" folHlink="folHlink"/>
+  <p:clrMap bg1="dk1" tx1="lt1" bg2="dk2" tx2="lt2" accent1="accent1" accent2="accent2" accent3="accent3" accent4="accent4" accent5="accent5" accent6="accent6" hlink="hlink" folHlink="folHlink"/>
   <p:sldLayoutIdLst>
-    <p:sldLayoutId id="2147483649" r:id="rId1"/>
-    <p:sldLayoutId id="2147483650" r:id="rId2"/>
-    <p:sldLayoutId id="2147483651" r:id="rId3"/>
-    <p:sldLayoutId id="2147483652" r:id="rId4"/>
-    <p:sldLayoutId id="2147483653" r:id="rId5"/>
-    <p:sldLayoutId id="2147483654" r:id="rId6"/>
-    <p:sldLayoutId id="2147483655" r:id="rId7"/>
-    <p:sldLayoutId id="2147483656" r:id="rId8"/>
-    <p:sldLayoutId id="2147483657" r:id="rId9"/>
-    <p:sldLayoutId id="2147483658" r:id="rId10"/>
-    <p:sldLayoutId id="2147483659" r:id="rId11"/>
+    <p:sldLayoutId id="2147483895" r:id="rId1"/>
+    <p:sldLayoutId id="2147483896" r:id="rId2"/>
+    <p:sldLayoutId id="2147483897" r:id="rId3"/>
+    <p:sldLayoutId id="2147483898" r:id="rId4"/>
+    <p:sldLayoutId id="2147483899" r:id="rId5"/>
+    <p:sldLayoutId id="2147483900" r:id="rId6"/>
+    <p:sldLayoutId id="2147483901" r:id="rId7"/>
+    <p:sldLayoutId id="2147483902" r:id="rId8"/>
+    <p:sldLayoutId id="2147483903" r:id="rId9"/>
+    <p:sldLayoutId id="2147483904" r:id="rId10"/>
+    <p:sldLayoutId id="2147483905" r:id="rId11"/>
+    <p:sldLayoutId id="2147483906" r:id="rId12"/>
+    <p:sldLayoutId id="2147483907" r:id="rId13"/>
+    <p:sldLayoutId id="2147483908" r:id="rId14"/>
+    <p:sldLayoutId id="2147483909" r:id="rId15"/>
+    <p:sldLayoutId id="2147483910" r:id="rId16"/>
+    <p:sldLayoutId id="2147483911" r:id="rId17"/>
   </p:sldLayoutIdLst>
   <p:txStyles>
     <p:titleStyle>
-      <a:lvl1pPr algn="l" defTabSz="914400" rtl="0" eaLnBrk="1" latinLnBrk="0" hangingPunct="1">
-        <a:lnSpc>
-          <a:spcPct val="90000"/>
-        </a:lnSpc>
+      <a:lvl1pPr algn="l" defTabSz="457200" rtl="0" eaLnBrk="1" latinLnBrk="0" hangingPunct="1">
         <a:spcBef>
           <a:spcPct val="0"/>
         </a:spcBef>
         <a:buNone/>
-        <a:defRPr sz="4400" kern="1200">
+        <a:defRPr sz="4200" b="0" i="0" kern="1200">
+          <a:solidFill>
+            <a:schemeClr val="tx2"/>
+          </a:solidFill>
+          <a:latin typeface="+mj-lt"/>
+          <a:ea typeface="+mj-ea"/>
+          <a:cs typeface="+mj-cs"/>
+        </a:defRPr>
+      </a:lvl1pPr>
+      <a:lvl2pPr eaLnBrk="1" hangingPunct="1">
+        <a:defRPr>
+          <a:solidFill>
+            <a:schemeClr val="tx2"/>
+          </a:solidFill>
+        </a:defRPr>
+      </a:lvl2pPr>
+      <a:lvl3pPr eaLnBrk="1" hangingPunct="1">
+        <a:defRPr>
+          <a:solidFill>
+            <a:schemeClr val="tx2"/>
+          </a:solidFill>
+        </a:defRPr>
+      </a:lvl3pPr>
+      <a:lvl4pPr eaLnBrk="1" hangingPunct="1">
+        <a:defRPr>
+          <a:solidFill>
+            <a:schemeClr val="tx2"/>
+          </a:solidFill>
+        </a:defRPr>
+      </a:lvl4pPr>
+      <a:lvl5pPr eaLnBrk="1" hangingPunct="1">
+        <a:defRPr>
+          <a:solidFill>
+            <a:schemeClr val="tx2"/>
+          </a:solidFill>
+        </a:defRPr>
+      </a:lvl5pPr>
+      <a:lvl6pPr eaLnBrk="1" hangingPunct="1">
+        <a:defRPr>
+          <a:solidFill>
+            <a:schemeClr val="tx2"/>
+          </a:solidFill>
+        </a:defRPr>
+      </a:lvl6pPr>
+      <a:lvl7pPr eaLnBrk="1" hangingPunct="1">
+        <a:defRPr>
+          <a:solidFill>
+            <a:schemeClr val="tx2"/>
+          </a:solidFill>
+        </a:defRPr>
+      </a:lvl7pPr>
+      <a:lvl8pPr eaLnBrk="1" hangingPunct="1">
+        <a:defRPr>
+          <a:solidFill>
+            <a:schemeClr val="tx2"/>
+          </a:solidFill>
+        </a:defRPr>
+      </a:lvl8pPr>
+      <a:lvl9pPr eaLnBrk="1" hangingPunct="1">
+        <a:defRPr>
+          <a:solidFill>
+            <a:schemeClr val="tx2"/>
+          </a:solidFill>
+        </a:defRPr>
+      </a:lvl9pPr>
+    </p:titleStyle>
+    <p:bodyStyle>
+      <a:lvl1pPr marL="342900" indent="-342900" algn="l" defTabSz="457200" rtl="0" eaLnBrk="1" latinLnBrk="0" hangingPunct="1">
+        <a:spcBef>
+          <a:spcPts val="1000"/>
+        </a:spcBef>
+        <a:spcAft>
+          <a:spcPts val="0"/>
+        </a:spcAft>
+        <a:buClr>
+          <a:schemeClr val="bg2">
+            <a:lumMod val="40000"/>
+            <a:lumOff val="60000"/>
+          </a:schemeClr>
+        </a:buClr>
+        <a:buSzPct val="80000"/>
+        <a:buFont typeface="Wingdings 3" charset="2"/>
+        <a:buChar char=""/>
+        <a:defRPr sz="2000" b="0" i="0" kern="1200">
           <a:solidFill>
             <a:schemeClr val="tx1"/>
           </a:solidFill>
@@ -3053,18 +5785,213 @@
           <a:cs typeface="+mj-cs"/>
         </a:defRPr>
       </a:lvl1pPr>
-    </p:titleStyle>
-    <p:bodyStyle>
-      <a:lvl1pPr marL="228600" indent="-228600" algn="l" defTabSz="914400" rtl="0" eaLnBrk="1" latinLnBrk="0" hangingPunct="1">
-        <a:lnSpc>
-          <a:spcPct val="90000"/>
-        </a:lnSpc>
+      <a:lvl2pPr marL="742950" indent="-285750" algn="l" defTabSz="457200" rtl="0" eaLnBrk="1" latinLnBrk="0" hangingPunct="1">
         <a:spcBef>
           <a:spcPts val="1000"/>
         </a:spcBef>
-        <a:buFont typeface="Arial" panose="020B0604020202020204" pitchFamily="34" charset="0"/>
-        <a:buChar char="•"/>
-        <a:defRPr sz="2800" kern="1200">
+        <a:spcAft>
+          <a:spcPts val="0"/>
+        </a:spcAft>
+        <a:buClr>
+          <a:schemeClr val="bg2">
+            <a:lumMod val="40000"/>
+            <a:lumOff val="60000"/>
+          </a:schemeClr>
+        </a:buClr>
+        <a:buSzPct val="80000"/>
+        <a:buFont typeface="Wingdings 3" charset="2"/>
+        <a:buChar char=""/>
+        <a:defRPr sz="1800" b="0" i="0" kern="1200">
+          <a:solidFill>
+            <a:schemeClr val="tx1"/>
+          </a:solidFill>
+          <a:latin typeface="+mj-lt"/>
+          <a:ea typeface="+mj-ea"/>
+          <a:cs typeface="+mj-cs"/>
+        </a:defRPr>
+      </a:lvl2pPr>
+      <a:lvl3pPr marL="1143000" indent="-228600" algn="l" defTabSz="457200" rtl="0" eaLnBrk="1" latinLnBrk="0" hangingPunct="1">
+        <a:spcBef>
+          <a:spcPts val="1000"/>
+        </a:spcBef>
+        <a:spcAft>
+          <a:spcPts val="0"/>
+        </a:spcAft>
+        <a:buClr>
+          <a:schemeClr val="bg2">
+            <a:lumMod val="40000"/>
+            <a:lumOff val="60000"/>
+          </a:schemeClr>
+        </a:buClr>
+        <a:buSzPct val="80000"/>
+        <a:buFont typeface="Wingdings 3" charset="2"/>
+        <a:buChar char=""/>
+        <a:defRPr sz="1600" b="0" i="0" kern="1200">
+          <a:solidFill>
+            <a:schemeClr val="tx1"/>
+          </a:solidFill>
+          <a:latin typeface="+mj-lt"/>
+          <a:ea typeface="+mj-ea"/>
+          <a:cs typeface="+mj-cs"/>
+        </a:defRPr>
+      </a:lvl3pPr>
+      <a:lvl4pPr marL="1600200" indent="-228600" algn="l" defTabSz="457200" rtl="0" eaLnBrk="1" latinLnBrk="0" hangingPunct="1">
+        <a:spcBef>
+          <a:spcPts val="1000"/>
+        </a:spcBef>
+        <a:spcAft>
+          <a:spcPts val="0"/>
+        </a:spcAft>
+        <a:buClr>
+          <a:schemeClr val="bg2">
+            <a:lumMod val="40000"/>
+            <a:lumOff val="60000"/>
+          </a:schemeClr>
+        </a:buClr>
+        <a:buSzPct val="80000"/>
+        <a:buFont typeface="Wingdings 3" charset="2"/>
+        <a:buChar char=""/>
+        <a:defRPr sz="1400" b="0" i="0" kern="1200">
+          <a:solidFill>
+            <a:schemeClr val="tx1"/>
+          </a:solidFill>
+          <a:latin typeface="+mj-lt"/>
+          <a:ea typeface="+mj-ea"/>
+          <a:cs typeface="+mj-cs"/>
+        </a:defRPr>
+      </a:lvl4pPr>
+      <a:lvl5pPr marL="2057400" indent="-228600" algn="l" defTabSz="457200" rtl="0" eaLnBrk="1" latinLnBrk="0" hangingPunct="1">
+        <a:spcBef>
+          <a:spcPts val="1000"/>
+        </a:spcBef>
+        <a:spcAft>
+          <a:spcPts val="0"/>
+        </a:spcAft>
+        <a:buClr>
+          <a:schemeClr val="bg2">
+            <a:lumMod val="40000"/>
+            <a:lumOff val="60000"/>
+          </a:schemeClr>
+        </a:buClr>
+        <a:buSzPct val="80000"/>
+        <a:buFont typeface="Wingdings 3" charset="2"/>
+        <a:buChar char=""/>
+        <a:defRPr sz="1400" b="0" i="0" kern="1200">
+          <a:solidFill>
+            <a:schemeClr val="tx1"/>
+          </a:solidFill>
+          <a:latin typeface="+mj-lt"/>
+          <a:ea typeface="+mj-ea"/>
+          <a:cs typeface="+mj-cs"/>
+        </a:defRPr>
+      </a:lvl5pPr>
+      <a:lvl6pPr marL="2506000" indent="-228600" algn="l" defTabSz="457200" rtl="0" eaLnBrk="1" latinLnBrk="0" hangingPunct="1">
+        <a:spcBef>
+          <a:spcPts val="1000"/>
+        </a:spcBef>
+        <a:spcAft>
+          <a:spcPts val="0"/>
+        </a:spcAft>
+        <a:buClr>
+          <a:schemeClr val="bg2">
+            <a:lumMod val="40000"/>
+            <a:lumOff val="60000"/>
+          </a:schemeClr>
+        </a:buClr>
+        <a:buSzPct val="80000"/>
+        <a:buFont typeface="Wingdings 3" charset="2"/>
+        <a:buChar char=""/>
+        <a:defRPr sz="1400" b="0" i="0" kern="1200">
+          <a:solidFill>
+            <a:schemeClr val="tx1"/>
+          </a:solidFill>
+          <a:latin typeface="+mj-lt"/>
+          <a:ea typeface="+mj-ea"/>
+          <a:cs typeface="+mj-cs"/>
+        </a:defRPr>
+      </a:lvl6pPr>
+      <a:lvl7pPr marL="2971800" indent="-228600" algn="l" defTabSz="457200" rtl="0" eaLnBrk="1" latinLnBrk="0" hangingPunct="1">
+        <a:spcBef>
+          <a:spcPts val="1000"/>
+        </a:spcBef>
+        <a:spcAft>
+          <a:spcPts val="0"/>
+        </a:spcAft>
+        <a:buClr>
+          <a:schemeClr val="bg2">
+            <a:lumMod val="40000"/>
+            <a:lumOff val="60000"/>
+          </a:schemeClr>
+        </a:buClr>
+        <a:buSzPct val="80000"/>
+        <a:buFont typeface="Wingdings 3" charset="2"/>
+        <a:buChar char=""/>
+        <a:defRPr sz="1400" b="0" i="0" kern="1200">
+          <a:solidFill>
+            <a:schemeClr val="tx1"/>
+          </a:solidFill>
+          <a:latin typeface="+mj-lt"/>
+          <a:ea typeface="+mj-ea"/>
+          <a:cs typeface="+mj-cs"/>
+        </a:defRPr>
+      </a:lvl7pPr>
+      <a:lvl8pPr marL="3429000" indent="-228600" algn="l" defTabSz="457200" rtl="0" eaLnBrk="1" latinLnBrk="0" hangingPunct="1">
+        <a:spcBef>
+          <a:spcPts val="1000"/>
+        </a:spcBef>
+        <a:spcAft>
+          <a:spcPts val="0"/>
+        </a:spcAft>
+        <a:buClr>
+          <a:schemeClr val="bg2">
+            <a:lumMod val="40000"/>
+            <a:lumOff val="60000"/>
+          </a:schemeClr>
+        </a:buClr>
+        <a:buSzPct val="80000"/>
+        <a:buFont typeface="Wingdings 3" charset="2"/>
+        <a:buChar char=""/>
+        <a:defRPr sz="1400" b="0" i="0" kern="1200">
+          <a:solidFill>
+            <a:schemeClr val="tx1"/>
+          </a:solidFill>
+          <a:latin typeface="+mj-lt"/>
+          <a:ea typeface="+mj-ea"/>
+          <a:cs typeface="+mj-cs"/>
+        </a:defRPr>
+      </a:lvl8pPr>
+      <a:lvl9pPr marL="3886200" indent="-228600" algn="l" defTabSz="457200" rtl="0" eaLnBrk="1" latinLnBrk="0" hangingPunct="1">
+        <a:spcBef>
+          <a:spcPts val="1000"/>
+        </a:spcBef>
+        <a:spcAft>
+          <a:spcPts val="0"/>
+        </a:spcAft>
+        <a:buClr>
+          <a:schemeClr val="bg2">
+            <a:lumMod val="40000"/>
+            <a:lumOff val="60000"/>
+          </a:schemeClr>
+        </a:buClr>
+        <a:buSzPct val="80000"/>
+        <a:buFont typeface="Wingdings 3" charset="2"/>
+        <a:buChar char=""/>
+        <a:defRPr sz="1400" b="0" i="0" kern="1200">
+          <a:solidFill>
+            <a:schemeClr val="tx1"/>
+          </a:solidFill>
+          <a:latin typeface="+mj-lt"/>
+          <a:ea typeface="+mj-ea"/>
+          <a:cs typeface="+mj-cs"/>
+        </a:defRPr>
+      </a:lvl9pPr>
+    </p:bodyStyle>
+    <p:otherStyle>
+      <a:defPPr>
+        <a:defRPr lang="en-US"/>
+      </a:defPPr>
+      <a:lvl1pPr marL="0" algn="l" defTabSz="457200" rtl="0" eaLnBrk="1" latinLnBrk="0" hangingPunct="1">
+        <a:defRPr sz="1800" kern="1200">
           <a:solidFill>
             <a:schemeClr val="tx1"/>
           </a:solidFill>
@@ -3073,16 +6000,8 @@
           <a:cs typeface="+mn-cs"/>
         </a:defRPr>
       </a:lvl1pPr>
-      <a:lvl2pPr marL="685800" indent="-228600" algn="l" defTabSz="914400" rtl="0" eaLnBrk="1" latinLnBrk="0" hangingPunct="1">
-        <a:lnSpc>
-          <a:spcPct val="90000"/>
-        </a:lnSpc>
-        <a:spcBef>
-          <a:spcPts val="500"/>
-        </a:spcBef>
-        <a:buFont typeface="Arial" panose="020B0604020202020204" pitchFamily="34" charset="0"/>
-        <a:buChar char="•"/>
-        <a:defRPr sz="2400" kern="1200">
+      <a:lvl2pPr marL="457200" algn="l" defTabSz="457200" rtl="0" eaLnBrk="1" latinLnBrk="0" hangingPunct="1">
+        <a:defRPr sz="1800" kern="1200">
           <a:solidFill>
             <a:schemeClr val="tx1"/>
           </a:solidFill>
@@ -3091,16 +6010,8 @@
           <a:cs typeface="+mn-cs"/>
         </a:defRPr>
       </a:lvl2pPr>
-      <a:lvl3pPr marL="1143000" indent="-228600" algn="l" defTabSz="914400" rtl="0" eaLnBrk="1" latinLnBrk="0" hangingPunct="1">
-        <a:lnSpc>
-          <a:spcPct val="90000"/>
-        </a:lnSpc>
-        <a:spcBef>
-          <a:spcPts val="500"/>
-        </a:spcBef>
-        <a:buFont typeface="Arial" panose="020B0604020202020204" pitchFamily="34" charset="0"/>
-        <a:buChar char="•"/>
-        <a:defRPr sz="2000" kern="1200">
+      <a:lvl3pPr marL="914400" algn="l" defTabSz="457200" rtl="0" eaLnBrk="1" latinLnBrk="0" hangingPunct="1">
+        <a:defRPr sz="1800" kern="1200">
           <a:solidFill>
             <a:schemeClr val="tx1"/>
           </a:solidFill>
@@ -3109,15 +6020,7 @@
           <a:cs typeface="+mn-cs"/>
         </a:defRPr>
       </a:lvl3pPr>
-      <a:lvl4pPr marL="1600200" indent="-228600" algn="l" defTabSz="914400" rtl="0" eaLnBrk="1" latinLnBrk="0" hangingPunct="1">
-        <a:lnSpc>
-          <a:spcPct val="90000"/>
-        </a:lnSpc>
-        <a:spcBef>
-          <a:spcPts val="500"/>
-        </a:spcBef>
-        <a:buFont typeface="Arial" panose="020B0604020202020204" pitchFamily="34" charset="0"/>
-        <a:buChar char="•"/>
+      <a:lvl4pPr marL="1371600" algn="l" defTabSz="457200" rtl="0" eaLnBrk="1" latinLnBrk="0" hangingPunct="1">
         <a:defRPr sz="1800" kern="1200">
           <a:solidFill>
             <a:schemeClr val="tx1"/>
@@ -3127,15 +6030,7 @@
           <a:cs typeface="+mn-cs"/>
         </a:defRPr>
       </a:lvl4pPr>
-      <a:lvl5pPr marL="2057400" indent="-228600" algn="l" defTabSz="914400" rtl="0" eaLnBrk="1" latinLnBrk="0" hangingPunct="1">
-        <a:lnSpc>
-          <a:spcPct val="90000"/>
-        </a:lnSpc>
-        <a:spcBef>
-          <a:spcPts val="500"/>
-        </a:spcBef>
-        <a:buFont typeface="Arial" panose="020B0604020202020204" pitchFamily="34" charset="0"/>
-        <a:buChar char="•"/>
+      <a:lvl5pPr marL="1828800" algn="l" defTabSz="457200" rtl="0" eaLnBrk="1" latinLnBrk="0" hangingPunct="1">
         <a:defRPr sz="1800" kern="1200">
           <a:solidFill>
             <a:schemeClr val="tx1"/>
@@ -3145,15 +6040,7 @@
           <a:cs typeface="+mn-cs"/>
         </a:defRPr>
       </a:lvl5pPr>
-      <a:lvl6pPr marL="2514600" indent="-228600" algn="l" defTabSz="914400" rtl="0" eaLnBrk="1" latinLnBrk="0" hangingPunct="1">
-        <a:lnSpc>
-          <a:spcPct val="90000"/>
-        </a:lnSpc>
-        <a:spcBef>
-          <a:spcPts val="500"/>
-        </a:spcBef>
-        <a:buFont typeface="Arial" panose="020B0604020202020204" pitchFamily="34" charset="0"/>
-        <a:buChar char="•"/>
+      <a:lvl6pPr marL="2286000" algn="l" defTabSz="457200" rtl="0" eaLnBrk="1" latinLnBrk="0" hangingPunct="1">
         <a:defRPr sz="1800" kern="1200">
           <a:solidFill>
             <a:schemeClr val="tx1"/>
@@ -3163,15 +6050,7 @@
           <a:cs typeface="+mn-cs"/>
         </a:defRPr>
       </a:lvl6pPr>
-      <a:lvl7pPr marL="2971800" indent="-228600" algn="l" defTabSz="914400" rtl="0" eaLnBrk="1" latinLnBrk="0" hangingPunct="1">
-        <a:lnSpc>
-          <a:spcPct val="90000"/>
-        </a:lnSpc>
-        <a:spcBef>
-          <a:spcPts val="500"/>
-        </a:spcBef>
-        <a:buFont typeface="Arial" panose="020B0604020202020204" pitchFamily="34" charset="0"/>
-        <a:buChar char="•"/>
+      <a:lvl7pPr marL="2743200" algn="l" defTabSz="457200" rtl="0" eaLnBrk="1" latinLnBrk="0" hangingPunct="1">
         <a:defRPr sz="1800" kern="1200">
           <a:solidFill>
             <a:schemeClr val="tx1"/>
@@ -3181,15 +6060,7 @@
           <a:cs typeface="+mn-cs"/>
         </a:defRPr>
       </a:lvl7pPr>
-      <a:lvl8pPr marL="3429000" indent="-228600" algn="l" defTabSz="914400" rtl="0" eaLnBrk="1" latinLnBrk="0" hangingPunct="1">
-        <a:lnSpc>
-          <a:spcPct val="90000"/>
-        </a:lnSpc>
-        <a:spcBef>
-          <a:spcPts val="500"/>
-        </a:spcBef>
-        <a:buFont typeface="Arial" panose="020B0604020202020204" pitchFamily="34" charset="0"/>
-        <a:buChar char="•"/>
+      <a:lvl8pPr marL="3200400" algn="l" defTabSz="457200" rtl="0" eaLnBrk="1" latinLnBrk="0" hangingPunct="1">
         <a:defRPr sz="1800" kern="1200">
           <a:solidFill>
             <a:schemeClr val="tx1"/>
@@ -3199,110 +6070,7 @@
           <a:cs typeface="+mn-cs"/>
         </a:defRPr>
       </a:lvl8pPr>
-      <a:lvl9pPr marL="3886200" indent="-228600" algn="l" defTabSz="914400" rtl="0" eaLnBrk="1" latinLnBrk="0" hangingPunct="1">
-        <a:lnSpc>
-          <a:spcPct val="90000"/>
-        </a:lnSpc>
-        <a:spcBef>
-          <a:spcPts val="500"/>
-        </a:spcBef>
-        <a:buFont typeface="Arial" panose="020B0604020202020204" pitchFamily="34" charset="0"/>
-        <a:buChar char="•"/>
-        <a:defRPr sz="1800" kern="1200">
-          <a:solidFill>
-            <a:schemeClr val="tx1"/>
-          </a:solidFill>
-          <a:latin typeface="+mn-lt"/>
-          <a:ea typeface="+mn-ea"/>
-          <a:cs typeface="+mn-cs"/>
-        </a:defRPr>
-      </a:lvl9pPr>
-    </p:bodyStyle>
-    <p:otherStyle>
-      <a:defPPr>
-        <a:defRPr lang="en-US"/>
-      </a:defPPr>
-      <a:lvl1pPr marL="0" algn="l" defTabSz="914400" rtl="0" eaLnBrk="1" latinLnBrk="0" hangingPunct="1">
-        <a:defRPr sz="1800" kern="1200">
-          <a:solidFill>
-            <a:schemeClr val="tx1"/>
-          </a:solidFill>
-          <a:latin typeface="+mn-lt"/>
-          <a:ea typeface="+mn-ea"/>
-          <a:cs typeface="+mn-cs"/>
-        </a:defRPr>
-      </a:lvl1pPr>
-      <a:lvl2pPr marL="457200" algn="l" defTabSz="914400" rtl="0" eaLnBrk="1" latinLnBrk="0" hangingPunct="1">
-        <a:defRPr sz="1800" kern="1200">
-          <a:solidFill>
-            <a:schemeClr val="tx1"/>
-          </a:solidFill>
-          <a:latin typeface="+mn-lt"/>
-          <a:ea typeface="+mn-ea"/>
-          <a:cs typeface="+mn-cs"/>
-        </a:defRPr>
-      </a:lvl2pPr>
-      <a:lvl3pPr marL="914400" algn="l" defTabSz="914400" rtl="0" eaLnBrk="1" latinLnBrk="0" hangingPunct="1">
-        <a:defRPr sz="1800" kern="1200">
-          <a:solidFill>
-            <a:schemeClr val="tx1"/>
-          </a:solidFill>
-          <a:latin typeface="+mn-lt"/>
-          <a:ea typeface="+mn-ea"/>
-          <a:cs typeface="+mn-cs"/>
-        </a:defRPr>
-      </a:lvl3pPr>
-      <a:lvl4pPr marL="1371600" algn="l" defTabSz="914400" rtl="0" eaLnBrk="1" latinLnBrk="0" hangingPunct="1">
-        <a:defRPr sz="1800" kern="1200">
-          <a:solidFill>
-            <a:schemeClr val="tx1"/>
-          </a:solidFill>
-          <a:latin typeface="+mn-lt"/>
-          <a:ea typeface="+mn-ea"/>
-          <a:cs typeface="+mn-cs"/>
-        </a:defRPr>
-      </a:lvl4pPr>
-      <a:lvl5pPr marL="1828800" algn="l" defTabSz="914400" rtl="0" eaLnBrk="1" latinLnBrk="0" hangingPunct="1">
-        <a:defRPr sz="1800" kern="1200">
-          <a:solidFill>
-            <a:schemeClr val="tx1"/>
-          </a:solidFill>
-          <a:latin typeface="+mn-lt"/>
-          <a:ea typeface="+mn-ea"/>
-          <a:cs typeface="+mn-cs"/>
-        </a:defRPr>
-      </a:lvl5pPr>
-      <a:lvl6pPr marL="2286000" algn="l" defTabSz="914400" rtl="0" eaLnBrk="1" latinLnBrk="0" hangingPunct="1">
-        <a:defRPr sz="1800" kern="1200">
-          <a:solidFill>
-            <a:schemeClr val="tx1"/>
-          </a:solidFill>
-          <a:latin typeface="+mn-lt"/>
-          <a:ea typeface="+mn-ea"/>
-          <a:cs typeface="+mn-cs"/>
-        </a:defRPr>
-      </a:lvl6pPr>
-      <a:lvl7pPr marL="2743200" algn="l" defTabSz="914400" rtl="0" eaLnBrk="1" latinLnBrk="0" hangingPunct="1">
-        <a:defRPr sz="1800" kern="1200">
-          <a:solidFill>
-            <a:schemeClr val="tx1"/>
-          </a:solidFill>
-          <a:latin typeface="+mn-lt"/>
-          <a:ea typeface="+mn-ea"/>
-          <a:cs typeface="+mn-cs"/>
-        </a:defRPr>
-      </a:lvl7pPr>
-      <a:lvl8pPr marL="3200400" algn="l" defTabSz="914400" rtl="0" eaLnBrk="1" latinLnBrk="0" hangingPunct="1">
-        <a:defRPr sz="1800" kern="1200">
-          <a:solidFill>
-            <a:schemeClr val="tx1"/>
-          </a:solidFill>
-          <a:latin typeface="+mn-lt"/>
-          <a:ea typeface="+mn-ea"/>
-          <a:cs typeface="+mn-cs"/>
-        </a:defRPr>
-      </a:lvl8pPr>
-      <a:lvl9pPr marL="3657600" algn="l" defTabSz="914400" rtl="0" eaLnBrk="1" latinLnBrk="0" hangingPunct="1">
+      <a:lvl9pPr marL="3657600" algn="l" defTabSz="457200" rtl="0" eaLnBrk="1" latinLnBrk="0" hangingPunct="1">
         <a:defRPr sz="1800" kern="1200">
           <a:solidFill>
             <a:schemeClr val="tx1"/>
@@ -3386,15 +6154,1207 @@
         </p:blipFill>
         <p:spPr>
           <a:xfrm>
-            <a:off x="2137519" y="1825625"/>
-            <a:ext cx="7916962" cy="4351338"/>
+            <a:off x="1759937" y="2052638"/>
+            <a:ext cx="7633902" cy="4195762"/>
           </a:xfrm>
         </p:spPr>
       </p:pic>
+      <p:sp>
+        <p:nvSpPr>
+          <p:cNvPr id="4" name="Rectangle 3"/>
+          <p:cNvSpPr/>
+          <p:nvPr/>
+        </p:nvSpPr>
+        <p:spPr>
+          <a:xfrm>
+            <a:off x="1995068" y="2751907"/>
+            <a:ext cx="417207" cy="400595"/>
+          </a:xfrm>
+          <a:prstGeom prst="rect">
+            <a:avLst/>
+          </a:prstGeom>
+          <a:noFill/>
+          <a:ln w="57150">
+            <a:solidFill>
+              <a:srgbClr val="C00000"/>
+            </a:solidFill>
+          </a:ln>
+        </p:spPr>
+        <p:txBody>
+          <a:bodyPr wrap="square" lIns="91440" tIns="45720" rIns="91440" bIns="45720">
+            <a:spAutoFit/>
+            <a:scene3d>
+              <a:camera prst="orthographicFront"/>
+              <a:lightRig rig="soft" dir="t">
+                <a:rot lat="0" lon="0" rev="15600000"/>
+              </a:lightRig>
+            </a:scene3d>
+            <a:sp3d extrusionH="57150" prstMaterial="softEdge">
+              <a:bevelT w="25400" h="38100"/>
+            </a:sp3d>
+          </a:bodyPr>
+          <a:lstStyle/>
+          <a:p>
+            <a:pPr algn="ctr"/>
+            <a:r>
+              <a:rPr lang="en-US" sz="2000" b="1" cap="none" spc="0" dirty="0" smtClean="0">
+                <a:ln/>
+                <a:solidFill>
+                  <a:schemeClr val="accent1"/>
+                </a:solidFill>
+                <a:effectLst/>
+              </a:rPr>
+              <a:t>1</a:t>
+            </a:r>
+            <a:endParaRPr lang="en-US" sz="2000" b="1" cap="none" spc="0" dirty="0">
+              <a:ln/>
+              <a:solidFill>
+                <a:schemeClr val="accent1"/>
+              </a:solidFill>
+              <a:effectLst/>
+            </a:endParaRPr>
+          </a:p>
+        </p:txBody>
+      </p:sp>
+      <p:sp>
+        <p:nvSpPr>
+          <p:cNvPr id="8" name="Rectangle 7"/>
+          <p:cNvSpPr/>
+          <p:nvPr/>
+        </p:nvSpPr>
+        <p:spPr>
+          <a:xfrm>
+            <a:off x="4751331" y="3152502"/>
+            <a:ext cx="417207" cy="400595"/>
+          </a:xfrm>
+          <a:prstGeom prst="rect">
+            <a:avLst/>
+          </a:prstGeom>
+          <a:noFill/>
+          <a:ln w="57150">
+            <a:solidFill>
+              <a:srgbClr val="C00000"/>
+            </a:solidFill>
+          </a:ln>
+        </p:spPr>
+        <p:txBody>
+          <a:bodyPr wrap="square" lIns="91440" tIns="45720" rIns="91440" bIns="45720">
+            <a:spAutoFit/>
+            <a:scene3d>
+              <a:camera prst="orthographicFront"/>
+              <a:lightRig rig="soft" dir="t">
+                <a:rot lat="0" lon="0" rev="15600000"/>
+              </a:lightRig>
+            </a:scene3d>
+            <a:sp3d extrusionH="57150" prstMaterial="softEdge">
+              <a:bevelT w="25400" h="38100"/>
+            </a:sp3d>
+          </a:bodyPr>
+          <a:lstStyle/>
+          <a:p>
+            <a:pPr algn="ctr"/>
+            <a:r>
+              <a:rPr lang="en-US" sz="2000" b="1" cap="none" spc="0" dirty="0" smtClean="0">
+                <a:ln/>
+                <a:solidFill>
+                  <a:schemeClr val="accent1"/>
+                </a:solidFill>
+                <a:effectLst/>
+              </a:rPr>
+              <a:t>2</a:t>
+            </a:r>
+            <a:endParaRPr lang="en-US" sz="2000" b="1" cap="none" spc="0" dirty="0">
+              <a:ln/>
+              <a:solidFill>
+                <a:schemeClr val="accent1"/>
+              </a:solidFill>
+              <a:effectLst/>
+            </a:endParaRPr>
+          </a:p>
+        </p:txBody>
+      </p:sp>
+      <p:sp>
+        <p:nvSpPr>
+          <p:cNvPr id="9" name="Rectangle 8"/>
+          <p:cNvSpPr/>
+          <p:nvPr/>
+        </p:nvSpPr>
+        <p:spPr>
+          <a:xfrm>
+            <a:off x="8570039" y="3426822"/>
+            <a:ext cx="417207" cy="400595"/>
+          </a:xfrm>
+          <a:prstGeom prst="rect">
+            <a:avLst/>
+          </a:prstGeom>
+          <a:noFill/>
+          <a:ln w="57150">
+            <a:solidFill>
+              <a:srgbClr val="C00000"/>
+            </a:solidFill>
+          </a:ln>
+        </p:spPr>
+        <p:txBody>
+          <a:bodyPr wrap="square" lIns="91440" tIns="45720" rIns="91440" bIns="45720">
+            <a:spAutoFit/>
+            <a:scene3d>
+              <a:camera prst="orthographicFront"/>
+              <a:lightRig rig="soft" dir="t">
+                <a:rot lat="0" lon="0" rev="15600000"/>
+              </a:lightRig>
+            </a:scene3d>
+            <a:sp3d extrusionH="57150" prstMaterial="softEdge">
+              <a:bevelT w="25400" h="38100"/>
+            </a:sp3d>
+          </a:bodyPr>
+          <a:lstStyle/>
+          <a:p>
+            <a:pPr algn="ctr"/>
+            <a:r>
+              <a:rPr lang="en-US" sz="2000" b="1" cap="none" spc="0" dirty="0" smtClean="0">
+                <a:ln/>
+                <a:solidFill>
+                  <a:schemeClr val="accent1"/>
+                </a:solidFill>
+                <a:effectLst/>
+              </a:rPr>
+              <a:t>3</a:t>
+            </a:r>
+            <a:endParaRPr lang="en-US" sz="2000" b="1" cap="none" spc="0" dirty="0">
+              <a:ln/>
+              <a:solidFill>
+                <a:schemeClr val="accent1"/>
+              </a:solidFill>
+              <a:effectLst/>
+            </a:endParaRPr>
+          </a:p>
+        </p:txBody>
+      </p:sp>
+      <p:sp>
+        <p:nvSpPr>
+          <p:cNvPr id="11" name="Rectangle 10"/>
+          <p:cNvSpPr/>
+          <p:nvPr/>
+        </p:nvSpPr>
+        <p:spPr>
+          <a:xfrm>
+            <a:off x="1995068" y="4585061"/>
+            <a:ext cx="417207" cy="400595"/>
+          </a:xfrm>
+          <a:prstGeom prst="rect">
+            <a:avLst/>
+          </a:prstGeom>
+          <a:noFill/>
+          <a:ln w="57150">
+            <a:solidFill>
+              <a:srgbClr val="C00000"/>
+            </a:solidFill>
+          </a:ln>
+        </p:spPr>
+        <p:txBody>
+          <a:bodyPr wrap="square" lIns="91440" tIns="45720" rIns="91440" bIns="45720">
+            <a:spAutoFit/>
+            <a:scene3d>
+              <a:camera prst="orthographicFront"/>
+              <a:lightRig rig="soft" dir="t">
+                <a:rot lat="0" lon="0" rev="15600000"/>
+              </a:lightRig>
+            </a:scene3d>
+            <a:sp3d extrusionH="57150" prstMaterial="softEdge">
+              <a:bevelT w="25400" h="38100"/>
+            </a:sp3d>
+          </a:bodyPr>
+          <a:lstStyle/>
+          <a:p>
+            <a:pPr algn="ctr"/>
+            <a:r>
+              <a:rPr lang="en-US" sz="2000" b="1" cap="none" spc="0" dirty="0" smtClean="0">
+                <a:ln/>
+                <a:solidFill>
+                  <a:schemeClr val="accent1"/>
+                </a:solidFill>
+                <a:effectLst/>
+              </a:rPr>
+              <a:t>4</a:t>
+            </a:r>
+            <a:endParaRPr lang="en-US" sz="2000" b="1" cap="none" spc="0" dirty="0">
+              <a:ln/>
+              <a:solidFill>
+                <a:schemeClr val="accent1"/>
+              </a:solidFill>
+              <a:effectLst/>
+            </a:endParaRPr>
+          </a:p>
+        </p:txBody>
+      </p:sp>
+      <p:sp>
+        <p:nvSpPr>
+          <p:cNvPr id="12" name="Rectangle 11"/>
+          <p:cNvSpPr/>
+          <p:nvPr/>
+        </p:nvSpPr>
+        <p:spPr>
+          <a:xfrm>
+            <a:off x="6606257" y="4837608"/>
+            <a:ext cx="417207" cy="400595"/>
+          </a:xfrm>
+          <a:prstGeom prst="rect">
+            <a:avLst/>
+          </a:prstGeom>
+          <a:noFill/>
+          <a:ln w="57150">
+            <a:solidFill>
+              <a:srgbClr val="C00000"/>
+            </a:solidFill>
+          </a:ln>
+        </p:spPr>
+        <p:txBody>
+          <a:bodyPr wrap="square" lIns="91440" tIns="45720" rIns="91440" bIns="45720">
+            <a:spAutoFit/>
+            <a:scene3d>
+              <a:camera prst="orthographicFront"/>
+              <a:lightRig rig="soft" dir="t">
+                <a:rot lat="0" lon="0" rev="15600000"/>
+              </a:lightRig>
+            </a:scene3d>
+            <a:sp3d extrusionH="57150" prstMaterial="softEdge">
+              <a:bevelT w="25400" h="38100"/>
+            </a:sp3d>
+          </a:bodyPr>
+          <a:lstStyle/>
+          <a:p>
+            <a:pPr algn="ctr"/>
+            <a:r>
+              <a:rPr lang="en-US" sz="2000" b="1" cap="none" spc="0" dirty="0" smtClean="0">
+                <a:ln/>
+                <a:solidFill>
+                  <a:schemeClr val="accent1"/>
+                </a:solidFill>
+                <a:effectLst/>
+              </a:rPr>
+              <a:t>5</a:t>
+            </a:r>
+            <a:endParaRPr lang="en-US" sz="2000" b="1" cap="none" spc="0" dirty="0">
+              <a:ln/>
+              <a:solidFill>
+                <a:schemeClr val="accent1"/>
+              </a:solidFill>
+              <a:effectLst/>
+            </a:endParaRPr>
+          </a:p>
+        </p:txBody>
+      </p:sp>
     </p:spTree>
     <p:extLst>
       <p:ext uri="{BB962C8B-B14F-4D97-AF65-F5344CB8AC3E}">
         <p14:creationId xmlns:p14="http://schemas.microsoft.com/office/powerpoint/2010/main" val="2793492475"/>
+      </p:ext>
+    </p:extLst>
+  </p:cSld>
+  <p:clrMapOvr>
+    <a:masterClrMapping/>
+  </p:clrMapOvr>
+</p:sld>
+</file>
+
+<file path=ppt/slides/slide10.xml><?xml version="1.0" encoding="utf-8"?>
+<p:sld xmlns:a="http://schemas.openxmlformats.org/drawingml/2006/main" xmlns:r="http://schemas.openxmlformats.org/officeDocument/2006/relationships" xmlns:p="http://schemas.openxmlformats.org/presentationml/2006/main">
+  <p:cSld>
+    <p:spTree>
+      <p:nvGrpSpPr>
+        <p:cNvPr id="1" name=""/>
+        <p:cNvGrpSpPr/>
+        <p:nvPr/>
+      </p:nvGrpSpPr>
+      <p:grpSpPr>
+        <a:xfrm>
+          <a:off x="0" y="0"/>
+          <a:ext cx="0" cy="0"/>
+          <a:chOff x="0" y="0"/>
+          <a:chExt cx="0" cy="0"/>
+        </a:xfrm>
+      </p:grpSpPr>
+      <p:sp>
+        <p:nvSpPr>
+          <p:cNvPr id="3" name="Content Placeholder 2"/>
+          <p:cNvSpPr>
+            <a:spLocks noGrp="1"/>
+          </p:cNvSpPr>
+          <p:nvPr>
+            <p:ph idx="1"/>
+          </p:nvPr>
+        </p:nvSpPr>
+        <p:spPr>
+          <a:xfrm>
+            <a:off x="461554" y="1393371"/>
+            <a:ext cx="11382103" cy="5207725"/>
+          </a:xfrm>
+        </p:spPr>
+        <p:txBody>
+          <a:bodyPr/>
+          <a:lstStyle/>
+          <a:p>
+            <a:r>
+              <a:rPr lang="en-US" dirty="0"/>
+              <a:t>1.3 Which file to </a:t>
+            </a:r>
+            <a:r>
+              <a:rPr lang="en-US" dirty="0" smtClean="0"/>
+              <a:t>use (</a:t>
+            </a:r>
+            <a:r>
+              <a:rPr lang="en-US" dirty="0" err="1" smtClean="0"/>
+              <a:t>cont</a:t>
+            </a:r>
+            <a:r>
+              <a:rPr lang="en-US" dirty="0" smtClean="0"/>
+              <a:t>):</a:t>
+            </a:r>
+          </a:p>
+          <a:p>
+            <a:pPr lvl="1"/>
+            <a:r>
+              <a:rPr lang="en-US" dirty="0" smtClean="0"/>
+              <a:t>Ex. Get CPT codes for 2020</a:t>
+            </a:r>
+          </a:p>
+          <a:p>
+            <a:pPr marL="0" indent="0">
+              <a:buNone/>
+            </a:pPr>
+            <a:endParaRPr lang="en-US" dirty="0"/>
+          </a:p>
+        </p:txBody>
+      </p:sp>
+      <p:sp>
+        <p:nvSpPr>
+          <p:cNvPr id="4" name="Title 1">
+            <a:extLst>
+              <a:ext uri="{FF2B5EF4-FFF2-40B4-BE49-F238E27FC236}">
+                <a16:creationId xmlns:a16="http://schemas.microsoft.com/office/drawing/2014/main" id="{F70BC87E-ECC2-4B81-AC46-BC65E1585EEA}"/>
+              </a:ext>
+            </a:extLst>
+          </p:cNvPr>
+          <p:cNvSpPr txBox="1">
+            <a:spLocks/>
+          </p:cNvSpPr>
+          <p:nvPr/>
+        </p:nvSpPr>
+        <p:spPr>
+          <a:xfrm>
+            <a:off x="798511" y="605118"/>
+            <a:ext cx="9404723" cy="1400530"/>
+          </a:xfrm>
+          <a:prstGeom prst="rect">
+            <a:avLst/>
+          </a:prstGeom>
+        </p:spPr>
+        <p:txBody>
+          <a:bodyPr vert="horz" lIns="91440" tIns="45720" rIns="91440" bIns="45720" rtlCol="0" anchor="t">
+            <a:noAutofit/>
+          </a:bodyPr>
+          <a:lstStyle>
+            <a:lvl1pPr algn="l" defTabSz="457200" rtl="0" eaLnBrk="1" latinLnBrk="0" hangingPunct="1">
+              <a:spcBef>
+                <a:spcPct val="0"/>
+              </a:spcBef>
+              <a:buNone/>
+              <a:defRPr sz="4200" b="0" i="0" kern="1200">
+                <a:solidFill>
+                  <a:schemeClr val="tx2"/>
+                </a:solidFill>
+                <a:latin typeface="+mj-lt"/>
+                <a:ea typeface="+mj-ea"/>
+                <a:cs typeface="+mj-cs"/>
+              </a:defRPr>
+            </a:lvl1pPr>
+            <a:lvl2pPr eaLnBrk="1" hangingPunct="1">
+              <a:defRPr>
+                <a:solidFill>
+                  <a:schemeClr val="tx2"/>
+                </a:solidFill>
+              </a:defRPr>
+            </a:lvl2pPr>
+            <a:lvl3pPr eaLnBrk="1" hangingPunct="1">
+              <a:defRPr>
+                <a:solidFill>
+                  <a:schemeClr val="tx2"/>
+                </a:solidFill>
+              </a:defRPr>
+            </a:lvl3pPr>
+            <a:lvl4pPr eaLnBrk="1" hangingPunct="1">
+              <a:defRPr>
+                <a:solidFill>
+                  <a:schemeClr val="tx2"/>
+                </a:solidFill>
+              </a:defRPr>
+            </a:lvl4pPr>
+            <a:lvl5pPr eaLnBrk="1" hangingPunct="1">
+              <a:defRPr>
+                <a:solidFill>
+                  <a:schemeClr val="tx2"/>
+                </a:solidFill>
+              </a:defRPr>
+            </a:lvl5pPr>
+            <a:lvl6pPr eaLnBrk="1" hangingPunct="1">
+              <a:defRPr>
+                <a:solidFill>
+                  <a:schemeClr val="tx2"/>
+                </a:solidFill>
+              </a:defRPr>
+            </a:lvl6pPr>
+            <a:lvl7pPr eaLnBrk="1" hangingPunct="1">
+              <a:defRPr>
+                <a:solidFill>
+                  <a:schemeClr val="tx2"/>
+                </a:solidFill>
+              </a:defRPr>
+            </a:lvl7pPr>
+            <a:lvl8pPr eaLnBrk="1" hangingPunct="1">
+              <a:defRPr>
+                <a:solidFill>
+                  <a:schemeClr val="tx2"/>
+                </a:solidFill>
+              </a:defRPr>
+            </a:lvl8pPr>
+            <a:lvl9pPr eaLnBrk="1" hangingPunct="1">
+              <a:defRPr>
+                <a:solidFill>
+                  <a:schemeClr val="tx2"/>
+                </a:solidFill>
+              </a:defRPr>
+            </a:lvl9pPr>
+          </a:lstStyle>
+          <a:p>
+            <a:r>
+              <a:rPr lang="en-US" smtClean="0"/>
+              <a:t>4. CPT </a:t>
+            </a:r>
+            <a:endParaRPr lang="en-US" dirty="0"/>
+          </a:p>
+        </p:txBody>
+      </p:sp>
+      <p:pic>
+        <p:nvPicPr>
+          <p:cNvPr id="5" name="Picture 4"/>
+          <p:cNvPicPr>
+            <a:picLocks noChangeAspect="1"/>
+          </p:cNvPicPr>
+          <p:nvPr/>
+        </p:nvPicPr>
+        <p:blipFill>
+          <a:blip r:embed="rId2"/>
+          <a:stretch>
+            <a:fillRect/>
+          </a:stretch>
+        </p:blipFill>
+        <p:spPr>
+          <a:xfrm>
+            <a:off x="321151" y="3134546"/>
+            <a:ext cx="3152656" cy="3158672"/>
+          </a:xfrm>
+          <a:prstGeom prst="rect">
+            <a:avLst/>
+          </a:prstGeom>
+        </p:spPr>
+      </p:pic>
+      <p:pic>
+        <p:nvPicPr>
+          <p:cNvPr id="6" name="Picture 5"/>
+          <p:cNvPicPr>
+            <a:picLocks noChangeAspect="1"/>
+          </p:cNvPicPr>
+          <p:nvPr/>
+        </p:nvPicPr>
+        <p:blipFill>
+          <a:blip r:embed="rId3"/>
+          <a:stretch>
+            <a:fillRect/>
+          </a:stretch>
+        </p:blipFill>
+        <p:spPr>
+          <a:xfrm>
+            <a:off x="4056680" y="2793901"/>
+            <a:ext cx="3463983" cy="3682365"/>
+          </a:xfrm>
+          <a:prstGeom prst="rect">
+            <a:avLst/>
+          </a:prstGeom>
+        </p:spPr>
+      </p:pic>
+      <p:pic>
+        <p:nvPicPr>
+          <p:cNvPr id="7" name="Picture 6"/>
+          <p:cNvPicPr>
+            <a:picLocks noChangeAspect="1"/>
+          </p:cNvPicPr>
+          <p:nvPr/>
+        </p:nvPicPr>
+        <p:blipFill>
+          <a:blip r:embed="rId4"/>
+          <a:stretch>
+            <a:fillRect/>
+          </a:stretch>
+        </p:blipFill>
+        <p:spPr>
+          <a:xfrm>
+            <a:off x="7982132" y="1269411"/>
+            <a:ext cx="3718371" cy="5455643"/>
+          </a:xfrm>
+          <a:prstGeom prst="rect">
+            <a:avLst/>
+          </a:prstGeom>
+        </p:spPr>
+      </p:pic>
+      <p:sp>
+        <p:nvSpPr>
+          <p:cNvPr id="8" name="Rectangle 7"/>
+          <p:cNvSpPr/>
+          <p:nvPr/>
+        </p:nvSpPr>
+        <p:spPr>
+          <a:xfrm>
+            <a:off x="321151" y="4225833"/>
+            <a:ext cx="3152656" cy="292025"/>
+          </a:xfrm>
+          <a:prstGeom prst="rect">
+            <a:avLst/>
+          </a:prstGeom>
+          <a:noFill/>
+          <a:ln w="57150">
+            <a:solidFill>
+              <a:srgbClr val="C00000"/>
+            </a:solidFill>
+          </a:ln>
+        </p:spPr>
+        <p:style>
+          <a:lnRef idx="2">
+            <a:schemeClr val="accent1">
+              <a:shade val="50000"/>
+            </a:schemeClr>
+          </a:lnRef>
+          <a:fillRef idx="1">
+            <a:schemeClr val="accent1"/>
+          </a:fillRef>
+          <a:effectRef idx="0">
+            <a:schemeClr val="accent1"/>
+          </a:effectRef>
+          <a:fontRef idx="minor">
+            <a:schemeClr val="lt1"/>
+          </a:fontRef>
+        </p:style>
+        <p:txBody>
+          <a:bodyPr rtlCol="0" anchor="ctr"/>
+          <a:lstStyle/>
+          <a:p>
+            <a:pPr algn="ctr"/>
+            <a:endParaRPr lang="en-US"/>
+          </a:p>
+        </p:txBody>
+      </p:sp>
+      <p:sp>
+        <p:nvSpPr>
+          <p:cNvPr id="9" name="Rectangle 8"/>
+          <p:cNvSpPr/>
+          <p:nvPr/>
+        </p:nvSpPr>
+        <p:spPr>
+          <a:xfrm>
+            <a:off x="4056680" y="5761865"/>
+            <a:ext cx="3463983" cy="284003"/>
+          </a:xfrm>
+          <a:prstGeom prst="rect">
+            <a:avLst/>
+          </a:prstGeom>
+          <a:noFill/>
+          <a:ln w="57150">
+            <a:solidFill>
+              <a:srgbClr val="C00000"/>
+            </a:solidFill>
+          </a:ln>
+        </p:spPr>
+        <p:style>
+          <a:lnRef idx="2">
+            <a:schemeClr val="accent1">
+              <a:shade val="50000"/>
+            </a:schemeClr>
+          </a:lnRef>
+          <a:fillRef idx="1">
+            <a:schemeClr val="accent1"/>
+          </a:fillRef>
+          <a:effectRef idx="0">
+            <a:schemeClr val="accent1"/>
+          </a:effectRef>
+          <a:fontRef idx="minor">
+            <a:schemeClr val="lt1"/>
+          </a:fontRef>
+        </p:style>
+        <p:txBody>
+          <a:bodyPr rtlCol="0" anchor="ctr"/>
+          <a:lstStyle/>
+          <a:p>
+            <a:pPr algn="ctr"/>
+            <a:endParaRPr lang="en-US"/>
+          </a:p>
+        </p:txBody>
+      </p:sp>
+      <p:sp>
+        <p:nvSpPr>
+          <p:cNvPr id="10" name="Rectangle 9"/>
+          <p:cNvSpPr/>
+          <p:nvPr/>
+        </p:nvSpPr>
+        <p:spPr>
+          <a:xfrm>
+            <a:off x="7928811" y="2069431"/>
+            <a:ext cx="409073" cy="4655623"/>
+          </a:xfrm>
+          <a:prstGeom prst="rect">
+            <a:avLst/>
+          </a:prstGeom>
+          <a:noFill/>
+          <a:ln w="57150">
+            <a:solidFill>
+              <a:srgbClr val="C00000"/>
+            </a:solidFill>
+          </a:ln>
+        </p:spPr>
+        <p:style>
+          <a:lnRef idx="2">
+            <a:schemeClr val="accent1">
+              <a:shade val="50000"/>
+            </a:schemeClr>
+          </a:lnRef>
+          <a:fillRef idx="1">
+            <a:schemeClr val="accent1"/>
+          </a:fillRef>
+          <a:effectRef idx="0">
+            <a:schemeClr val="accent1"/>
+          </a:effectRef>
+          <a:fontRef idx="minor">
+            <a:schemeClr val="lt1"/>
+          </a:fontRef>
+        </p:style>
+        <p:txBody>
+          <a:bodyPr rtlCol="0" anchor="ctr"/>
+          <a:lstStyle/>
+          <a:p>
+            <a:pPr algn="ctr"/>
+            <a:endParaRPr lang="en-US"/>
+          </a:p>
+        </p:txBody>
+      </p:sp>
+    </p:spTree>
+    <p:extLst>
+      <p:ext uri="{BB962C8B-B14F-4D97-AF65-F5344CB8AC3E}">
+        <p14:creationId xmlns:p14="http://schemas.microsoft.com/office/powerpoint/2010/main" val="3805108537"/>
+      </p:ext>
+    </p:extLst>
+  </p:cSld>
+  <p:clrMapOvr>
+    <a:masterClrMapping/>
+  </p:clrMapOvr>
+</p:sld>
+</file>
+
+<file path=ppt/slides/slide11.xml><?xml version="1.0" encoding="utf-8"?>
+<p:sld xmlns:a="http://schemas.openxmlformats.org/drawingml/2006/main" xmlns:r="http://schemas.openxmlformats.org/officeDocument/2006/relationships" xmlns:p="http://schemas.openxmlformats.org/presentationml/2006/main">
+  <p:cSld>
+    <p:spTree>
+      <p:nvGrpSpPr>
+        <p:cNvPr id="1" name=""/>
+        <p:cNvGrpSpPr/>
+        <p:nvPr/>
+      </p:nvGrpSpPr>
+      <p:grpSpPr>
+        <a:xfrm>
+          <a:off x="0" y="0"/>
+          <a:ext cx="0" cy="0"/>
+          <a:chOff x="0" y="0"/>
+          <a:chExt cx="0" cy="0"/>
+        </a:xfrm>
+      </p:grpSpPr>
+      <p:sp>
+        <p:nvSpPr>
+          <p:cNvPr id="2" name="Title 1">
+            <a:extLst>
+              <a:ext uri="{FF2B5EF4-FFF2-40B4-BE49-F238E27FC236}">
+                <a16:creationId xmlns:a16="http://schemas.microsoft.com/office/drawing/2014/main" id="{DF2B9566-E64A-4E3F-818F-670BB9D0795B}"/>
+              </a:ext>
+            </a:extLst>
+          </p:cNvPr>
+          <p:cNvSpPr>
+            <a:spLocks noGrp="1"/>
+          </p:cNvSpPr>
+          <p:nvPr>
+            <p:ph type="title"/>
+          </p:nvPr>
+        </p:nvSpPr>
+        <p:spPr/>
+        <p:txBody>
+          <a:bodyPr/>
+          <a:lstStyle/>
+          <a:p>
+            <a:r>
+              <a:rPr lang="en-US" dirty="0" smtClean="0"/>
+              <a:t>5. Patient </a:t>
+            </a:r>
+            <a:r>
+              <a:rPr lang="en-US" dirty="0"/>
+              <a:t>Expenses</a:t>
+            </a:r>
+          </a:p>
+        </p:txBody>
+      </p:sp>
+      <p:sp>
+        <p:nvSpPr>
+          <p:cNvPr id="9" name="Content Placeholder 2"/>
+          <p:cNvSpPr>
+            <a:spLocks noGrp="1"/>
+          </p:cNvSpPr>
+          <p:nvPr>
+            <p:ph idx="1"/>
+          </p:nvPr>
+        </p:nvSpPr>
+        <p:spPr>
+          <a:xfrm>
+            <a:off x="646111" y="1299640"/>
+            <a:ext cx="10972799" cy="5181599"/>
+          </a:xfrm>
+        </p:spPr>
+        <p:txBody>
+          <a:bodyPr>
+            <a:normAutofit/>
+          </a:bodyPr>
+          <a:lstStyle/>
+          <a:p>
+            <a:r>
+              <a:rPr lang="en-US" sz="1800" dirty="0" smtClean="0"/>
+              <a:t>1.1 Scraped from </a:t>
+            </a:r>
+            <a:r>
+              <a:rPr lang="en-US" sz="1800" dirty="0" smtClean="0">
+                <a:hlinkClick r:id="rId2"/>
+              </a:rPr>
+              <a:t>https</a:t>
+            </a:r>
+            <a:r>
+              <a:rPr lang="en-US" sz="1800" dirty="0">
+                <a:hlinkClick r:id="rId2"/>
+              </a:rPr>
+              <a:t>://www.fairhealthconsumer.org/</a:t>
+            </a:r>
+            <a:endParaRPr lang="en-US" sz="1800" dirty="0"/>
+          </a:p>
+          <a:p>
+            <a:pPr marL="457200" lvl="1" indent="0">
+              <a:lnSpc>
+                <a:spcPct val="150000"/>
+              </a:lnSpc>
+              <a:buNone/>
+            </a:pPr>
+            <a:endParaRPr lang="en-US" dirty="0" smtClean="0"/>
+          </a:p>
+          <a:p>
+            <a:endParaRPr lang="en-US" sz="2400" dirty="0"/>
+          </a:p>
+        </p:txBody>
+      </p:sp>
+      <p:pic>
+        <p:nvPicPr>
+          <p:cNvPr id="10" name="Picture 9"/>
+          <p:cNvPicPr>
+            <a:picLocks noChangeAspect="1"/>
+          </p:cNvPicPr>
+          <p:nvPr/>
+        </p:nvPicPr>
+        <p:blipFill>
+          <a:blip r:embed="rId3"/>
+          <a:stretch>
+            <a:fillRect/>
+          </a:stretch>
+        </p:blipFill>
+        <p:spPr>
+          <a:xfrm>
+            <a:off x="1911874" y="1853248"/>
+            <a:ext cx="8441272" cy="4833165"/>
+          </a:xfrm>
+          <a:prstGeom prst="rect">
+            <a:avLst/>
+          </a:prstGeom>
+        </p:spPr>
+      </p:pic>
+      <p:sp>
+        <p:nvSpPr>
+          <p:cNvPr id="11" name="Rectangle 10"/>
+          <p:cNvSpPr/>
+          <p:nvPr/>
+        </p:nvSpPr>
+        <p:spPr>
+          <a:xfrm>
+            <a:off x="2294330" y="4484512"/>
+            <a:ext cx="2139307" cy="1254551"/>
+          </a:xfrm>
+          <a:prstGeom prst="rect">
+            <a:avLst/>
+          </a:prstGeom>
+          <a:noFill/>
+          <a:ln w="57150">
+            <a:solidFill>
+              <a:srgbClr val="C00000"/>
+            </a:solidFill>
+          </a:ln>
+        </p:spPr>
+        <p:style>
+          <a:lnRef idx="2">
+            <a:schemeClr val="accent1">
+              <a:shade val="50000"/>
+            </a:schemeClr>
+          </a:lnRef>
+          <a:fillRef idx="1">
+            <a:schemeClr val="accent1"/>
+          </a:fillRef>
+          <a:effectRef idx="0">
+            <a:schemeClr val="accent1"/>
+          </a:effectRef>
+          <a:fontRef idx="minor">
+            <a:schemeClr val="lt1"/>
+          </a:fontRef>
+        </p:style>
+        <p:txBody>
+          <a:bodyPr rtlCol="0" anchor="ctr"/>
+          <a:lstStyle/>
+          <a:p>
+            <a:pPr algn="ctr"/>
+            <a:endParaRPr lang="en-US"/>
+          </a:p>
+        </p:txBody>
+      </p:sp>
+    </p:spTree>
+    <p:extLst>
+      <p:ext uri="{BB962C8B-B14F-4D97-AF65-F5344CB8AC3E}">
+        <p14:creationId xmlns:p14="http://schemas.microsoft.com/office/powerpoint/2010/main" val="2523615229"/>
+      </p:ext>
+    </p:extLst>
+  </p:cSld>
+  <p:clrMapOvr>
+    <a:masterClrMapping/>
+  </p:clrMapOvr>
+</p:sld>
+</file>
+
+<file path=ppt/slides/slide12.xml><?xml version="1.0" encoding="utf-8"?>
+<p:sld xmlns:a="http://schemas.openxmlformats.org/drawingml/2006/main" xmlns:r="http://schemas.openxmlformats.org/officeDocument/2006/relationships" xmlns:p="http://schemas.openxmlformats.org/presentationml/2006/main">
+  <p:cSld>
+    <p:spTree>
+      <p:nvGrpSpPr>
+        <p:cNvPr id="1" name=""/>
+        <p:cNvGrpSpPr/>
+        <p:nvPr/>
+      </p:nvGrpSpPr>
+      <p:grpSpPr>
+        <a:xfrm>
+          <a:off x="0" y="0"/>
+          <a:ext cx="0" cy="0"/>
+          <a:chOff x="0" y="0"/>
+          <a:chExt cx="0" cy="0"/>
+        </a:xfrm>
+      </p:grpSpPr>
+      <p:sp>
+        <p:nvSpPr>
+          <p:cNvPr id="2" name="Title 1">
+            <a:extLst>
+              <a:ext uri="{FF2B5EF4-FFF2-40B4-BE49-F238E27FC236}">
+                <a16:creationId xmlns:a16="http://schemas.microsoft.com/office/drawing/2014/main" id="{DF2B9566-E64A-4E3F-818F-670BB9D0795B}"/>
+              </a:ext>
+            </a:extLst>
+          </p:cNvPr>
+          <p:cNvSpPr>
+            <a:spLocks noGrp="1"/>
+          </p:cNvSpPr>
+          <p:nvPr>
+            <p:ph type="title"/>
+          </p:nvPr>
+        </p:nvSpPr>
+        <p:spPr/>
+        <p:txBody>
+          <a:bodyPr/>
+          <a:lstStyle/>
+          <a:p>
+            <a:r>
+              <a:rPr lang="en-US" dirty="0" smtClean="0"/>
+              <a:t>5. Patient </a:t>
+            </a:r>
+            <a:r>
+              <a:rPr lang="en-US" dirty="0"/>
+              <a:t>Expenses</a:t>
+            </a:r>
+          </a:p>
+        </p:txBody>
+      </p:sp>
+      <p:sp>
+        <p:nvSpPr>
+          <p:cNvPr id="9" name="Content Placeholder 2"/>
+          <p:cNvSpPr>
+            <a:spLocks noGrp="1"/>
+          </p:cNvSpPr>
+          <p:nvPr>
+            <p:ph idx="1"/>
+          </p:nvPr>
+        </p:nvSpPr>
+        <p:spPr>
+          <a:xfrm>
+            <a:off x="646111" y="1353552"/>
+            <a:ext cx="11191789" cy="5175813"/>
+          </a:xfrm>
+        </p:spPr>
+        <p:txBody>
+          <a:bodyPr>
+            <a:normAutofit/>
+          </a:bodyPr>
+          <a:lstStyle/>
+          <a:p>
+            <a:r>
+              <a:rPr lang="en-US" sz="1800" dirty="0" smtClean="0"/>
+              <a:t>1.2 Process</a:t>
+            </a:r>
+          </a:p>
+          <a:p>
+            <a:pPr lvl="1"/>
+            <a:r>
+              <a:rPr lang="en-US" sz="1600" dirty="0" smtClean="0"/>
+              <a:t>Use Selenium to enter CPT and zip code to find the cost of a certain procedure in an area </a:t>
+            </a:r>
+          </a:p>
+          <a:p>
+            <a:pPr lvl="1"/>
+            <a:r>
+              <a:rPr lang="en-US" sz="1600" dirty="0" smtClean="0"/>
+              <a:t>Use </a:t>
+            </a:r>
+            <a:r>
+              <a:rPr lang="en-US" sz="1600" dirty="0" err="1" smtClean="0"/>
+              <a:t>BeautifulSoup</a:t>
+            </a:r>
+            <a:r>
+              <a:rPr lang="en-US" sz="1600" dirty="0" smtClean="0"/>
+              <a:t> to extract the in-network and out-of-network (hospital accepts insurance or not) cost </a:t>
+            </a:r>
+          </a:p>
+          <a:p>
+            <a:pPr lvl="1"/>
+            <a:endParaRPr lang="en-US" sz="1600" dirty="0"/>
+          </a:p>
+          <a:p>
+            <a:pPr marL="0" indent="0">
+              <a:buNone/>
+            </a:pPr>
+            <a:endParaRPr lang="en-US" sz="1800" dirty="0"/>
+          </a:p>
+          <a:p>
+            <a:pPr marL="457200" lvl="1" indent="0">
+              <a:lnSpc>
+                <a:spcPct val="150000"/>
+              </a:lnSpc>
+              <a:buNone/>
+            </a:pPr>
+            <a:endParaRPr lang="en-US" dirty="0" smtClean="0"/>
+          </a:p>
+          <a:p>
+            <a:endParaRPr lang="en-US" sz="2400" dirty="0"/>
+          </a:p>
+        </p:txBody>
+      </p:sp>
+      <p:pic>
+        <p:nvPicPr>
+          <p:cNvPr id="3" name="Picture 2"/>
+          <p:cNvPicPr>
+            <a:picLocks noChangeAspect="1"/>
+          </p:cNvPicPr>
+          <p:nvPr/>
+        </p:nvPicPr>
+        <p:blipFill>
+          <a:blip r:embed="rId2"/>
+          <a:stretch>
+            <a:fillRect/>
+          </a:stretch>
+        </p:blipFill>
+        <p:spPr>
+          <a:xfrm>
+            <a:off x="536527" y="3441032"/>
+            <a:ext cx="2930235" cy="2599175"/>
+          </a:xfrm>
+          <a:prstGeom prst="rect">
+            <a:avLst/>
+          </a:prstGeom>
+        </p:spPr>
+      </p:pic>
+      <p:pic>
+        <p:nvPicPr>
+          <p:cNvPr id="4" name="Picture 3"/>
+          <p:cNvPicPr>
+            <a:picLocks noChangeAspect="1"/>
+          </p:cNvPicPr>
+          <p:nvPr/>
+        </p:nvPicPr>
+        <p:blipFill>
+          <a:blip r:embed="rId3"/>
+          <a:stretch>
+            <a:fillRect/>
+          </a:stretch>
+        </p:blipFill>
+        <p:spPr>
+          <a:xfrm>
+            <a:off x="4296221" y="3364871"/>
+            <a:ext cx="2436640" cy="864057"/>
+          </a:xfrm>
+          <a:prstGeom prst="rect">
+            <a:avLst/>
+          </a:prstGeom>
+        </p:spPr>
+      </p:pic>
+      <p:pic>
+        <p:nvPicPr>
+          <p:cNvPr id="5" name="Picture 4"/>
+          <p:cNvPicPr>
+            <a:picLocks noChangeAspect="1"/>
+          </p:cNvPicPr>
+          <p:nvPr/>
+        </p:nvPicPr>
+        <p:blipFill>
+          <a:blip r:embed="rId4"/>
+          <a:stretch>
+            <a:fillRect/>
+          </a:stretch>
+        </p:blipFill>
+        <p:spPr>
+          <a:xfrm>
+            <a:off x="4296221" y="4228928"/>
+            <a:ext cx="2436640" cy="1854821"/>
+          </a:xfrm>
+          <a:prstGeom prst="rect">
+            <a:avLst/>
+          </a:prstGeom>
+        </p:spPr>
+      </p:pic>
+      <p:pic>
+        <p:nvPicPr>
+          <p:cNvPr id="6" name="Picture 5"/>
+          <p:cNvPicPr>
+            <a:picLocks noChangeAspect="1"/>
+          </p:cNvPicPr>
+          <p:nvPr/>
+        </p:nvPicPr>
+        <p:blipFill>
+          <a:blip r:embed="rId5"/>
+          <a:stretch>
+            <a:fillRect/>
+          </a:stretch>
+        </p:blipFill>
+        <p:spPr>
+          <a:xfrm>
+            <a:off x="7562320" y="4024844"/>
+            <a:ext cx="4275580" cy="2058905"/>
+          </a:xfrm>
+          <a:prstGeom prst="rect">
+            <a:avLst/>
+          </a:prstGeom>
+        </p:spPr>
+      </p:pic>
+      <p:sp>
+        <p:nvSpPr>
+          <p:cNvPr id="7" name="TextBox 6"/>
+          <p:cNvSpPr txBox="1"/>
+          <p:nvPr/>
+        </p:nvSpPr>
+        <p:spPr>
+          <a:xfrm>
+            <a:off x="457200" y="2951874"/>
+            <a:ext cx="1837362" cy="369332"/>
+          </a:xfrm>
+          <a:prstGeom prst="rect">
+            <a:avLst/>
+          </a:prstGeom>
+          <a:noFill/>
+        </p:spPr>
+        <p:txBody>
+          <a:bodyPr wrap="none" rtlCol="0">
+            <a:spAutoFit/>
+          </a:bodyPr>
+          <a:lstStyle/>
+          <a:p>
+            <a:r>
+              <a:rPr lang="en-US" dirty="0" smtClean="0"/>
+              <a:t>Enter Zip Code</a:t>
+            </a:r>
+            <a:endParaRPr lang="en-US" dirty="0"/>
+          </a:p>
+        </p:txBody>
+      </p:sp>
+      <p:sp>
+        <p:nvSpPr>
+          <p:cNvPr id="12" name="TextBox 11"/>
+          <p:cNvSpPr txBox="1"/>
+          <p:nvPr/>
+        </p:nvSpPr>
+        <p:spPr>
+          <a:xfrm>
+            <a:off x="4231105" y="2873391"/>
+            <a:ext cx="1944763" cy="369332"/>
+          </a:xfrm>
+          <a:prstGeom prst="rect">
+            <a:avLst/>
+          </a:prstGeom>
+          <a:noFill/>
+        </p:spPr>
+        <p:txBody>
+          <a:bodyPr wrap="none" rtlCol="0">
+            <a:spAutoFit/>
+          </a:bodyPr>
+          <a:lstStyle/>
+          <a:p>
+            <a:r>
+              <a:rPr lang="en-US" dirty="0" smtClean="0"/>
+              <a:t>Enter CPT Code</a:t>
+            </a:r>
+            <a:endParaRPr lang="en-US" dirty="0"/>
+          </a:p>
+        </p:txBody>
+      </p:sp>
+      <p:sp>
+        <p:nvSpPr>
+          <p:cNvPr id="13" name="TextBox 12"/>
+          <p:cNvSpPr txBox="1"/>
+          <p:nvPr/>
+        </p:nvSpPr>
+        <p:spPr>
+          <a:xfrm>
+            <a:off x="7463589" y="3453666"/>
+            <a:ext cx="4565673" cy="369332"/>
+          </a:xfrm>
+          <a:prstGeom prst="rect">
+            <a:avLst/>
+          </a:prstGeom>
+          <a:noFill/>
+        </p:spPr>
+        <p:txBody>
+          <a:bodyPr wrap="none" rtlCol="0">
+            <a:spAutoFit/>
+          </a:bodyPr>
+          <a:lstStyle/>
+          <a:p>
+            <a:r>
+              <a:rPr lang="en-US" dirty="0" smtClean="0"/>
+              <a:t>Get Out-of-Network vs In-Network Price</a:t>
+            </a:r>
+            <a:endParaRPr lang="en-US" dirty="0"/>
+          </a:p>
+        </p:txBody>
+      </p:sp>
+    </p:spTree>
+    <p:extLst>
+      <p:ext uri="{BB962C8B-B14F-4D97-AF65-F5344CB8AC3E}">
+        <p14:creationId xmlns:p14="http://schemas.microsoft.com/office/powerpoint/2010/main" val="1560173716"/>
       </p:ext>
     </p:extLst>
   </p:cSld>
@@ -3444,7 +7404,15 @@
           <a:p>
             <a:r>
               <a:rPr lang="en-US" dirty="0"/>
-              <a:t>1. Chargemaster Dataset</a:t>
+              <a:t>1. </a:t>
+            </a:r>
+            <a:r>
+              <a:rPr lang="en-US" dirty="0" smtClean="0"/>
+              <a:t>Charge Master </a:t>
+            </a:r>
+            <a:r>
+              <a:rPr lang="en-US" dirty="0"/>
+              <a:t>Dataset</a:t>
             </a:r>
           </a:p>
         </p:txBody>
@@ -3467,7 +7435,7 @@
         </p:nvSpPr>
         <p:spPr>
           <a:xfrm>
-            <a:off x="838200" y="1690688"/>
+            <a:off x="646111" y="1368471"/>
             <a:ext cx="10515600" cy="4351338"/>
           </a:xfrm>
         </p:spPr>
@@ -3476,8 +7444,12 @@
           <a:lstStyle/>
           <a:p>
             <a:r>
+              <a:rPr lang="en-US" dirty="0" smtClean="0"/>
+              <a:t>1.1 Downloaded </a:t>
+            </a:r>
+            <a:r>
               <a:rPr lang="en-US" dirty="0"/>
-              <a:t>Downloaded from </a:t>
+              <a:t>from </a:t>
             </a:r>
             <a:r>
               <a:rPr lang="en-US" dirty="0">
@@ -3517,8 +7489,8 @@
         </p:blipFill>
         <p:spPr>
           <a:xfrm>
-            <a:off x="1834624" y="2235254"/>
-            <a:ext cx="8353850" cy="4352108"/>
+            <a:off x="1512406" y="1853247"/>
+            <a:ext cx="8745721" cy="4556261"/>
           </a:xfrm>
           <a:prstGeom prst="rect">
             <a:avLst/>
@@ -3557,34 +7529,6 @@
       </p:grpSpPr>
       <p:sp>
         <p:nvSpPr>
-          <p:cNvPr id="2" name="Title 1">
-            <a:extLst>
-              <a:ext uri="{FF2B5EF4-FFF2-40B4-BE49-F238E27FC236}">
-                <a16:creationId xmlns:a16="http://schemas.microsoft.com/office/drawing/2014/main" id="{761C8E5A-A7D3-4A45-B296-0295A6DF2AD8}"/>
-              </a:ext>
-            </a:extLst>
-          </p:cNvPr>
-          <p:cNvSpPr>
-            <a:spLocks noGrp="1"/>
-          </p:cNvSpPr>
-          <p:nvPr>
-            <p:ph type="title"/>
-          </p:nvPr>
-        </p:nvSpPr>
-        <p:spPr/>
-        <p:txBody>
-          <a:bodyPr/>
-          <a:lstStyle/>
-          <a:p>
-            <a:r>
-              <a:rPr lang="en-US" dirty="0"/>
-              <a:t>2. Script to extract all target sheets</a:t>
-            </a:r>
-          </a:p>
-        </p:txBody>
-      </p:sp>
-      <p:sp>
-        <p:nvSpPr>
           <p:cNvPr id="3" name="Content Placeholder 2">
             <a:extLst>
               <a:ext uri="{FF2B5EF4-FFF2-40B4-BE49-F238E27FC236}">
@@ -3599,80 +7543,261 @@
             <p:ph idx="1"/>
           </p:nvPr>
         </p:nvSpPr>
-        <p:spPr/>
-        <p:txBody>
-          <a:bodyPr/>
+        <p:spPr>
+          <a:xfrm>
+            <a:off x="339635" y="1384661"/>
+            <a:ext cx="11512731" cy="4693922"/>
+          </a:xfrm>
+        </p:spPr>
+        <p:txBody>
+          <a:bodyPr>
+            <a:normAutofit/>
+          </a:bodyPr>
           <a:lstStyle/>
           <a:p>
             <a:r>
+              <a:rPr lang="en-US" sz="2400" dirty="0" smtClean="0"/>
+              <a:t>1.2 Cleaning raw charge masters</a:t>
+            </a:r>
+          </a:p>
+          <a:p>
+            <a:pPr lvl="1"/>
+            <a:r>
+              <a:rPr lang="en-US" dirty="0" smtClean="0"/>
+              <a:t>Problem</a:t>
+            </a:r>
+            <a:r>
               <a:rPr lang="en-US" dirty="0"/>
-              <a:t>Problem:</a:t>
-            </a:r>
-          </a:p>
-          <a:p>
-            <a:pPr marL="914400" lvl="1" indent="-457200">
-              <a:buAutoNum type="arabicParenBoth"/>
+              <a:t>:</a:t>
+            </a:r>
+          </a:p>
+          <a:p>
+            <a:pPr marL="1200150" lvl="2" indent="-342900">
+              <a:buFont typeface="+mj-lt"/>
+              <a:buAutoNum type="arabicPeriod"/>
             </a:pPr>
             <a:r>
-              <a:rPr lang="en-US" dirty="0"/>
-              <a:t>CA government only required for info to be submitted in excel files (no uniform format).</a:t>
-            </a:r>
-          </a:p>
-          <a:p>
-            <a:pPr marL="914400" lvl="1" indent="-457200">
-              <a:buAutoNum type="arabicParenBoth"/>
+              <a:rPr lang="en-US" sz="1800" dirty="0"/>
+              <a:t>CA government only required </a:t>
+            </a:r>
+            <a:r>
+              <a:rPr lang="en-US" sz="1800" dirty="0" smtClean="0"/>
+              <a:t>excel </a:t>
+            </a:r>
+            <a:r>
+              <a:rPr lang="en-US" sz="1800" dirty="0"/>
+              <a:t>files (no uniform format).</a:t>
+            </a:r>
+          </a:p>
+          <a:p>
+            <a:pPr marL="1200150" lvl="2" indent="-342900">
+              <a:buFont typeface="+mj-lt"/>
+              <a:buAutoNum type="arabicPeriod"/>
             </a:pPr>
             <a:r>
-              <a:rPr lang="en-US" dirty="0"/>
+              <a:rPr lang="en-US" sz="1800" dirty="0"/>
               <a:t>Each hospital submitted data under different excel files, sheet names, table formats, etc. </a:t>
             </a:r>
           </a:p>
           <a:p>
-            <a:pPr marL="914400" lvl="1" indent="-457200">
-              <a:buAutoNum type="arabicParenBoth"/>
+            <a:pPr marL="1200150" lvl="2" indent="-342900">
+              <a:buFont typeface="+mj-lt"/>
+              <a:buAutoNum type="arabicPeriod"/>
             </a:pPr>
             <a:r>
-              <a:rPr lang="en-US" dirty="0"/>
-              <a:t>Makes it hard to find the ‘Common OP Procedures’ table. </a:t>
-            </a:r>
-          </a:p>
-          <a:p>
-            <a:r>
-              <a:rPr lang="en-US" dirty="0"/>
-              <a:t>Solution:</a:t>
-            </a:r>
-          </a:p>
-          <a:p>
-            <a:pPr marL="914400" lvl="1" indent="-457200">
-              <a:buAutoNum type="arabicParenBoth"/>
+              <a:rPr lang="en-US" sz="1800" dirty="0"/>
+              <a:t>Makes it hard to find the </a:t>
+            </a:r>
+            <a:r>
+              <a:rPr lang="en-US" sz="1800" dirty="0" smtClean="0"/>
+              <a:t>target </a:t>
+            </a:r>
+            <a:r>
+              <a:rPr lang="en-US" sz="1800" dirty="0" smtClean="0"/>
+              <a:t>‘Common </a:t>
+            </a:r>
+            <a:r>
+              <a:rPr lang="en-US" sz="1800" dirty="0"/>
+              <a:t>OP Procedures’ table. </a:t>
+            </a:r>
+          </a:p>
+          <a:p>
+            <a:pPr lvl="1"/>
+            <a:r>
+              <a:rPr lang="en-US" sz="2000" dirty="0"/>
+              <a:t>Solution</a:t>
+            </a:r>
+            <a:r>
+              <a:rPr lang="en-US" sz="2000" dirty="0" smtClean="0"/>
+              <a:t>: </a:t>
+            </a:r>
+          </a:p>
+          <a:p>
+            <a:pPr marL="1257300" lvl="2" indent="-342900">
+              <a:buFont typeface="+mj-lt"/>
+              <a:buAutoNum type="arabicPeriod"/>
             </a:pPr>
             <a:r>
-              <a:rPr lang="en-US" dirty="0"/>
-              <a:t>Look through each sheet in every excel file in each hospital folder</a:t>
-            </a:r>
-          </a:p>
-          <a:p>
-            <a:pPr marL="914400" lvl="1" indent="-457200">
-              <a:buAutoNum type="arabicParenBoth"/>
+              <a:rPr lang="en-US" sz="1800" dirty="0"/>
+              <a:t>Script to extract all target </a:t>
+            </a:r>
+            <a:r>
+              <a:rPr lang="en-US" sz="1800" dirty="0" smtClean="0"/>
+              <a:t>sheets (next slide)</a:t>
+            </a:r>
+            <a:endParaRPr lang="en-US" sz="2000" dirty="0"/>
+          </a:p>
+          <a:p>
+            <a:pPr marL="1257300" lvl="2" indent="-342900">
+              <a:buFont typeface="+mj-lt"/>
+              <a:buAutoNum type="arabicPeriod"/>
             </a:pPr>
             <a:r>
-              <a:rPr lang="en-US" dirty="0"/>
+              <a:rPr lang="en-US" sz="1800" dirty="0"/>
+              <a:t>Look through each sheet in every excel file in each hospital </a:t>
+            </a:r>
+            <a:r>
+              <a:rPr lang="en-US" sz="1800" dirty="0" smtClean="0"/>
+              <a:t>folder</a:t>
+            </a:r>
+          </a:p>
+          <a:p>
+            <a:pPr marL="1257300" lvl="2" indent="-342900">
+              <a:buFont typeface="+mj-lt"/>
+              <a:buAutoNum type="arabicPeriod"/>
+            </a:pPr>
+            <a:r>
+              <a:rPr lang="en-US" sz="1800" dirty="0"/>
               <a:t>Check if known header of target form exist in the sheet</a:t>
             </a:r>
           </a:p>
           <a:p>
-            <a:pPr marL="914400" lvl="1" indent="-457200">
-              <a:buAutoNum type="arabicParenBoth"/>
+            <a:pPr marL="1257300" lvl="2" indent="-342900">
+              <a:buFont typeface="+mj-lt"/>
+              <a:buAutoNum type="arabicPeriod"/>
             </a:pPr>
             <a:r>
-              <a:rPr lang="en-US" dirty="0"/>
-              <a:t>Track excel file path and sheet name that meets criteria. </a:t>
-            </a:r>
+              <a:rPr lang="en-US" sz="1800" dirty="0"/>
+              <a:t>Track excel file path and sheet name that meets criteria</a:t>
+            </a:r>
+            <a:r>
+              <a:rPr lang="en-US" sz="1800" dirty="0" smtClean="0"/>
+              <a:t>.</a:t>
+            </a:r>
+            <a:endParaRPr lang="en-US" sz="1800" dirty="0" smtClean="0"/>
           </a:p>
           <a:p>
             <a:pPr marL="457200" lvl="1" indent="0">
               <a:buNone/>
             </a:pPr>
+            <a:endParaRPr lang="en-US" dirty="0"/>
+          </a:p>
+        </p:txBody>
+      </p:sp>
+      <p:sp>
+        <p:nvSpPr>
+          <p:cNvPr id="5" name="Title 1">
+            <a:extLst>
+              <a:ext uri="{FF2B5EF4-FFF2-40B4-BE49-F238E27FC236}">
+                <a16:creationId xmlns:a16="http://schemas.microsoft.com/office/drawing/2014/main" id="{9DEAB20F-EF36-4E29-BDC5-3B9A9F8EF496}"/>
+              </a:ext>
+            </a:extLst>
+          </p:cNvPr>
+          <p:cNvSpPr txBox="1">
+            <a:spLocks/>
+          </p:cNvSpPr>
+          <p:nvPr/>
+        </p:nvSpPr>
+        <p:spPr>
+          <a:xfrm>
+            <a:off x="672236" y="452718"/>
+            <a:ext cx="9404723" cy="1400530"/>
+          </a:xfrm>
+          <a:prstGeom prst="rect">
+            <a:avLst/>
+          </a:prstGeom>
+        </p:spPr>
+        <p:txBody>
+          <a:bodyPr vert="horz" lIns="91440" tIns="45720" rIns="91440" bIns="45720" rtlCol="0" anchor="t">
+            <a:noAutofit/>
+          </a:bodyPr>
+          <a:lstStyle>
+            <a:lvl1pPr algn="l" defTabSz="457200" rtl="0" eaLnBrk="1" latinLnBrk="0" hangingPunct="1">
+              <a:spcBef>
+                <a:spcPct val="0"/>
+              </a:spcBef>
+              <a:buNone/>
+              <a:defRPr sz="4200" b="0" i="0" kern="1200">
+                <a:solidFill>
+                  <a:schemeClr val="tx2"/>
+                </a:solidFill>
+                <a:latin typeface="+mj-lt"/>
+                <a:ea typeface="+mj-ea"/>
+                <a:cs typeface="+mj-cs"/>
+              </a:defRPr>
+            </a:lvl1pPr>
+            <a:lvl2pPr eaLnBrk="1" hangingPunct="1">
+              <a:defRPr>
+                <a:solidFill>
+                  <a:schemeClr val="tx2"/>
+                </a:solidFill>
+              </a:defRPr>
+            </a:lvl2pPr>
+            <a:lvl3pPr eaLnBrk="1" hangingPunct="1">
+              <a:defRPr>
+                <a:solidFill>
+                  <a:schemeClr val="tx2"/>
+                </a:solidFill>
+              </a:defRPr>
+            </a:lvl3pPr>
+            <a:lvl4pPr eaLnBrk="1" hangingPunct="1">
+              <a:defRPr>
+                <a:solidFill>
+                  <a:schemeClr val="tx2"/>
+                </a:solidFill>
+              </a:defRPr>
+            </a:lvl4pPr>
+            <a:lvl5pPr eaLnBrk="1" hangingPunct="1">
+              <a:defRPr>
+                <a:solidFill>
+                  <a:schemeClr val="tx2"/>
+                </a:solidFill>
+              </a:defRPr>
+            </a:lvl5pPr>
+            <a:lvl6pPr eaLnBrk="1" hangingPunct="1">
+              <a:defRPr>
+                <a:solidFill>
+                  <a:schemeClr val="tx2"/>
+                </a:solidFill>
+              </a:defRPr>
+            </a:lvl6pPr>
+            <a:lvl7pPr eaLnBrk="1" hangingPunct="1">
+              <a:defRPr>
+                <a:solidFill>
+                  <a:schemeClr val="tx2"/>
+                </a:solidFill>
+              </a:defRPr>
+            </a:lvl7pPr>
+            <a:lvl8pPr eaLnBrk="1" hangingPunct="1">
+              <a:defRPr>
+                <a:solidFill>
+                  <a:schemeClr val="tx2"/>
+                </a:solidFill>
+              </a:defRPr>
+            </a:lvl8pPr>
+            <a:lvl9pPr eaLnBrk="1" hangingPunct="1">
+              <a:defRPr>
+                <a:solidFill>
+                  <a:schemeClr val="tx2"/>
+                </a:solidFill>
+              </a:defRPr>
+            </a:lvl9pPr>
+          </a:lstStyle>
+          <a:p>
+            <a:r>
+              <a:rPr lang="en-US" dirty="0" smtClean="0"/>
+              <a:t>1. Charge Master Dataset</a:t>
+            </a:r>
             <a:endParaRPr lang="en-US" dirty="0"/>
           </a:p>
         </p:txBody>
@@ -3707,12 +7832,121 @@
           <a:chExt cx="0" cy="0"/>
         </a:xfrm>
       </p:grpSpPr>
+      <p:sp>
+        <p:nvSpPr>
+          <p:cNvPr id="8" name="Title 1">
+            <a:extLst>
+              <a:ext uri="{FF2B5EF4-FFF2-40B4-BE49-F238E27FC236}">
+                <a16:creationId xmlns:a16="http://schemas.microsoft.com/office/drawing/2014/main" id="{091AA999-B261-4F0D-AEF9-719A92918022}"/>
+              </a:ext>
+            </a:extLst>
+          </p:cNvPr>
+          <p:cNvSpPr txBox="1">
+            <a:spLocks/>
+          </p:cNvSpPr>
+          <p:nvPr/>
+        </p:nvSpPr>
+        <p:spPr>
+          <a:xfrm>
+            <a:off x="444034" y="5763274"/>
+            <a:ext cx="5225246" cy="576566"/>
+          </a:xfrm>
+          <a:prstGeom prst="rect">
+            <a:avLst/>
+          </a:prstGeom>
+        </p:spPr>
+        <p:txBody>
+          <a:bodyPr vert="horz" lIns="91440" tIns="45720" rIns="91440" bIns="45720" rtlCol="0" anchor="ctr">
+            <a:normAutofit/>
+          </a:bodyPr>
+          <a:lstStyle>
+            <a:lvl1pPr algn="l" defTabSz="914400" rtl="0" eaLnBrk="1" latinLnBrk="0" hangingPunct="1">
+              <a:lnSpc>
+                <a:spcPct val="90000"/>
+              </a:lnSpc>
+              <a:spcBef>
+                <a:spcPct val="0"/>
+              </a:spcBef>
+              <a:buNone/>
+              <a:defRPr sz="4400" kern="1200">
+                <a:solidFill>
+                  <a:schemeClr val="tx1"/>
+                </a:solidFill>
+                <a:latin typeface="+mj-lt"/>
+                <a:ea typeface="+mj-ea"/>
+                <a:cs typeface="+mj-cs"/>
+              </a:defRPr>
+            </a:lvl1pPr>
+          </a:lstStyle>
+          <a:p>
+            <a:r>
+              <a:rPr lang="en-US" sz="1800" dirty="0" smtClean="0"/>
+              <a:t>Each </a:t>
+            </a:r>
+            <a:r>
+              <a:rPr lang="en-US" sz="1800" dirty="0"/>
+              <a:t>hospital’s form </a:t>
+            </a:r>
+            <a:r>
+              <a:rPr lang="en-US" sz="1800" dirty="0" smtClean="0"/>
+              <a:t>(raw data)</a:t>
+            </a:r>
+            <a:endParaRPr lang="en-US" sz="1800" dirty="0"/>
+          </a:p>
+        </p:txBody>
+      </p:sp>
+      <p:sp>
+        <p:nvSpPr>
+          <p:cNvPr id="9" name="Arrow: Right 8">
+            <a:extLst>
+              <a:ext uri="{FF2B5EF4-FFF2-40B4-BE49-F238E27FC236}">
+                <a16:creationId xmlns:a16="http://schemas.microsoft.com/office/drawing/2014/main" id="{65B5A44F-B8A3-4B9D-9139-91C08CB510E8}"/>
+              </a:ext>
+            </a:extLst>
+          </p:cNvPr>
+          <p:cNvSpPr/>
+          <p:nvPr/>
+        </p:nvSpPr>
+        <p:spPr>
+          <a:xfrm>
+            <a:off x="6021795" y="4186155"/>
+            <a:ext cx="698904" cy="378573"/>
+          </a:xfrm>
+          <a:prstGeom prst="rightArrow">
+            <a:avLst/>
+          </a:prstGeom>
+        </p:spPr>
+        <p:style>
+          <a:lnRef idx="2">
+            <a:schemeClr val="accent1">
+              <a:shade val="50000"/>
+            </a:schemeClr>
+          </a:lnRef>
+          <a:fillRef idx="1">
+            <a:schemeClr val="accent1"/>
+          </a:fillRef>
+          <a:effectRef idx="0">
+            <a:schemeClr val="accent1"/>
+          </a:effectRef>
+          <a:fontRef idx="minor">
+            <a:schemeClr val="lt1"/>
+          </a:fontRef>
+        </p:style>
+        <p:txBody>
+          <a:bodyPr rtlCol="0" anchor="ctr"/>
+          <a:lstStyle/>
+          <a:p>
+            <a:pPr algn="ctr"/>
+            <a:endParaRPr lang="en-US"/>
+          </a:p>
+        </p:txBody>
+      </p:sp>
       <p:pic>
         <p:nvPicPr>
-          <p:cNvPr id="5" name="Picture 4">
+          <p:cNvPr id="15" name="Picture 14">
             <a:extLst>
               <a:ext uri="{FF2B5EF4-FFF2-40B4-BE49-F238E27FC236}">
-                <a16:creationId xmlns:a16="http://schemas.microsoft.com/office/drawing/2014/main" id="{51A3D7E7-F8F2-4F5A-BFAC-1733AFD389A0}"/>
+                <a16:creationId xmlns:a16="http://schemas.microsoft.com/office/drawing/2014/main" id="{503B8B0E-EB3D-4B1D-BE14-E1A6BDB3CCC3}"/>
               </a:ext>
             </a:extLst>
           </p:cNvPr>
@@ -3729,8 +7963,8 @@
         </p:blipFill>
         <p:spPr>
           <a:xfrm>
-            <a:off x="283906" y="1379677"/>
-            <a:ext cx="11624188" cy="4864022"/>
+            <a:off x="444034" y="2010199"/>
+            <a:ext cx="5455833" cy="3663436"/>
           </a:xfrm>
           <a:prstGeom prst="rect">
             <a:avLst/>
@@ -3739,33 +7973,222 @@
       </p:pic>
       <p:sp>
         <p:nvSpPr>
-          <p:cNvPr id="6" name="Title 1">
+          <p:cNvPr id="16" name="Title 1">
             <a:extLst>
               <a:ext uri="{FF2B5EF4-FFF2-40B4-BE49-F238E27FC236}">
-                <a16:creationId xmlns:a16="http://schemas.microsoft.com/office/drawing/2014/main" id="{2BD4E912-DAC7-4A65-BAEE-A33E46FB74FC}"/>
+                <a16:creationId xmlns:a16="http://schemas.microsoft.com/office/drawing/2014/main" id="{0AEDC687-2091-4EAD-8A8F-26BEFE16D3EA}"/>
               </a:ext>
             </a:extLst>
           </p:cNvPr>
-          <p:cNvSpPr>
-            <a:spLocks noGrp="1"/>
-          </p:cNvSpPr>
-          <p:nvPr>
-            <p:ph type="title"/>
-          </p:nvPr>
-        </p:nvSpPr>
-        <p:spPr>
-          <a:xfrm>
-            <a:off x="366439" y="114684"/>
-            <a:ext cx="10515600" cy="1325563"/>
-          </a:xfrm>
-        </p:spPr>
-        <p:txBody>
-          <a:bodyPr/>
+          <p:cNvSpPr txBox="1">
+            <a:spLocks/>
+          </p:cNvSpPr>
+          <p:nvPr/>
+        </p:nvSpPr>
+        <p:spPr>
+          <a:xfrm>
+            <a:off x="6842627" y="5763274"/>
+            <a:ext cx="4637491" cy="889199"/>
+          </a:xfrm>
+          <a:prstGeom prst="rect">
+            <a:avLst/>
+          </a:prstGeom>
+        </p:spPr>
+        <p:txBody>
+          <a:bodyPr vert="horz" lIns="91440" tIns="45720" rIns="91440" bIns="45720" rtlCol="0" anchor="ctr">
+            <a:normAutofit/>
+          </a:bodyPr>
+          <a:lstStyle>
+            <a:lvl1pPr algn="l" defTabSz="914400" rtl="0" eaLnBrk="1" latinLnBrk="0" hangingPunct="1">
+              <a:lnSpc>
+                <a:spcPct val="90000"/>
+              </a:lnSpc>
+              <a:spcBef>
+                <a:spcPct val="0"/>
+              </a:spcBef>
+              <a:buNone/>
+              <a:defRPr sz="4400" kern="1200">
+                <a:solidFill>
+                  <a:schemeClr val="tx1"/>
+                </a:solidFill>
+                <a:latin typeface="+mj-lt"/>
+                <a:ea typeface="+mj-ea"/>
+                <a:cs typeface="+mj-cs"/>
+              </a:defRPr>
+            </a:lvl1pPr>
+          </a:lstStyle>
+          <a:p>
+            <a:r>
+              <a:rPr lang="en-US" sz="1800" dirty="0" smtClean="0"/>
+              <a:t>Found filename and sheet name of target forms</a:t>
+            </a:r>
+            <a:endParaRPr lang="en-US" sz="1800" dirty="0"/>
+          </a:p>
+        </p:txBody>
+      </p:sp>
+      <p:sp>
+        <p:nvSpPr>
+          <p:cNvPr id="10" name="Title 1">
+            <a:extLst>
+              <a:ext uri="{FF2B5EF4-FFF2-40B4-BE49-F238E27FC236}">
+                <a16:creationId xmlns:a16="http://schemas.microsoft.com/office/drawing/2014/main" id="{9DEAB20F-EF36-4E29-BDC5-3B9A9F8EF496}"/>
+              </a:ext>
+            </a:extLst>
+          </p:cNvPr>
+          <p:cNvSpPr txBox="1">
+            <a:spLocks/>
+          </p:cNvSpPr>
+          <p:nvPr/>
+        </p:nvSpPr>
+        <p:spPr>
+          <a:xfrm>
+            <a:off x="601057" y="387174"/>
+            <a:ext cx="9404723" cy="870685"/>
+          </a:xfrm>
+          <a:prstGeom prst="rect">
+            <a:avLst/>
+          </a:prstGeom>
+        </p:spPr>
+        <p:txBody>
+          <a:bodyPr vert="horz" lIns="91440" tIns="45720" rIns="91440" bIns="45720" rtlCol="0" anchor="t">
+            <a:noAutofit/>
+          </a:bodyPr>
+          <a:lstStyle>
+            <a:lvl1pPr algn="l" defTabSz="457200" rtl="0" eaLnBrk="1" latinLnBrk="0" hangingPunct="1">
+              <a:spcBef>
+                <a:spcPct val="0"/>
+              </a:spcBef>
+              <a:buNone/>
+              <a:defRPr sz="4200" b="0" i="0" kern="1200">
+                <a:solidFill>
+                  <a:schemeClr val="tx2"/>
+                </a:solidFill>
+                <a:latin typeface="+mj-lt"/>
+                <a:ea typeface="+mj-ea"/>
+                <a:cs typeface="+mj-cs"/>
+              </a:defRPr>
+            </a:lvl1pPr>
+            <a:lvl2pPr eaLnBrk="1" hangingPunct="1">
+              <a:defRPr>
+                <a:solidFill>
+                  <a:schemeClr val="tx2"/>
+                </a:solidFill>
+              </a:defRPr>
+            </a:lvl2pPr>
+            <a:lvl3pPr eaLnBrk="1" hangingPunct="1">
+              <a:defRPr>
+                <a:solidFill>
+                  <a:schemeClr val="tx2"/>
+                </a:solidFill>
+              </a:defRPr>
+            </a:lvl3pPr>
+            <a:lvl4pPr eaLnBrk="1" hangingPunct="1">
+              <a:defRPr>
+                <a:solidFill>
+                  <a:schemeClr val="tx2"/>
+                </a:solidFill>
+              </a:defRPr>
+            </a:lvl4pPr>
+            <a:lvl5pPr eaLnBrk="1" hangingPunct="1">
+              <a:defRPr>
+                <a:solidFill>
+                  <a:schemeClr val="tx2"/>
+                </a:solidFill>
+              </a:defRPr>
+            </a:lvl5pPr>
+            <a:lvl6pPr eaLnBrk="1" hangingPunct="1">
+              <a:defRPr>
+                <a:solidFill>
+                  <a:schemeClr val="tx2"/>
+                </a:solidFill>
+              </a:defRPr>
+            </a:lvl6pPr>
+            <a:lvl7pPr eaLnBrk="1" hangingPunct="1">
+              <a:defRPr>
+                <a:solidFill>
+                  <a:schemeClr val="tx2"/>
+                </a:solidFill>
+              </a:defRPr>
+            </a:lvl7pPr>
+            <a:lvl8pPr eaLnBrk="1" hangingPunct="1">
+              <a:defRPr>
+                <a:solidFill>
+                  <a:schemeClr val="tx2"/>
+                </a:solidFill>
+              </a:defRPr>
+            </a:lvl8pPr>
+            <a:lvl9pPr eaLnBrk="1" hangingPunct="1">
+              <a:defRPr>
+                <a:solidFill>
+                  <a:schemeClr val="tx2"/>
+                </a:solidFill>
+              </a:defRPr>
+            </a:lvl9pPr>
+          </a:lstStyle>
+          <a:p>
+            <a:r>
+              <a:rPr lang="en-US" dirty="0" smtClean="0"/>
+              <a:t>1. Charge Master Dataset</a:t>
+            </a:r>
+            <a:endParaRPr lang="en-US" dirty="0"/>
+          </a:p>
+        </p:txBody>
+      </p:sp>
+      <p:pic>
+        <p:nvPicPr>
+          <p:cNvPr id="6" name="Picture 5"/>
+          <p:cNvPicPr>
+            <a:picLocks noChangeAspect="1"/>
+          </p:cNvPicPr>
+          <p:nvPr/>
+        </p:nvPicPr>
+        <p:blipFill>
+          <a:blip r:embed="rId3"/>
+          <a:stretch>
+            <a:fillRect/>
+          </a:stretch>
+        </p:blipFill>
+        <p:spPr>
+          <a:xfrm>
+            <a:off x="6842627" y="1257859"/>
+            <a:ext cx="4713882" cy="4631626"/>
+          </a:xfrm>
+          <a:prstGeom prst="rect">
+            <a:avLst/>
+          </a:prstGeom>
+        </p:spPr>
+      </p:pic>
+      <p:sp>
+        <p:nvSpPr>
+          <p:cNvPr id="17" name="Content Placeholder 2">
+            <a:extLst>
+              <a:ext uri="{FF2B5EF4-FFF2-40B4-BE49-F238E27FC236}">
+                <a16:creationId xmlns:a16="http://schemas.microsoft.com/office/drawing/2014/main" id="{FD94F76A-C615-4120-80B8-1EBEC98AF414}"/>
+              </a:ext>
+            </a:extLst>
+          </p:cNvPr>
+          <p:cNvSpPr>
+            <a:spLocks noGrp="1"/>
+          </p:cNvSpPr>
+          <p:nvPr>
+            <p:ph idx="1"/>
+          </p:nvPr>
+        </p:nvSpPr>
+        <p:spPr>
+          <a:xfrm>
+            <a:off x="227526" y="1417193"/>
+            <a:ext cx="6381953" cy="733824"/>
+          </a:xfrm>
+        </p:spPr>
+        <p:txBody>
+          <a:bodyPr>
+            <a:normAutofit fontScale="92500"/>
+          </a:bodyPr>
           <a:lstStyle/>
           <a:p>
             <a:r>
-              <a:rPr lang="en-US" dirty="0"/>
-              <a:t>2. Solution Output</a:t>
+              <a:rPr lang="en-US" sz="2400" dirty="0" smtClean="0"/>
+              <a:t>1.2 Cleaning raw charge masters (cont.)</a:t>
             </a:r>
           </a:p>
         </p:txBody>
@@ -3773,7 +8196,7 @@
     </p:spTree>
     <p:extLst>
       <p:ext uri="{BB962C8B-B14F-4D97-AF65-F5344CB8AC3E}">
-        <p14:creationId xmlns:p14="http://schemas.microsoft.com/office/powerpoint/2010/main" val="4079366998"/>
+        <p14:creationId xmlns:p14="http://schemas.microsoft.com/office/powerpoint/2010/main" val="629945575"/>
       </p:ext>
     </p:extLst>
   </p:cSld>
@@ -3802,10 +8225,10 @@
       </p:grpSpPr>
       <p:sp>
         <p:nvSpPr>
-          <p:cNvPr id="2" name="Title 1">
+          <p:cNvPr id="3" name="Content Placeholder 2">
             <a:extLst>
               <a:ext uri="{FF2B5EF4-FFF2-40B4-BE49-F238E27FC236}">
-                <a16:creationId xmlns:a16="http://schemas.microsoft.com/office/drawing/2014/main" id="{761C8E5A-A7D3-4A45-B296-0295A6DF2AD8}"/>
+                <a16:creationId xmlns:a16="http://schemas.microsoft.com/office/drawing/2014/main" id="{FD94F76A-C615-4120-80B8-1EBEC98AF414}"/>
               </a:ext>
             </a:extLst>
           </p:cNvPr>
@@ -3813,27 +8236,106 @@
             <a:spLocks noGrp="1"/>
           </p:cNvSpPr>
           <p:nvPr>
-            <p:ph type="title"/>
-          </p:nvPr>
-        </p:nvSpPr>
-        <p:spPr/>
-        <p:txBody>
-          <a:bodyPr/>
+            <p:ph idx="1"/>
+          </p:nvPr>
+        </p:nvSpPr>
+        <p:spPr>
+          <a:xfrm>
+            <a:off x="339635" y="1384661"/>
+            <a:ext cx="11512731" cy="4693922"/>
+          </a:xfrm>
+        </p:spPr>
+        <p:txBody>
+          <a:bodyPr>
+            <a:normAutofit/>
+          </a:bodyPr>
           <a:lstStyle/>
           <a:p>
             <a:r>
-              <a:rPr lang="en-US" dirty="0"/>
-              <a:t>3. Script to transform form table </a:t>
-            </a:r>
-          </a:p>
-        </p:txBody>
-      </p:sp>
-      <p:sp>
-        <p:nvSpPr>
-          <p:cNvPr id="8" name="Title 1">
+              <a:rPr lang="en-US" sz="2400" dirty="0" smtClean="0"/>
+              <a:t>1.2 Cleaning raw charge masters (cont.)</a:t>
+            </a:r>
+            <a:endParaRPr lang="en-US" dirty="0"/>
+          </a:p>
+          <a:p>
+            <a:pPr lvl="1"/>
+            <a:r>
+              <a:rPr lang="en-US" sz="2200" dirty="0" smtClean="0"/>
+              <a:t>After finding all target form locations:</a:t>
+            </a:r>
+          </a:p>
+          <a:p>
+            <a:pPr marL="1371600" lvl="2" indent="-457200">
+              <a:buFont typeface="+mj-lt"/>
+              <a:buAutoNum type="arabicPeriod"/>
+            </a:pPr>
+            <a:r>
+              <a:rPr lang="en-US" sz="2000" dirty="0" smtClean="0"/>
+              <a:t>Read each sheet</a:t>
+            </a:r>
+          </a:p>
+          <a:p>
+            <a:pPr marL="1371600" lvl="2" indent="-457200">
+              <a:buFont typeface="+mj-lt"/>
+              <a:buAutoNum type="arabicPeriod"/>
+            </a:pPr>
+            <a:r>
+              <a:rPr lang="en-US" sz="2000" dirty="0" smtClean="0"/>
+              <a:t>Extract only rows with valid CPT code</a:t>
+            </a:r>
+          </a:p>
+          <a:p>
+            <a:pPr marL="1371600" lvl="2" indent="-457200">
+              <a:buFont typeface="+mj-lt"/>
+              <a:buAutoNum type="arabicPeriod"/>
+            </a:pPr>
+            <a:r>
+              <a:rPr lang="en-US" sz="2000" dirty="0" smtClean="0"/>
+              <a:t>Clean CPT codes</a:t>
+            </a:r>
+          </a:p>
+          <a:p>
+            <a:pPr marL="1371600" lvl="2" indent="-457200">
+              <a:buFont typeface="+mj-lt"/>
+              <a:buAutoNum type="arabicPeriod"/>
+            </a:pPr>
+            <a:endParaRPr lang="en-US" sz="2000" dirty="0"/>
+          </a:p>
+          <a:p>
+            <a:pPr marL="1371600" lvl="2" indent="-457200">
+              <a:buFont typeface="+mj-lt"/>
+              <a:buAutoNum type="arabicPeriod"/>
+            </a:pPr>
+            <a:endParaRPr lang="en-US" sz="2000" dirty="0" smtClean="0"/>
+          </a:p>
+          <a:p>
+            <a:pPr marL="1371600" lvl="2" indent="-457200">
+              <a:buFont typeface="+mj-lt"/>
+              <a:buAutoNum type="arabicPeriod"/>
+            </a:pPr>
+            <a:r>
+              <a:rPr lang="en-US" sz="2000" dirty="0" smtClean="0"/>
+              <a:t>Combine all data frames to include all hospitals.</a:t>
+            </a:r>
+          </a:p>
+          <a:p>
+            <a:pPr marL="1371600" lvl="2" indent="-457200">
+              <a:buFont typeface="+mj-lt"/>
+              <a:buAutoNum type="arabicPeriod"/>
+            </a:pPr>
+            <a:r>
+              <a:rPr lang="en-US" sz="2000" dirty="0" smtClean="0"/>
+              <a:t>Final table columns: Hospital, Description, CPT Code, Cost</a:t>
+            </a:r>
+          </a:p>
+        </p:txBody>
+      </p:sp>
+      <p:sp>
+        <p:nvSpPr>
+          <p:cNvPr id="5" name="Title 1">
             <a:extLst>
               <a:ext uri="{FF2B5EF4-FFF2-40B4-BE49-F238E27FC236}">
-                <a16:creationId xmlns:a16="http://schemas.microsoft.com/office/drawing/2014/main" id="{091AA999-B261-4F0D-AEF9-719A92918022}"/>
+                <a16:creationId xmlns:a16="http://schemas.microsoft.com/office/drawing/2014/main" id="{9DEAB20F-EF36-4E29-BDC5-3B9A9F8EF496}"/>
               </a:ext>
             </a:extLst>
           </p:cNvPr>
@@ -3844,47 +8346,125 @@
         </p:nvSpPr>
         <p:spPr>
           <a:xfrm>
-            <a:off x="208903" y="1516364"/>
-            <a:ext cx="5014154" cy="763800"/>
+            <a:off x="672236" y="452718"/>
+            <a:ext cx="9404723" cy="1400530"/>
           </a:xfrm>
           <a:prstGeom prst="rect">
             <a:avLst/>
           </a:prstGeom>
         </p:spPr>
         <p:txBody>
-          <a:bodyPr vert="horz" lIns="91440" tIns="45720" rIns="91440" bIns="45720" rtlCol="0" anchor="ctr">
-            <a:normAutofit/>
+          <a:bodyPr vert="horz" lIns="91440" tIns="45720" rIns="91440" bIns="45720" rtlCol="0" anchor="t">
+            <a:noAutofit/>
           </a:bodyPr>
           <a:lstStyle>
-            <a:lvl1pPr algn="l" defTabSz="914400" rtl="0" eaLnBrk="1" latinLnBrk="0" hangingPunct="1">
-              <a:lnSpc>
-                <a:spcPct val="90000"/>
-              </a:lnSpc>
+            <a:lvl1pPr algn="l" defTabSz="457200" rtl="0" eaLnBrk="1" latinLnBrk="0" hangingPunct="1">
               <a:spcBef>
                 <a:spcPct val="0"/>
               </a:spcBef>
               <a:buNone/>
-              <a:defRPr sz="4400" kern="1200">
+              <a:defRPr sz="4200" b="0" i="0" kern="1200">
                 <a:solidFill>
-                  <a:schemeClr val="tx1"/>
+                  <a:schemeClr val="tx2"/>
                 </a:solidFill>
                 <a:latin typeface="+mj-lt"/>
                 <a:ea typeface="+mj-ea"/>
                 <a:cs typeface="+mj-cs"/>
               </a:defRPr>
             </a:lvl1pPr>
+            <a:lvl2pPr eaLnBrk="1" hangingPunct="1">
+              <a:defRPr>
+                <a:solidFill>
+                  <a:schemeClr val="tx2"/>
+                </a:solidFill>
+              </a:defRPr>
+            </a:lvl2pPr>
+            <a:lvl3pPr eaLnBrk="1" hangingPunct="1">
+              <a:defRPr>
+                <a:solidFill>
+                  <a:schemeClr val="tx2"/>
+                </a:solidFill>
+              </a:defRPr>
+            </a:lvl3pPr>
+            <a:lvl4pPr eaLnBrk="1" hangingPunct="1">
+              <a:defRPr>
+                <a:solidFill>
+                  <a:schemeClr val="tx2"/>
+                </a:solidFill>
+              </a:defRPr>
+            </a:lvl4pPr>
+            <a:lvl5pPr eaLnBrk="1" hangingPunct="1">
+              <a:defRPr>
+                <a:solidFill>
+                  <a:schemeClr val="tx2"/>
+                </a:solidFill>
+              </a:defRPr>
+            </a:lvl5pPr>
+            <a:lvl6pPr eaLnBrk="1" hangingPunct="1">
+              <a:defRPr>
+                <a:solidFill>
+                  <a:schemeClr val="tx2"/>
+                </a:solidFill>
+              </a:defRPr>
+            </a:lvl6pPr>
+            <a:lvl7pPr eaLnBrk="1" hangingPunct="1">
+              <a:defRPr>
+                <a:solidFill>
+                  <a:schemeClr val="tx2"/>
+                </a:solidFill>
+              </a:defRPr>
+            </a:lvl7pPr>
+            <a:lvl8pPr eaLnBrk="1" hangingPunct="1">
+              <a:defRPr>
+                <a:solidFill>
+                  <a:schemeClr val="tx2"/>
+                </a:solidFill>
+              </a:defRPr>
+            </a:lvl8pPr>
+            <a:lvl9pPr eaLnBrk="1" hangingPunct="1">
+              <a:defRPr>
+                <a:solidFill>
+                  <a:schemeClr val="tx2"/>
+                </a:solidFill>
+              </a:defRPr>
+            </a:lvl9pPr>
           </a:lstStyle>
           <a:p>
             <a:r>
-              <a:rPr lang="en-US" sz="2800" dirty="0"/>
-              <a:t>Each hospital’s form </a:t>
-            </a:r>
-          </a:p>
-        </p:txBody>
-      </p:sp>
-      <p:sp>
-        <p:nvSpPr>
-          <p:cNvPr id="9" name="Arrow: Right 8">
+              <a:rPr lang="en-US" dirty="0" smtClean="0"/>
+              <a:t>1. Charge Master Dataset</a:t>
+            </a:r>
+            <a:endParaRPr lang="en-US" dirty="0"/>
+          </a:p>
+        </p:txBody>
+      </p:sp>
+      <p:pic>
+        <p:nvPicPr>
+          <p:cNvPr id="2" name="Picture 1"/>
+          <p:cNvPicPr>
+            <a:picLocks noChangeAspect="1"/>
+          </p:cNvPicPr>
+          <p:nvPr/>
+        </p:nvPicPr>
+        <p:blipFill>
+          <a:blip r:embed="rId2"/>
+          <a:stretch>
+            <a:fillRect/>
+          </a:stretch>
+        </p:blipFill>
+        <p:spPr>
+          <a:xfrm>
+            <a:off x="1310095" y="3731622"/>
+            <a:ext cx="5120342" cy="439784"/>
+          </a:xfrm>
+          <a:prstGeom prst="rect">
+            <a:avLst/>
+          </a:prstGeom>
+        </p:spPr>
+      </p:pic>
+      <p:sp>
+        <p:nvSpPr>
+          <p:cNvPr id="6" name="Arrow: Right 8">
             <a:extLst>
               <a:ext uri="{FF2B5EF4-FFF2-40B4-BE49-F238E27FC236}">
                 <a16:creationId xmlns:a16="http://schemas.microsoft.com/office/drawing/2014/main" id="{65B5A44F-B8A3-4B9D-9139-91C08CB510E8}"/>
@@ -3896,8 +8476,8 @@
         </p:nvSpPr>
         <p:spPr>
           <a:xfrm>
-            <a:off x="5828362" y="4056130"/>
-            <a:ext cx="698904" cy="378573"/>
+            <a:off x="6561726" y="3849188"/>
+            <a:ext cx="431257" cy="201511"/>
           </a:xfrm>
           <a:prstGeom prst="rightArrow">
             <a:avLst/>
@@ -3930,122 +8510,31 @@
       </p:sp>
       <p:pic>
         <p:nvPicPr>
-          <p:cNvPr id="13" name="Picture 12">
-            <a:extLst>
-              <a:ext uri="{FF2B5EF4-FFF2-40B4-BE49-F238E27FC236}">
-                <a16:creationId xmlns:a16="http://schemas.microsoft.com/office/drawing/2014/main" id="{7DF7DD87-E708-4EA3-B732-723082A5BED3}"/>
-              </a:ext>
-            </a:extLst>
-          </p:cNvPr>
+          <p:cNvPr id="4" name="Picture 3"/>
           <p:cNvPicPr>
             <a:picLocks noChangeAspect="1"/>
           </p:cNvPicPr>
           <p:nvPr/>
         </p:nvPicPr>
-        <p:blipFill>
-          <a:blip r:embed="rId2"/>
-          <a:stretch>
-            <a:fillRect/>
-          </a:stretch>
+        <p:blipFill rotWithShape="1">
+          <a:blip r:embed="rId3"/>
+          <a:srcRect l="1570" t="7253" r="1962" b="8184"/>
+          <a:stretch/>
         </p:blipFill>
         <p:spPr>
           <a:xfrm>
-            <a:off x="6612460" y="2386100"/>
-            <a:ext cx="5370637" cy="3557500"/>
+            <a:off x="7339937" y="3560966"/>
+            <a:ext cx="3746074" cy="809898"/>
           </a:xfrm>
           <a:prstGeom prst="rect">
             <a:avLst/>
           </a:prstGeom>
         </p:spPr>
       </p:pic>
-      <p:pic>
-        <p:nvPicPr>
-          <p:cNvPr id="15" name="Picture 14">
-            <a:extLst>
-              <a:ext uri="{FF2B5EF4-FFF2-40B4-BE49-F238E27FC236}">
-                <a16:creationId xmlns:a16="http://schemas.microsoft.com/office/drawing/2014/main" id="{503B8B0E-EB3D-4B1D-BE14-E1A6BDB3CCC3}"/>
-              </a:ext>
-            </a:extLst>
-          </p:cNvPr>
-          <p:cNvPicPr>
-            <a:picLocks noChangeAspect="1"/>
-          </p:cNvPicPr>
-          <p:nvPr/>
-        </p:nvPicPr>
-        <p:blipFill>
-          <a:blip r:embed="rId3"/>
-          <a:stretch>
-            <a:fillRect/>
-          </a:stretch>
-        </p:blipFill>
-        <p:spPr>
-          <a:xfrm>
-            <a:off x="208903" y="2280164"/>
-            <a:ext cx="5455833" cy="3663436"/>
-          </a:xfrm>
-          <a:prstGeom prst="rect">
-            <a:avLst/>
-          </a:prstGeom>
-        </p:spPr>
-      </p:pic>
-      <p:sp>
-        <p:nvSpPr>
-          <p:cNvPr id="16" name="Title 1">
-            <a:extLst>
-              <a:ext uri="{FF2B5EF4-FFF2-40B4-BE49-F238E27FC236}">
-                <a16:creationId xmlns:a16="http://schemas.microsoft.com/office/drawing/2014/main" id="{0AEDC687-2091-4EAD-8A8F-26BEFE16D3EA}"/>
-              </a:ext>
-            </a:extLst>
-          </p:cNvPr>
-          <p:cNvSpPr txBox="1">
-            <a:spLocks/>
-          </p:cNvSpPr>
-          <p:nvPr/>
-        </p:nvSpPr>
-        <p:spPr>
-          <a:xfrm>
-            <a:off x="6612460" y="1644343"/>
-            <a:ext cx="4826534" cy="635821"/>
-          </a:xfrm>
-          <a:prstGeom prst="rect">
-            <a:avLst/>
-          </a:prstGeom>
-        </p:spPr>
-        <p:txBody>
-          <a:bodyPr vert="horz" lIns="91440" tIns="45720" rIns="91440" bIns="45720" rtlCol="0" anchor="ctr">
-            <a:normAutofit fontScale="85000" lnSpcReduction="20000"/>
-          </a:bodyPr>
-          <a:lstStyle>
-            <a:lvl1pPr algn="l" defTabSz="914400" rtl="0" eaLnBrk="1" latinLnBrk="0" hangingPunct="1">
-              <a:lnSpc>
-                <a:spcPct val="90000"/>
-              </a:lnSpc>
-              <a:spcBef>
-                <a:spcPct val="0"/>
-              </a:spcBef>
-              <a:buNone/>
-              <a:defRPr sz="4400" kern="1200">
-                <a:solidFill>
-                  <a:schemeClr val="tx1"/>
-                </a:solidFill>
-                <a:latin typeface="+mj-lt"/>
-                <a:ea typeface="+mj-ea"/>
-                <a:cs typeface="+mj-cs"/>
-              </a:defRPr>
-            </a:lvl1pPr>
-          </a:lstStyle>
-          <a:p>
-            <a:r>
-              <a:rPr lang="en-US" sz="2800" dirty="0"/>
-              <a:t>Compile Description, CPT, and Charge for all hospitals</a:t>
-            </a:r>
-          </a:p>
-        </p:txBody>
-      </p:sp>
     </p:spTree>
     <p:extLst>
       <p:ext uri="{BB962C8B-B14F-4D97-AF65-F5344CB8AC3E}">
-        <p14:creationId xmlns:p14="http://schemas.microsoft.com/office/powerpoint/2010/main" val="629945575"/>
+        <p14:creationId xmlns:p14="http://schemas.microsoft.com/office/powerpoint/2010/main" val="4188419778"/>
       </p:ext>
     </p:extLst>
   </p:cSld>
@@ -4077,7 +8566,7 @@
           <p:cNvPr id="2" name="Title 1">
             <a:extLst>
               <a:ext uri="{FF2B5EF4-FFF2-40B4-BE49-F238E27FC236}">
-                <a16:creationId xmlns:a16="http://schemas.microsoft.com/office/drawing/2014/main" id="{F70BC87E-ECC2-4B81-AC46-BC65E1585EEA}"/>
+                <a16:creationId xmlns:a16="http://schemas.microsoft.com/office/drawing/2014/main" id="{9DEAB20F-EF36-4E29-BDC5-3B9A9F8EF496}"/>
               </a:ext>
             </a:extLst>
           </p:cNvPr>
@@ -4095,26 +8584,66 @@
           <a:p>
             <a:r>
               <a:rPr lang="en-US" dirty="0"/>
-              <a:t>CPT </a:t>
-            </a:r>
-          </a:p>
-        </p:txBody>
-      </p:sp>
-      <p:pic>
-        <p:nvPicPr>
-          <p:cNvPr id="5" name="Content Placeholder 4">
+              <a:t>1. </a:t>
+            </a:r>
+            <a:r>
+              <a:rPr lang="en-US" dirty="0" smtClean="0"/>
+              <a:t>Charge Master </a:t>
+            </a:r>
+            <a:r>
+              <a:rPr lang="en-US" dirty="0"/>
+              <a:t>Dataset</a:t>
+            </a:r>
+          </a:p>
+        </p:txBody>
+      </p:sp>
+      <p:sp>
+        <p:nvSpPr>
+          <p:cNvPr id="3" name="Content Placeholder 2">
             <a:extLst>
               <a:ext uri="{FF2B5EF4-FFF2-40B4-BE49-F238E27FC236}">
-                <a16:creationId xmlns:a16="http://schemas.microsoft.com/office/drawing/2014/main" id="{A25C951F-13BA-4C66-8941-FBF9610E5B56}"/>
+                <a16:creationId xmlns:a16="http://schemas.microsoft.com/office/drawing/2014/main" id="{3FC68ED0-3D02-441A-861E-60A2F37645FF}"/>
               </a:ext>
             </a:extLst>
           </p:cNvPr>
+          <p:cNvSpPr>
+            <a:spLocks noGrp="1"/>
+          </p:cNvSpPr>
+          <p:nvPr>
+            <p:ph idx="1"/>
+          </p:nvPr>
+        </p:nvSpPr>
+        <p:spPr>
+          <a:xfrm>
+            <a:off x="646111" y="1368471"/>
+            <a:ext cx="10515600" cy="4351338"/>
+          </a:xfrm>
+        </p:spPr>
+        <p:txBody>
+          <a:bodyPr/>
+          <a:lstStyle/>
+          <a:p>
+            <a:r>
+              <a:rPr lang="en-US" dirty="0" smtClean="0"/>
+              <a:t>1.3 Final charge masters dataset </a:t>
+            </a:r>
+            <a:endParaRPr lang="en-US" dirty="0"/>
+          </a:p>
+          <a:p>
+            <a:pPr marL="0" indent="0">
+              <a:buNone/>
+            </a:pPr>
+            <a:endParaRPr lang="en-US" dirty="0"/>
+          </a:p>
+        </p:txBody>
+      </p:sp>
+      <p:pic>
+        <p:nvPicPr>
+          <p:cNvPr id="4" name="Picture 3"/>
           <p:cNvPicPr>
-            <a:picLocks noGrp="1" noChangeAspect="1"/>
+            <a:picLocks noChangeAspect="1"/>
           </p:cNvPicPr>
-          <p:nvPr>
-            <p:ph idx="1"/>
-          </p:nvPr>
+          <p:nvPr/>
         </p:nvPicPr>
         <p:blipFill>
           <a:blip r:embed="rId2"/>
@@ -4124,15 +8653,18 @@
         </p:blipFill>
         <p:spPr>
           <a:xfrm>
-            <a:off x="1162720" y="1825625"/>
-            <a:ext cx="9866559" cy="4351338"/>
-          </a:xfrm>
+            <a:off x="1513831" y="1853248"/>
+            <a:ext cx="8770583" cy="4782314"/>
+          </a:xfrm>
+          <a:prstGeom prst="rect">
+            <a:avLst/>
+          </a:prstGeom>
         </p:spPr>
       </p:pic>
     </p:spTree>
     <p:extLst>
       <p:ext uri="{BB962C8B-B14F-4D97-AF65-F5344CB8AC3E}">
-        <p14:creationId xmlns:p14="http://schemas.microsoft.com/office/powerpoint/2010/main" val="3598045890"/>
+        <p14:creationId xmlns:p14="http://schemas.microsoft.com/office/powerpoint/2010/main" val="3586056691"/>
       </p:ext>
     </p:extLst>
   </p:cSld>
@@ -4181,39 +8713,75 @@
           <a:lstStyle/>
           <a:p>
             <a:r>
-              <a:rPr lang="en-US" dirty="0"/>
-              <a:t>Addresses </a:t>
-            </a:r>
+              <a:rPr lang="en-US" dirty="0" smtClean="0"/>
+              <a:t>2. Hospitals</a:t>
+            </a:r>
+            <a:endParaRPr lang="en-US" dirty="0"/>
+          </a:p>
+        </p:txBody>
+      </p:sp>
+      <p:sp>
+        <p:nvSpPr>
+          <p:cNvPr id="4" name="Content Placeholder 3"/>
+          <p:cNvSpPr>
+            <a:spLocks noGrp="1"/>
+          </p:cNvSpPr>
+          <p:nvPr>
+            <p:ph idx="1"/>
+          </p:nvPr>
+        </p:nvSpPr>
+        <p:spPr>
+          <a:xfrm>
+            <a:off x="878306" y="1371600"/>
+            <a:ext cx="10443410" cy="5077326"/>
+          </a:xfrm>
+        </p:spPr>
+        <p:txBody>
+          <a:bodyPr/>
+          <a:lstStyle/>
+          <a:p>
+            <a:r>
+              <a:rPr lang="en-US" dirty="0" smtClean="0"/>
+              <a:t>Downloaded from </a:t>
+            </a:r>
+            <a:r>
+              <a:rPr lang="en-US" dirty="0" smtClean="0">
+                <a:hlinkClick r:id="rId2"/>
+              </a:rPr>
+              <a:t>https</a:t>
+            </a:r>
+            <a:r>
+              <a:rPr lang="en-US" dirty="0">
+                <a:hlinkClick r:id="rId2"/>
+              </a:rPr>
+              <a:t>://data.chhs.ca.gov/dataset/facility-profile-attributes</a:t>
+            </a:r>
+            <a:endParaRPr lang="en-US" dirty="0"/>
           </a:p>
         </p:txBody>
       </p:sp>
       <p:pic>
         <p:nvPicPr>
-          <p:cNvPr id="5" name="Content Placeholder 4">
-            <a:extLst>
-              <a:ext uri="{FF2B5EF4-FFF2-40B4-BE49-F238E27FC236}">
-                <a16:creationId xmlns:a16="http://schemas.microsoft.com/office/drawing/2014/main" id="{39C2330E-D9C5-4262-944A-FCEEA00EB495}"/>
-              </a:ext>
-            </a:extLst>
-          </p:cNvPr>
+          <p:cNvPr id="6" name="Picture 5"/>
           <p:cNvPicPr>
-            <a:picLocks noGrp="1" noChangeAspect="1"/>
+            <a:picLocks noChangeAspect="1"/>
           </p:cNvPicPr>
-          <p:nvPr>
-            <p:ph idx="1"/>
-          </p:nvPr>
+          <p:nvPr/>
         </p:nvPicPr>
         <p:blipFill>
-          <a:blip r:embed="rId2"/>
+          <a:blip r:embed="rId3"/>
           <a:stretch>
             <a:fillRect/>
           </a:stretch>
         </p:blipFill>
         <p:spPr>
           <a:xfrm>
-            <a:off x="1195619" y="1825625"/>
-            <a:ext cx="9800762" cy="4351338"/>
-          </a:xfrm>
+            <a:off x="1435094" y="1925437"/>
+            <a:ext cx="9329833" cy="4649820"/>
+          </a:xfrm>
+          <a:prstGeom prst="rect">
+            <a:avLst/>
+          </a:prstGeom>
         </p:spPr>
       </p:pic>
     </p:spTree>
@@ -4251,7 +8819,7 @@
           <p:cNvPr id="2" name="Title 1">
             <a:extLst>
               <a:ext uri="{FF2B5EF4-FFF2-40B4-BE49-F238E27FC236}">
-                <a16:creationId xmlns:a16="http://schemas.microsoft.com/office/drawing/2014/main" id="{DF2B9566-E64A-4E3F-818F-670BB9D0795B}"/>
+                <a16:creationId xmlns:a16="http://schemas.microsoft.com/office/drawing/2014/main" id="{D0E57B44-B0E5-4768-A727-53E7C3F5C211}"/>
               </a:ext>
             </a:extLst>
           </p:cNvPr>
@@ -4268,45 +8836,78 @@
           <a:lstStyle/>
           <a:p>
             <a:r>
+              <a:rPr lang="en-US" dirty="0" smtClean="0"/>
+              <a:t>3. Insurance</a:t>
+            </a:r>
+            <a:endParaRPr lang="en-US" dirty="0"/>
+          </a:p>
+        </p:txBody>
+      </p:sp>
+      <p:sp>
+        <p:nvSpPr>
+          <p:cNvPr id="3" name="Content Placeholder 2"/>
+          <p:cNvSpPr>
+            <a:spLocks noGrp="1"/>
+          </p:cNvSpPr>
+          <p:nvPr>
+            <p:ph idx="1"/>
+          </p:nvPr>
+        </p:nvSpPr>
+        <p:spPr>
+          <a:xfrm>
+            <a:off x="499312" y="1359568"/>
+            <a:ext cx="11225462" cy="5281864"/>
+          </a:xfrm>
+        </p:spPr>
+        <p:txBody>
+          <a:bodyPr/>
+          <a:lstStyle/>
+          <a:p>
+            <a:r>
+              <a:rPr lang="en-US" dirty="0" smtClean="0"/>
+              <a:t>Table copied </a:t>
+            </a:r>
+            <a:r>
               <a:rPr lang="en-US" dirty="0"/>
-              <a:t>Patient Expenses</a:t>
-            </a:r>
+              <a:t>from </a:t>
+            </a:r>
+            <a:r>
+              <a:rPr lang="en-US" dirty="0">
+                <a:hlinkClick r:id="rId2"/>
+              </a:rPr>
+              <a:t>http://www.insurance.ca.gov/01-consumers/110-health/20-look/hcpcarriers.cfm</a:t>
+            </a:r>
+            <a:endParaRPr lang="en-US" dirty="0"/>
           </a:p>
         </p:txBody>
       </p:sp>
       <p:pic>
         <p:nvPicPr>
-          <p:cNvPr id="5" name="Content Placeholder 4">
-            <a:extLst>
-              <a:ext uri="{FF2B5EF4-FFF2-40B4-BE49-F238E27FC236}">
-                <a16:creationId xmlns:a16="http://schemas.microsoft.com/office/drawing/2014/main" id="{6ABF6722-0B3D-4946-B1C9-329C14320CD0}"/>
-              </a:ext>
-            </a:extLst>
-          </p:cNvPr>
+          <p:cNvPr id="4" name="Picture 3"/>
           <p:cNvPicPr>
-            <a:picLocks noGrp="1" noChangeAspect="1"/>
+            <a:picLocks noChangeAspect="1"/>
           </p:cNvPicPr>
-          <p:nvPr>
-            <p:ph idx="1"/>
-          </p:nvPr>
+          <p:nvPr/>
         </p:nvPicPr>
-        <p:blipFill>
-          <a:blip r:embed="rId2"/>
-          <a:stretch>
-            <a:fillRect/>
-          </a:stretch>
+        <p:blipFill rotWithShape="1">
+          <a:blip r:embed="rId3"/>
+          <a:srcRect l="353" t="826" r="2147" b="50574"/>
+          <a:stretch/>
         </p:blipFill>
         <p:spPr>
           <a:xfrm>
-            <a:off x="3832327" y="1479291"/>
-            <a:ext cx="4374084" cy="4872398"/>
-          </a:xfrm>
+            <a:off x="2099511" y="2338094"/>
+            <a:ext cx="7526392" cy="4014579"/>
+          </a:xfrm>
+          <a:prstGeom prst="rect">
+            <a:avLst/>
+          </a:prstGeom>
         </p:spPr>
       </p:pic>
     </p:spTree>
     <p:extLst>
       <p:ext uri="{BB962C8B-B14F-4D97-AF65-F5344CB8AC3E}">
-        <p14:creationId xmlns:p14="http://schemas.microsoft.com/office/powerpoint/2010/main" val="2523615229"/>
+        <p14:creationId xmlns:p14="http://schemas.microsoft.com/office/powerpoint/2010/main" val="4230184588"/>
       </p:ext>
     </p:extLst>
   </p:cSld>
@@ -4338,7 +8939,7 @@
           <p:cNvPr id="2" name="Title 1">
             <a:extLst>
               <a:ext uri="{FF2B5EF4-FFF2-40B4-BE49-F238E27FC236}">
-                <a16:creationId xmlns:a16="http://schemas.microsoft.com/office/drawing/2014/main" id="{6439A11B-E691-42EA-85C7-ADD7263E4313}"/>
+                <a16:creationId xmlns:a16="http://schemas.microsoft.com/office/drawing/2014/main" id="{F70BC87E-ECC2-4B81-AC46-BC65E1585EEA}"/>
               </a:ext>
             </a:extLst>
           </p:cNvPr>
@@ -4349,56 +8950,162 @@
             <p:ph type="title"/>
           </p:nvPr>
         </p:nvSpPr>
-        <p:spPr>
-          <a:xfrm>
-            <a:off x="325476" y="423367"/>
-            <a:ext cx="10515600" cy="1325563"/>
-          </a:xfrm>
-        </p:spPr>
+        <p:spPr/>
         <p:txBody>
           <a:bodyPr/>
           <a:lstStyle/>
           <a:p>
             <a:r>
+              <a:rPr lang="en-US" dirty="0" smtClean="0"/>
+              <a:t>4. CPT </a:t>
+            </a:r>
+            <a:endParaRPr lang="en-US" dirty="0"/>
+          </a:p>
+        </p:txBody>
+      </p:sp>
+      <p:sp>
+        <p:nvSpPr>
+          <p:cNvPr id="3" name="Content Placeholder 2"/>
+          <p:cNvSpPr>
+            <a:spLocks noGrp="1"/>
+          </p:cNvSpPr>
+          <p:nvPr>
+            <p:ph idx="1"/>
+          </p:nvPr>
+        </p:nvSpPr>
+        <p:spPr>
+          <a:xfrm>
+            <a:off x="646111" y="1323703"/>
+            <a:ext cx="10972799" cy="5181599"/>
+          </a:xfrm>
+        </p:spPr>
+        <p:txBody>
+          <a:bodyPr>
+            <a:normAutofit/>
+          </a:bodyPr>
+          <a:lstStyle/>
+          <a:p>
+            <a:pPr>
+              <a:lnSpc>
+                <a:spcPct val="150000"/>
+              </a:lnSpc>
+            </a:pPr>
+            <a:r>
+              <a:rPr lang="en-US" sz="1800" dirty="0" smtClean="0"/>
+              <a:t>1.1 Downloaded </a:t>
+            </a:r>
+            <a:r>
+              <a:rPr lang="en-US" sz="1800" dirty="0"/>
+              <a:t>from </a:t>
+            </a:r>
+            <a:r>
+              <a:rPr lang="en-US" sz="1800" dirty="0">
+                <a:hlinkClick r:id="rId2"/>
+              </a:rPr>
+              <a:t>https://</a:t>
+            </a:r>
+            <a:r>
+              <a:rPr lang="en-US" sz="1800" dirty="0" smtClean="0">
+                <a:hlinkClick r:id="rId2"/>
+              </a:rPr>
+              <a:t>www.cms.gov/Medicare/Medicare-Fee-for-Service-Payment/PhysicianFeeSched/PFS-Relative-Value-Files</a:t>
+            </a:r>
+            <a:endParaRPr lang="en-US" sz="1800" dirty="0" smtClean="0"/>
+          </a:p>
+          <a:p>
+            <a:pPr>
+              <a:lnSpc>
+                <a:spcPct val="150000"/>
+              </a:lnSpc>
+            </a:pPr>
+            <a:r>
+              <a:rPr lang="en-US" sz="1800" dirty="0" smtClean="0"/>
+              <a:t>1.2 HCPCS vs CPT codes </a:t>
+            </a:r>
+          </a:p>
+          <a:p>
+            <a:pPr lvl="1">
+              <a:lnSpc>
+                <a:spcPct val="150000"/>
+              </a:lnSpc>
+            </a:pPr>
+            <a:r>
+              <a:rPr lang="en-US" dirty="0">
+                <a:hlinkClick r:id="rId3"/>
+              </a:rPr>
+              <a:t>https://www.medicalbillingandcoding.org/hcpcs-codes/</a:t>
+            </a:r>
+            <a:endParaRPr lang="en-US" dirty="0" smtClean="0"/>
+          </a:p>
+          <a:p>
+            <a:pPr lvl="1">
+              <a:lnSpc>
+                <a:spcPct val="150000"/>
+              </a:lnSpc>
+            </a:pPr>
+            <a:r>
+              <a:rPr lang="en-US" dirty="0" smtClean="0"/>
+              <a:t>“Level </a:t>
+            </a:r>
+            <a:r>
               <a:rPr lang="en-US" dirty="0"/>
-              <a:t>Accepted Insurances Per Hospital (WIP)</a:t>
-            </a:r>
-          </a:p>
-        </p:txBody>
-      </p:sp>
-      <p:pic>
-        <p:nvPicPr>
-          <p:cNvPr id="5" name="Content Placeholder 4">
-            <a:extLst>
-              <a:ext uri="{FF2B5EF4-FFF2-40B4-BE49-F238E27FC236}">
-                <a16:creationId xmlns:a16="http://schemas.microsoft.com/office/drawing/2014/main" id="{B9B0AC64-F050-4450-B73F-5BF3549713AF}"/>
-              </a:ext>
-            </a:extLst>
-          </p:cNvPr>
-          <p:cNvPicPr>
-            <a:picLocks noGrp="1" noChangeAspect="1"/>
-          </p:cNvPicPr>
-          <p:nvPr>
-            <p:ph idx="1"/>
-          </p:nvPr>
-        </p:nvPicPr>
-        <p:blipFill>
-          <a:blip r:embed="rId2"/>
-          <a:stretch>
-            <a:fillRect/>
-          </a:stretch>
-        </p:blipFill>
-        <p:spPr>
-          <a:xfrm>
-            <a:off x="325476" y="1956932"/>
-            <a:ext cx="11657252" cy="3587710"/>
-          </a:xfrm>
-        </p:spPr>
-      </p:pic>
+              <a:t>one is identical to CPT, though technically those codes, when used to bill Medicare or Medicaid, are HCPCS </a:t>
+            </a:r>
+            <a:r>
+              <a:rPr lang="en-US" dirty="0" smtClean="0"/>
+              <a:t>codes”</a:t>
+            </a:r>
+          </a:p>
+          <a:p>
+            <a:pPr>
+              <a:lnSpc>
+                <a:spcPct val="150000"/>
+              </a:lnSpc>
+            </a:pPr>
+            <a:r>
+              <a:rPr lang="en-US" sz="1800" dirty="0" smtClean="0"/>
+              <a:t>1.3 Which file to use:</a:t>
+            </a:r>
+          </a:p>
+          <a:p>
+            <a:pPr lvl="1">
+              <a:lnSpc>
+                <a:spcPct val="150000"/>
+              </a:lnSpc>
+            </a:pPr>
+            <a:r>
+              <a:rPr lang="en-US" dirty="0" smtClean="0"/>
+              <a:t>Updated every quarter, use part D (last quarter of year)</a:t>
+            </a:r>
+          </a:p>
+          <a:p>
+            <a:pPr lvl="1">
+              <a:lnSpc>
+                <a:spcPct val="150000"/>
+              </a:lnSpc>
+            </a:pPr>
+            <a:r>
+              <a:rPr lang="en-US" dirty="0" smtClean="0"/>
+              <a:t>Use RVU files (Relative Value Units) in text format </a:t>
+            </a:r>
+          </a:p>
+          <a:p>
+            <a:pPr lvl="1">
+              <a:lnSpc>
+                <a:spcPct val="150000"/>
+              </a:lnSpc>
+            </a:pPr>
+            <a:endParaRPr lang="en-US" dirty="0" smtClean="0"/>
+          </a:p>
+          <a:p>
+            <a:endParaRPr lang="en-US" sz="2400" dirty="0"/>
+          </a:p>
+        </p:txBody>
+      </p:sp>
     </p:spTree>
     <p:extLst>
       <p:ext uri="{BB962C8B-B14F-4D97-AF65-F5344CB8AC3E}">
-        <p14:creationId xmlns:p14="http://schemas.microsoft.com/office/powerpoint/2010/main" val="2762973724"/>
+        <p14:creationId xmlns:p14="http://schemas.microsoft.com/office/powerpoint/2010/main" val="3598045890"/>
       </p:ext>
     </p:extLst>
   </p:cSld>
@@ -4409,9 +9116,9 @@
 </file>
 
 <file path=ppt/theme/theme1.xml><?xml version="1.0" encoding="utf-8"?>
-<a:theme xmlns:a="http://schemas.openxmlformats.org/drawingml/2006/main" name="Office Theme">
+<a:theme xmlns:a="http://schemas.openxmlformats.org/drawingml/2006/main" name="Ion">
   <a:themeElements>
-    <a:clrScheme name="Office">
+    <a:clrScheme name="Ion">
       <a:dk1>
         <a:sysClr val="windowText" lastClr="000000"/>
       </a:dk1>
@@ -4419,44 +9126,44 @@
         <a:sysClr val="window" lastClr="FFFFFF"/>
       </a:lt1>
       <a:dk2>
-        <a:srgbClr val="44546A"/>
+        <a:srgbClr val="1E5155"/>
       </a:dk2>
       <a:lt2>
-        <a:srgbClr val="E7E6E6"/>
+        <a:srgbClr val="EBEBEB"/>
       </a:lt2>
       <a:accent1>
-        <a:srgbClr val="4472C4"/>
+        <a:srgbClr val="B01513"/>
       </a:accent1>
       <a:accent2>
-        <a:srgbClr val="ED7D31"/>
+        <a:srgbClr val="EA6312"/>
       </a:accent2>
       <a:accent3>
-        <a:srgbClr val="A5A5A5"/>
+        <a:srgbClr val="E6B729"/>
       </a:accent3>
       <a:accent4>
-        <a:srgbClr val="FFC000"/>
+        <a:srgbClr val="6AAC90"/>
       </a:accent4>
       <a:accent5>
-        <a:srgbClr val="5B9BD5"/>
+        <a:srgbClr val="54849A"/>
       </a:accent5>
       <a:accent6>
-        <a:srgbClr val="70AD47"/>
+        <a:srgbClr val="9E5E9B"/>
       </a:accent6>
       <a:hlink>
-        <a:srgbClr val="0563C1"/>
+        <a:srgbClr val="58C1BA"/>
       </a:hlink>
       <a:folHlink>
-        <a:srgbClr val="954F72"/>
+        <a:srgbClr val="9DFFCB"/>
       </a:folHlink>
     </a:clrScheme>
-    <a:fontScheme name="Office">
+    <a:fontScheme name="Ion">
       <a:majorFont>
-        <a:latin typeface="Calibri Light" panose="020F0302020204030204"/>
+        <a:latin typeface="Century Gothic" panose="020B0502020202020204"/>
         <a:ea typeface=""/>
         <a:cs typeface=""/>
-        <a:font script="Jpan" typeface="游ゴシック Light"/>
+        <a:font script="Jpan" typeface="メイリオ"/>
         <a:font script="Hang" typeface="맑은 고딕"/>
-        <a:font script="Hans" typeface="等线 Light"/>
+        <a:font script="Hans" typeface="宋体"/>
         <a:font script="Hant" typeface="新細明體"/>
         <a:font script="Arab" typeface="Times New Roman"/>
         <a:font script="Hebr" typeface="Times New Roman"/>
@@ -4484,31 +9191,14 @@
         <a:font script="Viet" typeface="Times New Roman"/>
         <a:font script="Uigh" typeface="Microsoft Uighur"/>
         <a:font script="Geor" typeface="Sylfaen"/>
-        <a:font script="Armn" typeface="Arial"/>
-        <a:font script="Bugi" typeface="Leelawadee UI"/>
-        <a:font script="Bopo" typeface="Microsoft JhengHei"/>
-        <a:font script="Java" typeface="Javanese Text"/>
-        <a:font script="Lisu" typeface="Segoe UI"/>
-        <a:font script="Mymr" typeface="Myanmar Text"/>
-        <a:font script="Nkoo" typeface="Ebrima"/>
-        <a:font script="Olck" typeface="Nirmala UI"/>
-        <a:font script="Osma" typeface="Ebrima"/>
-        <a:font script="Phag" typeface="Phagspa"/>
-        <a:font script="Syrn" typeface="Estrangelo Edessa"/>
-        <a:font script="Syrj" typeface="Estrangelo Edessa"/>
-        <a:font script="Syre" typeface="Estrangelo Edessa"/>
-        <a:font script="Sora" typeface="Nirmala UI"/>
-        <a:font script="Tale" typeface="Microsoft Tai Le"/>
-        <a:font script="Talu" typeface="Microsoft New Tai Lue"/>
-        <a:font script="Tfng" typeface="Ebrima"/>
       </a:majorFont>
       <a:minorFont>
-        <a:latin typeface="Calibri" panose="020F0502020204030204"/>
+        <a:latin typeface="Century Gothic" panose="020B0502020202020204"/>
         <a:ea typeface=""/>
         <a:cs typeface=""/>
-        <a:font script="Jpan" typeface="游ゴシック"/>
+        <a:font script="Jpan" typeface="メイリオ"/>
         <a:font script="Hang" typeface="맑은 고딕"/>
-        <a:font script="Hans" typeface="等线"/>
+        <a:font script="Hans" typeface="宋体"/>
         <a:font script="Hant" typeface="新細明體"/>
         <a:font script="Arab" typeface="Arial"/>
         <a:font script="Hebr" typeface="Arial"/>
@@ -4536,26 +9226,9 @@
         <a:font script="Viet" typeface="Arial"/>
         <a:font script="Uigh" typeface="Microsoft Uighur"/>
         <a:font script="Geor" typeface="Sylfaen"/>
-        <a:font script="Armn" typeface="Arial"/>
-        <a:font script="Bugi" typeface="Leelawadee UI"/>
-        <a:font script="Bopo" typeface="Microsoft JhengHei"/>
-        <a:font script="Java" typeface="Javanese Text"/>
-        <a:font script="Lisu" typeface="Segoe UI"/>
-        <a:font script="Mymr" typeface="Myanmar Text"/>
-        <a:font script="Nkoo" typeface="Ebrima"/>
-        <a:font script="Olck" typeface="Nirmala UI"/>
-        <a:font script="Osma" typeface="Ebrima"/>
-        <a:font script="Phag" typeface="Phagspa"/>
-        <a:font script="Syrn" typeface="Estrangelo Edessa"/>
-        <a:font script="Syrj" typeface="Estrangelo Edessa"/>
-        <a:font script="Syre" typeface="Estrangelo Edessa"/>
-        <a:font script="Sora" typeface="Nirmala UI"/>
-        <a:font script="Tale" typeface="Microsoft Tai Le"/>
-        <a:font script="Talu" typeface="Microsoft New Tai Lue"/>
-        <a:font script="Tfng" typeface="Ebrima"/>
       </a:minorFont>
     </a:fontScheme>
-    <a:fmtScheme name="Office">
+    <a:fmtScheme name="Ion">
       <a:fillStyleLst>
         <a:solidFill>
           <a:schemeClr val="phClr"/>
@@ -4564,23 +9237,15 @@
           <a:gsLst>
             <a:gs pos="0">
               <a:schemeClr val="phClr">
-                <a:lumMod val="110000"/>
-                <a:satMod val="105000"/>
-                <a:tint val="67000"/>
-              </a:schemeClr>
-            </a:gs>
-            <a:gs pos="50000">
-              <a:schemeClr val="phClr">
-                <a:lumMod val="105000"/>
-                <a:satMod val="103000"/>
-                <a:tint val="73000"/>
+                <a:tint val="64000"/>
+                <a:lumMod val="118000"/>
               </a:schemeClr>
             </a:gs>
             <a:gs pos="100000">
               <a:schemeClr val="phClr">
-                <a:lumMod val="105000"/>
-                <a:satMod val="109000"/>
-                <a:tint val="81000"/>
+                <a:tint val="92000"/>
+                <a:alpha val="100000"/>
+                <a:lumMod val="110000"/>
               </a:schemeClr>
             </a:gs>
           </a:gsLst>
@@ -4590,23 +9255,14 @@
           <a:gsLst>
             <a:gs pos="0">
               <a:schemeClr val="phClr">
-                <a:satMod val="103000"/>
-                <a:lumMod val="102000"/>
-                <a:tint val="94000"/>
-              </a:schemeClr>
-            </a:gs>
-            <a:gs pos="50000">
-              <a:schemeClr val="phClr">
-                <a:satMod val="110000"/>
-                <a:lumMod val="100000"/>
-                <a:shade val="100000"/>
+                <a:tint val="98000"/>
+                <a:lumMod val="114000"/>
               </a:schemeClr>
             </a:gs>
             <a:gs pos="100000">
               <a:schemeClr val="phClr">
-                <a:lumMod val="99000"/>
-                <a:satMod val="120000"/>
-                <a:shade val="78000"/>
+                <a:shade val="90000"/>
+                <a:lumMod val="84000"/>
               </a:schemeClr>
             </a:gs>
           </a:gsLst>
@@ -4614,26 +9270,23 @@
         </a:gradFill>
       </a:fillStyleLst>
       <a:lnStyleLst>
-        <a:ln w="6350" cap="flat" cmpd="sng" algn="ctr">
+        <a:ln w="9525" cap="rnd" cmpd="sng" algn="ctr">
           <a:solidFill>
             <a:schemeClr val="phClr"/>
           </a:solidFill>
           <a:prstDash val="solid"/>
-          <a:miter lim="800000"/>
         </a:ln>
-        <a:ln w="12700" cap="flat" cmpd="sng" algn="ctr">
+        <a:ln w="19050" cap="rnd" cmpd="sng" algn="ctr">
           <a:solidFill>
             <a:schemeClr val="phClr"/>
           </a:solidFill>
           <a:prstDash val="solid"/>
-          <a:miter lim="800000"/>
         </a:ln>
-        <a:ln w="19050" cap="flat" cmpd="sng" algn="ctr">
+        <a:ln w="28575" cap="rnd" cmpd="sng" algn="ctr">
           <a:solidFill>
             <a:schemeClr val="phClr"/>
           </a:solidFill>
           <a:prstDash val="solid"/>
-          <a:miter lim="800000"/>
         </a:ln>
       </a:lnStyleLst>
       <a:effectStyleLst>
@@ -4641,55 +9294,80 @@
           <a:effectLst/>
         </a:effectStyle>
         <a:effectStyle>
-          <a:effectLst/>
+          <a:effectLst>
+            <a:outerShdw blurRad="38100" dist="25400" dir="5400000" rotWithShape="0">
+              <a:srgbClr val="000000">
+                <a:alpha val="45000"/>
+              </a:srgbClr>
+            </a:outerShdw>
+          </a:effectLst>
         </a:effectStyle>
         <a:effectStyle>
           <a:effectLst>
-            <a:outerShdw blurRad="57150" dist="19050" dir="5400000" algn="ctr" rotWithShape="0">
+            <a:outerShdw blurRad="63500" dist="38100" dir="5400000" rotWithShape="0">
               <a:srgbClr val="000000">
-                <a:alpha val="63000"/>
+                <a:alpha val="60000"/>
               </a:srgbClr>
             </a:outerShdw>
           </a:effectLst>
+          <a:scene3d>
+            <a:camera prst="orthographicFront">
+              <a:rot lat="0" lon="0" rev="0"/>
+            </a:camera>
+            <a:lightRig rig="threePt" dir="tl"/>
+          </a:scene3d>
+          <a:sp3d prstMaterial="plastic">
+            <a:bevelT w="0" h="0"/>
+          </a:sp3d>
         </a:effectStyle>
       </a:effectStyleLst>
       <a:bgFillStyleLst>
         <a:solidFill>
           <a:schemeClr val="phClr"/>
         </a:solidFill>
-        <a:solidFill>
-          <a:schemeClr val="phClr">
-            <a:tint val="95000"/>
-            <a:satMod val="170000"/>
-          </a:schemeClr>
-        </a:solidFill>
         <a:gradFill rotWithShape="1">
           <a:gsLst>
             <a:gs pos="0">
               <a:schemeClr val="phClr">
-                <a:tint val="93000"/>
-                <a:satMod val="150000"/>
-                <a:shade val="98000"/>
-                <a:lumMod val="102000"/>
-              </a:schemeClr>
-            </a:gs>
-            <a:gs pos="50000">
-              <a:schemeClr val="phClr">
-                <a:tint val="98000"/>
+                <a:tint val="97000"/>
+                <a:hueMod val="88000"/>
                 <a:satMod val="130000"/>
-                <a:shade val="90000"/>
-                <a:lumMod val="103000"/>
+                <a:lumMod val="124000"/>
               </a:schemeClr>
             </a:gs>
             <a:gs pos="100000">
               <a:schemeClr val="phClr">
-                <a:shade val="63000"/>
-                <a:satMod val="120000"/>
+                <a:tint val="96000"/>
+                <a:shade val="88000"/>
+                <a:hueMod val="108000"/>
+                <a:satMod val="164000"/>
+                <a:lumMod val="76000"/>
               </a:schemeClr>
             </a:gs>
           </a:gsLst>
-          <a:lin ang="5400000" scaled="0"/>
+          <a:path path="circle">
+            <a:fillToRect l="45000" t="65000" r="125000" b="100000"/>
+          </a:path>
         </a:gradFill>
+        <a:blipFill rotWithShape="1">
+          <a:blip xmlns:r="http://schemas.openxmlformats.org/officeDocument/2006/relationships" r:embed="rId1">
+            <a:duotone>
+              <a:schemeClr val="phClr">
+                <a:shade val="69000"/>
+                <a:hueMod val="108000"/>
+                <a:satMod val="164000"/>
+                <a:lumMod val="74000"/>
+              </a:schemeClr>
+              <a:schemeClr val="phClr">
+                <a:tint val="96000"/>
+                <a:hueMod val="88000"/>
+                <a:satMod val="140000"/>
+                <a:lumMod val="132000"/>
+              </a:schemeClr>
+            </a:duotone>
+          </a:blip>
+          <a:stretch/>
+        </a:blipFill>
       </a:bgFillStyleLst>
     </a:fmtScheme>
   </a:themeElements>
@@ -4697,7 +9375,7 @@
   <a:extraClrSchemeLst/>
   <a:extLst>
     <a:ext uri="{05A4C25C-085E-4340-85A3-A5531E510DB2}">
-      <thm15:themeFamily xmlns:thm15="http://schemas.microsoft.com/office/thememl/2012/main" name="Office Theme" id="{62F939B6-93AF-4DB8-9C6B-D6C7DFDC589F}" vid="{4A3C46E8-61CC-4603-A589-7422A47A8E4A}"/>
+      <thm15:themeFamily xmlns:thm15="http://schemas.microsoft.com/office/thememl/2012/main" name="Ion" id="{B8441ADB-2E43-4AF7-B97A-BD870242C6A8}" vid="{292E63A9-BB86-4E3D-B92A-7223C6510D2E}"/>
     </a:ext>
   </a:extLst>
 </a:theme>
